--- a/slides/Week 6 - text mining.pptx
+++ b/slides/Week 6 - text mining.pptx
@@ -311,7 +311,7 @@
             <a:fld id="{373F1B60-BDF4-4D63-AD79-99D5A5B1DF99}" type="datetime1">
               <a:rPr lang="en-US"/>
               <a:pPr/>
-              <a:t>11/18/2019</a:t>
+              <a:t>12/18/2019</a:t>
             </a:fld>
             <a:endParaRPr lang="en-US"/>
           </a:p>
@@ -530,7 +530,7 @@
             <a:fld id="{4387A7AA-DFE9-4771-BEDE-3294FCEBFB02}" type="datetime1">
               <a:rPr lang="en-US"/>
               <a:pPr/>
-              <a:t>11/18/2019</a:t>
+              <a:t>12/18/2019</a:t>
             </a:fld>
             <a:endParaRPr lang="en-US"/>
           </a:p>
@@ -921,7 +921,7 @@
             <a:fld id="{8541E2CD-DBF4-40F9-B6F8-EEFD0DF8A138}" type="datetime1">
               <a:rPr lang="en-US"/>
               <a:pPr/>
-              <a:t>11/18/2019</a:t>
+              <a:t>12/18/2019</a:t>
             </a:fld>
             <a:endParaRPr lang="en-US"/>
           </a:p>
@@ -1141,7 +1141,7 @@
             <a:fld id="{93F21019-3A00-48AC-9663-40DF67A83229}" type="datetime1">
               <a:rPr lang="en-US"/>
               <a:pPr/>
-              <a:t>11/18/2019</a:t>
+              <a:t>12/18/2019</a:t>
             </a:fld>
             <a:endParaRPr lang="en-US">
               <a:solidFill>
@@ -1327,7 +1327,7 @@
             <a:fld id="{8B2EF9C8-0AC3-4A53-9A61-1834A571F420}" type="datetime1">
               <a:rPr lang="en-US"/>
               <a:pPr/>
-              <a:t>11/18/2019</a:t>
+              <a:t>12/18/2019</a:t>
             </a:fld>
             <a:endParaRPr lang="en-US" sz="1400">
               <a:solidFill>
@@ -1524,7 +1524,7 @@
             <a:fld id="{F02960F3-A385-4905-A491-FDC17E063DD1}" type="datetime1">
               <a:rPr lang="en-US"/>
               <a:pPr/>
-              <a:t>11/18/2019</a:t>
+              <a:t>12/18/2019</a:t>
             </a:fld>
             <a:endParaRPr lang="en-US" sz="1400">
               <a:solidFill>
@@ -1783,7 +1783,7 @@
             <a:fld id="{CD3AD70A-8E2A-47B5-AC18-ABBB5A8E737D}" type="datetime1">
               <a:rPr lang="en-US"/>
               <a:pPr/>
-              <a:t>11/18/2019</a:t>
+              <a:t>12/18/2019</a:t>
             </a:fld>
             <a:endParaRPr lang="en-US" sz="1400">
               <a:solidFill>
@@ -2019,7 +2019,7 @@
             <a:fld id="{07008C2E-9BD6-496B-BFC3-B4A975EBC85E}" type="datetime1">
               <a:rPr lang="en-US"/>
               <a:pPr/>
-              <a:t>11/18/2019</a:t>
+              <a:t>12/18/2019</a:t>
             </a:fld>
             <a:endParaRPr lang="en-US" sz="1400">
               <a:solidFill>
@@ -2198,7 +2198,7 @@
             <a:fld id="{1AA2C3CF-866C-4FDE-B76D-4E9536901630}" type="datetime1">
               <a:rPr lang="en-US"/>
               <a:pPr/>
-              <a:t>11/18/2019</a:t>
+              <a:t>12/18/2019</a:t>
             </a:fld>
             <a:endParaRPr lang="en-US" sz="1400">
               <a:solidFill>
@@ -2377,7 +2377,7 @@
             <a:fld id="{555EE259-FE08-4558-B721-B189FFE77284}" type="datetime1">
               <a:rPr lang="en-US"/>
               <a:pPr/>
-              <a:t>11/18/2019</a:t>
+              <a:t>12/18/2019</a:t>
             </a:fld>
             <a:endParaRPr lang="en-US" sz="1400">
               <a:solidFill>
@@ -2646,7 +2646,7 @@
             <a:fld id="{0AF4064E-5624-49AB-B7C6-E301A8F6B1FF}" type="datetime1">
               <a:rPr lang="en-US"/>
               <a:pPr/>
-              <a:t>11/18/2019</a:t>
+              <a:t>12/18/2019</a:t>
             </a:fld>
             <a:endParaRPr lang="en-US" sz="1400">
               <a:solidFill>
@@ -2843,7 +2843,7 @@
             <a:fld id="{CBC97FCD-6C54-4833-B032-BFBCDFA8379D}" type="datetime1">
               <a:rPr lang="en-US"/>
               <a:pPr/>
-              <a:t>11/18/2019</a:t>
+              <a:t>12/18/2019</a:t>
             </a:fld>
             <a:endParaRPr lang="en-US" sz="1400">
               <a:solidFill>
@@ -3052,7 +3052,7 @@
             <a:fld id="{F04AA577-515A-431F-98B6-3B03494ABB11}" type="datetime1">
               <a:rPr lang="en-US"/>
               <a:pPr/>
-              <a:t>11/18/2019</a:t>
+              <a:t>12/18/2019</a:t>
             </a:fld>
             <a:endParaRPr lang="en-US" sz="1400">
               <a:solidFill>
@@ -3357,7 +3357,7 @@
             <a:fld id="{6475F1A4-C474-4345-A800-2F40B0E4E70C}" type="datetime1">
               <a:rPr lang="en-US"/>
               <a:pPr/>
-              <a:t>11/18/2019</a:t>
+              <a:t>12/18/2019</a:t>
             </a:fld>
             <a:endParaRPr lang="en-US" sz="1400">
               <a:solidFill>
@@ -3801,7 +3801,7 @@
             <a:fld id="{7BA535AB-820E-4207-9DA8-5F37106C7AF4}" type="datetime1">
               <a:rPr lang="en-US"/>
               <a:pPr/>
-              <a:t>11/18/2019</a:t>
+              <a:t>12/18/2019</a:t>
             </a:fld>
             <a:endParaRPr lang="en-US" sz="1400">
               <a:solidFill>
@@ -3936,7 +3936,7 @@
             <a:fld id="{0A7E69FA-D7EE-42C0-9117-1971B541885F}" type="datetime1">
               <a:rPr lang="en-US"/>
               <a:pPr/>
-              <a:t>11/18/2019</a:t>
+              <a:t>12/18/2019</a:t>
             </a:fld>
             <a:endParaRPr lang="en-US" sz="1400">
               <a:solidFill>
@@ -4048,7 +4048,7 @@
             <a:fld id="{10D7644E-1B5D-4325-BA79-338DF2B89B56}" type="datetime1">
               <a:rPr lang="en-US"/>
               <a:pPr/>
-              <a:t>11/18/2019</a:t>
+              <a:t>12/18/2019</a:t>
             </a:fld>
             <a:endParaRPr lang="en-US" sz="1400">
               <a:solidFill>
@@ -4342,7 +4342,7 @@
             <a:fld id="{B790C882-0B74-4932-8998-E9ABB8AF1740}" type="datetime1">
               <a:rPr lang="en-US"/>
               <a:pPr/>
-              <a:t>11/18/2019</a:t>
+              <a:t>12/18/2019</a:t>
             </a:fld>
             <a:endParaRPr lang="en-US" sz="1400">
               <a:solidFill>
@@ -4612,7 +4612,7 @@
             <a:fld id="{9DC585DC-AE7D-44C1-90AB-C3A391DEA065}" type="datetime1">
               <a:rPr lang="en-US"/>
               <a:pPr/>
-              <a:t>11/18/2019</a:t>
+              <a:t>12/18/2019</a:t>
             </a:fld>
             <a:endParaRPr lang="en-US" sz="1400">
               <a:solidFill>
@@ -4876,7 +4876,7 @@
             <a:fld id="{256CE565-1940-4E5F-9190-C0815CEAAA9D}" type="datetime1">
               <a:rPr lang="en-US"/>
               <a:pPr/>
-              <a:t>11/18/2019</a:t>
+              <a:t>12/18/2019</a:t>
             </a:fld>
             <a:endParaRPr lang="en-US"/>
           </a:p>
@@ -8071,13 +8071,55 @@
                 <a:latin typeface="Courier New" panose="02070309020205020404" pitchFamily="49" charset="0"/>
                 <a:cs typeface="Courier New" panose="02070309020205020404" pitchFamily="49" charset="0"/>
               </a:rPr>
-              <a:t>Save </a:t>
+              <a:t>The next step </a:t>
             </a:r>
             <a:r>
               <a:rPr lang="nl-NL" sz="1400" kern="0" dirty="0" err="1" smtClean="0">
                 <a:latin typeface="Courier New" panose="02070309020205020404" pitchFamily="49" charset="0"/>
                 <a:cs typeface="Courier New" panose="02070309020205020404" pitchFamily="49" charset="0"/>
               </a:rPr>
+              <a:t>should</a:t>
+            </a:r>
+            <a:r>
+              <a:rPr lang="nl-NL" sz="1400" kern="0" dirty="0" smtClean="0">
+                <a:latin typeface="Courier New" panose="02070309020205020404" pitchFamily="49" charset="0"/>
+                <a:cs typeface="Courier New" panose="02070309020205020404" pitchFamily="49" charset="0"/>
+              </a:rPr>
+              <a:t> </a:t>
+            </a:r>
+            <a:r>
+              <a:rPr lang="nl-NL" sz="1400" kern="0" dirty="0" err="1" smtClean="0">
+                <a:latin typeface="Courier New" panose="02070309020205020404" pitchFamily="49" charset="0"/>
+                <a:cs typeface="Courier New" panose="02070309020205020404" pitchFamily="49" charset="0"/>
+              </a:rPr>
+              <a:t>not</a:t>
+            </a:r>
+            <a:r>
+              <a:rPr lang="nl-NL" sz="1400" kern="0" dirty="0" smtClean="0">
+                <a:latin typeface="Courier New" panose="02070309020205020404" pitchFamily="49" charset="0"/>
+                <a:cs typeface="Courier New" panose="02070309020205020404" pitchFamily="49" charset="0"/>
+              </a:rPr>
+              <a:t> </a:t>
+            </a:r>
+            <a:r>
+              <a:rPr lang="nl-NL" sz="1400" kern="0" dirty="0" err="1" smtClean="0">
+                <a:latin typeface="Courier New" panose="02070309020205020404" pitchFamily="49" charset="0"/>
+                <a:cs typeface="Courier New" panose="02070309020205020404" pitchFamily="49" charset="0"/>
+              </a:rPr>
+              <a:t>freeze</a:t>
+            </a:r>
+            <a:r>
+              <a:rPr lang="nl-NL" sz="1400" kern="0" dirty="0" smtClean="0">
+                <a:latin typeface="Courier New" panose="02070309020205020404" pitchFamily="49" charset="0"/>
+                <a:cs typeface="Courier New" panose="02070309020205020404" pitchFamily="49" charset="0"/>
+              </a:rPr>
+              <a:t> </a:t>
+            </a:r>
+            <a:r>
+              <a:rPr lang="nl-NL" sz="1400" kern="0" dirty="0" err="1" smtClean="0">
+                <a:latin typeface="Courier New" panose="02070309020205020404" pitchFamily="49" charset="0"/>
+                <a:cs typeface="Courier New" panose="02070309020205020404" pitchFamily="49" charset="0"/>
+              </a:rPr>
               <a:t>your</a:t>
             </a:r>
             <a:r>
@@ -8085,77 +8127,42 @@
                 <a:latin typeface="Courier New" panose="02070309020205020404" pitchFamily="49" charset="0"/>
                 <a:cs typeface="Courier New" panose="02070309020205020404" pitchFamily="49" charset="0"/>
               </a:rPr>
-              <a:t> document (this </a:t>
+              <a:t> machine, but </a:t>
             </a:r>
             <a:r>
               <a:rPr lang="nl-NL" sz="1400" kern="0" dirty="0" err="1" smtClean="0">
                 <a:latin typeface="Courier New" panose="02070309020205020404" pitchFamily="49" charset="0"/>
                 <a:cs typeface="Courier New" panose="02070309020205020404" pitchFamily="49" charset="0"/>
               </a:rPr>
-              <a:t>should</a:t>
+              <a:t>just</a:t>
             </a:r>
             <a:r>
               <a:rPr lang="nl-NL" sz="1400" kern="0" dirty="0" smtClean="0">
                 <a:latin typeface="Courier New" panose="02070309020205020404" pitchFamily="49" charset="0"/>
                 <a:cs typeface="Courier New" panose="02070309020205020404" pitchFamily="49" charset="0"/>
               </a:rPr>
-              <a:t> </a:t>
+              <a:t> in </a:t>
+            </a:r>
+            <a:r>
+              <a:rPr lang="nl-NL" sz="1400" kern="0" dirty="0" smtClean="0">
+                <a:latin typeface="Courier New" panose="02070309020205020404" pitchFamily="49" charset="0"/>
+                <a:cs typeface="Courier New" panose="02070309020205020404" pitchFamily="49" charset="0"/>
+              </a:rPr>
+              <a:t>case: save </a:t>
             </a:r>
             <a:r>
               <a:rPr lang="nl-NL" sz="1400" kern="0" dirty="0" err="1" smtClean="0">
                 <a:latin typeface="Courier New" panose="02070309020205020404" pitchFamily="49" charset="0"/>
                 <a:cs typeface="Courier New" panose="02070309020205020404" pitchFamily="49" charset="0"/>
               </a:rPr>
-              <a:t>not</a:t>
+              <a:t>your</a:t>
             </a:r>
             <a:r>
               <a:rPr lang="nl-NL" sz="1400" kern="0" dirty="0" smtClean="0">
                 <a:latin typeface="Courier New" panose="02070309020205020404" pitchFamily="49" charset="0"/>
                 <a:cs typeface="Courier New" panose="02070309020205020404" pitchFamily="49" charset="0"/>
               </a:rPr>
-              <a:t> </a:t>
-            </a:r>
-            <a:r>
-              <a:rPr lang="nl-NL" sz="1400" kern="0" dirty="0" err="1" smtClean="0">
-                <a:latin typeface="Courier New" panose="02070309020205020404" pitchFamily="49" charset="0"/>
-                <a:cs typeface="Courier New" panose="02070309020205020404" pitchFamily="49" charset="0"/>
-              </a:rPr>
-              <a:t>freeze</a:t>
-            </a:r>
-            <a:r>
-              <a:rPr lang="nl-NL" sz="1400" kern="0" dirty="0" smtClean="0">
-                <a:latin typeface="Courier New" panose="02070309020205020404" pitchFamily="49" charset="0"/>
-                <a:cs typeface="Courier New" panose="02070309020205020404" pitchFamily="49" charset="0"/>
-              </a:rPr>
-              <a:t> </a:t>
-            </a:r>
-            <a:r>
-              <a:rPr lang="nl-NL" sz="1400" kern="0" dirty="0" err="1" smtClean="0">
-                <a:latin typeface="Courier New" panose="02070309020205020404" pitchFamily="49" charset="0"/>
-                <a:cs typeface="Courier New" panose="02070309020205020404" pitchFamily="49" charset="0"/>
-              </a:rPr>
-              <a:t>your</a:t>
-            </a:r>
-            <a:r>
-              <a:rPr lang="nl-NL" sz="1400" kern="0" dirty="0" smtClean="0">
-                <a:latin typeface="Courier New" panose="02070309020205020404" pitchFamily="49" charset="0"/>
-                <a:cs typeface="Courier New" panose="02070309020205020404" pitchFamily="49" charset="0"/>
-              </a:rPr>
-              <a:t> machine, but </a:t>
-            </a:r>
-            <a:r>
-              <a:rPr lang="nl-NL" sz="1400" kern="0" dirty="0" err="1" smtClean="0">
-                <a:latin typeface="Courier New" panose="02070309020205020404" pitchFamily="49" charset="0"/>
-                <a:cs typeface="Courier New" panose="02070309020205020404" pitchFamily="49" charset="0"/>
-              </a:rPr>
-              <a:t>just</a:t>
-            </a:r>
-            <a:r>
-              <a:rPr lang="nl-NL" sz="1400" kern="0" dirty="0" smtClean="0">
-                <a:latin typeface="Courier New" panose="02070309020205020404" pitchFamily="49" charset="0"/>
-                <a:cs typeface="Courier New" panose="02070309020205020404" pitchFamily="49" charset="0"/>
-              </a:rPr>
-              <a:t> in case). </a:t>
+              <a:t> files. </a:t>
             </a:r>
             <a:r>
               <a:rPr lang="nl-NL" sz="1400" kern="0" dirty="0" err="1" smtClean="0">
@@ -11347,7 +11354,7 @@
         <p:spPr bwMode="auto">
           <a:xfrm>
             <a:off x="838200" y="1521384"/>
-            <a:ext cx="7881938" cy="6383286"/>
+            <a:ext cx="7881938" cy="6124754"/>
           </a:xfrm>
           <a:prstGeom prst="rect">
             <a:avLst/>
@@ -12088,14 +12095,15 @@
                 <a:latin typeface="Courier New" panose="02070309020205020404" pitchFamily="49" charset="0"/>
                 <a:cs typeface="Courier New" panose="02070309020205020404" pitchFamily="49" charset="0"/>
               </a:rPr>
-              <a:t> model?</a:t>
-            </a:r>
-          </a:p>
-          <a:p>
-            <a:pPr>
-              <a:buFont typeface="+mj-lt"/>
-              <a:buAutoNum type="arabicPeriod"/>
-            </a:pPr>
+              <a:t> </a:t>
+            </a:r>
+            <a:r>
+              <a:rPr lang="nl-NL" sz="1400" kern="0" smtClean="0">
+                <a:latin typeface="Courier New" panose="02070309020205020404" pitchFamily="49" charset="0"/>
+                <a:cs typeface="Courier New" panose="02070309020205020404" pitchFamily="49" charset="0"/>
+              </a:rPr>
+              <a:t>model?</a:t>
+            </a:r>
             <a:endParaRPr lang="nl-NL" sz="1400" kern="0" dirty="0">
               <a:latin typeface="Courier New" panose="02070309020205020404" pitchFamily="49" charset="0"/>
               <a:cs typeface="Courier New" panose="02070309020205020404" pitchFamily="49" charset="0"/>
@@ -13980,7 +13988,7 @@
         <p:spPr bwMode="auto">
           <a:xfrm>
             <a:off x="838200" y="1484784"/>
-            <a:ext cx="7881938" cy="7503593"/>
+            <a:ext cx="7881938" cy="7257371"/>
           </a:xfrm>
           <a:prstGeom prst="rect">
             <a:avLst/>
@@ -14190,217 +14198,217 @@
               <a:buNone/>
             </a:pPr>
             <a:r>
-              <a:rPr lang="nl-NL" sz="1400" dirty="0" smtClean="0">
+              <a:rPr lang="nl-NL" sz="1200" dirty="0" smtClean="0">
                 <a:latin typeface="Courier New" panose="02070309020205020404" pitchFamily="49" charset="0"/>
                 <a:cs typeface="Courier New" panose="02070309020205020404" pitchFamily="49" charset="0"/>
               </a:rPr>
               <a:t>In this </a:t>
             </a:r>
             <a:r>
-              <a:rPr lang="nl-NL" sz="1400" dirty="0" err="1" smtClean="0">
+              <a:rPr lang="nl-NL" sz="1200" dirty="0" err="1" smtClean="0">
                 <a:latin typeface="Courier New" panose="02070309020205020404" pitchFamily="49" charset="0"/>
                 <a:cs typeface="Courier New" panose="02070309020205020404" pitchFamily="49" charset="0"/>
               </a:rPr>
               <a:t>exercise</a:t>
             </a:r>
             <a:r>
-              <a:rPr lang="nl-NL" sz="1400" dirty="0" smtClean="0">
+              <a:rPr lang="nl-NL" sz="1200" dirty="0" smtClean="0">
                 <a:latin typeface="Courier New" panose="02070309020205020404" pitchFamily="49" charset="0"/>
                 <a:cs typeface="Courier New" panose="02070309020205020404" pitchFamily="49" charset="0"/>
               </a:rPr>
               <a:t> we </a:t>
             </a:r>
             <a:r>
-              <a:rPr lang="nl-NL" sz="1400" dirty="0" err="1" smtClean="0">
+              <a:rPr lang="nl-NL" sz="1200" dirty="0" err="1" smtClean="0">
                 <a:latin typeface="Courier New" panose="02070309020205020404" pitchFamily="49" charset="0"/>
                 <a:cs typeface="Courier New" panose="02070309020205020404" pitchFamily="49" charset="0"/>
               </a:rPr>
               <a:t>will</a:t>
             </a:r>
             <a:r>
-              <a:rPr lang="nl-NL" sz="1400" dirty="0" smtClean="0">
+              <a:rPr lang="nl-NL" sz="1200" dirty="0" smtClean="0">
                 <a:latin typeface="Courier New" panose="02070309020205020404" pitchFamily="49" charset="0"/>
                 <a:cs typeface="Courier New" panose="02070309020205020404" pitchFamily="49" charset="0"/>
               </a:rPr>
               <a:t> </a:t>
             </a:r>
             <a:r>
-              <a:rPr lang="nl-NL" sz="1400" dirty="0" err="1" smtClean="0">
+              <a:rPr lang="nl-NL" sz="1200" dirty="0" err="1" smtClean="0">
                 <a:latin typeface="Courier New" panose="02070309020205020404" pitchFamily="49" charset="0"/>
                 <a:cs typeface="Courier New" panose="02070309020205020404" pitchFamily="49" charset="0"/>
               </a:rPr>
               <a:t>evaluate</a:t>
             </a:r>
             <a:r>
-              <a:rPr lang="nl-NL" sz="1400" dirty="0" smtClean="0">
+              <a:rPr lang="nl-NL" sz="1200" dirty="0" smtClean="0">
                 <a:latin typeface="Courier New" panose="02070309020205020404" pitchFamily="49" charset="0"/>
                 <a:cs typeface="Courier New" panose="02070309020205020404" pitchFamily="49" charset="0"/>
               </a:rPr>
               <a:t> the model </a:t>
             </a:r>
             <a:r>
-              <a:rPr lang="nl-NL" sz="1400" dirty="0" err="1" smtClean="0">
+              <a:rPr lang="nl-NL" sz="1200" dirty="0" err="1" smtClean="0">
                 <a:latin typeface="Courier New" panose="02070309020205020404" pitchFamily="49" charset="0"/>
                 <a:cs typeface="Courier New" panose="02070309020205020404" pitchFamily="49" charset="0"/>
               </a:rPr>
               <a:t>and</a:t>
             </a:r>
             <a:r>
-              <a:rPr lang="nl-NL" sz="1400" dirty="0" smtClean="0">
+              <a:rPr lang="nl-NL" sz="1200" dirty="0" smtClean="0">
                 <a:latin typeface="Courier New" panose="02070309020205020404" pitchFamily="49" charset="0"/>
                 <a:cs typeface="Courier New" panose="02070309020205020404" pitchFamily="49" charset="0"/>
               </a:rPr>
               <a:t> </a:t>
             </a:r>
             <a:r>
-              <a:rPr lang="nl-NL" sz="1400" dirty="0" err="1" smtClean="0">
+              <a:rPr lang="nl-NL" sz="1200" dirty="0" err="1" smtClean="0">
                 <a:latin typeface="Courier New" panose="02070309020205020404" pitchFamily="49" charset="0"/>
                 <a:cs typeface="Courier New" panose="02070309020205020404" pitchFamily="49" charset="0"/>
               </a:rPr>
               <a:t>delve</a:t>
             </a:r>
             <a:r>
-              <a:rPr lang="nl-NL" sz="1400" dirty="0" smtClean="0">
+              <a:rPr lang="nl-NL" sz="1200" dirty="0" smtClean="0">
                 <a:latin typeface="Courier New" panose="02070309020205020404" pitchFamily="49" charset="0"/>
                 <a:cs typeface="Courier New" panose="02070309020205020404" pitchFamily="49" charset="0"/>
               </a:rPr>
               <a:t> </a:t>
             </a:r>
             <a:r>
-              <a:rPr lang="nl-NL" sz="1400" dirty="0" err="1" smtClean="0">
+              <a:rPr lang="nl-NL" sz="1200" dirty="0" err="1" smtClean="0">
                 <a:latin typeface="Courier New" panose="02070309020205020404" pitchFamily="49" charset="0"/>
                 <a:cs typeface="Courier New" panose="02070309020205020404" pitchFamily="49" charset="0"/>
               </a:rPr>
               <a:t>further</a:t>
             </a:r>
             <a:r>
-              <a:rPr lang="nl-NL" sz="1400" dirty="0" smtClean="0">
+              <a:rPr lang="nl-NL" sz="1200" dirty="0" smtClean="0">
                 <a:latin typeface="Courier New" panose="02070309020205020404" pitchFamily="49" charset="0"/>
                 <a:cs typeface="Courier New" panose="02070309020205020404" pitchFamily="49" charset="0"/>
               </a:rPr>
               <a:t> </a:t>
             </a:r>
             <a:r>
-              <a:rPr lang="nl-NL" sz="1400" dirty="0" err="1" smtClean="0">
+              <a:rPr lang="nl-NL" sz="1200" dirty="0" err="1" smtClean="0">
                 <a:latin typeface="Courier New" panose="02070309020205020404" pitchFamily="49" charset="0"/>
                 <a:cs typeface="Courier New" panose="02070309020205020404" pitchFamily="49" charset="0"/>
               </a:rPr>
               <a:t>into</a:t>
             </a:r>
             <a:r>
-              <a:rPr lang="nl-NL" sz="1400" dirty="0" smtClean="0">
+              <a:rPr lang="nl-NL" sz="1200" dirty="0" smtClean="0">
                 <a:latin typeface="Courier New" panose="02070309020205020404" pitchFamily="49" charset="0"/>
                 <a:cs typeface="Courier New" panose="02070309020205020404" pitchFamily="49" charset="0"/>
               </a:rPr>
               <a:t> the data. </a:t>
             </a:r>
             <a:r>
-              <a:rPr lang="nl-NL" sz="1400" dirty="0" err="1" smtClean="0">
+              <a:rPr lang="nl-NL" sz="1200" dirty="0" err="1" smtClean="0">
                 <a:latin typeface="Courier New" panose="02070309020205020404" pitchFamily="49" charset="0"/>
                 <a:cs typeface="Courier New" panose="02070309020205020404" pitchFamily="49" charset="0"/>
               </a:rPr>
               <a:t>Remember</a:t>
             </a:r>
             <a:r>
-              <a:rPr lang="nl-NL" sz="1400" dirty="0" smtClean="0">
+              <a:rPr lang="nl-NL" sz="1200" dirty="0" smtClean="0">
                 <a:latin typeface="Courier New" panose="02070309020205020404" pitchFamily="49" charset="0"/>
                 <a:cs typeface="Courier New" panose="02070309020205020404" pitchFamily="49" charset="0"/>
               </a:rPr>
               <a:t> </a:t>
             </a:r>
             <a:r>
-              <a:rPr lang="nl-NL" sz="1400" dirty="0" err="1" smtClean="0">
+              <a:rPr lang="nl-NL" sz="1200" dirty="0" err="1" smtClean="0">
                 <a:latin typeface="Courier New" panose="02070309020205020404" pitchFamily="49" charset="0"/>
                 <a:cs typeface="Courier New" panose="02070309020205020404" pitchFamily="49" charset="0"/>
               </a:rPr>
               <a:t>that</a:t>
             </a:r>
             <a:r>
-              <a:rPr lang="nl-NL" sz="1400" dirty="0" smtClean="0">
+              <a:rPr lang="nl-NL" sz="1200" dirty="0" smtClean="0">
                 <a:latin typeface="Courier New" panose="02070309020205020404" pitchFamily="49" charset="0"/>
                 <a:cs typeface="Courier New" panose="02070309020205020404" pitchFamily="49" charset="0"/>
               </a:rPr>
               <a:t> </a:t>
             </a:r>
             <a:r>
-              <a:rPr lang="nl-NL" sz="1400" dirty="0" err="1" smtClean="0">
+              <a:rPr lang="nl-NL" sz="1200" dirty="0" err="1" smtClean="0">
                 <a:latin typeface="Courier New" panose="02070309020205020404" pitchFamily="49" charset="0"/>
                 <a:cs typeface="Courier New" panose="02070309020205020404" pitchFamily="49" charset="0"/>
               </a:rPr>
               <a:t>you</a:t>
             </a:r>
             <a:r>
-              <a:rPr lang="nl-NL" sz="1400" dirty="0" smtClean="0">
+              <a:rPr lang="nl-NL" sz="1200" dirty="0" smtClean="0">
                 <a:latin typeface="Courier New" panose="02070309020205020404" pitchFamily="49" charset="0"/>
                 <a:cs typeface="Courier New" panose="02070309020205020404" pitchFamily="49" charset="0"/>
               </a:rPr>
               <a:t> </a:t>
             </a:r>
             <a:r>
-              <a:rPr lang="nl-NL" sz="1400" dirty="0" err="1" smtClean="0">
+              <a:rPr lang="nl-NL" sz="1200" dirty="0" err="1" smtClean="0">
                 <a:latin typeface="Courier New" panose="02070309020205020404" pitchFamily="49" charset="0"/>
                 <a:cs typeface="Courier New" panose="02070309020205020404" pitchFamily="49" charset="0"/>
               </a:rPr>
               <a:t>can</a:t>
             </a:r>
             <a:r>
-              <a:rPr lang="nl-NL" sz="1400" dirty="0" smtClean="0">
+              <a:rPr lang="nl-NL" sz="1200" dirty="0" smtClean="0">
                 <a:latin typeface="Courier New" panose="02070309020205020404" pitchFamily="49" charset="0"/>
                 <a:cs typeface="Courier New" panose="02070309020205020404" pitchFamily="49" charset="0"/>
               </a:rPr>
               <a:t> </a:t>
             </a:r>
             <a:r>
-              <a:rPr lang="nl-NL" sz="1400" dirty="0" err="1" smtClean="0">
+              <a:rPr lang="nl-NL" sz="1200" dirty="0" err="1" smtClean="0">
                 <a:latin typeface="Courier New" panose="02070309020205020404" pitchFamily="49" charset="0"/>
                 <a:cs typeface="Courier New" panose="02070309020205020404" pitchFamily="49" charset="0"/>
               </a:rPr>
               <a:t>use</a:t>
             </a:r>
             <a:r>
-              <a:rPr lang="nl-NL" sz="1400" dirty="0" smtClean="0">
+              <a:rPr lang="nl-NL" sz="1200" dirty="0" smtClean="0">
                 <a:latin typeface="Courier New" panose="02070309020205020404" pitchFamily="49" charset="0"/>
                 <a:cs typeface="Courier New" panose="02070309020205020404" pitchFamily="49" charset="0"/>
               </a:rPr>
               <a:t> the </a:t>
             </a:r>
             <a:r>
-              <a:rPr lang="nl-NL" sz="1400" i="1" dirty="0" err="1" smtClean="0">
+              <a:rPr lang="nl-NL" sz="1200" i="1" dirty="0" err="1" smtClean="0">
                 <a:latin typeface="Courier New" panose="02070309020205020404" pitchFamily="49" charset="0"/>
                 <a:cs typeface="Courier New" panose="02070309020205020404" pitchFamily="49" charset="0"/>
               </a:rPr>
               <a:t>Cookbook</a:t>
             </a:r>
             <a:r>
-              <a:rPr lang="nl-NL" sz="1400" i="1" dirty="0" smtClean="0">
+              <a:rPr lang="nl-NL" sz="1200" i="1" dirty="0" smtClean="0">
                 <a:latin typeface="Courier New" panose="02070309020205020404" pitchFamily="49" charset="0"/>
                 <a:cs typeface="Courier New" panose="02070309020205020404" pitchFamily="49" charset="0"/>
               </a:rPr>
               <a:t> </a:t>
             </a:r>
             <a:r>
-              <a:rPr lang="nl-NL" sz="1400" dirty="0" err="1" smtClean="0">
+              <a:rPr lang="nl-NL" sz="1200" dirty="0" err="1" smtClean="0">
                 <a:latin typeface="Courier New" panose="02070309020205020404" pitchFamily="49" charset="0"/>
                 <a:cs typeface="Courier New" panose="02070309020205020404" pitchFamily="49" charset="0"/>
               </a:rPr>
               <a:t>for</a:t>
             </a:r>
             <a:r>
-              <a:rPr lang="nl-NL" sz="1400" dirty="0" smtClean="0">
+              <a:rPr lang="nl-NL" sz="1200" dirty="0" smtClean="0">
                 <a:latin typeface="Courier New" panose="02070309020205020404" pitchFamily="49" charset="0"/>
                 <a:cs typeface="Courier New" panose="02070309020205020404" pitchFamily="49" charset="0"/>
               </a:rPr>
               <a:t> </a:t>
             </a:r>
             <a:r>
-              <a:rPr lang="nl-NL" sz="1400" dirty="0" err="1" smtClean="0">
+              <a:rPr lang="nl-NL" sz="1200" dirty="0" err="1" smtClean="0">
                 <a:latin typeface="Courier New" panose="02070309020205020404" pitchFamily="49" charset="0"/>
                 <a:cs typeface="Courier New" panose="02070309020205020404" pitchFamily="49" charset="0"/>
               </a:rPr>
               <a:t>examples</a:t>
             </a:r>
             <a:r>
-              <a:rPr lang="nl-NL" sz="1400" dirty="0" smtClean="0">
+              <a:rPr lang="nl-NL" sz="1200" dirty="0" smtClean="0">
                 <a:latin typeface="Courier New" panose="02070309020205020404" pitchFamily="49" charset="0"/>
                 <a:cs typeface="Courier New" panose="02070309020205020404" pitchFamily="49" charset="0"/>
               </a:rPr>
@@ -14596,50 +14604,47 @@
                 <a:latin typeface="Courier New" panose="02070309020205020404" pitchFamily="49" charset="0"/>
                 <a:cs typeface="Courier New" panose="02070309020205020404" pitchFamily="49" charset="0"/>
               </a:rPr>
+              <a:t> for </a:t>
+            </a:r>
+            <a:r>
+              <a:rPr lang="nl-NL" sz="1400" dirty="0" err="1" smtClean="0">
+                <a:latin typeface="Courier New" panose="02070309020205020404" pitchFamily="49" charset="0"/>
+                <a:cs typeface="Courier New" panose="02070309020205020404" pitchFamily="49" charset="0"/>
+              </a:rPr>
+              <a:t>both</a:t>
+            </a:r>
+            <a:r>
+              <a:rPr lang="nl-NL" sz="1400" dirty="0" smtClean="0">
+                <a:latin typeface="Courier New" panose="02070309020205020404" pitchFamily="49" charset="0"/>
+                <a:cs typeface="Courier New" panose="02070309020205020404" pitchFamily="49" charset="0"/>
+              </a:rPr>
+              <a:t> Bart </a:t>
+            </a:r>
+            <a:r>
+              <a:rPr lang="nl-NL" sz="1400" dirty="0" err="1" smtClean="0">
+                <a:latin typeface="Courier New" panose="02070309020205020404" pitchFamily="49" charset="0"/>
+                <a:cs typeface="Courier New" panose="02070309020205020404" pitchFamily="49" charset="0"/>
+              </a:rPr>
+              <a:t>and</a:t>
+            </a:r>
+            <a:r>
+              <a:rPr lang="nl-NL" sz="1400" dirty="0" smtClean="0">
+                <a:latin typeface="Courier New" panose="02070309020205020404" pitchFamily="49" charset="0"/>
+                <a:cs typeface="Courier New" panose="02070309020205020404" pitchFamily="49" charset="0"/>
+              </a:rPr>
               <a:t> </a:t>
             </a:r>
             <a:r>
-              <a:rPr lang="nl-NL" sz="1400" dirty="0" err="1" smtClean="0">
-                <a:latin typeface="Courier New" panose="02070309020205020404" pitchFamily="49" charset="0"/>
-                <a:cs typeface="Courier New" panose="02070309020205020404" pitchFamily="49" charset="0"/>
-              </a:rPr>
-              <a:t>for</a:t>
-            </a:r>
-            <a:r>
               <a:rPr lang="nl-NL" sz="1400" dirty="0" smtClean="0">
                 <a:latin typeface="Courier New" panose="02070309020205020404" pitchFamily="49" charset="0"/>
                 <a:cs typeface="Courier New" panose="02070309020205020404" pitchFamily="49" charset="0"/>
               </a:rPr>
-              <a:t> </a:t>
-            </a:r>
-            <a:r>
-              <a:rPr lang="nl-NL" sz="1400" dirty="0" err="1" smtClean="0">
-                <a:latin typeface="Courier New" panose="02070309020205020404" pitchFamily="49" charset="0"/>
-                <a:cs typeface="Courier New" panose="02070309020205020404" pitchFamily="49" charset="0"/>
-              </a:rPr>
-              <a:t>both</a:t>
-            </a:r>
-            <a:r>
-              <a:rPr lang="nl-NL" sz="1400" dirty="0" smtClean="0">
-                <a:latin typeface="Courier New" panose="02070309020205020404" pitchFamily="49" charset="0"/>
-                <a:cs typeface="Courier New" panose="02070309020205020404" pitchFamily="49" charset="0"/>
-              </a:rPr>
-              <a:t> Bart </a:t>
-            </a:r>
-            <a:r>
-              <a:rPr lang="nl-NL" sz="1400" dirty="0" err="1" smtClean="0">
-                <a:latin typeface="Courier New" panose="02070309020205020404" pitchFamily="49" charset="0"/>
-                <a:cs typeface="Courier New" panose="02070309020205020404" pitchFamily="49" charset="0"/>
-              </a:rPr>
-              <a:t>and</a:t>
-            </a:r>
-            <a:r>
-              <a:rPr lang="nl-NL" sz="1400" dirty="0" smtClean="0">
-                <a:latin typeface="Courier New" panose="02070309020205020404" pitchFamily="49" charset="0"/>
-                <a:cs typeface="Courier New" panose="02070309020205020404" pitchFamily="49" charset="0"/>
-              </a:rPr>
-              <a:t> Lisa</a:t>
-            </a:r>
+              <a:t>Lisa.</a:t>
+            </a:r>
+            <a:endParaRPr lang="nl-NL" sz="1400" dirty="0" smtClean="0">
+              <a:latin typeface="Courier New" panose="02070309020205020404" pitchFamily="49" charset="0"/>
+              <a:cs typeface="Courier New" panose="02070309020205020404" pitchFamily="49" charset="0"/>
+            </a:endParaRPr>
           </a:p>
           <a:p>
             <a:pPr>
@@ -14661,12 +14666,19 @@
                 <a:latin typeface="Courier New" panose="02070309020205020404" pitchFamily="49" charset="0"/>
                 <a:cs typeface="Courier New" panose="02070309020205020404" pitchFamily="49" charset="0"/>
               </a:rPr>
-              <a:t>Check out </a:t>
+              <a:t>Check </a:t>
             </a:r>
             <a:r>
               <a:rPr lang="nl-NL" sz="1400" dirty="0" smtClean="0">
                 <a:latin typeface="Courier New" panose="02070309020205020404" pitchFamily="49" charset="0"/>
                 <a:cs typeface="Courier New" panose="02070309020205020404" pitchFamily="49" charset="0"/>
+              </a:rPr>
+              <a:t>out </a:t>
+            </a:r>
+            <a:r>
+              <a:rPr lang="nl-NL" sz="1400" dirty="0" smtClean="0">
+                <a:latin typeface="Courier New" panose="02070309020205020404" pitchFamily="49" charset="0"/>
+                <a:cs typeface="Courier New" panose="02070309020205020404" pitchFamily="49" charset="0"/>
                 <a:hlinkClick r:id="rId2"/>
               </a:rPr>
               <a:t>the documentation</a:t>
@@ -14721,18 +14733,11 @@
               <a:t> </a:t>
             </a:r>
             <a:r>
-              <a:rPr lang="nl-NL" sz="1400" dirty="0" err="1" smtClean="0">
-                <a:latin typeface="Courier New" panose="02070309020205020404" pitchFamily="49" charset="0"/>
-                <a:cs typeface="Courier New" panose="02070309020205020404" pitchFamily="49" charset="0"/>
-              </a:rPr>
-              <a:t>for</a:t>
-            </a:r>
-            <a:r>
               <a:rPr lang="nl-NL" sz="1400" dirty="0" smtClean="0">
                 <a:latin typeface="Courier New" panose="02070309020205020404" pitchFamily="49" charset="0"/>
                 <a:cs typeface="Courier New" panose="02070309020205020404" pitchFamily="49" charset="0"/>
               </a:rPr>
-              <a:t> a </a:t>
+              <a:t>for a </a:t>
             </a:r>
             <a:r>
               <a:rPr lang="nl-NL" sz="1400" dirty="0" err="1" smtClean="0">
@@ -15163,7 +15168,14 @@
                 <a:latin typeface="Courier New" panose="02070309020205020404" pitchFamily="49" charset="0"/>
                 <a:cs typeface="Courier New" panose="02070309020205020404" pitchFamily="49" charset="0"/>
               </a:rPr>
-              <a:t> of the Simpsons)?</a:t>
+              <a:t> of the Simpsons</a:t>
+            </a:r>
+            <a:r>
+              <a:rPr lang="nl-NL" sz="1400" dirty="0" smtClean="0">
+                <a:latin typeface="Courier New" panose="02070309020205020404" pitchFamily="49" charset="0"/>
+                <a:cs typeface="Courier New" panose="02070309020205020404" pitchFamily="49" charset="0"/>
+              </a:rPr>
+              <a:t>)?</a:t>
             </a:r>
           </a:p>
           <a:p>
@@ -15177,11 +15189,20 @@
             </a:endParaRPr>
           </a:p>
           <a:p>
+            <a:pPr marL="0" indent="0">
+              <a:buNone/>
+            </a:pPr>
+            <a:endParaRPr lang="nl-NL" sz="1200" dirty="0">
+              <a:latin typeface="Courier New" panose="02070309020205020404" pitchFamily="49" charset="0"/>
+              <a:cs typeface="Courier New" panose="02070309020205020404" pitchFamily="49" charset="0"/>
+            </a:endParaRPr>
+          </a:p>
+          <a:p>
             <a:pPr>
               <a:buFont typeface="+mj-lt"/>
               <a:buAutoNum type="arabicPeriod"/>
             </a:pPr>
-            <a:endParaRPr lang="nl-NL" sz="1400" dirty="0">
+            <a:endParaRPr lang="nl-NL" sz="1200" dirty="0">
               <a:latin typeface="Courier New" panose="02070309020205020404" pitchFamily="49" charset="0"/>
               <a:cs typeface="Courier New" panose="02070309020205020404" pitchFamily="49" charset="0"/>
             </a:endParaRPr>
@@ -15191,14 +15212,14 @@
               <a:buNone/>
             </a:pPr>
             <a:r>
-              <a:rPr lang="nl-NL" sz="1400" dirty="0" smtClean="0">
+              <a:rPr lang="nl-NL" sz="1200" dirty="0" smtClean="0">
                 <a:latin typeface="Courier New" panose="02070309020205020404" pitchFamily="49" charset="0"/>
                 <a:cs typeface="Courier New" panose="02070309020205020404" pitchFamily="49" charset="0"/>
               </a:rPr>
               <a:t> </a:t>
             </a:r>
             <a:r>
-              <a:rPr lang="nl-NL" sz="1400" i="1" dirty="0" smtClean="0">
+              <a:rPr lang="nl-NL" sz="1200" i="1" dirty="0" smtClean="0">
                 <a:latin typeface="Courier New" panose="02070309020205020404" pitchFamily="49" charset="0"/>
                 <a:cs typeface="Courier New" panose="02070309020205020404" pitchFamily="49" charset="0"/>
               </a:rPr>
@@ -15210,7 +15231,7 @@
               <a:buFont typeface="+mj-lt"/>
               <a:buAutoNum type="arabicPeriod"/>
             </a:pPr>
-            <a:endParaRPr lang="nl-NL" sz="1400" dirty="0">
+            <a:endParaRPr lang="nl-NL" sz="1200" dirty="0">
               <a:latin typeface="Courier New" panose="02070309020205020404" pitchFamily="49" charset="0"/>
               <a:cs typeface="Courier New" panose="02070309020205020404" pitchFamily="49" charset="0"/>
             </a:endParaRPr>
@@ -15220,7 +15241,7 @@
               <a:buFont typeface="+mj-lt"/>
               <a:buAutoNum type="arabicPeriod"/>
             </a:pPr>
-            <a:endParaRPr lang="nl-NL" sz="1400" dirty="0" smtClean="0">
+            <a:endParaRPr lang="nl-NL" sz="1200" dirty="0" smtClean="0">
               <a:latin typeface="Courier New" panose="02070309020205020404" pitchFamily="49" charset="0"/>
               <a:cs typeface="Courier New" panose="02070309020205020404" pitchFamily="49" charset="0"/>
             </a:endParaRPr>
@@ -15230,7 +15251,7 @@
               <a:buFont typeface="+mj-lt"/>
               <a:buAutoNum type="arabicPeriod"/>
             </a:pPr>
-            <a:endParaRPr lang="nl-NL" sz="1400" kern="0" dirty="0">
+            <a:endParaRPr lang="nl-NL" sz="1200" kern="0" dirty="0">
               <a:latin typeface="Courier New" panose="02070309020205020404" pitchFamily="49" charset="0"/>
               <a:cs typeface="Courier New" panose="02070309020205020404" pitchFamily="49" charset="0"/>
             </a:endParaRPr>
@@ -15240,7 +15261,7 @@
               <a:buFont typeface="+mj-lt"/>
               <a:buAutoNum type="arabicPeriod"/>
             </a:pPr>
-            <a:endParaRPr lang="nl-NL" sz="1400" kern="0" dirty="0">
+            <a:endParaRPr lang="nl-NL" sz="1200" kern="0" dirty="0">
               <a:latin typeface="Courier New" panose="02070309020205020404" pitchFamily="49" charset="0"/>
               <a:cs typeface="Courier New" panose="02070309020205020404" pitchFamily="49" charset="0"/>
             </a:endParaRPr>
@@ -15250,7 +15271,7 @@
               <a:buFont typeface="+mj-lt"/>
               <a:buAutoNum type="arabicPeriod"/>
             </a:pPr>
-            <a:endParaRPr lang="nl-NL" sz="1400" kern="0" dirty="0" smtClean="0">
+            <a:endParaRPr lang="nl-NL" sz="1200" kern="0" dirty="0" smtClean="0">
               <a:latin typeface="Courier New" panose="02070309020205020404" pitchFamily="49" charset="0"/>
               <a:cs typeface="Courier New" panose="02070309020205020404" pitchFamily="49" charset="0"/>
             </a:endParaRPr>
@@ -15260,7 +15281,7 @@
               <a:buFont typeface="Zapf Dingbats" charset="2"/>
               <a:buNone/>
             </a:pPr>
-            <a:endParaRPr lang="nl-NL" sz="1400" kern="0" dirty="0">
+            <a:endParaRPr lang="nl-NL" sz="1200" kern="0" dirty="0">
               <a:latin typeface="Courier New" panose="02070309020205020404" pitchFamily="49" charset="0"/>
               <a:cs typeface="Courier New" panose="02070309020205020404" pitchFamily="49" charset="0"/>
             </a:endParaRPr>
@@ -15270,7 +15291,7 @@
               <a:buFont typeface="Zapf Dingbats" charset="2"/>
               <a:buNone/>
             </a:pPr>
-            <a:endParaRPr lang="nl-NL" sz="1400" kern="0" dirty="0" smtClean="0">
+            <a:endParaRPr lang="nl-NL" sz="1200" kern="0" dirty="0" smtClean="0">
               <a:latin typeface="Courier New" panose="02070309020205020404" pitchFamily="49" charset="0"/>
               <a:cs typeface="Courier New" panose="02070309020205020404" pitchFamily="49" charset="0"/>
             </a:endParaRPr>
@@ -15280,7 +15301,7 @@
               <a:buFont typeface="Zapf Dingbats" charset="2"/>
               <a:buNone/>
             </a:pPr>
-            <a:endParaRPr lang="nl-NL" sz="1400" kern="0" dirty="0">
+            <a:endParaRPr lang="nl-NL" sz="1200" kern="0" dirty="0">
               <a:latin typeface="Courier New" panose="02070309020205020404" pitchFamily="49" charset="0"/>
               <a:cs typeface="Courier New" panose="02070309020205020404" pitchFamily="49" charset="0"/>
             </a:endParaRPr>
@@ -15290,7 +15311,7 @@
               <a:buFont typeface="Zapf Dingbats" charset="2"/>
               <a:buNone/>
             </a:pPr>
-            <a:endParaRPr lang="nl-NL" sz="1400" kern="0" dirty="0" smtClean="0">
+            <a:endParaRPr lang="nl-NL" sz="1200" kern="0" dirty="0" smtClean="0">
               <a:latin typeface="Courier New" panose="02070309020205020404" pitchFamily="49" charset="0"/>
               <a:cs typeface="Courier New" panose="02070309020205020404" pitchFamily="49" charset="0"/>
             </a:endParaRPr>

--- a/slides/Week 6 - text mining.pptx
+++ b/slides/Week 6 - text mining.pptx
@@ -311,7 +311,7 @@
             <a:fld id="{373F1B60-BDF4-4D63-AD79-99D5A5B1DF99}" type="datetime1">
               <a:rPr lang="en-US"/>
               <a:pPr/>
-              <a:t>12/18/2019</a:t>
+              <a:t>12/19/2019</a:t>
             </a:fld>
             <a:endParaRPr lang="en-US"/>
           </a:p>
@@ -530,7 +530,7 @@
             <a:fld id="{4387A7AA-DFE9-4771-BEDE-3294FCEBFB02}" type="datetime1">
               <a:rPr lang="en-US"/>
               <a:pPr/>
-              <a:t>12/18/2019</a:t>
+              <a:t>12/19/2019</a:t>
             </a:fld>
             <a:endParaRPr lang="en-US"/>
           </a:p>
@@ -921,7 +921,7 @@
             <a:fld id="{8541E2CD-DBF4-40F9-B6F8-EEFD0DF8A138}" type="datetime1">
               <a:rPr lang="en-US"/>
               <a:pPr/>
-              <a:t>12/18/2019</a:t>
+              <a:t>12/19/2019</a:t>
             </a:fld>
             <a:endParaRPr lang="en-US"/>
           </a:p>
@@ -1141,7 +1141,7 @@
             <a:fld id="{93F21019-3A00-48AC-9663-40DF67A83229}" type="datetime1">
               <a:rPr lang="en-US"/>
               <a:pPr/>
-              <a:t>12/18/2019</a:t>
+              <a:t>12/19/2019</a:t>
             </a:fld>
             <a:endParaRPr lang="en-US">
               <a:solidFill>
@@ -1327,7 +1327,7 @@
             <a:fld id="{8B2EF9C8-0AC3-4A53-9A61-1834A571F420}" type="datetime1">
               <a:rPr lang="en-US"/>
               <a:pPr/>
-              <a:t>12/18/2019</a:t>
+              <a:t>12/19/2019</a:t>
             </a:fld>
             <a:endParaRPr lang="en-US" sz="1400">
               <a:solidFill>
@@ -1524,7 +1524,7 @@
             <a:fld id="{F02960F3-A385-4905-A491-FDC17E063DD1}" type="datetime1">
               <a:rPr lang="en-US"/>
               <a:pPr/>
-              <a:t>12/18/2019</a:t>
+              <a:t>12/19/2019</a:t>
             </a:fld>
             <a:endParaRPr lang="en-US" sz="1400">
               <a:solidFill>
@@ -1783,7 +1783,7 @@
             <a:fld id="{CD3AD70A-8E2A-47B5-AC18-ABBB5A8E737D}" type="datetime1">
               <a:rPr lang="en-US"/>
               <a:pPr/>
-              <a:t>12/18/2019</a:t>
+              <a:t>12/19/2019</a:t>
             </a:fld>
             <a:endParaRPr lang="en-US" sz="1400">
               <a:solidFill>
@@ -2019,7 +2019,7 @@
             <a:fld id="{07008C2E-9BD6-496B-BFC3-B4A975EBC85E}" type="datetime1">
               <a:rPr lang="en-US"/>
               <a:pPr/>
-              <a:t>12/18/2019</a:t>
+              <a:t>12/19/2019</a:t>
             </a:fld>
             <a:endParaRPr lang="en-US" sz="1400">
               <a:solidFill>
@@ -2198,7 +2198,7 @@
             <a:fld id="{1AA2C3CF-866C-4FDE-B76D-4E9536901630}" type="datetime1">
               <a:rPr lang="en-US"/>
               <a:pPr/>
-              <a:t>12/18/2019</a:t>
+              <a:t>12/19/2019</a:t>
             </a:fld>
             <a:endParaRPr lang="en-US" sz="1400">
               <a:solidFill>
@@ -2377,7 +2377,7 @@
             <a:fld id="{555EE259-FE08-4558-B721-B189FFE77284}" type="datetime1">
               <a:rPr lang="en-US"/>
               <a:pPr/>
-              <a:t>12/18/2019</a:t>
+              <a:t>12/19/2019</a:t>
             </a:fld>
             <a:endParaRPr lang="en-US" sz="1400">
               <a:solidFill>
@@ -2646,7 +2646,7 @@
             <a:fld id="{0AF4064E-5624-49AB-B7C6-E301A8F6B1FF}" type="datetime1">
               <a:rPr lang="en-US"/>
               <a:pPr/>
-              <a:t>12/18/2019</a:t>
+              <a:t>12/19/2019</a:t>
             </a:fld>
             <a:endParaRPr lang="en-US" sz="1400">
               <a:solidFill>
@@ -2843,7 +2843,7 @@
             <a:fld id="{CBC97FCD-6C54-4833-B032-BFBCDFA8379D}" type="datetime1">
               <a:rPr lang="en-US"/>
               <a:pPr/>
-              <a:t>12/18/2019</a:t>
+              <a:t>12/19/2019</a:t>
             </a:fld>
             <a:endParaRPr lang="en-US" sz="1400">
               <a:solidFill>
@@ -3052,7 +3052,7 @@
             <a:fld id="{F04AA577-515A-431F-98B6-3B03494ABB11}" type="datetime1">
               <a:rPr lang="en-US"/>
               <a:pPr/>
-              <a:t>12/18/2019</a:t>
+              <a:t>12/19/2019</a:t>
             </a:fld>
             <a:endParaRPr lang="en-US" sz="1400">
               <a:solidFill>
@@ -3357,7 +3357,7 @@
             <a:fld id="{6475F1A4-C474-4345-A800-2F40B0E4E70C}" type="datetime1">
               <a:rPr lang="en-US"/>
               <a:pPr/>
-              <a:t>12/18/2019</a:t>
+              <a:t>12/19/2019</a:t>
             </a:fld>
             <a:endParaRPr lang="en-US" sz="1400">
               <a:solidFill>
@@ -3801,7 +3801,7 @@
             <a:fld id="{7BA535AB-820E-4207-9DA8-5F37106C7AF4}" type="datetime1">
               <a:rPr lang="en-US"/>
               <a:pPr/>
-              <a:t>12/18/2019</a:t>
+              <a:t>12/19/2019</a:t>
             </a:fld>
             <a:endParaRPr lang="en-US" sz="1400">
               <a:solidFill>
@@ -3936,7 +3936,7 @@
             <a:fld id="{0A7E69FA-D7EE-42C0-9117-1971B541885F}" type="datetime1">
               <a:rPr lang="en-US"/>
               <a:pPr/>
-              <a:t>12/18/2019</a:t>
+              <a:t>12/19/2019</a:t>
             </a:fld>
             <a:endParaRPr lang="en-US" sz="1400">
               <a:solidFill>
@@ -4048,7 +4048,7 @@
             <a:fld id="{10D7644E-1B5D-4325-BA79-338DF2B89B56}" type="datetime1">
               <a:rPr lang="en-US"/>
               <a:pPr/>
-              <a:t>12/18/2019</a:t>
+              <a:t>12/19/2019</a:t>
             </a:fld>
             <a:endParaRPr lang="en-US" sz="1400">
               <a:solidFill>
@@ -4342,7 +4342,7 @@
             <a:fld id="{B790C882-0B74-4932-8998-E9ABB8AF1740}" type="datetime1">
               <a:rPr lang="en-US"/>
               <a:pPr/>
-              <a:t>12/18/2019</a:t>
+              <a:t>12/19/2019</a:t>
             </a:fld>
             <a:endParaRPr lang="en-US" sz="1400">
               <a:solidFill>
@@ -4612,7 +4612,7 @@
             <a:fld id="{9DC585DC-AE7D-44C1-90AB-C3A391DEA065}" type="datetime1">
               <a:rPr lang="en-US"/>
               <a:pPr/>
-              <a:t>12/18/2019</a:t>
+              <a:t>12/19/2019</a:t>
             </a:fld>
             <a:endParaRPr lang="en-US" sz="1400">
               <a:solidFill>
@@ -4876,7 +4876,7 @@
             <a:fld id="{256CE565-1940-4E5F-9190-C0815CEAAA9D}" type="datetime1">
               <a:rPr lang="en-US"/>
               <a:pPr/>
-              <a:t>12/18/2019</a:t>
+              <a:t>12/19/2019</a:t>
             </a:fld>
             <a:endParaRPr lang="en-US"/>
           </a:p>
@@ -8141,14 +8141,7 @@
                 <a:latin typeface="Courier New" panose="02070309020205020404" pitchFamily="49" charset="0"/>
                 <a:cs typeface="Courier New" panose="02070309020205020404" pitchFamily="49" charset="0"/>
               </a:rPr>
-              <a:t> in </a:t>
-            </a:r>
-            <a:r>
-              <a:rPr lang="nl-NL" sz="1400" kern="0" dirty="0" smtClean="0">
-                <a:latin typeface="Courier New" panose="02070309020205020404" pitchFamily="49" charset="0"/>
-                <a:cs typeface="Courier New" panose="02070309020205020404" pitchFamily="49" charset="0"/>
-              </a:rPr>
-              <a:t>case: save </a:t>
+              <a:t> in case: save </a:t>
             </a:r>
             <a:r>
               <a:rPr lang="nl-NL" sz="1400" kern="0" dirty="0" err="1" smtClean="0">
@@ -8429,6 +8422,13 @@
   <p:clrMapOvr>
     <a:masterClrMapping/>
   </p:clrMapOvr>
+  <p:timing>
+    <p:tnLst>
+      <p:par>
+        <p:cTn id="1" dur="indefinite" restart="never" nodeType="tmRoot"/>
+      </p:par>
+    </p:tnLst>
+  </p:timing>
 </p:sld>
 </file>
 
@@ -8919,6 +8919,13 @@
   <p:clrMapOvr>
     <a:masterClrMapping/>
   </p:clrMapOvr>
+  <p:timing>
+    <p:tnLst>
+      <p:par>
+        <p:cTn id="1" dur="indefinite" restart="never" nodeType="tmRoot"/>
+      </p:par>
+    </p:tnLst>
+  </p:timing>
 </p:sld>
 </file>
 
@@ -9045,6 +9052,13 @@
   <p:clrMapOvr>
     <a:masterClrMapping/>
   </p:clrMapOvr>
+  <p:timing>
+    <p:tnLst>
+      <p:par>
+        <p:cTn id="1" dur="indefinite" restart="never" nodeType="tmRoot"/>
+      </p:par>
+    </p:tnLst>
+  </p:timing>
 </p:sld>
 </file>
 
@@ -11354,7 +11368,7 @@
         <p:spPr bwMode="auto">
           <a:xfrm>
             <a:off x="838200" y="1521384"/>
-            <a:ext cx="7881938" cy="6124754"/>
+            <a:ext cx="7881938" cy="7663636"/>
           </a:xfrm>
           <a:prstGeom prst="rect">
             <a:avLst/>
@@ -11564,245 +11578,245 @@
               <a:buNone/>
             </a:pPr>
             <a:r>
-              <a:rPr lang="nl-NL" sz="1400" kern="0" dirty="0" smtClean="0">
+              <a:rPr lang="nl-NL" sz="1800" kern="0" dirty="0" smtClean="0">
                 <a:latin typeface="Courier New" panose="02070309020205020404" pitchFamily="49" charset="0"/>
                 <a:cs typeface="Courier New" panose="02070309020205020404" pitchFamily="49" charset="0"/>
               </a:rPr>
               <a:t>For this </a:t>
             </a:r>
             <a:r>
-              <a:rPr lang="nl-NL" sz="1400" kern="0" dirty="0" err="1" smtClean="0">
+              <a:rPr lang="nl-NL" sz="1800" kern="0" dirty="0" err="1" smtClean="0">
                 <a:latin typeface="Courier New" panose="02070309020205020404" pitchFamily="49" charset="0"/>
                 <a:cs typeface="Courier New" panose="02070309020205020404" pitchFamily="49" charset="0"/>
               </a:rPr>
               <a:t>exercise</a:t>
             </a:r>
             <a:r>
-              <a:rPr lang="nl-NL" sz="1400" kern="0" dirty="0" smtClean="0">
+              <a:rPr lang="nl-NL" sz="1800" kern="0" dirty="0" smtClean="0">
                 <a:latin typeface="Courier New" panose="02070309020205020404" pitchFamily="49" charset="0"/>
                 <a:cs typeface="Courier New" panose="02070309020205020404" pitchFamily="49" charset="0"/>
               </a:rPr>
               <a:t>, we </a:t>
             </a:r>
             <a:r>
-              <a:rPr lang="nl-NL" sz="1400" kern="0" dirty="0" err="1" smtClean="0">
+              <a:rPr lang="nl-NL" sz="1800" kern="0" dirty="0" err="1" smtClean="0">
                 <a:latin typeface="Courier New" panose="02070309020205020404" pitchFamily="49" charset="0"/>
                 <a:cs typeface="Courier New" panose="02070309020205020404" pitchFamily="49" charset="0"/>
               </a:rPr>
               <a:t>will</a:t>
             </a:r>
             <a:r>
-              <a:rPr lang="nl-NL" sz="1400" kern="0" dirty="0" smtClean="0">
+              <a:rPr lang="nl-NL" sz="1800" kern="0" dirty="0" smtClean="0">
                 <a:latin typeface="Courier New" panose="02070309020205020404" pitchFamily="49" charset="0"/>
                 <a:cs typeface="Courier New" panose="02070309020205020404" pitchFamily="49" charset="0"/>
               </a:rPr>
               <a:t> </a:t>
             </a:r>
             <a:r>
-              <a:rPr lang="nl-NL" sz="1400" kern="0" dirty="0" err="1" smtClean="0">
+              <a:rPr lang="nl-NL" sz="1800" kern="0" dirty="0" err="1" smtClean="0">
                 <a:latin typeface="Courier New" panose="02070309020205020404" pitchFamily="49" charset="0"/>
                 <a:cs typeface="Courier New" panose="02070309020205020404" pitchFamily="49" charset="0"/>
               </a:rPr>
               <a:t>not</a:t>
             </a:r>
             <a:r>
-              <a:rPr lang="nl-NL" sz="1400" kern="0" dirty="0" smtClean="0">
+              <a:rPr lang="nl-NL" sz="1800" kern="0" dirty="0" smtClean="0">
                 <a:latin typeface="Courier New" panose="02070309020205020404" pitchFamily="49" charset="0"/>
                 <a:cs typeface="Courier New" panose="02070309020205020404" pitchFamily="49" charset="0"/>
               </a:rPr>
               <a:t> </a:t>
             </a:r>
             <a:r>
-              <a:rPr lang="nl-NL" sz="1400" kern="0" dirty="0" err="1" smtClean="0">
+              <a:rPr lang="nl-NL" sz="1800" kern="0" dirty="0" err="1" smtClean="0">
                 <a:latin typeface="Courier New" panose="02070309020205020404" pitchFamily="49" charset="0"/>
                 <a:cs typeface="Courier New" panose="02070309020205020404" pitchFamily="49" charset="0"/>
               </a:rPr>
               <a:t>use</a:t>
             </a:r>
             <a:r>
-              <a:rPr lang="nl-NL" sz="1400" kern="0" dirty="0" smtClean="0">
+              <a:rPr lang="nl-NL" sz="1800" kern="0" dirty="0" smtClean="0">
                 <a:latin typeface="Courier New" panose="02070309020205020404" pitchFamily="49" charset="0"/>
                 <a:cs typeface="Courier New" panose="02070309020205020404" pitchFamily="49" charset="0"/>
               </a:rPr>
               <a:t> </a:t>
             </a:r>
             <a:r>
-              <a:rPr lang="nl-NL" sz="1400" kern="0" dirty="0" err="1" smtClean="0">
+              <a:rPr lang="nl-NL" sz="1800" kern="0" dirty="0" err="1" smtClean="0">
                 <a:latin typeface="Courier New" panose="02070309020205020404" pitchFamily="49" charset="0"/>
                 <a:cs typeface="Courier New" panose="02070309020205020404" pitchFamily="49" charset="0"/>
               </a:rPr>
               <a:t>example</a:t>
             </a:r>
             <a:r>
-              <a:rPr lang="nl-NL" sz="1400" kern="0" dirty="0" smtClean="0">
+              <a:rPr lang="nl-NL" sz="1800" kern="0" dirty="0" smtClean="0">
                 <a:latin typeface="Courier New" panose="02070309020205020404" pitchFamily="49" charset="0"/>
                 <a:cs typeface="Courier New" panose="02070309020205020404" pitchFamily="49" charset="0"/>
               </a:rPr>
               <a:t> code. </a:t>
             </a:r>
             <a:r>
-              <a:rPr lang="nl-NL" sz="1400" kern="0" dirty="0" err="1" smtClean="0">
+              <a:rPr lang="nl-NL" sz="1800" kern="0" dirty="0" err="1" smtClean="0">
                 <a:latin typeface="Courier New" panose="02070309020205020404" pitchFamily="49" charset="0"/>
                 <a:cs typeface="Courier New" panose="02070309020205020404" pitchFamily="49" charset="0"/>
               </a:rPr>
               <a:t>Instead</a:t>
             </a:r>
             <a:r>
-              <a:rPr lang="nl-NL" sz="1400" kern="0" dirty="0" smtClean="0">
+              <a:rPr lang="nl-NL" sz="1800" kern="0" dirty="0" smtClean="0">
                 <a:latin typeface="Courier New" panose="02070309020205020404" pitchFamily="49" charset="0"/>
                 <a:cs typeface="Courier New" panose="02070309020205020404" pitchFamily="49" charset="0"/>
               </a:rPr>
               <a:t>, </a:t>
             </a:r>
             <a:r>
-              <a:rPr lang="nl-NL" sz="1400" kern="0" dirty="0" err="1" smtClean="0">
+              <a:rPr lang="nl-NL" sz="1800" kern="0" dirty="0" err="1" smtClean="0">
                 <a:latin typeface="Courier New" panose="02070309020205020404" pitchFamily="49" charset="0"/>
                 <a:cs typeface="Courier New" panose="02070309020205020404" pitchFamily="49" charset="0"/>
               </a:rPr>
               <a:t>you</a:t>
             </a:r>
             <a:r>
-              <a:rPr lang="nl-NL" sz="1400" kern="0" dirty="0" smtClean="0">
+              <a:rPr lang="nl-NL" sz="1800" kern="0" dirty="0" smtClean="0">
                 <a:latin typeface="Courier New" panose="02070309020205020404" pitchFamily="49" charset="0"/>
                 <a:cs typeface="Courier New" panose="02070309020205020404" pitchFamily="49" charset="0"/>
               </a:rPr>
               <a:t> </a:t>
             </a:r>
             <a:r>
-              <a:rPr lang="nl-NL" sz="1400" kern="0" dirty="0" err="1" smtClean="0">
+              <a:rPr lang="nl-NL" sz="1800" kern="0" dirty="0" err="1" smtClean="0">
                 <a:latin typeface="Courier New" panose="02070309020205020404" pitchFamily="49" charset="0"/>
                 <a:cs typeface="Courier New" panose="02070309020205020404" pitchFamily="49" charset="0"/>
               </a:rPr>
               <a:t>will</a:t>
             </a:r>
             <a:r>
-              <a:rPr lang="nl-NL" sz="1400" kern="0" dirty="0" smtClean="0">
+              <a:rPr lang="nl-NL" sz="1800" kern="0" dirty="0" smtClean="0">
                 <a:latin typeface="Courier New" panose="02070309020205020404" pitchFamily="49" charset="0"/>
                 <a:cs typeface="Courier New" panose="02070309020205020404" pitchFamily="49" charset="0"/>
               </a:rPr>
               <a:t> </a:t>
             </a:r>
             <a:r>
-              <a:rPr lang="nl-NL" sz="1400" kern="0" dirty="0" err="1" smtClean="0">
+              <a:rPr lang="nl-NL" sz="1800" kern="0" dirty="0" err="1" smtClean="0">
                 <a:latin typeface="Courier New" panose="02070309020205020404" pitchFamily="49" charset="0"/>
                 <a:cs typeface="Courier New" panose="02070309020205020404" pitchFamily="49" charset="0"/>
               </a:rPr>
               <a:t>write</a:t>
             </a:r>
             <a:r>
-              <a:rPr lang="nl-NL" sz="1400" kern="0" dirty="0" smtClean="0">
+              <a:rPr lang="nl-NL" sz="1800" kern="0" dirty="0" smtClean="0">
                 <a:latin typeface="Courier New" panose="02070309020205020404" pitchFamily="49" charset="0"/>
                 <a:cs typeface="Courier New" panose="02070309020205020404" pitchFamily="49" charset="0"/>
               </a:rPr>
               <a:t> the code </a:t>
             </a:r>
             <a:r>
-              <a:rPr lang="nl-NL" sz="1400" kern="0" dirty="0" err="1" smtClean="0">
+              <a:rPr lang="nl-NL" sz="1800" kern="0" dirty="0" err="1" smtClean="0">
                 <a:latin typeface="Courier New" panose="02070309020205020404" pitchFamily="49" charset="0"/>
                 <a:cs typeface="Courier New" panose="02070309020205020404" pitchFamily="49" charset="0"/>
               </a:rPr>
               <a:t>yourself</a:t>
             </a:r>
             <a:r>
-              <a:rPr lang="nl-NL" sz="1400" kern="0" dirty="0" smtClean="0">
+              <a:rPr lang="nl-NL" sz="1800" kern="0" dirty="0" smtClean="0">
                 <a:latin typeface="Courier New" panose="02070309020205020404" pitchFamily="49" charset="0"/>
                 <a:cs typeface="Courier New" panose="02070309020205020404" pitchFamily="49" charset="0"/>
               </a:rPr>
               <a:t> </a:t>
             </a:r>
             <a:r>
-              <a:rPr lang="nl-NL" sz="1400" kern="0" dirty="0" err="1" smtClean="0">
+              <a:rPr lang="nl-NL" sz="1800" kern="0" dirty="0" err="1" smtClean="0">
                 <a:latin typeface="Courier New" panose="02070309020205020404" pitchFamily="49" charset="0"/>
                 <a:cs typeface="Courier New" panose="02070309020205020404" pitchFamily="49" charset="0"/>
               </a:rPr>
               <a:t>based</a:t>
             </a:r>
             <a:r>
-              <a:rPr lang="nl-NL" sz="1400" kern="0" dirty="0" smtClean="0">
+              <a:rPr lang="nl-NL" sz="1800" kern="0" dirty="0" smtClean="0">
                 <a:latin typeface="Courier New" panose="02070309020205020404" pitchFamily="49" charset="0"/>
                 <a:cs typeface="Courier New" panose="02070309020205020404" pitchFamily="49" charset="0"/>
               </a:rPr>
               <a:t> on the kind of code </a:t>
             </a:r>
             <a:r>
-              <a:rPr lang="nl-NL" sz="1400" kern="0" dirty="0" err="1" smtClean="0">
+              <a:rPr lang="nl-NL" sz="1800" kern="0" dirty="0" err="1" smtClean="0">
                 <a:latin typeface="Courier New" panose="02070309020205020404" pitchFamily="49" charset="0"/>
                 <a:cs typeface="Courier New" panose="02070309020205020404" pitchFamily="49" charset="0"/>
               </a:rPr>
               <a:t>that</a:t>
             </a:r>
             <a:r>
-              <a:rPr lang="nl-NL" sz="1400" kern="0" dirty="0" smtClean="0">
+              <a:rPr lang="nl-NL" sz="1800" kern="0" dirty="0" smtClean="0">
                 <a:latin typeface="Courier New" panose="02070309020205020404" pitchFamily="49" charset="0"/>
                 <a:cs typeface="Courier New" panose="02070309020205020404" pitchFamily="49" charset="0"/>
               </a:rPr>
               <a:t> </a:t>
             </a:r>
             <a:r>
-              <a:rPr lang="nl-NL" sz="1400" kern="0" dirty="0" err="1" smtClean="0">
+              <a:rPr lang="nl-NL" sz="1800" kern="0" dirty="0" err="1" smtClean="0">
                 <a:latin typeface="Courier New" panose="02070309020205020404" pitchFamily="49" charset="0"/>
                 <a:cs typeface="Courier New" panose="02070309020205020404" pitchFamily="49" charset="0"/>
               </a:rPr>
               <a:t>you</a:t>
             </a:r>
             <a:r>
-              <a:rPr lang="nl-NL" sz="1400" kern="0" dirty="0" smtClean="0">
+              <a:rPr lang="nl-NL" sz="1800" kern="0" dirty="0" smtClean="0">
                 <a:latin typeface="Courier New" panose="02070309020205020404" pitchFamily="49" charset="0"/>
                 <a:cs typeface="Courier New" panose="02070309020205020404" pitchFamily="49" charset="0"/>
               </a:rPr>
               <a:t> </a:t>
             </a:r>
             <a:r>
-              <a:rPr lang="nl-NL" sz="1400" kern="0" dirty="0" err="1" smtClean="0">
+              <a:rPr lang="nl-NL" sz="1800" kern="0" dirty="0" err="1" smtClean="0">
                 <a:latin typeface="Courier New" panose="02070309020205020404" pitchFamily="49" charset="0"/>
                 <a:cs typeface="Courier New" panose="02070309020205020404" pitchFamily="49" charset="0"/>
               </a:rPr>
               <a:t>before</a:t>
             </a:r>
             <a:r>
-              <a:rPr lang="nl-NL" sz="1400" kern="0" dirty="0" smtClean="0">
+              <a:rPr lang="nl-NL" sz="1800" kern="0" dirty="0" smtClean="0">
                 <a:latin typeface="Courier New" panose="02070309020205020404" pitchFamily="49" charset="0"/>
                 <a:cs typeface="Courier New" panose="02070309020205020404" pitchFamily="49" charset="0"/>
               </a:rPr>
               <a:t>. See the </a:t>
             </a:r>
             <a:r>
-              <a:rPr lang="nl-NL" sz="1400" i="1" kern="0" dirty="0" err="1" smtClean="0">
+              <a:rPr lang="nl-NL" sz="1800" i="1" kern="0" dirty="0" err="1" smtClean="0">
                 <a:latin typeface="Courier New" panose="02070309020205020404" pitchFamily="49" charset="0"/>
                 <a:cs typeface="Courier New" panose="02070309020205020404" pitchFamily="49" charset="0"/>
               </a:rPr>
               <a:t>Cookbook</a:t>
             </a:r>
             <a:r>
-              <a:rPr lang="nl-NL" sz="1400" i="1" kern="0" dirty="0" smtClean="0">
+              <a:rPr lang="nl-NL" sz="1800" i="1" kern="0" dirty="0" smtClean="0">
                 <a:latin typeface="Courier New" panose="02070309020205020404" pitchFamily="49" charset="0"/>
                 <a:cs typeface="Courier New" panose="02070309020205020404" pitchFamily="49" charset="0"/>
               </a:rPr>
               <a:t> </a:t>
             </a:r>
             <a:r>
-              <a:rPr lang="nl-NL" sz="1400" kern="0" dirty="0" err="1" smtClean="0">
+              <a:rPr lang="nl-NL" sz="1800" kern="0" dirty="0" err="1" smtClean="0">
                 <a:latin typeface="Courier New" panose="02070309020205020404" pitchFamily="49" charset="0"/>
                 <a:cs typeface="Courier New" panose="02070309020205020404" pitchFamily="49" charset="0"/>
               </a:rPr>
               <a:t>for</a:t>
             </a:r>
             <a:r>
-              <a:rPr lang="nl-NL" sz="1400" kern="0" dirty="0" smtClean="0">
+              <a:rPr lang="nl-NL" sz="1800" kern="0" dirty="0" smtClean="0">
                 <a:latin typeface="Courier New" panose="02070309020205020404" pitchFamily="49" charset="0"/>
                 <a:cs typeface="Courier New" panose="02070309020205020404" pitchFamily="49" charset="0"/>
               </a:rPr>
               <a:t> </a:t>
             </a:r>
             <a:r>
-              <a:rPr lang="nl-NL" sz="1400" kern="0" dirty="0" err="1" smtClean="0">
+              <a:rPr lang="nl-NL" sz="1800" kern="0" dirty="0" err="1" smtClean="0">
                 <a:latin typeface="Courier New" panose="02070309020205020404" pitchFamily="49" charset="0"/>
                 <a:cs typeface="Courier New" panose="02070309020205020404" pitchFamily="49" charset="0"/>
               </a:rPr>
               <a:t>reference</a:t>
             </a:r>
             <a:r>
-              <a:rPr lang="nl-NL" sz="1400" kern="0" dirty="0" smtClean="0">
+              <a:rPr lang="nl-NL" sz="1800" kern="0" dirty="0" smtClean="0">
                 <a:latin typeface="Courier New" panose="02070309020205020404" pitchFamily="49" charset="0"/>
                 <a:cs typeface="Courier New" panose="02070309020205020404" pitchFamily="49" charset="0"/>
               </a:rPr>
@@ -11813,7 +11827,7 @@
             <a:pPr marL="0" indent="0">
               <a:buNone/>
             </a:pPr>
-            <a:endParaRPr lang="nl-NL" sz="1400" kern="0" dirty="0">
+            <a:endParaRPr lang="nl-NL" sz="1800" kern="0" dirty="0">
               <a:latin typeface="Courier New" panose="02070309020205020404" pitchFamily="49" charset="0"/>
               <a:cs typeface="Courier New" panose="02070309020205020404" pitchFamily="49" charset="0"/>
             </a:endParaRPr>
@@ -11823,14 +11837,14 @@
               <a:buNone/>
             </a:pPr>
             <a:r>
-              <a:rPr lang="nl-NL" sz="1400" kern="0" dirty="0" smtClean="0">
+              <a:rPr lang="nl-NL" sz="1800" kern="0" dirty="0" smtClean="0">
                 <a:latin typeface="Courier New" panose="02070309020205020404" pitchFamily="49" charset="0"/>
                 <a:cs typeface="Courier New" panose="02070309020205020404" pitchFamily="49" charset="0"/>
               </a:rPr>
               <a:t>See the </a:t>
             </a:r>
             <a:r>
-              <a:rPr lang="nl-NL" sz="1400" kern="0" dirty="0" smtClean="0">
+              <a:rPr lang="nl-NL" sz="1800" kern="0" dirty="0" smtClean="0">
                 <a:latin typeface="Courier New" panose="02070309020205020404" pitchFamily="49" charset="0"/>
                 <a:cs typeface="Courier New" panose="02070309020205020404" pitchFamily="49" charset="0"/>
                 <a:hlinkClick r:id="rId2"/>
@@ -11838,49 +11852,49 @@
               <a:t>documentation</a:t>
             </a:r>
             <a:r>
-              <a:rPr lang="nl-NL" sz="1400" kern="0" dirty="0" smtClean="0">
+              <a:rPr lang="nl-NL" sz="1800" kern="0" dirty="0" smtClean="0">
                 <a:latin typeface="Courier New" panose="02070309020205020404" pitchFamily="49" charset="0"/>
                 <a:cs typeface="Courier New" panose="02070309020205020404" pitchFamily="49" charset="0"/>
               </a:rPr>
               <a:t> of </a:t>
             </a:r>
             <a:r>
-              <a:rPr lang="nl-NL" sz="1400" kern="0" dirty="0" err="1" smtClean="0">
+              <a:rPr lang="nl-NL" sz="1800" kern="0" dirty="0" err="1" smtClean="0">
                 <a:latin typeface="Courier New" panose="02070309020205020404" pitchFamily="49" charset="0"/>
                 <a:cs typeface="Courier New" panose="02070309020205020404" pitchFamily="49" charset="0"/>
               </a:rPr>
               <a:t>sklearn.naive_bayes_MultinomialNB</a:t>
             </a:r>
             <a:r>
-              <a:rPr lang="nl-NL" sz="1400" kern="0" dirty="0" smtClean="0">
+              <a:rPr lang="nl-NL" sz="1800" kern="0" dirty="0" smtClean="0">
                 <a:latin typeface="Courier New" panose="02070309020205020404" pitchFamily="49" charset="0"/>
                 <a:cs typeface="Courier New" panose="02070309020205020404" pitchFamily="49" charset="0"/>
               </a:rPr>
               <a:t> </a:t>
             </a:r>
             <a:r>
-              <a:rPr lang="nl-NL" sz="1400" kern="0" dirty="0" err="1" smtClean="0">
+              <a:rPr lang="nl-NL" sz="1800" kern="0" dirty="0" err="1" smtClean="0">
                 <a:latin typeface="Courier New" panose="02070309020205020404" pitchFamily="49" charset="0"/>
                 <a:cs typeface="Courier New" panose="02070309020205020404" pitchFamily="49" charset="0"/>
               </a:rPr>
               <a:t>for</a:t>
             </a:r>
             <a:r>
-              <a:rPr lang="nl-NL" sz="1400" kern="0" dirty="0" smtClean="0">
+              <a:rPr lang="nl-NL" sz="1800" kern="0" dirty="0" smtClean="0">
                 <a:latin typeface="Courier New" panose="02070309020205020404" pitchFamily="49" charset="0"/>
                 <a:cs typeface="Courier New" panose="02070309020205020404" pitchFamily="49" charset="0"/>
               </a:rPr>
               <a:t> the </a:t>
             </a:r>
             <a:r>
-              <a:rPr lang="nl-NL" sz="1400" kern="0" dirty="0" err="1" smtClean="0">
+              <a:rPr lang="nl-NL" sz="1800" kern="0" dirty="0" err="1" smtClean="0">
                 <a:latin typeface="Courier New" panose="02070309020205020404" pitchFamily="49" charset="0"/>
                 <a:cs typeface="Courier New" panose="02070309020205020404" pitchFamily="49" charset="0"/>
               </a:rPr>
               <a:t>Naive</a:t>
             </a:r>
             <a:r>
-              <a:rPr lang="nl-NL" sz="1400" kern="0" dirty="0" smtClean="0">
+              <a:rPr lang="nl-NL" sz="1800" kern="0" dirty="0" smtClean="0">
                 <a:latin typeface="Courier New" panose="02070309020205020404" pitchFamily="49" charset="0"/>
                 <a:cs typeface="Courier New" panose="02070309020205020404" pitchFamily="49" charset="0"/>
               </a:rPr>
@@ -11891,7 +11905,7 @@
             <a:pPr marL="0" indent="0">
               <a:buNone/>
             </a:pPr>
-            <a:endParaRPr lang="nl-NL" sz="1400" kern="0" dirty="0">
+            <a:endParaRPr lang="nl-NL" sz="1800" kern="0" dirty="0">
               <a:latin typeface="Courier New" panose="02070309020205020404" pitchFamily="49" charset="0"/>
               <a:cs typeface="Courier New" panose="02070309020205020404" pitchFamily="49" charset="0"/>
             </a:endParaRPr>
@@ -11901,7 +11915,7 @@
               <a:buNone/>
             </a:pPr>
             <a:r>
-              <a:rPr lang="nl-NL" sz="1400" kern="0" dirty="0" smtClean="0">
+              <a:rPr lang="nl-NL" sz="1800" kern="0" dirty="0" smtClean="0">
                 <a:latin typeface="Courier New" panose="02070309020205020404" pitchFamily="49" charset="0"/>
                 <a:cs typeface="Courier New" panose="02070309020205020404" pitchFamily="49" charset="0"/>
               </a:rPr>
@@ -11912,7 +11926,7 @@
             <a:pPr marL="0" indent="0">
               <a:buNone/>
             </a:pPr>
-            <a:endParaRPr lang="nl-NL" sz="1400" kern="0" dirty="0">
+            <a:endParaRPr lang="nl-NL" sz="1800" kern="0" dirty="0">
               <a:latin typeface="Courier New" panose="02070309020205020404" pitchFamily="49" charset="0"/>
               <a:cs typeface="Courier New" panose="02070309020205020404" pitchFamily="49" charset="0"/>
             </a:endParaRPr>
@@ -11923,48 +11937,48 @@
               <a:buAutoNum type="arabicPeriod"/>
             </a:pPr>
             <a:r>
-              <a:rPr lang="nl-NL" sz="1400" kern="0" dirty="0" smtClean="0">
+              <a:rPr lang="nl-NL" sz="1800" kern="0" dirty="0" smtClean="0">
                 <a:latin typeface="Courier New" panose="02070309020205020404" pitchFamily="49" charset="0"/>
                 <a:cs typeface="Courier New" panose="02070309020205020404" pitchFamily="49" charset="0"/>
               </a:rPr>
               <a:t>Import the relevant </a:t>
             </a:r>
             <a:r>
-              <a:rPr lang="nl-NL" sz="1400" kern="0" dirty="0" err="1" smtClean="0">
+              <a:rPr lang="nl-NL" sz="1800" kern="0" dirty="0" err="1" smtClean="0">
                 <a:latin typeface="Courier New" panose="02070309020205020404" pitchFamily="49" charset="0"/>
                 <a:cs typeface="Courier New" panose="02070309020205020404" pitchFamily="49" charset="0"/>
               </a:rPr>
               <a:t>libraries</a:t>
             </a:r>
             <a:r>
-              <a:rPr lang="nl-NL" sz="1400" kern="0" dirty="0" smtClean="0">
+              <a:rPr lang="nl-NL" sz="1800" kern="0" dirty="0" smtClean="0">
                 <a:latin typeface="Courier New" panose="02070309020205020404" pitchFamily="49" charset="0"/>
                 <a:cs typeface="Courier New" panose="02070309020205020404" pitchFamily="49" charset="0"/>
               </a:rPr>
               <a:t> </a:t>
             </a:r>
             <a:r>
-              <a:rPr lang="nl-NL" sz="1400" kern="0" dirty="0" err="1" smtClean="0">
+              <a:rPr lang="nl-NL" sz="1800" kern="0" dirty="0" err="1" smtClean="0">
                 <a:latin typeface="Courier New" panose="02070309020205020404" pitchFamily="49" charset="0"/>
                 <a:cs typeface="Courier New" panose="02070309020205020404" pitchFamily="49" charset="0"/>
               </a:rPr>
               <a:t>and</a:t>
             </a:r>
             <a:r>
-              <a:rPr lang="nl-NL" sz="1400" kern="0" dirty="0" smtClean="0">
+              <a:rPr lang="nl-NL" sz="1800" kern="0" dirty="0" smtClean="0">
                 <a:latin typeface="Courier New" panose="02070309020205020404" pitchFamily="49" charset="0"/>
                 <a:cs typeface="Courier New" panose="02070309020205020404" pitchFamily="49" charset="0"/>
               </a:rPr>
               <a:t>/or </a:t>
             </a:r>
             <a:r>
-              <a:rPr lang="nl-NL" sz="1400" kern="0" dirty="0" err="1" smtClean="0">
+              <a:rPr lang="nl-NL" sz="1800" kern="0" dirty="0" err="1" smtClean="0">
                 <a:latin typeface="Courier New" panose="02070309020205020404" pitchFamily="49" charset="0"/>
                 <a:cs typeface="Courier New" panose="02070309020205020404" pitchFamily="49" charset="0"/>
               </a:rPr>
               <a:t>objects</a:t>
             </a:r>
-            <a:endParaRPr lang="nl-NL" sz="1400" kern="0" dirty="0" smtClean="0">
+            <a:endParaRPr lang="nl-NL" sz="1800" kern="0" dirty="0" smtClean="0">
               <a:latin typeface="Courier New" panose="02070309020205020404" pitchFamily="49" charset="0"/>
               <a:cs typeface="Courier New" panose="02070309020205020404" pitchFamily="49" charset="0"/>
             </a:endParaRPr>
@@ -11975,35 +11989,35 @@
               <a:buAutoNum type="arabicPeriod"/>
             </a:pPr>
             <a:r>
-              <a:rPr lang="nl-NL" sz="1400" kern="0" dirty="0" smtClean="0">
+              <a:rPr lang="nl-NL" sz="1800" kern="0" dirty="0" smtClean="0">
                 <a:latin typeface="Courier New" panose="02070309020205020404" pitchFamily="49" charset="0"/>
                 <a:cs typeface="Courier New" panose="02070309020205020404" pitchFamily="49" charset="0"/>
               </a:rPr>
               <a:t>Split the data </a:t>
             </a:r>
             <a:r>
-              <a:rPr lang="nl-NL" sz="1400" kern="0" dirty="0" err="1" smtClean="0">
+              <a:rPr lang="nl-NL" sz="1800" kern="0" dirty="0" err="1" smtClean="0">
                 <a:latin typeface="Courier New" panose="02070309020205020404" pitchFamily="49" charset="0"/>
                 <a:cs typeface="Courier New" panose="02070309020205020404" pitchFamily="49" charset="0"/>
               </a:rPr>
               <a:t>into</a:t>
             </a:r>
             <a:r>
-              <a:rPr lang="nl-NL" sz="1400" kern="0" dirty="0" smtClean="0">
+              <a:rPr lang="nl-NL" sz="1800" kern="0" dirty="0" smtClean="0">
                 <a:latin typeface="Courier New" panose="02070309020205020404" pitchFamily="49" charset="0"/>
                 <a:cs typeface="Courier New" panose="02070309020205020404" pitchFamily="49" charset="0"/>
               </a:rPr>
               <a:t> a training </a:t>
             </a:r>
             <a:r>
-              <a:rPr lang="nl-NL" sz="1400" kern="0" dirty="0" err="1" smtClean="0">
+              <a:rPr lang="nl-NL" sz="1800" kern="0" dirty="0" err="1" smtClean="0">
                 <a:latin typeface="Courier New" panose="02070309020205020404" pitchFamily="49" charset="0"/>
                 <a:cs typeface="Courier New" panose="02070309020205020404" pitchFamily="49" charset="0"/>
               </a:rPr>
               <a:t>and</a:t>
             </a:r>
             <a:r>
-              <a:rPr lang="nl-NL" sz="1400" kern="0" dirty="0" smtClean="0">
+              <a:rPr lang="nl-NL" sz="1800" kern="0" dirty="0" smtClean="0">
                 <a:latin typeface="Courier New" panose="02070309020205020404" pitchFamily="49" charset="0"/>
                 <a:cs typeface="Courier New" panose="02070309020205020404" pitchFamily="49" charset="0"/>
               </a:rPr>
@@ -12016,7 +12030,7 @@
               <a:buAutoNum type="arabicPeriod"/>
             </a:pPr>
             <a:r>
-              <a:rPr lang="nl-NL" sz="1400" kern="0" dirty="0" smtClean="0">
+              <a:rPr lang="nl-NL" sz="1800" kern="0" dirty="0" smtClean="0">
                 <a:latin typeface="Courier New" panose="02070309020205020404" pitchFamily="49" charset="0"/>
                 <a:cs typeface="Courier New" panose="02070309020205020404" pitchFamily="49" charset="0"/>
               </a:rPr>
@@ -12029,21 +12043,21 @@
               <a:buAutoNum type="arabicPeriod"/>
             </a:pPr>
             <a:r>
-              <a:rPr lang="nl-NL" sz="1400" kern="0" dirty="0" err="1" smtClean="0">
+              <a:rPr lang="nl-NL" sz="1800" kern="0" dirty="0" err="1" smtClean="0">
                 <a:latin typeface="Courier New" panose="02070309020205020404" pitchFamily="49" charset="0"/>
                 <a:cs typeface="Courier New" panose="02070309020205020404" pitchFamily="49" charset="0"/>
               </a:rPr>
               <a:t>Predict</a:t>
             </a:r>
             <a:r>
-              <a:rPr lang="nl-NL" sz="1400" kern="0" dirty="0">
+              <a:rPr lang="nl-NL" sz="1800" kern="0" dirty="0">
                 <a:latin typeface="Courier New" panose="02070309020205020404" pitchFamily="49" charset="0"/>
                 <a:cs typeface="Courier New" panose="02070309020205020404" pitchFamily="49" charset="0"/>
               </a:rPr>
               <a:t> </a:t>
             </a:r>
             <a:r>
-              <a:rPr lang="nl-NL" sz="1400" kern="0" dirty="0" smtClean="0">
+              <a:rPr lang="nl-NL" sz="1800" kern="0" dirty="0" smtClean="0">
                 <a:latin typeface="Courier New" panose="02070309020205020404" pitchFamily="49" charset="0"/>
                 <a:cs typeface="Courier New" panose="02070309020205020404" pitchFamily="49" charset="0"/>
               </a:rPr>
@@ -12056,55 +12070,48 @@
               <a:buAutoNum type="arabicPeriod"/>
             </a:pPr>
             <a:r>
-              <a:rPr lang="nl-NL" sz="1400" kern="0" dirty="0" err="1" smtClean="0">
+              <a:rPr lang="nl-NL" sz="1800" kern="0" dirty="0" err="1" smtClean="0">
                 <a:latin typeface="Courier New" panose="02070309020205020404" pitchFamily="49" charset="0"/>
                 <a:cs typeface="Courier New" panose="02070309020205020404" pitchFamily="49" charset="0"/>
               </a:rPr>
               <a:t>What</a:t>
             </a:r>
             <a:r>
-              <a:rPr lang="nl-NL" sz="1400" kern="0" dirty="0" smtClean="0">
+              <a:rPr lang="nl-NL" sz="1800" kern="0" dirty="0" smtClean="0">
                 <a:latin typeface="Courier New" panose="02070309020205020404" pitchFamily="49" charset="0"/>
                 <a:cs typeface="Courier New" panose="02070309020205020404" pitchFamily="49" charset="0"/>
               </a:rPr>
               <a:t> is the </a:t>
             </a:r>
             <a:r>
-              <a:rPr lang="nl-NL" sz="1400" kern="0" dirty="0" err="1" smtClean="0">
+              <a:rPr lang="nl-NL" sz="1800" kern="0" dirty="0" err="1" smtClean="0">
                 <a:latin typeface="Courier New" panose="02070309020205020404" pitchFamily="49" charset="0"/>
                 <a:cs typeface="Courier New" panose="02070309020205020404" pitchFamily="49" charset="0"/>
               </a:rPr>
               <a:t>accuracy</a:t>
             </a:r>
             <a:r>
-              <a:rPr lang="nl-NL" sz="1400" kern="0" dirty="0" smtClean="0">
+              <a:rPr lang="nl-NL" sz="1800" kern="0" dirty="0" smtClean="0">
                 <a:latin typeface="Courier New" panose="02070309020205020404" pitchFamily="49" charset="0"/>
                 <a:cs typeface="Courier New" panose="02070309020205020404" pitchFamily="49" charset="0"/>
               </a:rPr>
               <a:t> of </a:t>
             </a:r>
             <a:r>
-              <a:rPr lang="nl-NL" sz="1400" kern="0" dirty="0" err="1" smtClean="0">
+              <a:rPr lang="nl-NL" sz="1800" kern="0" dirty="0" err="1" smtClean="0">
                 <a:latin typeface="Courier New" panose="02070309020205020404" pitchFamily="49" charset="0"/>
                 <a:cs typeface="Courier New" panose="02070309020205020404" pitchFamily="49" charset="0"/>
               </a:rPr>
               <a:t>your</a:t>
             </a:r>
             <a:r>
-              <a:rPr lang="nl-NL" sz="1400" kern="0" dirty="0" smtClean="0">
-                <a:latin typeface="Courier New" panose="02070309020205020404" pitchFamily="49" charset="0"/>
-                <a:cs typeface="Courier New" panose="02070309020205020404" pitchFamily="49" charset="0"/>
-              </a:rPr>
-              <a:t> </a:t>
-            </a:r>
-            <a:r>
-              <a:rPr lang="nl-NL" sz="1400" kern="0" smtClean="0">
-                <a:latin typeface="Courier New" panose="02070309020205020404" pitchFamily="49" charset="0"/>
-                <a:cs typeface="Courier New" panose="02070309020205020404" pitchFamily="49" charset="0"/>
-              </a:rPr>
-              <a:t>model?</a:t>
-            </a:r>
-            <a:endParaRPr lang="nl-NL" sz="1400" kern="0" dirty="0">
+              <a:rPr lang="nl-NL" sz="1800" kern="0" dirty="0" smtClean="0">
+                <a:latin typeface="Courier New" panose="02070309020205020404" pitchFamily="49" charset="0"/>
+                <a:cs typeface="Courier New" panose="02070309020205020404" pitchFamily="49" charset="0"/>
+              </a:rPr>
+              <a:t> model?</a:t>
+            </a:r>
+            <a:endParaRPr lang="nl-NL" sz="1800" kern="0" dirty="0">
               <a:latin typeface="Courier New" panose="02070309020205020404" pitchFamily="49" charset="0"/>
               <a:cs typeface="Courier New" panose="02070309020205020404" pitchFamily="49" charset="0"/>
             </a:endParaRPr>
@@ -12220,6 +12227,13 @@
   <p:clrMapOvr>
     <a:masterClrMapping/>
   </p:clrMapOvr>
+  <p:timing>
+    <p:tnLst>
+      <p:par>
+        <p:cTn id="1" dur="indefinite" restart="never" nodeType="tmRoot"/>
+      </p:par>
+    </p:tnLst>
+  </p:timing>
 </p:sld>
 </file>
 
@@ -14632,19 +14646,8 @@
                 <a:latin typeface="Courier New" panose="02070309020205020404" pitchFamily="49" charset="0"/>
                 <a:cs typeface="Courier New" panose="02070309020205020404" pitchFamily="49" charset="0"/>
               </a:rPr>
-              <a:t> </a:t>
-            </a:r>
-            <a:r>
-              <a:rPr lang="nl-NL" sz="1400" dirty="0" smtClean="0">
-                <a:latin typeface="Courier New" panose="02070309020205020404" pitchFamily="49" charset="0"/>
-                <a:cs typeface="Courier New" panose="02070309020205020404" pitchFamily="49" charset="0"/>
-              </a:rPr>
-              <a:t>Lisa.</a:t>
-            </a:r>
-            <a:endParaRPr lang="nl-NL" sz="1400" dirty="0" smtClean="0">
-              <a:latin typeface="Courier New" panose="02070309020205020404" pitchFamily="49" charset="0"/>
-              <a:cs typeface="Courier New" panose="02070309020205020404" pitchFamily="49" charset="0"/>
-            </a:endParaRPr>
+              <a:t> Lisa.</a:t>
+            </a:r>
           </a:p>
           <a:p>
             <a:pPr>
@@ -14666,14 +14669,7 @@
                 <a:latin typeface="Courier New" panose="02070309020205020404" pitchFamily="49" charset="0"/>
                 <a:cs typeface="Courier New" panose="02070309020205020404" pitchFamily="49" charset="0"/>
               </a:rPr>
-              <a:t>Check </a:t>
-            </a:r>
-            <a:r>
-              <a:rPr lang="nl-NL" sz="1400" dirty="0" smtClean="0">
-                <a:latin typeface="Courier New" panose="02070309020205020404" pitchFamily="49" charset="0"/>
-                <a:cs typeface="Courier New" panose="02070309020205020404" pitchFamily="49" charset="0"/>
-              </a:rPr>
-              <a:t>out </a:t>
+              <a:t>Check out </a:t>
             </a:r>
             <a:r>
               <a:rPr lang="nl-NL" sz="1400" dirty="0" smtClean="0">
@@ -15168,14 +15164,7 @@
                 <a:latin typeface="Courier New" panose="02070309020205020404" pitchFamily="49" charset="0"/>
                 <a:cs typeface="Courier New" panose="02070309020205020404" pitchFamily="49" charset="0"/>
               </a:rPr>
-              <a:t> of the Simpsons</a:t>
-            </a:r>
-            <a:r>
-              <a:rPr lang="nl-NL" sz="1400" dirty="0" smtClean="0">
-                <a:latin typeface="Courier New" panose="02070309020205020404" pitchFamily="49" charset="0"/>
-                <a:cs typeface="Courier New" panose="02070309020205020404" pitchFamily="49" charset="0"/>
-              </a:rPr>
-              <a:t>)?</a:t>
+              <a:t> of the Simpsons)?</a:t>
             </a:r>
           </a:p>
           <a:p>

--- a/slides/Week 6 - text mining.pptx
+++ b/slides/Week 6 - text mining.pptx
@@ -5,10 +5,10 @@
     <p:sldMasterId id="2147483649" r:id="rId1"/>
   </p:sldMasterIdLst>
   <p:notesMasterIdLst>
-    <p:notesMasterId r:id="rId24"/>
+    <p:notesMasterId r:id="rId25"/>
   </p:notesMasterIdLst>
   <p:handoutMasterIdLst>
-    <p:handoutMasterId r:id="rId25"/>
+    <p:handoutMasterId r:id="rId26"/>
   </p:handoutMasterIdLst>
   <p:sldIdLst>
     <p:sldId id="256" r:id="rId2"/>
@@ -17,22 +17,23 @@
     <p:sldId id="280" r:id="rId5"/>
     <p:sldId id="284" r:id="rId6"/>
     <p:sldId id="268" r:id="rId7"/>
-    <p:sldId id="279" r:id="rId8"/>
-    <p:sldId id="267" r:id="rId9"/>
-    <p:sldId id="278" r:id="rId10"/>
-    <p:sldId id="273" r:id="rId11"/>
-    <p:sldId id="276" r:id="rId12"/>
-    <p:sldId id="277" r:id="rId13"/>
-    <p:sldId id="281" r:id="rId14"/>
-    <p:sldId id="261" r:id="rId15"/>
-    <p:sldId id="265" r:id="rId16"/>
-    <p:sldId id="266" r:id="rId17"/>
-    <p:sldId id="274" r:id="rId18"/>
-    <p:sldId id="285" r:id="rId19"/>
-    <p:sldId id="286" r:id="rId20"/>
-    <p:sldId id="287" r:id="rId21"/>
-    <p:sldId id="288" r:id="rId22"/>
-    <p:sldId id="283" r:id="rId23"/>
+    <p:sldId id="289" r:id="rId8"/>
+    <p:sldId id="290" r:id="rId9"/>
+    <p:sldId id="279" r:id="rId10"/>
+    <p:sldId id="267" r:id="rId11"/>
+    <p:sldId id="278" r:id="rId12"/>
+    <p:sldId id="273" r:id="rId13"/>
+    <p:sldId id="276" r:id="rId14"/>
+    <p:sldId id="277" r:id="rId15"/>
+    <p:sldId id="291" r:id="rId16"/>
+    <p:sldId id="292" r:id="rId17"/>
+    <p:sldId id="265" r:id="rId18"/>
+    <p:sldId id="266" r:id="rId19"/>
+    <p:sldId id="274" r:id="rId20"/>
+    <p:sldId id="286" r:id="rId21"/>
+    <p:sldId id="293" r:id="rId22"/>
+    <p:sldId id="288" r:id="rId23"/>
+    <p:sldId id="283" r:id="rId24"/>
   </p:sldIdLst>
   <p:sldSz cx="9144000" cy="6858000" type="screen4x3"/>
   <p:notesSz cx="6858000" cy="9144000"/>
@@ -311,7 +312,7 @@
             <a:fld id="{373F1B60-BDF4-4D63-AD79-99D5A5B1DF99}" type="datetime1">
               <a:rPr lang="en-US"/>
               <a:pPr/>
-              <a:t>12/19/2019</a:t>
+              <a:t>12/16/2020</a:t>
             </a:fld>
             <a:endParaRPr lang="en-US"/>
           </a:p>
@@ -530,7 +531,7 @@
             <a:fld id="{4387A7AA-DFE9-4771-BEDE-3294FCEBFB02}" type="datetime1">
               <a:rPr lang="en-US"/>
               <a:pPr/>
-              <a:t>12/19/2019</a:t>
+              <a:t>12/16/2020</a:t>
             </a:fld>
             <a:endParaRPr lang="en-US"/>
           </a:p>
@@ -921,7 +922,7 @@
             <a:fld id="{8541E2CD-DBF4-40F9-B6F8-EEFD0DF8A138}" type="datetime1">
               <a:rPr lang="en-US"/>
               <a:pPr/>
-              <a:t>12/19/2019</a:t>
+              <a:t>12/16/2020</a:t>
             </a:fld>
             <a:endParaRPr lang="en-US"/>
           </a:p>
@@ -1141,7 +1142,7 @@
             <a:fld id="{93F21019-3A00-48AC-9663-40DF67A83229}" type="datetime1">
               <a:rPr lang="en-US"/>
               <a:pPr/>
-              <a:t>12/19/2019</a:t>
+              <a:t>12/16/2020</a:t>
             </a:fld>
             <a:endParaRPr lang="en-US">
               <a:solidFill>
@@ -1327,7 +1328,7 @@
             <a:fld id="{8B2EF9C8-0AC3-4A53-9A61-1834A571F420}" type="datetime1">
               <a:rPr lang="en-US"/>
               <a:pPr/>
-              <a:t>12/19/2019</a:t>
+              <a:t>12/16/2020</a:t>
             </a:fld>
             <a:endParaRPr lang="en-US" sz="1400">
               <a:solidFill>
@@ -1524,7 +1525,7 @@
             <a:fld id="{F02960F3-A385-4905-A491-FDC17E063DD1}" type="datetime1">
               <a:rPr lang="en-US"/>
               <a:pPr/>
-              <a:t>12/19/2019</a:t>
+              <a:t>12/16/2020</a:t>
             </a:fld>
             <a:endParaRPr lang="en-US" sz="1400">
               <a:solidFill>
@@ -1783,7 +1784,7 @@
             <a:fld id="{CD3AD70A-8E2A-47B5-AC18-ABBB5A8E737D}" type="datetime1">
               <a:rPr lang="en-US"/>
               <a:pPr/>
-              <a:t>12/19/2019</a:t>
+              <a:t>12/16/2020</a:t>
             </a:fld>
             <a:endParaRPr lang="en-US" sz="1400">
               <a:solidFill>
@@ -2019,7 +2020,7 @@
             <a:fld id="{07008C2E-9BD6-496B-BFC3-B4A975EBC85E}" type="datetime1">
               <a:rPr lang="en-US"/>
               <a:pPr/>
-              <a:t>12/19/2019</a:t>
+              <a:t>12/16/2020</a:t>
             </a:fld>
             <a:endParaRPr lang="en-US" sz="1400">
               <a:solidFill>
@@ -2198,7 +2199,7 @@
             <a:fld id="{1AA2C3CF-866C-4FDE-B76D-4E9536901630}" type="datetime1">
               <a:rPr lang="en-US"/>
               <a:pPr/>
-              <a:t>12/19/2019</a:t>
+              <a:t>12/16/2020</a:t>
             </a:fld>
             <a:endParaRPr lang="en-US" sz="1400">
               <a:solidFill>
@@ -2377,7 +2378,7 @@
             <a:fld id="{555EE259-FE08-4558-B721-B189FFE77284}" type="datetime1">
               <a:rPr lang="en-US"/>
               <a:pPr/>
-              <a:t>12/19/2019</a:t>
+              <a:t>12/16/2020</a:t>
             </a:fld>
             <a:endParaRPr lang="en-US" sz="1400">
               <a:solidFill>
@@ -2646,7 +2647,7 @@
             <a:fld id="{0AF4064E-5624-49AB-B7C6-E301A8F6B1FF}" type="datetime1">
               <a:rPr lang="en-US"/>
               <a:pPr/>
-              <a:t>12/19/2019</a:t>
+              <a:t>12/16/2020</a:t>
             </a:fld>
             <a:endParaRPr lang="en-US" sz="1400">
               <a:solidFill>
@@ -2843,7 +2844,7 @@
             <a:fld id="{CBC97FCD-6C54-4833-B032-BFBCDFA8379D}" type="datetime1">
               <a:rPr lang="en-US"/>
               <a:pPr/>
-              <a:t>12/19/2019</a:t>
+              <a:t>12/16/2020</a:t>
             </a:fld>
             <a:endParaRPr lang="en-US" sz="1400">
               <a:solidFill>
@@ -3052,7 +3053,7 @@
             <a:fld id="{F04AA577-515A-431F-98B6-3B03494ABB11}" type="datetime1">
               <a:rPr lang="en-US"/>
               <a:pPr/>
-              <a:t>12/19/2019</a:t>
+              <a:t>12/16/2020</a:t>
             </a:fld>
             <a:endParaRPr lang="en-US" sz="1400">
               <a:solidFill>
@@ -3357,7 +3358,7 @@
             <a:fld id="{6475F1A4-C474-4345-A800-2F40B0E4E70C}" type="datetime1">
               <a:rPr lang="en-US"/>
               <a:pPr/>
-              <a:t>12/19/2019</a:t>
+              <a:t>12/16/2020</a:t>
             </a:fld>
             <a:endParaRPr lang="en-US" sz="1400">
               <a:solidFill>
@@ -3801,7 +3802,7 @@
             <a:fld id="{7BA535AB-820E-4207-9DA8-5F37106C7AF4}" type="datetime1">
               <a:rPr lang="en-US"/>
               <a:pPr/>
-              <a:t>12/19/2019</a:t>
+              <a:t>12/16/2020</a:t>
             </a:fld>
             <a:endParaRPr lang="en-US" sz="1400">
               <a:solidFill>
@@ -3936,7 +3937,7 @@
             <a:fld id="{0A7E69FA-D7EE-42C0-9117-1971B541885F}" type="datetime1">
               <a:rPr lang="en-US"/>
               <a:pPr/>
-              <a:t>12/19/2019</a:t>
+              <a:t>12/16/2020</a:t>
             </a:fld>
             <a:endParaRPr lang="en-US" sz="1400">
               <a:solidFill>
@@ -4048,7 +4049,7 @@
             <a:fld id="{10D7644E-1B5D-4325-BA79-338DF2B89B56}" type="datetime1">
               <a:rPr lang="en-US"/>
               <a:pPr/>
-              <a:t>12/19/2019</a:t>
+              <a:t>12/16/2020</a:t>
             </a:fld>
             <a:endParaRPr lang="en-US" sz="1400">
               <a:solidFill>
@@ -4342,7 +4343,7 @@
             <a:fld id="{B790C882-0B74-4932-8998-E9ABB8AF1740}" type="datetime1">
               <a:rPr lang="en-US"/>
               <a:pPr/>
-              <a:t>12/19/2019</a:t>
+              <a:t>12/16/2020</a:t>
             </a:fld>
             <a:endParaRPr lang="en-US" sz="1400">
               <a:solidFill>
@@ -4612,7 +4613,7 @@
             <a:fld id="{9DC585DC-AE7D-44C1-90AB-C3A391DEA065}" type="datetime1">
               <a:rPr lang="en-US"/>
               <a:pPr/>
-              <a:t>12/19/2019</a:t>
+              <a:t>12/16/2020</a:t>
             </a:fld>
             <a:endParaRPr lang="en-US" sz="1400">
               <a:solidFill>
@@ -4876,7 +4877,7 @@
             <a:fld id="{256CE565-1940-4E5F-9190-C0815CEAAA9D}" type="datetime1">
               <a:rPr lang="en-US"/>
               <a:pPr/>
-              <a:t>12/19/2019</a:t>
+              <a:t>12/16/2020</a:t>
             </a:fld>
             <a:endParaRPr lang="en-US"/>
           </a:p>
@@ -5628,6 +5629,753 @@
 </file>
 
 <file path=ppt/slides/slide10.xml><?xml version="1.0" encoding="utf-8"?>
+<p:sld xmlns:a="http://schemas.openxmlformats.org/drawingml/2006/main" xmlns:r="http://schemas.openxmlformats.org/officeDocument/2006/relationships" xmlns:p="http://schemas.openxmlformats.org/presentationml/2006/main">
+  <p:cSld>
+    <p:spTree>
+      <p:nvGrpSpPr>
+        <p:cNvPr id="1" name=""/>
+        <p:cNvGrpSpPr/>
+        <p:nvPr/>
+      </p:nvGrpSpPr>
+      <p:grpSpPr>
+        <a:xfrm>
+          <a:off x="0" y="0"/>
+          <a:ext cx="0" cy="0"/>
+          <a:chOff x="0" y="0"/>
+          <a:chExt cx="0" cy="0"/>
+        </a:xfrm>
+      </p:grpSpPr>
+      <p:sp>
+        <p:nvSpPr>
+          <p:cNvPr id="2" name="Titel 1"/>
+          <p:cNvSpPr>
+            <a:spLocks noGrp="1"/>
+          </p:cNvSpPr>
+          <p:nvPr>
+            <p:ph type="title"/>
+          </p:nvPr>
+        </p:nvSpPr>
+        <p:spPr/>
+        <p:txBody>
+          <a:bodyPr/>
+          <a:lstStyle/>
+          <a:p>
+            <a:r>
+              <a:rPr lang="nl-NL" dirty="0" smtClean="0"/>
+              <a:t>Bag of </a:t>
+            </a:r>
+            <a:r>
+              <a:rPr lang="nl-NL" dirty="0" err="1" smtClean="0"/>
+              <a:t>words</a:t>
+            </a:r>
+            <a:endParaRPr lang="nl-NL" dirty="0"/>
+          </a:p>
+        </p:txBody>
+      </p:sp>
+      <p:sp>
+        <p:nvSpPr>
+          <p:cNvPr id="3" name="Tijdelijke aanduiding voor inhoud 2"/>
+          <p:cNvSpPr>
+            <a:spLocks noGrp="1"/>
+          </p:cNvSpPr>
+          <p:nvPr>
+            <p:ph idx="1"/>
+          </p:nvPr>
+        </p:nvSpPr>
+        <p:spPr>
+          <a:xfrm>
+            <a:off x="762000" y="1762125"/>
+            <a:ext cx="4530080" cy="4450449"/>
+          </a:xfrm>
+        </p:spPr>
+        <p:txBody>
+          <a:bodyPr/>
+          <a:lstStyle/>
+          <a:p>
+            <a:r>
+              <a:rPr lang="nl-NL" sz="2400" dirty="0" smtClean="0"/>
+              <a:t>The ‘bag of </a:t>
+            </a:r>
+            <a:r>
+              <a:rPr lang="nl-NL" sz="2400" dirty="0" err="1" smtClean="0"/>
+              <a:t>words</a:t>
+            </a:r>
+            <a:r>
+              <a:rPr lang="nl-NL" sz="2400" dirty="0" smtClean="0"/>
+              <a:t>’ model </a:t>
+            </a:r>
+            <a:r>
+              <a:rPr lang="nl-NL" sz="2400" dirty="0" err="1" smtClean="0"/>
+              <a:t>treats</a:t>
+            </a:r>
+            <a:r>
+              <a:rPr lang="nl-NL" sz="2400" dirty="0" smtClean="0"/>
+              <a:t> a document as a </a:t>
+            </a:r>
+            <a:r>
+              <a:rPr lang="nl-NL" sz="2400" dirty="0" err="1" smtClean="0"/>
+              <a:t>collection</a:t>
+            </a:r>
+            <a:r>
+              <a:rPr lang="nl-NL" sz="2400" dirty="0" smtClean="0"/>
+              <a:t> of </a:t>
+            </a:r>
+            <a:r>
+              <a:rPr lang="nl-NL" sz="2400" dirty="0" err="1" smtClean="0"/>
+              <a:t>words</a:t>
+            </a:r>
+            <a:r>
+              <a:rPr lang="nl-NL" sz="2400" dirty="0" smtClean="0"/>
+              <a:t>, </a:t>
+            </a:r>
+            <a:r>
+              <a:rPr lang="nl-NL" sz="2400" dirty="0" err="1" smtClean="0"/>
+              <a:t>and</a:t>
+            </a:r>
+            <a:r>
+              <a:rPr lang="nl-NL" sz="2400" dirty="0" smtClean="0"/>
+              <a:t> a </a:t>
+            </a:r>
+            <a:r>
+              <a:rPr lang="nl-NL" sz="2400" dirty="0" err="1" smtClean="0"/>
+              <a:t>count</a:t>
+            </a:r>
+            <a:r>
+              <a:rPr lang="nl-NL" sz="2400" dirty="0" smtClean="0"/>
+              <a:t> </a:t>
+            </a:r>
+            <a:r>
+              <a:rPr lang="nl-NL" sz="2400" dirty="0" err="1" smtClean="0"/>
+              <a:t>for</a:t>
+            </a:r>
+            <a:r>
+              <a:rPr lang="nl-NL" sz="2400" dirty="0" smtClean="0"/>
+              <a:t> </a:t>
+            </a:r>
+            <a:r>
+              <a:rPr lang="nl-NL" sz="2400" dirty="0" err="1" smtClean="0"/>
+              <a:t>each</a:t>
+            </a:r>
+            <a:endParaRPr lang="nl-NL" sz="2400" dirty="0" smtClean="0"/>
+          </a:p>
+          <a:p>
+            <a:endParaRPr lang="nl-NL" sz="2400" dirty="0"/>
+          </a:p>
+          <a:p>
+            <a:r>
+              <a:rPr lang="nl-NL" sz="2400" dirty="0" smtClean="0"/>
+              <a:t>It </a:t>
+            </a:r>
+            <a:r>
+              <a:rPr lang="nl-NL" sz="2400" dirty="0" err="1" smtClean="0"/>
+              <a:t>ignores</a:t>
+            </a:r>
+            <a:r>
+              <a:rPr lang="nl-NL" sz="2400" dirty="0" smtClean="0"/>
+              <a:t> </a:t>
+            </a:r>
+            <a:r>
+              <a:rPr lang="nl-NL" sz="2400" dirty="0" err="1" smtClean="0"/>
+              <a:t>semantics</a:t>
+            </a:r>
+            <a:r>
+              <a:rPr lang="nl-NL" sz="2400" dirty="0" smtClean="0"/>
+              <a:t>, syntax (word order), </a:t>
+            </a:r>
+            <a:r>
+              <a:rPr lang="nl-NL" sz="2400" dirty="0" err="1" smtClean="0"/>
+              <a:t>morphology</a:t>
+            </a:r>
+            <a:r>
+              <a:rPr lang="nl-NL" sz="2400" dirty="0" smtClean="0"/>
+              <a:t> </a:t>
+            </a:r>
+            <a:r>
+              <a:rPr lang="nl-NL" sz="2400" dirty="0" err="1" smtClean="0"/>
+              <a:t>and</a:t>
+            </a:r>
+            <a:r>
+              <a:rPr lang="nl-NL" sz="2400" dirty="0" smtClean="0"/>
+              <a:t> </a:t>
+            </a:r>
+            <a:r>
+              <a:rPr lang="nl-NL" sz="2400" dirty="0" err="1" smtClean="0"/>
+              <a:t>pragmatics</a:t>
+            </a:r>
+            <a:r>
+              <a:rPr lang="nl-NL" sz="2400" dirty="0"/>
+              <a:t> </a:t>
+            </a:r>
+            <a:r>
+              <a:rPr lang="nl-NL" sz="2400" dirty="0" smtClean="0"/>
+              <a:t>(e.g., </a:t>
+            </a:r>
+            <a:r>
+              <a:rPr lang="nl-NL" sz="2400" dirty="0" err="1" smtClean="0"/>
+              <a:t>irony</a:t>
+            </a:r>
+            <a:r>
+              <a:rPr lang="nl-NL" sz="2400" dirty="0" smtClean="0"/>
+              <a:t>)</a:t>
+            </a:r>
+          </a:p>
+          <a:p>
+            <a:endParaRPr lang="nl-NL" sz="2400" dirty="0"/>
+          </a:p>
+          <a:p>
+            <a:r>
+              <a:rPr lang="nl-NL" sz="2400" dirty="0" err="1" smtClean="0"/>
+              <a:t>Very</a:t>
+            </a:r>
+            <a:r>
+              <a:rPr lang="nl-NL" sz="2400" dirty="0" smtClean="0"/>
+              <a:t> </a:t>
+            </a:r>
+            <a:r>
+              <a:rPr lang="nl-NL" sz="2400" dirty="0" err="1" smtClean="0"/>
+              <a:t>simple</a:t>
+            </a:r>
+            <a:r>
+              <a:rPr lang="nl-NL" sz="2400" dirty="0" smtClean="0"/>
+              <a:t> but </a:t>
+            </a:r>
+            <a:r>
+              <a:rPr lang="nl-NL" sz="2400" dirty="0" err="1" smtClean="0"/>
+              <a:t>often</a:t>
+            </a:r>
+            <a:r>
+              <a:rPr lang="nl-NL" sz="2400" dirty="0" smtClean="0"/>
+              <a:t> </a:t>
+            </a:r>
+            <a:r>
+              <a:rPr lang="nl-NL" sz="2400" dirty="0" err="1" smtClean="0"/>
+              <a:t>effective</a:t>
+            </a:r>
+            <a:r>
+              <a:rPr lang="nl-NL" sz="2400" dirty="0" smtClean="0"/>
+              <a:t> for </a:t>
+            </a:r>
+            <a:r>
+              <a:rPr lang="nl-NL" sz="2400" dirty="0" err="1" smtClean="0"/>
+              <a:t>many</a:t>
+            </a:r>
+            <a:r>
+              <a:rPr lang="nl-NL" sz="2400" dirty="0" smtClean="0"/>
+              <a:t> </a:t>
+            </a:r>
+            <a:r>
+              <a:rPr lang="nl-NL" sz="2400" dirty="0" err="1" smtClean="0"/>
+              <a:t>languages</a:t>
+            </a:r>
+            <a:endParaRPr lang="nl-NL" sz="2400" dirty="0" smtClean="0"/>
+          </a:p>
+        </p:txBody>
+      </p:sp>
+      <p:graphicFrame>
+        <p:nvGraphicFramePr>
+          <p:cNvPr id="4" name="Tabel 3"/>
+          <p:cNvGraphicFramePr>
+            <a:graphicFrameLocks noGrp="1"/>
+          </p:cNvGraphicFramePr>
+          <p:nvPr>
+            <p:extLst>
+              <p:ext uri="{D42A27DB-BD31-4B8C-83A1-F6EECF244321}">
+                <p14:modId xmlns:p14="http://schemas.microsoft.com/office/powerpoint/2010/main" val="711043460"/>
+              </p:ext>
+            </p:extLst>
+          </p:nvPr>
+        </p:nvGraphicFramePr>
+        <p:xfrm>
+          <a:off x="5580112" y="3645024"/>
+          <a:ext cx="2543944" cy="2464050"/>
+        </p:xfrm>
+        <a:graphic>
+          <a:graphicData uri="http://schemas.openxmlformats.org/drawingml/2006/table">
+            <a:tbl>
+              <a:tblPr firstRow="1" bandRow="1">
+                <a:tableStyleId>{5C22544A-7EE6-4342-B048-85BDC9FD1C3A}</a:tableStyleId>
+              </a:tblPr>
+              <a:tblGrid>
+                <a:gridCol w="1271972">
+                  <a:extLst>
+                    <a:ext uri="{9D8B030D-6E8A-4147-A177-3AD203B41FA5}">
+                      <a16:colId xmlns:a16="http://schemas.microsoft.com/office/drawing/2014/main" val="2772722430"/>
+                    </a:ext>
+                  </a:extLst>
+                </a:gridCol>
+                <a:gridCol w="1271972">
+                  <a:extLst>
+                    <a:ext uri="{9D8B030D-6E8A-4147-A177-3AD203B41FA5}">
+                      <a16:colId xmlns:a16="http://schemas.microsoft.com/office/drawing/2014/main" val="3705205455"/>
+                    </a:ext>
+                  </a:extLst>
+                </a:gridCol>
+              </a:tblGrid>
+              <a:tr h="410675">
+                <a:tc>
+                  <a:txBody>
+                    <a:bodyPr/>
+                    <a:lstStyle/>
+                    <a:p>
+                      <a:r>
+                        <a:rPr lang="nl-NL" dirty="0" smtClean="0"/>
+                        <a:t>Word</a:t>
+                      </a:r>
+                      <a:endParaRPr lang="nl-NL" dirty="0"/>
+                    </a:p>
+                  </a:txBody>
+                  <a:tcPr/>
+                </a:tc>
+                <a:tc>
+                  <a:txBody>
+                    <a:bodyPr/>
+                    <a:lstStyle/>
+                    <a:p>
+                      <a:r>
+                        <a:rPr lang="nl-NL" dirty="0" err="1" smtClean="0"/>
+                        <a:t>Count</a:t>
+                      </a:r>
+                      <a:endParaRPr lang="nl-NL" dirty="0"/>
+                    </a:p>
+                  </a:txBody>
+                  <a:tcPr/>
+                </a:tc>
+                <a:extLst>
+                  <a:ext uri="{0D108BD9-81ED-4DB2-BD59-A6C34878D82A}">
+                    <a16:rowId xmlns:a16="http://schemas.microsoft.com/office/drawing/2014/main" val="4293008583"/>
+                  </a:ext>
+                </a:extLst>
+              </a:tr>
+              <a:tr h="410675">
+                <a:tc>
+                  <a:txBody>
+                    <a:bodyPr/>
+                    <a:lstStyle/>
+                    <a:p>
+                      <a:r>
+                        <a:rPr lang="nl-NL" dirty="0" err="1" smtClean="0"/>
+                        <a:t>You</a:t>
+                      </a:r>
+                      <a:endParaRPr lang="nl-NL" dirty="0"/>
+                    </a:p>
+                  </a:txBody>
+                  <a:tcPr/>
+                </a:tc>
+                <a:tc>
+                  <a:txBody>
+                    <a:bodyPr/>
+                    <a:lstStyle/>
+                    <a:p>
+                      <a:r>
+                        <a:rPr lang="nl-NL" dirty="0" smtClean="0"/>
+                        <a:t>8</a:t>
+                      </a:r>
+                      <a:endParaRPr lang="nl-NL" dirty="0"/>
+                    </a:p>
+                  </a:txBody>
+                  <a:tcPr/>
+                </a:tc>
+                <a:extLst>
+                  <a:ext uri="{0D108BD9-81ED-4DB2-BD59-A6C34878D82A}">
+                    <a16:rowId xmlns:a16="http://schemas.microsoft.com/office/drawing/2014/main" val="1738222635"/>
+                  </a:ext>
+                </a:extLst>
+              </a:tr>
+              <a:tr h="410675">
+                <a:tc>
+                  <a:txBody>
+                    <a:bodyPr/>
+                    <a:lstStyle/>
+                    <a:p>
+                      <a:r>
+                        <a:rPr lang="nl-NL" dirty="0" smtClean="0"/>
+                        <a:t>I</a:t>
+                      </a:r>
+                      <a:endParaRPr lang="nl-NL" dirty="0"/>
+                    </a:p>
+                  </a:txBody>
+                  <a:tcPr/>
+                </a:tc>
+                <a:tc>
+                  <a:txBody>
+                    <a:bodyPr/>
+                    <a:lstStyle/>
+                    <a:p>
+                      <a:r>
+                        <a:rPr lang="nl-NL" dirty="0" smtClean="0"/>
+                        <a:t>6</a:t>
+                      </a:r>
+                      <a:endParaRPr lang="nl-NL" dirty="0"/>
+                    </a:p>
+                  </a:txBody>
+                  <a:tcPr/>
+                </a:tc>
+                <a:extLst>
+                  <a:ext uri="{0D108BD9-81ED-4DB2-BD59-A6C34878D82A}">
+                    <a16:rowId xmlns:a16="http://schemas.microsoft.com/office/drawing/2014/main" val="274242068"/>
+                  </a:ext>
+                </a:extLst>
+              </a:tr>
+              <a:tr h="410675">
+                <a:tc>
+                  <a:txBody>
+                    <a:bodyPr/>
+                    <a:lstStyle/>
+                    <a:p>
+                      <a:r>
+                        <a:rPr lang="nl-NL" dirty="0" err="1" smtClean="0"/>
+                        <a:t>And</a:t>
+                      </a:r>
+                      <a:endParaRPr lang="nl-NL" dirty="0"/>
+                    </a:p>
+                  </a:txBody>
+                  <a:tcPr/>
+                </a:tc>
+                <a:tc>
+                  <a:txBody>
+                    <a:bodyPr/>
+                    <a:lstStyle/>
+                    <a:p>
+                      <a:r>
+                        <a:rPr lang="nl-NL" dirty="0" smtClean="0"/>
+                        <a:t>5</a:t>
+                      </a:r>
+                      <a:endParaRPr lang="nl-NL" dirty="0"/>
+                    </a:p>
+                  </a:txBody>
+                  <a:tcPr/>
+                </a:tc>
+                <a:extLst>
+                  <a:ext uri="{0D108BD9-81ED-4DB2-BD59-A6C34878D82A}">
+                    <a16:rowId xmlns:a16="http://schemas.microsoft.com/office/drawing/2014/main" val="1843385924"/>
+                  </a:ext>
+                </a:extLst>
+              </a:tr>
+              <a:tr h="410675">
+                <a:tc>
+                  <a:txBody>
+                    <a:bodyPr/>
+                    <a:lstStyle/>
+                    <a:p>
+                      <a:r>
+                        <a:rPr lang="nl-NL" dirty="0" smtClean="0"/>
+                        <a:t>Will</a:t>
+                      </a:r>
+                      <a:endParaRPr lang="nl-NL" dirty="0"/>
+                    </a:p>
+                  </a:txBody>
+                  <a:tcPr/>
+                </a:tc>
+                <a:tc>
+                  <a:txBody>
+                    <a:bodyPr/>
+                    <a:lstStyle/>
+                    <a:p>
+                      <a:r>
+                        <a:rPr lang="nl-NL" dirty="0" smtClean="0"/>
+                        <a:t>5</a:t>
+                      </a:r>
+                      <a:endParaRPr lang="nl-NL" dirty="0"/>
+                    </a:p>
+                  </a:txBody>
+                  <a:tcPr/>
+                </a:tc>
+                <a:extLst>
+                  <a:ext uri="{0D108BD9-81ED-4DB2-BD59-A6C34878D82A}">
+                    <a16:rowId xmlns:a16="http://schemas.microsoft.com/office/drawing/2014/main" val="3547913285"/>
+                  </a:ext>
+                </a:extLst>
+              </a:tr>
+              <a:tr h="410675">
+                <a:tc>
+                  <a:txBody>
+                    <a:bodyPr/>
+                    <a:lstStyle/>
+                    <a:p>
+                      <a:r>
+                        <a:rPr lang="nl-NL" dirty="0" smtClean="0"/>
+                        <a:t>Be</a:t>
+                      </a:r>
+                      <a:endParaRPr lang="nl-NL" dirty="0"/>
+                    </a:p>
+                  </a:txBody>
+                  <a:tcPr/>
+                </a:tc>
+                <a:tc>
+                  <a:txBody>
+                    <a:bodyPr/>
+                    <a:lstStyle/>
+                    <a:p>
+                      <a:r>
+                        <a:rPr lang="nl-NL" dirty="0" smtClean="0"/>
+                        <a:t>4</a:t>
+                      </a:r>
+                      <a:endParaRPr lang="nl-NL" dirty="0"/>
+                    </a:p>
+                  </a:txBody>
+                  <a:tcPr/>
+                </a:tc>
+                <a:extLst>
+                  <a:ext uri="{0D108BD9-81ED-4DB2-BD59-A6C34878D82A}">
+                    <a16:rowId xmlns:a16="http://schemas.microsoft.com/office/drawing/2014/main" val="183468617"/>
+                  </a:ext>
+                </a:extLst>
+              </a:tr>
+            </a:tbl>
+          </a:graphicData>
+        </a:graphic>
+      </p:graphicFrame>
+      <p:pic>
+        <p:nvPicPr>
+          <p:cNvPr id="5" name="Afbeelding 4"/>
+          <p:cNvPicPr>
+            <a:picLocks noChangeAspect="1"/>
+          </p:cNvPicPr>
+          <p:nvPr/>
+        </p:nvPicPr>
+        <p:blipFill>
+          <a:blip r:embed="rId2" cstate="print">
+            <a:extLst>
+              <a:ext uri="{28A0092B-C50C-407E-A947-70E740481C1C}">
+                <a14:useLocalDpi xmlns:a14="http://schemas.microsoft.com/office/drawing/2010/main" val="0"/>
+              </a:ext>
+            </a:extLst>
+          </a:blip>
+          <a:stretch>
+            <a:fillRect/>
+          </a:stretch>
+        </p:blipFill>
+        <p:spPr>
+          <a:xfrm>
+            <a:off x="5652120" y="1189038"/>
+            <a:ext cx="2132856" cy="2132856"/>
+          </a:xfrm>
+          <a:prstGeom prst="rect">
+            <a:avLst/>
+          </a:prstGeom>
+        </p:spPr>
+      </p:pic>
+    </p:spTree>
+    <p:extLst>
+      <p:ext uri="{BB962C8B-B14F-4D97-AF65-F5344CB8AC3E}">
+        <p14:creationId xmlns:p14="http://schemas.microsoft.com/office/powerpoint/2010/main" val="861781693"/>
+      </p:ext>
+    </p:extLst>
+  </p:cSld>
+  <p:clrMapOvr>
+    <a:masterClrMapping/>
+  </p:clrMapOvr>
+  <p:timing>
+    <p:tnLst>
+      <p:par>
+        <p:cTn id="1" dur="indefinite" restart="never" nodeType="tmRoot"/>
+      </p:par>
+    </p:tnLst>
+  </p:timing>
+</p:sld>
+</file>
+
+<file path=ppt/slides/slide11.xml><?xml version="1.0" encoding="utf-8"?>
+<p:sld xmlns:a="http://schemas.openxmlformats.org/drawingml/2006/main" xmlns:r="http://schemas.openxmlformats.org/officeDocument/2006/relationships" xmlns:p="http://schemas.openxmlformats.org/presentationml/2006/main">
+  <p:cSld>
+    <p:spTree>
+      <p:nvGrpSpPr>
+        <p:cNvPr id="1" name=""/>
+        <p:cNvGrpSpPr/>
+        <p:nvPr/>
+      </p:nvGrpSpPr>
+      <p:grpSpPr>
+        <a:xfrm>
+          <a:off x="0" y="0"/>
+          <a:ext cx="0" cy="0"/>
+          <a:chOff x="0" y="0"/>
+          <a:chExt cx="0" cy="0"/>
+        </a:xfrm>
+      </p:grpSpPr>
+      <p:sp>
+        <p:nvSpPr>
+          <p:cNvPr id="2" name="Titel 1"/>
+          <p:cNvSpPr>
+            <a:spLocks noGrp="1"/>
+          </p:cNvSpPr>
+          <p:nvPr>
+            <p:ph type="title"/>
+          </p:nvPr>
+        </p:nvSpPr>
+        <p:spPr/>
+        <p:txBody>
+          <a:bodyPr/>
+          <a:lstStyle/>
+          <a:p>
+            <a:r>
+              <a:rPr lang="nl-NL" dirty="0" err="1" smtClean="0"/>
+              <a:t>Tokenizing</a:t>
+            </a:r>
+            <a:endParaRPr lang="nl-NL" dirty="0"/>
+          </a:p>
+        </p:txBody>
+      </p:sp>
+      <p:sp>
+        <p:nvSpPr>
+          <p:cNvPr id="3" name="Tijdelijke aanduiding voor inhoud 2"/>
+          <p:cNvSpPr>
+            <a:spLocks noGrp="1"/>
+          </p:cNvSpPr>
+          <p:nvPr>
+            <p:ph idx="1"/>
+          </p:nvPr>
+        </p:nvSpPr>
+        <p:spPr>
+          <a:xfrm>
+            <a:off x="762000" y="1762125"/>
+            <a:ext cx="7881938" cy="3416320"/>
+          </a:xfrm>
+        </p:spPr>
+        <p:txBody>
+          <a:bodyPr/>
+          <a:lstStyle/>
+          <a:p>
+            <a:r>
+              <a:rPr lang="nl-NL" sz="2400" dirty="0" err="1" smtClean="0"/>
+              <a:t>Tokenizing</a:t>
+            </a:r>
+            <a:r>
+              <a:rPr lang="nl-NL" sz="2400" dirty="0" smtClean="0"/>
+              <a:t> is </a:t>
+            </a:r>
+            <a:r>
+              <a:rPr lang="nl-NL" sz="2400" dirty="0" err="1" smtClean="0"/>
+              <a:t>about</a:t>
+            </a:r>
+            <a:r>
+              <a:rPr lang="nl-NL" sz="2400" dirty="0" smtClean="0"/>
+              <a:t> </a:t>
+            </a:r>
+            <a:r>
+              <a:rPr lang="nl-NL" sz="2400" dirty="0" err="1" smtClean="0"/>
+              <a:t>breaking</a:t>
+            </a:r>
+            <a:r>
+              <a:rPr lang="nl-NL" sz="2400" dirty="0" smtClean="0"/>
+              <a:t> text up </a:t>
+            </a:r>
+            <a:r>
+              <a:rPr lang="nl-NL" sz="2400" dirty="0" err="1" smtClean="0"/>
+              <a:t>into</a:t>
+            </a:r>
+            <a:r>
+              <a:rPr lang="nl-NL" sz="2400" dirty="0" smtClean="0"/>
+              <a:t> units (‘</a:t>
+            </a:r>
+            <a:r>
+              <a:rPr lang="nl-NL" sz="2400" dirty="0" err="1" smtClean="0"/>
+              <a:t>words</a:t>
+            </a:r>
+            <a:r>
+              <a:rPr lang="nl-NL" sz="2400" dirty="0" smtClean="0"/>
+              <a:t>’)</a:t>
+            </a:r>
+          </a:p>
+          <a:p>
+            <a:endParaRPr lang="nl-NL" sz="2400" dirty="0"/>
+          </a:p>
+          <a:p>
+            <a:r>
+              <a:rPr lang="nl-NL" sz="2400" dirty="0" err="1" smtClean="0"/>
+              <a:t>Relatively</a:t>
+            </a:r>
+            <a:r>
+              <a:rPr lang="nl-NL" sz="2400" dirty="0" smtClean="0"/>
+              <a:t> easy in English…</a:t>
+            </a:r>
+          </a:p>
+          <a:p>
+            <a:pPr marL="533400" lvl="1" indent="0">
+              <a:buNone/>
+            </a:pPr>
+            <a:r>
+              <a:rPr lang="nl-NL" sz="2400" dirty="0" smtClean="0"/>
+              <a:t>(But </a:t>
+            </a:r>
+            <a:r>
+              <a:rPr lang="nl-NL" sz="2400" dirty="0" err="1" smtClean="0"/>
+              <a:t>what</a:t>
+            </a:r>
+            <a:r>
+              <a:rPr lang="nl-NL" sz="2400" dirty="0" smtClean="0"/>
+              <a:t> </a:t>
+            </a:r>
+            <a:r>
+              <a:rPr lang="nl-NL" sz="2400" dirty="0" err="1" smtClean="0"/>
+              <a:t>about</a:t>
+            </a:r>
+            <a:r>
+              <a:rPr lang="nl-NL" sz="2400" dirty="0" smtClean="0"/>
+              <a:t> ‘New York’, ‘ice cream’)</a:t>
+            </a:r>
+          </a:p>
+          <a:p>
+            <a:pPr lvl="1"/>
+            <a:endParaRPr lang="nl-NL" sz="2400" dirty="0" smtClean="0"/>
+          </a:p>
+          <a:p>
+            <a:r>
+              <a:rPr lang="nl-NL" sz="2400" dirty="0" smtClean="0"/>
+              <a:t>A lot harder in ‘</a:t>
+            </a:r>
+            <a:r>
+              <a:rPr lang="nl-NL" sz="2400" dirty="0" err="1" smtClean="0"/>
+              <a:t>agglutinative</a:t>
+            </a:r>
+            <a:r>
+              <a:rPr lang="nl-NL" sz="2400" dirty="0" smtClean="0"/>
+              <a:t>’ </a:t>
+            </a:r>
+            <a:r>
+              <a:rPr lang="nl-NL" sz="2400" dirty="0" err="1" smtClean="0"/>
+              <a:t>languages</a:t>
+            </a:r>
+            <a:r>
+              <a:rPr lang="nl-NL" sz="2400" dirty="0" smtClean="0"/>
+              <a:t> like </a:t>
+            </a:r>
+            <a:r>
+              <a:rPr lang="nl-NL" sz="2400" dirty="0" err="1" smtClean="0"/>
+              <a:t>Turkish</a:t>
+            </a:r>
+            <a:r>
+              <a:rPr lang="nl-NL" sz="2400" dirty="0" smtClean="0"/>
+              <a:t> or </a:t>
+            </a:r>
+            <a:r>
+              <a:rPr lang="nl-NL" sz="2400" dirty="0" err="1" smtClean="0"/>
+              <a:t>Finnish</a:t>
+            </a:r>
+            <a:endParaRPr lang="nl-NL" sz="2400" dirty="0" smtClean="0"/>
+          </a:p>
+        </p:txBody>
+      </p:sp>
+    </p:spTree>
+    <p:extLst>
+      <p:ext uri="{BB962C8B-B14F-4D97-AF65-F5344CB8AC3E}">
+        <p14:creationId xmlns:p14="http://schemas.microsoft.com/office/powerpoint/2010/main" val="3012499521"/>
+      </p:ext>
+    </p:extLst>
+  </p:cSld>
+  <p:clrMapOvr>
+    <a:masterClrMapping/>
+  </p:clrMapOvr>
+  <p:timing>
+    <p:tnLst>
+      <p:par>
+        <p:cTn id="1" dur="indefinite" restart="never" nodeType="tmRoot"/>
+      </p:par>
+    </p:tnLst>
+  </p:timing>
+</p:sld>
+</file>
+
+<file path=ppt/slides/slide12.xml><?xml version="1.0" encoding="utf-8"?>
 <p:sld xmlns:a="http://schemas.openxmlformats.org/drawingml/2006/main" xmlns:r="http://schemas.openxmlformats.org/officeDocument/2006/relationships" xmlns:p="http://schemas.openxmlformats.org/presentationml/2006/main">
   <p:cSld>
     <p:spTree>
@@ -6730,10 +7478,17 @@
   <p:clrMapOvr>
     <a:masterClrMapping/>
   </p:clrMapOvr>
+  <p:timing>
+    <p:tnLst>
+      <p:par>
+        <p:cTn id="1" dur="indefinite" restart="never" nodeType="tmRoot"/>
+      </p:par>
+    </p:tnLst>
+  </p:timing>
 </p:sld>
 </file>
 
-<file path=ppt/slides/slide11.xml><?xml version="1.0" encoding="utf-8"?>
+<file path=ppt/slides/slide13.xml><?xml version="1.0" encoding="utf-8"?>
 <p:sld xmlns:a="http://schemas.openxmlformats.org/drawingml/2006/main" xmlns:r="http://schemas.openxmlformats.org/officeDocument/2006/relationships" xmlns:p="http://schemas.openxmlformats.org/presentationml/2006/main">
   <p:cSld>
     <p:spTree>
@@ -7042,8 +7797,8 @@
         </p:nvSpPr>
         <p:spPr bwMode="auto">
           <a:xfrm>
-            <a:off x="838200" y="1484784"/>
-            <a:ext cx="7881938" cy="6604885"/>
+            <a:off x="826207" y="1340768"/>
+            <a:ext cx="7881938" cy="7337393"/>
           </a:xfrm>
           <a:prstGeom prst="rect">
             <a:avLst/>
@@ -7515,6 +8270,101 @@
             </a:endParaRPr>
           </a:p>
           <a:p>
+            <a:pPr marL="0" indent="0">
+              <a:buNone/>
+            </a:pPr>
+            <a:r>
+              <a:rPr lang="nl-NL" sz="1400" kern="0" dirty="0" smtClean="0">
+                <a:latin typeface="Courier New" panose="02070309020205020404" pitchFamily="49" charset="0"/>
+                <a:cs typeface="Courier New" panose="02070309020205020404" pitchFamily="49" charset="0"/>
+              </a:rPr>
+              <a:t>For this </a:t>
+            </a:r>
+            <a:r>
+              <a:rPr lang="nl-NL" sz="1400" kern="0" dirty="0" err="1" smtClean="0">
+                <a:latin typeface="Courier New" panose="02070309020205020404" pitchFamily="49" charset="0"/>
+                <a:cs typeface="Courier New" panose="02070309020205020404" pitchFamily="49" charset="0"/>
+              </a:rPr>
+              <a:t>exercise</a:t>
+            </a:r>
+            <a:r>
+              <a:rPr lang="nl-NL" sz="1400" kern="0" dirty="0" smtClean="0">
+                <a:latin typeface="Courier New" panose="02070309020205020404" pitchFamily="49" charset="0"/>
+                <a:cs typeface="Courier New" panose="02070309020205020404" pitchFamily="49" charset="0"/>
+              </a:rPr>
+              <a:t>, </a:t>
+            </a:r>
+            <a:r>
+              <a:rPr lang="nl-NL" sz="1400" kern="0" dirty="0" err="1" smtClean="0">
+                <a:latin typeface="Courier New" panose="02070309020205020404" pitchFamily="49" charset="0"/>
+                <a:cs typeface="Courier New" panose="02070309020205020404" pitchFamily="49" charset="0"/>
+              </a:rPr>
+              <a:t>you</a:t>
+            </a:r>
+            <a:r>
+              <a:rPr lang="nl-NL" sz="1400" kern="0" dirty="0" smtClean="0">
+                <a:latin typeface="Courier New" panose="02070309020205020404" pitchFamily="49" charset="0"/>
+                <a:cs typeface="Courier New" panose="02070309020205020404" pitchFamily="49" charset="0"/>
+              </a:rPr>
+              <a:t> can </a:t>
+            </a:r>
+            <a:r>
+              <a:rPr lang="nl-NL" sz="1400" kern="0" dirty="0" err="1" smtClean="0">
+                <a:latin typeface="Courier New" panose="02070309020205020404" pitchFamily="49" charset="0"/>
+                <a:cs typeface="Courier New" panose="02070309020205020404" pitchFamily="49" charset="0"/>
+              </a:rPr>
+              <a:t>use</a:t>
+            </a:r>
+            <a:r>
+              <a:rPr lang="nl-NL" sz="1400" kern="0" dirty="0" smtClean="0">
+                <a:latin typeface="Courier New" panose="02070309020205020404" pitchFamily="49" charset="0"/>
+                <a:cs typeface="Courier New" panose="02070309020205020404" pitchFamily="49" charset="0"/>
+              </a:rPr>
+              <a:t> the </a:t>
+            </a:r>
+            <a:r>
+              <a:rPr lang="nl-NL" sz="1400" i="1" kern="0" dirty="0" err="1" smtClean="0">
+                <a:latin typeface="Courier New" panose="02070309020205020404" pitchFamily="49" charset="0"/>
+                <a:cs typeface="Courier New" panose="02070309020205020404" pitchFamily="49" charset="0"/>
+              </a:rPr>
+              <a:t>text_mining</a:t>
+            </a:r>
+            <a:r>
+              <a:rPr lang="nl-NL" sz="1400" i="1" kern="0" dirty="0" smtClean="0">
+                <a:latin typeface="Courier New" panose="02070309020205020404" pitchFamily="49" charset="0"/>
+                <a:cs typeface="Courier New" panose="02070309020205020404" pitchFamily="49" charset="0"/>
+              </a:rPr>
+              <a:t> </a:t>
+            </a:r>
+            <a:r>
+              <a:rPr lang="nl-NL" sz="1400" kern="0" dirty="0" err="1" smtClean="0">
+                <a:latin typeface="Courier New" panose="02070309020205020404" pitchFamily="49" charset="0"/>
+                <a:cs typeface="Courier New" panose="02070309020205020404" pitchFamily="49" charset="0"/>
+              </a:rPr>
+              <a:t>Example</a:t>
+            </a:r>
+            <a:r>
+              <a:rPr lang="nl-NL" sz="1400" kern="0" dirty="0" smtClean="0">
+                <a:latin typeface="Courier New" panose="02070309020205020404" pitchFamily="49" charset="0"/>
+                <a:cs typeface="Courier New" panose="02070309020205020404" pitchFamily="49" charset="0"/>
+              </a:rPr>
+              <a:t> Notebook</a:t>
+            </a:r>
+            <a:endParaRPr lang="nl-NL" sz="1400" kern="0" dirty="0" smtClean="0">
+              <a:latin typeface="Courier New" panose="02070309020205020404" pitchFamily="49" charset="0"/>
+              <a:cs typeface="Courier New" panose="02070309020205020404" pitchFamily="49" charset="0"/>
+            </a:endParaRPr>
+          </a:p>
+          <a:p>
+            <a:pPr marL="0" indent="0">
+              <a:buNone/>
+            </a:pPr>
+            <a:endParaRPr lang="nl-NL" sz="1400" kern="0" dirty="0">
+              <a:latin typeface="Courier New" panose="02070309020205020404" pitchFamily="49" charset="0"/>
+              <a:cs typeface="Courier New" panose="02070309020205020404" pitchFamily="49" charset="0"/>
+            </a:endParaRPr>
+          </a:p>
+          <a:p>
             <a:pPr>
               <a:buFont typeface="+mj-lt"/>
               <a:buAutoNum type="arabicPeriod"/>
@@ -7953,22 +8803,75 @@
                 <a:latin typeface="Courier New" panose="02070309020205020404" pitchFamily="49" charset="0"/>
                 <a:cs typeface="Courier New" panose="02070309020205020404" pitchFamily="49" charset="0"/>
               </a:rPr>
-              <a:t>in </a:t>
+              <a:t>in Pandas</a:t>
+            </a:r>
+            <a:r>
+              <a:rPr lang="nl-NL" sz="1400" kern="0" dirty="0" smtClean="0">
+                <a:latin typeface="Courier New" panose="02070309020205020404" pitchFamily="49" charset="0"/>
+                <a:cs typeface="Courier New" panose="02070309020205020404" pitchFamily="49" charset="0"/>
+              </a:rPr>
+              <a:t>. </a:t>
             </a:r>
             <a:r>
               <a:rPr lang="nl-NL" sz="1400" kern="0" dirty="0" err="1" smtClean="0">
                 <a:latin typeface="Courier New" panose="02070309020205020404" pitchFamily="49" charset="0"/>
                 <a:cs typeface="Courier New" panose="02070309020205020404" pitchFamily="49" charset="0"/>
               </a:rPr>
-              <a:t>Pandas</a:t>
+              <a:t>If</a:t>
             </a:r>
             <a:r>
               <a:rPr lang="nl-NL" sz="1400" kern="0" dirty="0" smtClean="0">
                 <a:latin typeface="Courier New" panose="02070309020205020404" pitchFamily="49" charset="0"/>
                 <a:cs typeface="Courier New" panose="02070309020205020404" pitchFamily="49" charset="0"/>
               </a:rPr>
-              <a:t>. </a:t>
-            </a:r>
+              <a:t> </a:t>
+            </a:r>
+            <a:r>
+              <a:rPr lang="nl-NL" sz="1400" kern="0" dirty="0" err="1" smtClean="0">
+                <a:latin typeface="Courier New" panose="02070309020205020404" pitchFamily="49" charset="0"/>
+                <a:cs typeface="Courier New" panose="02070309020205020404" pitchFamily="49" charset="0"/>
+              </a:rPr>
+              <a:t>you</a:t>
+            </a:r>
+            <a:r>
+              <a:rPr lang="nl-NL" sz="1400" kern="0" dirty="0" smtClean="0">
+                <a:latin typeface="Courier New" panose="02070309020205020404" pitchFamily="49" charset="0"/>
+                <a:cs typeface="Courier New" panose="02070309020205020404" pitchFamily="49" charset="0"/>
+              </a:rPr>
+              <a:t> are </a:t>
+            </a:r>
+            <a:r>
+              <a:rPr lang="nl-NL" sz="1400" kern="0" dirty="0" err="1" smtClean="0">
+                <a:latin typeface="Courier New" panose="02070309020205020404" pitchFamily="49" charset="0"/>
+                <a:cs typeface="Courier New" panose="02070309020205020404" pitchFamily="49" charset="0"/>
+              </a:rPr>
+              <a:t>stuck</a:t>
+            </a:r>
+            <a:r>
+              <a:rPr lang="nl-NL" sz="1400" kern="0" dirty="0" smtClean="0">
+                <a:latin typeface="Courier New" panose="02070309020205020404" pitchFamily="49" charset="0"/>
+                <a:cs typeface="Courier New" panose="02070309020205020404" pitchFamily="49" charset="0"/>
+              </a:rPr>
+              <a:t>, </a:t>
+            </a:r>
+            <a:r>
+              <a:rPr lang="nl-NL" sz="1400" kern="0" dirty="0" err="1" smtClean="0">
+                <a:latin typeface="Courier New" panose="02070309020205020404" pitchFamily="49" charset="0"/>
+                <a:cs typeface="Courier New" panose="02070309020205020404" pitchFamily="49" charset="0"/>
+              </a:rPr>
+              <a:t>ask</a:t>
+            </a:r>
+            <a:r>
+              <a:rPr lang="nl-NL" sz="1400" kern="0" dirty="0" smtClean="0">
+                <a:latin typeface="Courier New" panose="02070309020205020404" pitchFamily="49" charset="0"/>
+                <a:cs typeface="Courier New" panose="02070309020205020404" pitchFamily="49" charset="0"/>
+              </a:rPr>
+              <a:t>!</a:t>
+            </a:r>
+            <a:endParaRPr lang="nl-NL" sz="1400" kern="0" dirty="0" smtClean="0">
+              <a:latin typeface="Courier New" panose="02070309020205020404" pitchFamily="49" charset="0"/>
+              <a:cs typeface="Courier New" panose="02070309020205020404" pitchFamily="49" charset="0"/>
+            </a:endParaRPr>
           </a:p>
           <a:p>
             <a:pPr>
@@ -8127,7 +9030,21 @@
                 <a:latin typeface="Courier New" panose="02070309020205020404" pitchFamily="49" charset="0"/>
                 <a:cs typeface="Courier New" panose="02070309020205020404" pitchFamily="49" charset="0"/>
               </a:rPr>
-              <a:t> machine, but </a:t>
+              <a:t> </a:t>
+            </a:r>
+            <a:r>
+              <a:rPr lang="nl-NL" sz="1400" kern="0" dirty="0" smtClean="0">
+                <a:latin typeface="Courier New" panose="02070309020205020404" pitchFamily="49" charset="0"/>
+                <a:cs typeface="Courier New" panose="02070309020205020404" pitchFamily="49" charset="0"/>
+              </a:rPr>
+              <a:t>computer, </a:t>
+            </a:r>
+            <a:r>
+              <a:rPr lang="nl-NL" sz="1400" kern="0" dirty="0" smtClean="0">
+                <a:latin typeface="Courier New" panose="02070309020205020404" pitchFamily="49" charset="0"/>
+                <a:cs typeface="Courier New" panose="02070309020205020404" pitchFamily="49" charset="0"/>
+              </a:rPr>
+              <a:t>but </a:t>
             </a:r>
             <a:r>
               <a:rPr lang="nl-NL" sz="1400" kern="0" dirty="0" err="1" smtClean="0">
@@ -8253,20 +9170,41 @@
                 <a:latin typeface="Courier New" panose="02070309020205020404" pitchFamily="49" charset="0"/>
                 <a:cs typeface="Courier New" panose="02070309020205020404" pitchFamily="49" charset="0"/>
               </a:rPr>
-              <a:t> the data frame. Does </a:t>
+              <a:t> the data frame. </a:t>
+            </a:r>
+            <a:r>
+              <a:rPr lang="nl-NL" sz="1400" kern="0" dirty="0" smtClean="0">
+                <a:latin typeface="Courier New" panose="02070309020205020404" pitchFamily="49" charset="0"/>
+                <a:cs typeface="Courier New" panose="02070309020205020404" pitchFamily="49" charset="0"/>
+              </a:rPr>
+              <a:t>How </a:t>
             </a:r>
             <a:r>
               <a:rPr lang="nl-NL" sz="1400" kern="0" dirty="0" err="1" smtClean="0">
                 <a:latin typeface="Courier New" panose="02070309020205020404" pitchFamily="49" charset="0"/>
                 <a:cs typeface="Courier New" panose="02070309020205020404" pitchFamily="49" charset="0"/>
               </a:rPr>
-              <a:t>it</a:t>
+              <a:t>much</a:t>
             </a:r>
             <a:r>
               <a:rPr lang="nl-NL" sz="1400" kern="0" dirty="0" smtClean="0">
                 <a:latin typeface="Courier New" panose="02070309020205020404" pitchFamily="49" charset="0"/>
                 <a:cs typeface="Courier New" panose="02070309020205020404" pitchFamily="49" charset="0"/>
               </a:rPr>
+              <a:t> memory does Python </a:t>
+            </a:r>
+            <a:r>
+              <a:rPr lang="nl-NL" sz="1400" kern="0" dirty="0" err="1" smtClean="0">
+                <a:latin typeface="Courier New" panose="02070309020205020404" pitchFamily="49" charset="0"/>
+                <a:cs typeface="Courier New" panose="02070309020205020404" pitchFamily="49" charset="0"/>
+              </a:rPr>
+              <a:t>use</a:t>
+            </a:r>
+            <a:r>
+              <a:rPr lang="nl-NL" sz="1400" kern="0" dirty="0" smtClean="0">
+                <a:latin typeface="Courier New" panose="02070309020205020404" pitchFamily="49" charset="0"/>
+                <a:cs typeface="Courier New" panose="02070309020205020404" pitchFamily="49" charset="0"/>
+              </a:rPr>
               <a:t> </a:t>
             </a:r>
             <a:r>
@@ -8274,56 +9212,28 @@
                 <a:latin typeface="Courier New" panose="02070309020205020404" pitchFamily="49" charset="0"/>
                 <a:cs typeface="Courier New" panose="02070309020205020404" pitchFamily="49" charset="0"/>
               </a:rPr>
-              <a:t>work</a:t>
+              <a:t>now</a:t>
             </a:r>
             <a:r>
               <a:rPr lang="nl-NL" sz="1400" kern="0" dirty="0" smtClean="0">
                 <a:latin typeface="Courier New" panose="02070309020205020404" pitchFamily="49" charset="0"/>
                 <a:cs typeface="Courier New" panose="02070309020205020404" pitchFamily="49" charset="0"/>
               </a:rPr>
-              <a:t>? How </a:t>
+              <a:t>? (Windows: </a:t>
             </a:r>
             <a:r>
               <a:rPr lang="nl-NL" sz="1400" kern="0" dirty="0" err="1" smtClean="0">
                 <a:latin typeface="Courier New" panose="02070309020205020404" pitchFamily="49" charset="0"/>
                 <a:cs typeface="Courier New" panose="02070309020205020404" pitchFamily="49" charset="0"/>
               </a:rPr>
-              <a:t>much</a:t>
+              <a:t>Task</a:t>
             </a:r>
             <a:r>
               <a:rPr lang="nl-NL" sz="1400" kern="0" dirty="0" smtClean="0">
                 <a:latin typeface="Courier New" panose="02070309020205020404" pitchFamily="49" charset="0"/>
                 <a:cs typeface="Courier New" panose="02070309020205020404" pitchFamily="49" charset="0"/>
               </a:rPr>
-              <a:t> memory does Python </a:t>
-            </a:r>
-            <a:r>
-              <a:rPr lang="nl-NL" sz="1400" kern="0" dirty="0" err="1" smtClean="0">
-                <a:latin typeface="Courier New" panose="02070309020205020404" pitchFamily="49" charset="0"/>
-                <a:cs typeface="Courier New" panose="02070309020205020404" pitchFamily="49" charset="0"/>
-              </a:rPr>
-              <a:t>use</a:t>
-            </a:r>
-            <a:r>
-              <a:rPr lang="nl-NL" sz="1400" kern="0" dirty="0" smtClean="0">
-                <a:latin typeface="Courier New" panose="02070309020205020404" pitchFamily="49" charset="0"/>
-                <a:cs typeface="Courier New" panose="02070309020205020404" pitchFamily="49" charset="0"/>
-              </a:rPr>
-              <a:t> </a:t>
-            </a:r>
-            <a:r>
-              <a:rPr lang="nl-NL" sz="1400" kern="0" dirty="0" err="1" smtClean="0">
-                <a:latin typeface="Courier New" panose="02070309020205020404" pitchFamily="49" charset="0"/>
-                <a:cs typeface="Courier New" panose="02070309020205020404" pitchFamily="49" charset="0"/>
-              </a:rPr>
-              <a:t>now</a:t>
-            </a:r>
-            <a:r>
-              <a:rPr lang="nl-NL" sz="1400" kern="0" dirty="0" smtClean="0">
-                <a:latin typeface="Courier New" panose="02070309020205020404" pitchFamily="49" charset="0"/>
-                <a:cs typeface="Courier New" panose="02070309020205020404" pitchFamily="49" charset="0"/>
-              </a:rPr>
-              <a:t>?</a:t>
+              <a:t> manager / Taakbeheer. Apple: Activity Monitor)</a:t>
             </a:r>
             <a:endParaRPr lang="nl-NL" sz="1200" kern="0" dirty="0">
               <a:latin typeface="Courier New" panose="02070309020205020404" pitchFamily="49" charset="0"/>
@@ -8432,7 +9342,7 @@
 </p:sld>
 </file>
 
-<file path=ppt/slides/slide12.xml><?xml version="1.0" encoding="utf-8"?>
+<file path=ppt/slides/slide14.xml><?xml version="1.0" encoding="utf-8"?>
 <p:sld xmlns:a="http://schemas.openxmlformats.org/drawingml/2006/main" xmlns:r="http://schemas.openxmlformats.org/officeDocument/2006/relationships" xmlns:p="http://schemas.openxmlformats.org/presentationml/2006/main">
   <p:cSld>
     <p:spTree>
@@ -8497,7 +9407,7 @@
         <p:spPr>
           <a:xfrm>
             <a:off x="683568" y="1556792"/>
-            <a:ext cx="7881938" cy="4585871"/>
+            <a:ext cx="7881938" cy="4893647"/>
           </a:xfrm>
         </p:spPr>
         <p:txBody>
@@ -8813,7 +9723,7 @@
             </a:r>
             <a:r>
               <a:rPr lang="nl-NL" sz="2000" dirty="0" smtClean="0"/>
-              <a:t> </a:t>
+              <a:t>, </a:t>
             </a:r>
             <a:r>
               <a:rPr lang="nl-NL" sz="2000" dirty="0" err="1" smtClean="0"/>
@@ -8900,6 +9810,119 @@
                 </a:solidFill>
               </a:rPr>
               <a:t>sklearn</a:t>
+            </a:r>
+            <a:r>
+              <a:rPr lang="nl-NL" sz="2000" i="1" dirty="0" smtClean="0">
+                <a:solidFill>
+                  <a:schemeClr val="tx1"/>
+                </a:solidFill>
+              </a:rPr>
+              <a:t>. </a:t>
+            </a:r>
+            <a:r>
+              <a:rPr lang="nl-NL" sz="2000" dirty="0" err="1" smtClean="0">
+                <a:solidFill>
+                  <a:schemeClr val="tx1"/>
+                </a:solidFill>
+              </a:rPr>
+              <a:t>Some</a:t>
+            </a:r>
+            <a:r>
+              <a:rPr lang="nl-NL" sz="2000" dirty="0" smtClean="0">
+                <a:solidFill>
+                  <a:schemeClr val="tx1"/>
+                </a:solidFill>
+              </a:rPr>
+              <a:t> text </a:t>
+            </a:r>
+            <a:r>
+              <a:rPr lang="nl-NL" sz="2000" dirty="0" err="1" smtClean="0">
+                <a:solidFill>
+                  <a:schemeClr val="tx1"/>
+                </a:solidFill>
+              </a:rPr>
+              <a:t>mining</a:t>
+            </a:r>
+            <a:r>
+              <a:rPr lang="nl-NL" sz="2000" dirty="0" smtClean="0">
+                <a:solidFill>
+                  <a:schemeClr val="tx1"/>
+                </a:solidFill>
+              </a:rPr>
+              <a:t> </a:t>
+            </a:r>
+            <a:r>
+              <a:rPr lang="nl-NL" sz="2000" dirty="0" err="1" smtClean="0">
+                <a:solidFill>
+                  <a:schemeClr val="tx1"/>
+                </a:solidFill>
+              </a:rPr>
+              <a:t>libraries</a:t>
+            </a:r>
+            <a:r>
+              <a:rPr lang="nl-NL" sz="2000" dirty="0" smtClean="0">
+                <a:solidFill>
+                  <a:schemeClr val="tx1"/>
+                </a:solidFill>
+              </a:rPr>
+              <a:t> </a:t>
+            </a:r>
+            <a:r>
+              <a:rPr lang="nl-NL" sz="2000" dirty="0" err="1" smtClean="0">
+                <a:solidFill>
+                  <a:schemeClr val="tx1"/>
+                </a:solidFill>
+              </a:rPr>
+              <a:t>include</a:t>
+            </a:r>
+            <a:r>
+              <a:rPr lang="nl-NL" sz="2000" dirty="0" smtClean="0">
+                <a:solidFill>
+                  <a:schemeClr val="tx1"/>
+                </a:solidFill>
+              </a:rPr>
+              <a:t> </a:t>
+            </a:r>
+            <a:r>
+              <a:rPr lang="nl-NL" sz="2000" i="1" dirty="0" err="1" smtClean="0">
+                <a:solidFill>
+                  <a:schemeClr val="tx1"/>
+                </a:solidFill>
+              </a:rPr>
+              <a:t>nltk</a:t>
+            </a:r>
+            <a:r>
+              <a:rPr lang="nl-NL" sz="2000" dirty="0" smtClean="0">
+                <a:solidFill>
+                  <a:schemeClr val="tx1"/>
+                </a:solidFill>
+              </a:rPr>
+              <a:t> </a:t>
+            </a:r>
+            <a:r>
+              <a:rPr lang="nl-NL" sz="2000" dirty="0" err="1" smtClean="0">
+                <a:solidFill>
+                  <a:schemeClr val="tx1"/>
+                </a:solidFill>
+              </a:rPr>
+              <a:t>and</a:t>
+            </a:r>
+            <a:r>
+              <a:rPr lang="nl-NL" sz="2000" dirty="0" smtClean="0">
+                <a:solidFill>
+                  <a:schemeClr val="tx1"/>
+                </a:solidFill>
+              </a:rPr>
+              <a:t> </a:t>
+            </a:r>
+            <a:r>
+              <a:rPr lang="nl-NL" sz="2000" dirty="0" err="1" smtClean="0">
+                <a:solidFill>
+                  <a:schemeClr val="tx1"/>
+                </a:solidFill>
+                <a:hlinkClick r:id="rId2"/>
+              </a:rPr>
+              <a:t>others</a:t>
             </a:r>
             <a:endParaRPr lang="nl-NL" sz="2000" dirty="0" smtClean="0">
               <a:solidFill>
@@ -8929,7 +9952,7 @@
 </p:sld>
 </file>
 
-<file path=ppt/slides/slide13.xml><?xml version="1.0" encoding="utf-8"?>
+<file path=ppt/slides/slide15.xml><?xml version="1.0" encoding="utf-8"?>
 <p:sld xmlns:a="http://schemas.openxmlformats.org/drawingml/2006/main" xmlns:r="http://schemas.openxmlformats.org/officeDocument/2006/relationships" xmlns:p="http://schemas.openxmlformats.org/presentationml/2006/main">
   <p:cSld>
     <p:spTree>
@@ -8999,13 +10022,34 @@
           </a:p>
           <a:p>
             <a:r>
-              <a:rPr lang="nl-NL" sz="2400" dirty="0" err="1" smtClean="0"/>
+              <a:rPr lang="nl-NL" sz="2400" dirty="0" err="1"/>
               <a:t>Modeling</a:t>
             </a:r>
             <a:r>
-              <a:rPr lang="nl-NL" sz="2400" dirty="0" smtClean="0"/>
-              <a:t> text</a:t>
-            </a:r>
+              <a:rPr lang="nl-NL" sz="2400" dirty="0"/>
+              <a:t> text in English </a:t>
+            </a:r>
+            <a:r>
+              <a:rPr lang="nl-NL" sz="2400" dirty="0" err="1"/>
+              <a:t>and</a:t>
+            </a:r>
+            <a:r>
+              <a:rPr lang="nl-NL" sz="2400" dirty="0"/>
+              <a:t> </a:t>
+            </a:r>
+            <a:r>
+              <a:rPr lang="nl-NL" sz="2400" dirty="0" err="1"/>
+              <a:t>similar</a:t>
+            </a:r>
+            <a:r>
+              <a:rPr lang="nl-NL" sz="2400" dirty="0"/>
+              <a:t> </a:t>
+            </a:r>
+            <a:r>
+              <a:rPr lang="nl-NL" sz="2400" dirty="0" err="1"/>
+              <a:t>languages</a:t>
+            </a:r>
+            <a:endParaRPr lang="nl-NL" sz="2400" dirty="0"/>
           </a:p>
           <a:p>
             <a:pPr marL="0" indent="0">
@@ -9045,24 +10089,17 @@
     </p:spTree>
     <p:extLst>
       <p:ext uri="{BB962C8B-B14F-4D97-AF65-F5344CB8AC3E}">
-        <p14:creationId xmlns:p14="http://schemas.microsoft.com/office/powerpoint/2010/main" val="1096367582"/>
+        <p14:creationId xmlns:p14="http://schemas.microsoft.com/office/powerpoint/2010/main" val="4108802934"/>
       </p:ext>
     </p:extLst>
   </p:cSld>
   <p:clrMapOvr>
     <a:masterClrMapping/>
   </p:clrMapOvr>
-  <p:timing>
-    <p:tnLst>
-      <p:par>
-        <p:cTn id="1" dur="indefinite" restart="never" nodeType="tmRoot"/>
-      </p:par>
-    </p:tnLst>
-  </p:timing>
 </p:sld>
 </file>
 
-<file path=ppt/slides/slide14.xml><?xml version="1.0" encoding="utf-8"?>
+<file path=ppt/slides/slide16.xml><?xml version="1.0" encoding="utf-8"?>
 <p:sld xmlns:a="http://schemas.openxmlformats.org/drawingml/2006/main" xmlns:r="http://schemas.openxmlformats.org/officeDocument/2006/relationships" xmlns:p="http://schemas.openxmlformats.org/presentationml/2006/main">
   <p:cSld>
     <p:spTree>
@@ -9558,8 +10595,8 @@
         </p:nvSpPr>
         <p:spPr>
           <a:xfrm>
-            <a:off x="2419836" y="3390124"/>
-            <a:ext cx="1423788" cy="307777"/>
+            <a:off x="2435176" y="3405445"/>
+            <a:ext cx="1866217" cy="307777"/>
           </a:xfrm>
           <a:prstGeom prst="rect">
             <a:avLst/>
@@ -9573,8 +10610,12 @@
           <a:lstStyle/>
           <a:p>
             <a:r>
+              <a:rPr lang="nl-NL" dirty="0"/>
+              <a:t>3</a:t>
+            </a:r>
+            <a:r>
               <a:rPr lang="nl-NL" dirty="0" smtClean="0"/>
-              <a:t>P(spam) = 30%</a:t>
+              <a:t>0 spam mails (30%)</a:t>
             </a:r>
             <a:endParaRPr lang="nl-NL" dirty="0"/>
           </a:p>
@@ -9589,7 +10630,7 @@
         <p:spPr>
           <a:xfrm>
             <a:off x="2471190" y="4061597"/>
-            <a:ext cx="1314784" cy="307777"/>
+            <a:ext cx="1975221" cy="307777"/>
           </a:xfrm>
           <a:prstGeom prst="rect">
             <a:avLst/>
@@ -9604,83 +10645,15 @@
           <a:p>
             <a:r>
               <a:rPr lang="nl-NL" dirty="0" smtClean="0"/>
-              <a:t>P(mail) = 70%</a:t>
-            </a:r>
-            <a:endParaRPr lang="nl-NL" dirty="0"/>
-          </a:p>
-        </p:txBody>
-      </p:sp>
-      <p:sp>
-        <p:nvSpPr>
-          <p:cNvPr id="22" name="Tekstvak 21"/>
-          <p:cNvSpPr txBox="1"/>
-          <p:nvPr/>
-        </p:nvSpPr>
-        <p:spPr>
-          <a:xfrm>
-            <a:off x="3984926" y="1620325"/>
-            <a:ext cx="1943096" cy="307777"/>
-          </a:xfrm>
-          <a:prstGeom prst="rect">
-            <a:avLst/>
-          </a:prstGeom>
-          <a:noFill/>
-        </p:spPr>
-        <p:txBody>
-          <a:bodyPr wrap="none" rtlCol="0">
-            <a:spAutoFit/>
-          </a:bodyPr>
-          <a:lstStyle/>
-          <a:p>
+              <a:t>70 </a:t>
+            </a:r>
+            <a:r>
+              <a:rPr lang="nl-NL" dirty="0" err="1" smtClean="0"/>
+              <a:t>normal</a:t>
+            </a:r>
             <a:r>
               <a:rPr lang="nl-NL" dirty="0" smtClean="0"/>
-              <a:t>P(“</a:t>
-            </a:r>
-            <a:r>
-              <a:rPr lang="nl-NL" dirty="0" err="1" smtClean="0"/>
-              <a:t>offer”|spam</a:t>
-            </a:r>
-            <a:r>
-              <a:rPr lang="nl-NL" dirty="0" smtClean="0"/>
-              <a:t>) = 50%</a:t>
-            </a:r>
-            <a:endParaRPr lang="nl-NL" dirty="0"/>
-          </a:p>
-        </p:txBody>
-      </p:sp>
-      <p:sp>
-        <p:nvSpPr>
-          <p:cNvPr id="25" name="Tekstvak 24"/>
-          <p:cNvSpPr txBox="1"/>
-          <p:nvPr/>
-        </p:nvSpPr>
-        <p:spPr>
-          <a:xfrm>
-            <a:off x="4187587" y="4693798"/>
-            <a:ext cx="1834092" cy="307777"/>
-          </a:xfrm>
-          <a:prstGeom prst="rect">
-            <a:avLst/>
-          </a:prstGeom>
-          <a:noFill/>
-        </p:spPr>
-        <p:txBody>
-          <a:bodyPr wrap="none" rtlCol="0">
-            <a:spAutoFit/>
-          </a:bodyPr>
-          <a:lstStyle/>
-          <a:p>
-            <a:r>
-              <a:rPr lang="nl-NL" dirty="0" smtClean="0"/>
-              <a:t>P(“</a:t>
-            </a:r>
-            <a:r>
-              <a:rPr lang="nl-NL" dirty="0" err="1" smtClean="0"/>
-              <a:t>offer”|mail</a:t>
-            </a:r>
-            <a:r>
-              <a:rPr lang="nl-NL" dirty="0" smtClean="0"/>
-              <a:t>) = 10%</a:t>
+              <a:t> mails (70%)</a:t>
             </a:r>
             <a:endParaRPr lang="nl-NL" dirty="0"/>
           </a:p>
@@ -9695,67 +10668,7 @@
         <p:spPr>
           <a:xfrm>
             <a:off x="6574944" y="5915410"/>
-            <a:ext cx="1907830" cy="307777"/>
-          </a:xfrm>
-          <a:prstGeom prst="rect">
-            <a:avLst/>
-          </a:prstGeom>
-          <a:noFill/>
-        </p:spPr>
-        <p:txBody>
-          <a:bodyPr wrap="none" rtlCol="0">
-            <a:spAutoFit/>
-          </a:bodyPr>
-          <a:lstStyle/>
-          <a:p>
-            <a:r>
-              <a:rPr lang="nl-NL" dirty="0" smtClean="0"/>
-              <a:t>P(“offer” &amp; mail) = 7%</a:t>
-            </a:r>
-            <a:endParaRPr lang="nl-NL" dirty="0"/>
-          </a:p>
-        </p:txBody>
-      </p:sp>
-      <p:sp>
-        <p:nvSpPr>
-          <p:cNvPr id="27" name="Tekstvak 26"/>
-          <p:cNvSpPr txBox="1"/>
-          <p:nvPr/>
-        </p:nvSpPr>
-        <p:spPr>
-          <a:xfrm>
-            <a:off x="6588224" y="1556792"/>
-            <a:ext cx="2116220" cy="307777"/>
-          </a:xfrm>
-          <a:prstGeom prst="rect">
-            <a:avLst/>
-          </a:prstGeom>
-          <a:noFill/>
-        </p:spPr>
-        <p:txBody>
-          <a:bodyPr wrap="none" rtlCol="0">
-            <a:spAutoFit/>
-          </a:bodyPr>
-          <a:lstStyle/>
-          <a:p>
-            <a:r>
-              <a:rPr lang="nl-NL" dirty="0" smtClean="0"/>
-              <a:t>P(“offer” &amp; spam) = 15%</a:t>
-            </a:r>
-            <a:endParaRPr lang="nl-NL" dirty="0"/>
-          </a:p>
-        </p:txBody>
-      </p:sp>
-      <p:sp>
-        <p:nvSpPr>
-          <p:cNvPr id="28" name="Tekstvak 27"/>
-          <p:cNvSpPr txBox="1"/>
-          <p:nvPr/>
-        </p:nvSpPr>
-        <p:spPr>
-          <a:xfrm>
-            <a:off x="3722231" y="5750118"/>
-            <a:ext cx="2503736" cy="738664"/>
+            <a:ext cx="2029505" cy="523220"/>
           </a:xfrm>
           <a:prstGeom prst="rect">
             <a:avLst/>
@@ -9770,23 +10683,56 @@
           <a:p>
             <a:r>
               <a:rPr lang="nl-NL" dirty="0" smtClean="0"/>
-              <a:t>The word “offer”</a:t>
-            </a:r>
-          </a:p>
-          <a:p>
-            <a:r>
-              <a:rPr lang="nl-NL" dirty="0" err="1" smtClean="0"/>
-              <a:t>occurs</a:t>
-            </a:r>
+              <a:t>P(“offer” &amp; mail) = </a:t>
+            </a:r>
+            <a:endParaRPr lang="nl-NL" dirty="0" smtClean="0"/>
+          </a:p>
+          <a:p>
             <a:r>
               <a:rPr lang="nl-NL" dirty="0" smtClean="0"/>
-              <a:t> in 10% of </a:t>
-            </a:r>
-          </a:p>
-          <a:p>
+              <a:t>70% x 10% = 7</a:t>
+            </a:r>
             <a:r>
               <a:rPr lang="nl-NL" dirty="0" smtClean="0"/>
-              <a:t>regular mail</a:t>
+              <a:t>%</a:t>
+            </a:r>
+            <a:endParaRPr lang="nl-NL" dirty="0"/>
+          </a:p>
+        </p:txBody>
+      </p:sp>
+      <p:sp>
+        <p:nvSpPr>
+          <p:cNvPr id="27" name="Tekstvak 26"/>
+          <p:cNvSpPr txBox="1"/>
+          <p:nvPr/>
+        </p:nvSpPr>
+        <p:spPr>
+          <a:xfrm>
+            <a:off x="6588225" y="1556792"/>
+            <a:ext cx="2016224" cy="523220"/>
+          </a:xfrm>
+          <a:prstGeom prst="rect">
+            <a:avLst/>
+          </a:prstGeom>
+          <a:noFill/>
+        </p:spPr>
+        <p:txBody>
+          <a:bodyPr wrap="square" rtlCol="0">
+            <a:spAutoFit/>
+          </a:bodyPr>
+          <a:lstStyle/>
+          <a:p>
+            <a:r>
+              <a:rPr lang="nl-NL" dirty="0" smtClean="0"/>
+              <a:t>P(“offer” &amp; spam) = </a:t>
+            </a:r>
+            <a:r>
+              <a:rPr lang="nl-NL" dirty="0"/>
+              <a:t>3</a:t>
+            </a:r>
+            <a:r>
+              <a:rPr lang="nl-NL" dirty="0" smtClean="0"/>
+              <a:t>0% x 50% = 15% </a:t>
             </a:r>
             <a:endParaRPr lang="nl-NL" dirty="0"/>
           </a:p>
@@ -9800,7 +10746,7 @@
         </p:nvSpPr>
         <p:spPr>
           <a:xfrm>
-            <a:off x="998388" y="4488610"/>
+            <a:off x="1584584" y="4678794"/>
             <a:ext cx="1279228" cy="738664"/>
           </a:xfrm>
           <a:prstGeom prst="rect">
@@ -9846,8 +10792,8 @@
         </p:nvSpPr>
         <p:spPr>
           <a:xfrm>
-            <a:off x="4638652" y="2461964"/>
-            <a:ext cx="1279228" cy="954107"/>
+            <a:off x="4774982" y="2485683"/>
+            <a:ext cx="1279228" cy="738664"/>
           </a:xfrm>
           <a:prstGeom prst="rect">
             <a:avLst/>
@@ -9862,15 +10808,23 @@
           <a:p>
             <a:r>
               <a:rPr lang="nl-NL" dirty="0" smtClean="0"/>
-              <a:t>In spam, the word </a:t>
+              <a:t>1</a:t>
+            </a:r>
+            <a:r>
+              <a:rPr lang="nl-NL" dirty="0"/>
+              <a:t>5</a:t>
+            </a:r>
+            <a:r>
+              <a:rPr lang="nl-NL" dirty="0" smtClean="0"/>
+              <a:t> spam mails </a:t>
             </a:r>
             <a:r>
               <a:rPr lang="nl-NL" dirty="0" err="1" smtClean="0"/>
-              <a:t>occurs</a:t>
+              <a:t>contain</a:t>
             </a:r>
             <a:r>
               <a:rPr lang="nl-NL" dirty="0" smtClean="0"/>
-              <a:t> in 50% of mail</a:t>
+              <a:t> "offer" (50%)</a:t>
             </a:r>
             <a:endParaRPr lang="nl-NL" dirty="0"/>
           </a:p>
@@ -9884,8 +10838,110 @@
         </p:nvSpPr>
         <p:spPr>
           <a:xfrm>
-            <a:off x="6374295" y="3097736"/>
+            <a:off x="6360053" y="2736876"/>
             <a:ext cx="2544078" cy="1477328"/>
+          </a:xfrm>
+          <a:prstGeom prst="rect">
+            <a:avLst/>
+          </a:prstGeom>
+          <a:noFill/>
+          <a:ln w="25400">
+            <a:solidFill>
+              <a:schemeClr val="accent6">
+                <a:lumMod val="60000"/>
+                <a:lumOff val="40000"/>
+              </a:schemeClr>
+            </a:solidFill>
+          </a:ln>
+        </p:spPr>
+        <p:txBody>
+          <a:bodyPr wrap="square" rtlCol="0">
+            <a:spAutoFit/>
+          </a:bodyPr>
+          <a:lstStyle/>
+          <a:p>
+            <a:r>
+              <a:rPr lang="nl-NL" sz="1800" dirty="0" err="1" smtClean="0"/>
+              <a:t>If</a:t>
+            </a:r>
+            <a:r>
+              <a:rPr lang="nl-NL" sz="1800" dirty="0" smtClean="0"/>
+              <a:t> we </a:t>
+            </a:r>
+            <a:r>
+              <a:rPr lang="nl-NL" sz="1800" dirty="0" err="1" smtClean="0"/>
+              <a:t>encounter</a:t>
+            </a:r>
+            <a:r>
+              <a:rPr lang="nl-NL" sz="1800" dirty="0" smtClean="0"/>
+              <a:t> the word “offer”, the e-mail is  </a:t>
+            </a:r>
+            <a:r>
+              <a:rPr lang="nl-NL" sz="1800" dirty="0" err="1" smtClean="0"/>
+              <a:t>about</a:t>
+            </a:r>
+            <a:r>
+              <a:rPr lang="nl-NL" sz="1800" dirty="0" smtClean="0"/>
+              <a:t> </a:t>
+            </a:r>
+            <a:r>
+              <a:rPr lang="nl-NL" sz="1800" dirty="0" err="1" smtClean="0"/>
+              <a:t>twice</a:t>
+            </a:r>
+            <a:r>
+              <a:rPr lang="nl-NL" sz="1800" dirty="0" smtClean="0"/>
+              <a:t> as </a:t>
+            </a:r>
+            <a:r>
+              <a:rPr lang="nl-NL" sz="1800" dirty="0" err="1" smtClean="0"/>
+              <a:t>likely</a:t>
+            </a:r>
+            <a:r>
+              <a:rPr lang="nl-NL" sz="1800" dirty="0" smtClean="0"/>
+              <a:t> (15/7) </a:t>
+            </a:r>
+            <a:r>
+              <a:rPr lang="nl-NL" sz="1800" dirty="0" err="1" smtClean="0"/>
+              <a:t>to</a:t>
+            </a:r>
+            <a:r>
+              <a:rPr lang="nl-NL" sz="1800" dirty="0" smtClean="0"/>
+              <a:t> </a:t>
+            </a:r>
+            <a:r>
+              <a:rPr lang="nl-NL" sz="1800" dirty="0" err="1" smtClean="0"/>
+              <a:t>be</a:t>
+            </a:r>
+            <a:r>
+              <a:rPr lang="nl-NL" sz="1800" dirty="0" smtClean="0"/>
+              <a:t> spam </a:t>
+            </a:r>
+            <a:r>
+              <a:rPr lang="nl-NL" sz="1800" dirty="0" err="1" smtClean="0"/>
+              <a:t>than</a:t>
+            </a:r>
+            <a:r>
+              <a:rPr lang="nl-NL" sz="1800" dirty="0" smtClean="0"/>
+              <a:t> </a:t>
+            </a:r>
+            <a:r>
+              <a:rPr lang="nl-NL" sz="1800" dirty="0" err="1" smtClean="0"/>
+              <a:t>not</a:t>
+            </a:r>
+            <a:endParaRPr lang="nl-NL" sz="1800" dirty="0"/>
+          </a:p>
+        </p:txBody>
+      </p:sp>
+      <p:sp>
+        <p:nvSpPr>
+          <p:cNvPr id="29" name="Tekstvak 28"/>
+          <p:cNvSpPr txBox="1"/>
+          <p:nvPr/>
+        </p:nvSpPr>
+        <p:spPr>
+          <a:xfrm>
+            <a:off x="4774982" y="4791798"/>
+            <a:ext cx="1279228" cy="738664"/>
           </a:xfrm>
           <a:prstGeom prst="rect">
             <a:avLst/>
@@ -9899,81 +10955,37 @@
           <a:lstStyle/>
           <a:p>
             <a:r>
-              <a:rPr lang="nl-NL" sz="1800" dirty="0" err="1" smtClean="0"/>
-              <a:t>If</a:t>
-            </a:r>
-            <a:r>
-              <a:rPr lang="nl-NL" sz="1800" dirty="0" smtClean="0"/>
-              <a:t> we </a:t>
-            </a:r>
-            <a:r>
-              <a:rPr lang="nl-NL" sz="1800" dirty="0" err="1" smtClean="0"/>
-              <a:t>encounter</a:t>
-            </a:r>
-            <a:r>
-              <a:rPr lang="nl-NL" sz="1800" dirty="0" smtClean="0"/>
-              <a:t> the word “offer”, the e-mail is  </a:t>
-            </a:r>
-            <a:r>
-              <a:rPr lang="nl-NL" sz="1800" dirty="0" err="1" smtClean="0"/>
-              <a:t>about</a:t>
-            </a:r>
-            <a:r>
-              <a:rPr lang="nl-NL" sz="1800" dirty="0" smtClean="0"/>
+              <a:rPr lang="nl-NL" dirty="0" smtClean="0"/>
+              <a:t>7</a:t>
+            </a:r>
+            <a:r>
+              <a:rPr lang="nl-NL" dirty="0" smtClean="0"/>
               <a:t> </a:t>
             </a:r>
             <a:r>
-              <a:rPr lang="nl-NL" sz="1800" dirty="0" err="1" smtClean="0"/>
-              <a:t>twice</a:t>
-            </a:r>
-            <a:r>
-              <a:rPr lang="nl-NL" sz="1800" dirty="0" smtClean="0"/>
-              <a:t> as </a:t>
-            </a:r>
-            <a:r>
-              <a:rPr lang="nl-NL" sz="1800" dirty="0" err="1" smtClean="0"/>
-              <a:t>likely</a:t>
-            </a:r>
-            <a:r>
-              <a:rPr lang="nl-NL" sz="1800" dirty="0" smtClean="0"/>
-              <a:t> (15/7) </a:t>
-            </a:r>
-            <a:r>
-              <a:rPr lang="nl-NL" sz="1800" dirty="0" err="1" smtClean="0"/>
-              <a:t>to</a:t>
-            </a:r>
-            <a:r>
-              <a:rPr lang="nl-NL" sz="1800" dirty="0" smtClean="0"/>
-              <a:t> </a:t>
-            </a:r>
-            <a:r>
-              <a:rPr lang="nl-NL" sz="1800" dirty="0" err="1" smtClean="0"/>
-              <a:t>be</a:t>
-            </a:r>
-            <a:r>
-              <a:rPr lang="nl-NL" sz="1800" dirty="0" smtClean="0"/>
-              <a:t> spam </a:t>
-            </a:r>
-            <a:r>
-              <a:rPr lang="nl-NL" sz="1800" dirty="0" err="1" smtClean="0"/>
-              <a:t>than</a:t>
-            </a:r>
-            <a:r>
-              <a:rPr lang="nl-NL" sz="1800" dirty="0" smtClean="0"/>
-              <a:t> </a:t>
-            </a:r>
-            <a:r>
-              <a:rPr lang="nl-NL" sz="1800" dirty="0" err="1" smtClean="0"/>
-              <a:t>not</a:t>
-            </a:r>
-            <a:endParaRPr lang="nl-NL" sz="1800" dirty="0"/>
+              <a:rPr lang="nl-NL" dirty="0" err="1" smtClean="0"/>
+              <a:t>normal</a:t>
+            </a:r>
+            <a:r>
+              <a:rPr lang="nl-NL" dirty="0" smtClean="0"/>
+              <a:t> mails </a:t>
+            </a:r>
+            <a:r>
+              <a:rPr lang="nl-NL" dirty="0" err="1" smtClean="0"/>
+              <a:t>contain</a:t>
+            </a:r>
+            <a:r>
+              <a:rPr lang="nl-NL" dirty="0" smtClean="0"/>
+              <a:t> "offer" (10%)</a:t>
+            </a:r>
+            <a:endParaRPr lang="nl-NL" dirty="0"/>
           </a:p>
         </p:txBody>
       </p:sp>
     </p:spTree>
     <p:extLst>
       <p:ext uri="{BB962C8B-B14F-4D97-AF65-F5344CB8AC3E}">
-        <p14:creationId xmlns:p14="http://schemas.microsoft.com/office/powerpoint/2010/main" val="1154119894"/>
+        <p14:creationId xmlns:p14="http://schemas.microsoft.com/office/powerpoint/2010/main" val="627084129"/>
       </p:ext>
     </p:extLst>
   </p:cSld>
@@ -10041,7 +11053,7 @@
                                           </p:stCondLst>
                                         </p:cTn>
                                         <p:tgtEl>
-                                          <p:spTgt spid="22"/>
+                                          <p:spTgt spid="31"/>
                                         </p:tgtEl>
                                         <p:attrNameLst>
                                           <p:attrName>style.visibility</p:attrName>
@@ -10055,7 +11067,7 @@
                                 </p:cTn>
                               </p:par>
                               <p:par>
-                                <p:cTn id="9" presetID="1" presetClass="entr" presetSubtype="0" fill="hold" grpId="0" nodeType="withEffect">
+                                <p:cTn id="9" presetID="1" presetClass="entr" presetSubtype="0" fill="hold" nodeType="withEffect">
                                   <p:stCondLst>
                                     <p:cond delay="0"/>
                                   </p:stCondLst>
@@ -10068,7 +11080,7 @@
                                           </p:stCondLst>
                                         </p:cTn>
                                         <p:tgtEl>
-                                          <p:spTgt spid="31"/>
+                                          <p:spTgt spid="19"/>
                                         </p:tgtEl>
                                         <p:attrNameLst>
                                           <p:attrName>style.visibility</p:attrName>
@@ -10113,105 +11125,6 @@
                                           </p:stCondLst>
                                         </p:cTn>
                                         <p:tgtEl>
-                                          <p:spTgt spid="28"/>
-                                        </p:tgtEl>
-                                        <p:attrNameLst>
-                                          <p:attrName>style.visibility</p:attrName>
-                                        </p:attrNameLst>
-                                      </p:cBhvr>
-                                      <p:to>
-                                        <p:strVal val="visible"/>
-                                      </p:to>
-                                    </p:set>
-                                  </p:childTnLst>
-                                </p:cTn>
-                              </p:par>
-                              <p:par>
-                                <p:cTn id="15" presetID="1" presetClass="entr" presetSubtype="0" fill="hold" nodeType="withEffect">
-                                  <p:stCondLst>
-                                    <p:cond delay="0"/>
-                                  </p:stCondLst>
-                                  <p:childTnLst>
-                                    <p:set>
-                                      <p:cBhvr>
-                                        <p:cTn id="16" dur="1" fill="hold">
-                                          <p:stCondLst>
-                                            <p:cond delay="0"/>
-                                          </p:stCondLst>
-                                        </p:cTn>
-                                        <p:tgtEl>
-                                          <p:spTgt spid="19"/>
-                                        </p:tgtEl>
-                                        <p:attrNameLst>
-                                          <p:attrName>style.visibility</p:attrName>
-                                        </p:attrNameLst>
-                                      </p:cBhvr>
-                                      <p:to>
-                                        <p:strVal val="visible"/>
-                                      </p:to>
-                                    </p:set>
-                                  </p:childTnLst>
-                                </p:cTn>
-                              </p:par>
-                              <p:par>
-                                <p:cTn id="17" presetID="1" presetClass="entr" presetSubtype="0" fill="hold" grpId="0" nodeType="withEffect">
-                                  <p:stCondLst>
-                                    <p:cond delay="0"/>
-                                  </p:stCondLst>
-                                  <p:childTnLst>
-                                    <p:set>
-                                      <p:cBhvr>
-                                        <p:cTn id="18" dur="1" fill="hold">
-                                          <p:stCondLst>
-                                            <p:cond delay="0"/>
-                                          </p:stCondLst>
-                                        </p:cTn>
-                                        <p:tgtEl>
-                                          <p:spTgt spid="25"/>
-                                        </p:tgtEl>
-                                        <p:attrNameLst>
-                                          <p:attrName>style.visibility</p:attrName>
-                                        </p:attrNameLst>
-                                      </p:cBhvr>
-                                      <p:to>
-                                        <p:strVal val="visible"/>
-                                      </p:to>
-                                    </p:set>
-                                  </p:childTnLst>
-                                </p:cTn>
-                              </p:par>
-                            </p:childTnLst>
-                          </p:cTn>
-                        </p:par>
-                      </p:childTnLst>
-                    </p:cTn>
-                  </p:par>
-                  <p:par>
-                    <p:cTn id="19" fill="hold">
-                      <p:stCondLst>
-                        <p:cond delay="indefinite"/>
-                      </p:stCondLst>
-                      <p:childTnLst>
-                        <p:par>
-                          <p:cTn id="20" fill="hold">
-                            <p:stCondLst>
-                              <p:cond delay="0"/>
-                            </p:stCondLst>
-                            <p:childTnLst>
-                              <p:par>
-                                <p:cTn id="21" presetID="1" presetClass="entr" presetSubtype="0" fill="hold" grpId="0" nodeType="clickEffect">
-                                  <p:stCondLst>
-                                    <p:cond delay="0"/>
-                                  </p:stCondLst>
-                                  <p:childTnLst>
-                                    <p:set>
-                                      <p:cBhvr>
-                                        <p:cTn id="22" dur="1" fill="hold">
-                                          <p:stCondLst>
-                                            <p:cond delay="0"/>
-                                          </p:stCondLst>
-                                        </p:cTn>
-                                        <p:tgtEl>
                                           <p:spTgt spid="8"/>
                                         </p:tgtEl>
                                         <p:attrNameLst>
@@ -10226,14 +11139,14 @@
                                 </p:cTn>
                               </p:par>
                               <p:par>
-                                <p:cTn id="23" presetID="1" presetClass="entr" presetSubtype="0" fill="hold" grpId="0" nodeType="withEffect">
+                                <p:cTn id="15" presetID="1" presetClass="entr" presetSubtype="0" fill="hold" grpId="0" nodeType="withEffect">
                                   <p:stCondLst>
                                     <p:cond delay="0"/>
                                   </p:stCondLst>
                                   <p:childTnLst>
                                     <p:set>
                                       <p:cBhvr>
-                                        <p:cTn id="24" dur="1" fill="hold">
+                                        <p:cTn id="16" dur="1" fill="hold">
                                           <p:stCondLst>
                                             <p:cond delay="0"/>
                                           </p:stCondLst>
@@ -10259,26 +11172,26 @@
                     </p:cTn>
                   </p:par>
                   <p:par>
-                    <p:cTn id="25" fill="hold">
+                    <p:cTn id="17" fill="hold">
                       <p:stCondLst>
                         <p:cond delay="indefinite"/>
                       </p:stCondLst>
                       <p:childTnLst>
                         <p:par>
-                          <p:cTn id="26" fill="hold">
+                          <p:cTn id="18" fill="hold">
                             <p:stCondLst>
                               <p:cond delay="0"/>
                             </p:stCondLst>
                             <p:childTnLst>
                               <p:par>
-                                <p:cTn id="27" presetID="1" presetClass="entr" presetSubtype="0" fill="hold" grpId="0" nodeType="clickEffect">
+                                <p:cTn id="19" presetID="1" presetClass="entr" presetSubtype="0" fill="hold" grpId="0" nodeType="clickEffect">
                                   <p:stCondLst>
                                     <p:cond delay="0"/>
                                   </p:stCondLst>
                                   <p:childTnLst>
                                     <p:set>
                                       <p:cBhvr>
-                                        <p:cTn id="28" dur="1" fill="hold">
+                                        <p:cTn id="20" dur="1" fill="hold">
                                           <p:stCondLst>
                                             <p:cond delay="0"/>
                                           </p:stCondLst>
@@ -10298,14 +11211,14 @@
                                 </p:cTn>
                               </p:par>
                               <p:par>
-                                <p:cTn id="29" presetID="1" presetClass="entr" presetSubtype="0" fill="hold" grpId="0" nodeType="withEffect">
+                                <p:cTn id="21" presetID="1" presetClass="entr" presetSubtype="0" fill="hold" grpId="0" nodeType="withEffect">
                                   <p:stCondLst>
                                     <p:cond delay="0"/>
                                   </p:stCondLst>
                                   <p:childTnLst>
                                     <p:set>
                                       <p:cBhvr>
-                                        <p:cTn id="30" dur="1" fill="hold">
+                                        <p:cTn id="22" dur="1" fill="hold">
                                           <p:stCondLst>
                                             <p:cond delay="0"/>
                                           </p:stCondLst>
@@ -10331,32 +11244,59 @@
                     </p:cTn>
                   </p:par>
                   <p:par>
-                    <p:cTn id="31" fill="hold">
+                    <p:cTn id="23" fill="hold">
                       <p:stCondLst>
                         <p:cond delay="indefinite"/>
                       </p:stCondLst>
                       <p:childTnLst>
                         <p:par>
-                          <p:cTn id="32" fill="hold">
+                          <p:cTn id="24" fill="hold">
                             <p:stCondLst>
                               <p:cond delay="0"/>
                             </p:stCondLst>
                             <p:childTnLst>
                               <p:par>
-                                <p:cTn id="33" presetID="1" presetClass="entr" presetSubtype="0" fill="hold" grpId="0" nodeType="clickEffect">
+                                <p:cTn id="25" presetID="1" presetClass="entr" presetSubtype="0" fill="hold" grpId="0" nodeType="clickEffect">
                                   <p:stCondLst>
                                     <p:cond delay="0"/>
                                   </p:stCondLst>
                                   <p:childTnLst>
                                     <p:set>
                                       <p:cBhvr>
-                                        <p:cTn id="34" dur="1" fill="hold">
+                                        <p:cTn id="26" dur="1" fill="hold">
                                           <p:stCondLst>
                                             <p:cond delay="0"/>
                                           </p:stCondLst>
                                         </p:cTn>
                                         <p:tgtEl>
                                           <p:spTgt spid="32"/>
+                                        </p:tgtEl>
+                                        <p:attrNameLst>
+                                          <p:attrName>style.visibility</p:attrName>
+                                        </p:attrNameLst>
+                                      </p:cBhvr>
+                                      <p:to>
+                                        <p:strVal val="visible"/>
+                                      </p:to>
+                                    </p:set>
+                                  </p:childTnLst>
+                                </p:cTn>
+                              </p:par>
+                              <p:par>
+                                <p:cTn id="27" presetID="1" presetClass="entr" presetSubtype="0" fill="hold" grpId="0" nodeType="withEffect">
+                                  <p:stCondLst>
+                                    <p:cond delay="0"/>
+                                  </p:stCondLst>
+                                  <p:childTnLst>
+                                    <p:set>
+                                      <p:cBhvr>
+                                        <p:cTn id="28" dur="1" fill="hold">
+                                          <p:stCondLst>
+                                            <p:cond delay="0"/>
+                                          </p:stCondLst>
+                                        </p:cTn>
+                                        <p:tgtEl>
+                                          <p:spTgt spid="29"/>
                                         </p:tgtEl>
                                         <p:attrNameLst>
                                           <p:attrName>style.visibility</p:attrName>
@@ -10399,19 +11339,17 @@
     <p:bldLst>
       <p:bldP spid="8" grpId="0" animBg="1"/>
       <p:bldP spid="9" grpId="0" animBg="1"/>
-      <p:bldP spid="22" grpId="0"/>
-      <p:bldP spid="25" grpId="0"/>
       <p:bldP spid="26" grpId="0"/>
       <p:bldP spid="27" grpId="0"/>
-      <p:bldP spid="28" grpId="0"/>
       <p:bldP spid="31" grpId="0"/>
-      <p:bldP spid="32" grpId="0"/>
+      <p:bldP spid="32" grpId="0" animBg="1"/>
+      <p:bldP spid="29" grpId="0"/>
     </p:bldLst>
   </p:timing>
 </p:sld>
 </file>
 
-<file path=ppt/slides/slide15.xml><?xml version="1.0" encoding="utf-8"?>
+<file path=ppt/slides/slide17.xml><?xml version="1.0" encoding="utf-8"?>
 <p:sld xmlns:a="http://schemas.openxmlformats.org/drawingml/2006/main" xmlns:r="http://schemas.openxmlformats.org/officeDocument/2006/relationships" xmlns:p="http://schemas.openxmlformats.org/presentationml/2006/main">
   <p:cSld>
     <p:spTree>
@@ -10590,7 +11528,11 @@
             </a:r>
             <a:r>
               <a:rPr lang="nl-NL" sz="2400" dirty="0" smtClean="0"/>
-              <a:t> of </a:t>
+              <a:t> </a:t>
+            </a:r>
+            <a:r>
+              <a:rPr lang="nl-NL" sz="2400" dirty="0" smtClean="0"/>
+              <a:t>of </a:t>
             </a:r>
             <a:r>
               <a:rPr lang="nl-NL" sz="2400" dirty="0" err="1" smtClean="0"/>
@@ -10675,7 +11617,7 @@
 </p:sld>
 </file>
 
-<file path=ppt/slides/slide16.xml><?xml version="1.0" encoding="utf-8"?>
+<file path=ppt/slides/slide18.xml><?xml version="1.0" encoding="utf-8"?>
 <p:sld xmlns:a="http://schemas.openxmlformats.org/drawingml/2006/main" xmlns:r="http://schemas.openxmlformats.org/officeDocument/2006/relationships" xmlns:p="http://schemas.openxmlformats.org/presentationml/2006/main">
   <p:cSld>
     <p:spTree>
@@ -11050,7 +11992,7 @@
 </p:sld>
 </file>
 
-<file path=ppt/slides/slide17.xml><?xml version="1.0" encoding="utf-8"?>
+<file path=ppt/slides/slide19.xml><?xml version="1.0" encoding="utf-8"?>
 <p:sld xmlns:a="http://schemas.openxmlformats.org/drawingml/2006/main" xmlns:r="http://schemas.openxmlformats.org/officeDocument/2006/relationships" xmlns:p="http://schemas.openxmlformats.org/presentationml/2006/main">
   <p:cSld>
     <p:spTree>
@@ -11368,7 +12310,7 @@
         <p:spPr bwMode="auto">
           <a:xfrm>
             <a:off x="838200" y="1521384"/>
-            <a:ext cx="7881938" cy="7663636"/>
+            <a:ext cx="7881938" cy="7281993"/>
           </a:xfrm>
           <a:prstGeom prst="rect">
             <a:avLst/>
@@ -11578,245 +12520,259 @@
               <a:buNone/>
             </a:pPr>
             <a:r>
-              <a:rPr lang="nl-NL" sz="1800" kern="0" dirty="0" smtClean="0">
+              <a:rPr lang="nl-NL" sz="1600" kern="0" dirty="0" smtClean="0">
                 <a:latin typeface="Courier New" panose="02070309020205020404" pitchFamily="49" charset="0"/>
                 <a:cs typeface="Courier New" panose="02070309020205020404" pitchFamily="49" charset="0"/>
               </a:rPr>
               <a:t>For this </a:t>
             </a:r>
             <a:r>
-              <a:rPr lang="nl-NL" sz="1800" kern="0" dirty="0" err="1" smtClean="0">
+              <a:rPr lang="nl-NL" sz="1600" kern="0" dirty="0" err="1" smtClean="0">
                 <a:latin typeface="Courier New" panose="02070309020205020404" pitchFamily="49" charset="0"/>
                 <a:cs typeface="Courier New" panose="02070309020205020404" pitchFamily="49" charset="0"/>
               </a:rPr>
               <a:t>exercise</a:t>
             </a:r>
             <a:r>
-              <a:rPr lang="nl-NL" sz="1800" kern="0" dirty="0" smtClean="0">
+              <a:rPr lang="nl-NL" sz="1600" kern="0" dirty="0" smtClean="0">
                 <a:latin typeface="Courier New" panose="02070309020205020404" pitchFamily="49" charset="0"/>
                 <a:cs typeface="Courier New" panose="02070309020205020404" pitchFamily="49" charset="0"/>
               </a:rPr>
               <a:t>, we </a:t>
             </a:r>
             <a:r>
-              <a:rPr lang="nl-NL" sz="1800" kern="0" dirty="0" err="1" smtClean="0">
+              <a:rPr lang="nl-NL" sz="1600" kern="0" dirty="0" err="1" smtClean="0">
                 <a:latin typeface="Courier New" panose="02070309020205020404" pitchFamily="49" charset="0"/>
                 <a:cs typeface="Courier New" panose="02070309020205020404" pitchFamily="49" charset="0"/>
               </a:rPr>
               <a:t>will</a:t>
             </a:r>
             <a:r>
-              <a:rPr lang="nl-NL" sz="1800" kern="0" dirty="0" smtClean="0">
+              <a:rPr lang="nl-NL" sz="1600" kern="0" dirty="0" smtClean="0">
                 <a:latin typeface="Courier New" panose="02070309020205020404" pitchFamily="49" charset="0"/>
                 <a:cs typeface="Courier New" panose="02070309020205020404" pitchFamily="49" charset="0"/>
               </a:rPr>
               <a:t> </a:t>
             </a:r>
             <a:r>
-              <a:rPr lang="nl-NL" sz="1800" kern="0" dirty="0" err="1" smtClean="0">
+              <a:rPr lang="nl-NL" sz="1600" kern="0" dirty="0" err="1" smtClean="0">
                 <a:latin typeface="Courier New" panose="02070309020205020404" pitchFamily="49" charset="0"/>
                 <a:cs typeface="Courier New" panose="02070309020205020404" pitchFamily="49" charset="0"/>
               </a:rPr>
               <a:t>not</a:t>
             </a:r>
             <a:r>
-              <a:rPr lang="nl-NL" sz="1800" kern="0" dirty="0" smtClean="0">
+              <a:rPr lang="nl-NL" sz="1600" kern="0" dirty="0" smtClean="0">
                 <a:latin typeface="Courier New" panose="02070309020205020404" pitchFamily="49" charset="0"/>
                 <a:cs typeface="Courier New" panose="02070309020205020404" pitchFamily="49" charset="0"/>
               </a:rPr>
               <a:t> </a:t>
             </a:r>
             <a:r>
-              <a:rPr lang="nl-NL" sz="1800" kern="0" dirty="0" err="1" smtClean="0">
+              <a:rPr lang="nl-NL" sz="1600" kern="0" dirty="0" err="1" smtClean="0">
                 <a:latin typeface="Courier New" panose="02070309020205020404" pitchFamily="49" charset="0"/>
                 <a:cs typeface="Courier New" panose="02070309020205020404" pitchFamily="49" charset="0"/>
               </a:rPr>
               <a:t>use</a:t>
             </a:r>
             <a:r>
-              <a:rPr lang="nl-NL" sz="1800" kern="0" dirty="0" smtClean="0">
+              <a:rPr lang="nl-NL" sz="1600" kern="0" dirty="0" smtClean="0">
                 <a:latin typeface="Courier New" panose="02070309020205020404" pitchFamily="49" charset="0"/>
                 <a:cs typeface="Courier New" panose="02070309020205020404" pitchFamily="49" charset="0"/>
               </a:rPr>
               <a:t> </a:t>
             </a:r>
             <a:r>
-              <a:rPr lang="nl-NL" sz="1800" kern="0" dirty="0" err="1" smtClean="0">
+              <a:rPr lang="nl-NL" sz="1600" kern="0" dirty="0" err="1" smtClean="0">
                 <a:latin typeface="Courier New" panose="02070309020205020404" pitchFamily="49" charset="0"/>
                 <a:cs typeface="Courier New" panose="02070309020205020404" pitchFamily="49" charset="0"/>
               </a:rPr>
               <a:t>example</a:t>
             </a:r>
             <a:r>
-              <a:rPr lang="nl-NL" sz="1800" kern="0" dirty="0" smtClean="0">
+              <a:rPr lang="nl-NL" sz="1600" kern="0" dirty="0" smtClean="0">
                 <a:latin typeface="Courier New" panose="02070309020205020404" pitchFamily="49" charset="0"/>
                 <a:cs typeface="Courier New" panose="02070309020205020404" pitchFamily="49" charset="0"/>
               </a:rPr>
               <a:t> code. </a:t>
             </a:r>
             <a:r>
-              <a:rPr lang="nl-NL" sz="1800" kern="0" dirty="0" err="1" smtClean="0">
+              <a:rPr lang="nl-NL" sz="1600" kern="0" dirty="0" err="1" smtClean="0">
                 <a:latin typeface="Courier New" panose="02070309020205020404" pitchFamily="49" charset="0"/>
                 <a:cs typeface="Courier New" panose="02070309020205020404" pitchFamily="49" charset="0"/>
               </a:rPr>
               <a:t>Instead</a:t>
             </a:r>
             <a:r>
-              <a:rPr lang="nl-NL" sz="1800" kern="0" dirty="0" smtClean="0">
+              <a:rPr lang="nl-NL" sz="1600" kern="0" dirty="0" smtClean="0">
                 <a:latin typeface="Courier New" panose="02070309020205020404" pitchFamily="49" charset="0"/>
                 <a:cs typeface="Courier New" panose="02070309020205020404" pitchFamily="49" charset="0"/>
               </a:rPr>
               <a:t>, </a:t>
             </a:r>
             <a:r>
-              <a:rPr lang="nl-NL" sz="1800" kern="0" dirty="0" err="1" smtClean="0">
+              <a:rPr lang="nl-NL" sz="1600" kern="0" dirty="0" err="1" smtClean="0">
                 <a:latin typeface="Courier New" panose="02070309020205020404" pitchFamily="49" charset="0"/>
                 <a:cs typeface="Courier New" panose="02070309020205020404" pitchFamily="49" charset="0"/>
               </a:rPr>
               <a:t>you</a:t>
             </a:r>
             <a:r>
-              <a:rPr lang="nl-NL" sz="1800" kern="0" dirty="0" smtClean="0">
+              <a:rPr lang="nl-NL" sz="1600" kern="0" dirty="0" smtClean="0">
                 <a:latin typeface="Courier New" panose="02070309020205020404" pitchFamily="49" charset="0"/>
                 <a:cs typeface="Courier New" panose="02070309020205020404" pitchFamily="49" charset="0"/>
               </a:rPr>
               <a:t> </a:t>
             </a:r>
             <a:r>
-              <a:rPr lang="nl-NL" sz="1800" kern="0" dirty="0" err="1" smtClean="0">
+              <a:rPr lang="nl-NL" sz="1600" kern="0" dirty="0" err="1" smtClean="0">
                 <a:latin typeface="Courier New" panose="02070309020205020404" pitchFamily="49" charset="0"/>
                 <a:cs typeface="Courier New" panose="02070309020205020404" pitchFamily="49" charset="0"/>
               </a:rPr>
               <a:t>will</a:t>
             </a:r>
             <a:r>
-              <a:rPr lang="nl-NL" sz="1800" kern="0" dirty="0" smtClean="0">
+              <a:rPr lang="nl-NL" sz="1600" kern="0" dirty="0" smtClean="0">
                 <a:latin typeface="Courier New" panose="02070309020205020404" pitchFamily="49" charset="0"/>
                 <a:cs typeface="Courier New" panose="02070309020205020404" pitchFamily="49" charset="0"/>
               </a:rPr>
               <a:t> </a:t>
             </a:r>
             <a:r>
-              <a:rPr lang="nl-NL" sz="1800" kern="0" dirty="0" err="1" smtClean="0">
+              <a:rPr lang="nl-NL" sz="1600" kern="0" dirty="0" err="1" smtClean="0">
                 <a:latin typeface="Courier New" panose="02070309020205020404" pitchFamily="49" charset="0"/>
                 <a:cs typeface="Courier New" panose="02070309020205020404" pitchFamily="49" charset="0"/>
               </a:rPr>
               <a:t>write</a:t>
             </a:r>
             <a:r>
-              <a:rPr lang="nl-NL" sz="1800" kern="0" dirty="0" smtClean="0">
+              <a:rPr lang="nl-NL" sz="1600" kern="0" dirty="0" smtClean="0">
                 <a:latin typeface="Courier New" panose="02070309020205020404" pitchFamily="49" charset="0"/>
                 <a:cs typeface="Courier New" panose="02070309020205020404" pitchFamily="49" charset="0"/>
               </a:rPr>
               <a:t> the code </a:t>
             </a:r>
             <a:r>
-              <a:rPr lang="nl-NL" sz="1800" kern="0" dirty="0" err="1" smtClean="0">
+              <a:rPr lang="nl-NL" sz="1600" kern="0" dirty="0" err="1" smtClean="0">
                 <a:latin typeface="Courier New" panose="02070309020205020404" pitchFamily="49" charset="0"/>
                 <a:cs typeface="Courier New" panose="02070309020205020404" pitchFamily="49" charset="0"/>
               </a:rPr>
               <a:t>yourself</a:t>
             </a:r>
             <a:r>
-              <a:rPr lang="nl-NL" sz="1800" kern="0" dirty="0" smtClean="0">
+              <a:rPr lang="nl-NL" sz="1600" kern="0" dirty="0" smtClean="0">
                 <a:latin typeface="Courier New" panose="02070309020205020404" pitchFamily="49" charset="0"/>
                 <a:cs typeface="Courier New" panose="02070309020205020404" pitchFamily="49" charset="0"/>
               </a:rPr>
               <a:t> </a:t>
             </a:r>
             <a:r>
-              <a:rPr lang="nl-NL" sz="1800" kern="0" dirty="0" err="1" smtClean="0">
+              <a:rPr lang="nl-NL" sz="1600" kern="0" dirty="0" err="1" smtClean="0">
                 <a:latin typeface="Courier New" panose="02070309020205020404" pitchFamily="49" charset="0"/>
                 <a:cs typeface="Courier New" panose="02070309020205020404" pitchFamily="49" charset="0"/>
               </a:rPr>
               <a:t>based</a:t>
             </a:r>
             <a:r>
-              <a:rPr lang="nl-NL" sz="1800" kern="0" dirty="0" smtClean="0">
+              <a:rPr lang="nl-NL" sz="1600" kern="0" dirty="0" smtClean="0">
                 <a:latin typeface="Courier New" panose="02070309020205020404" pitchFamily="49" charset="0"/>
                 <a:cs typeface="Courier New" panose="02070309020205020404" pitchFamily="49" charset="0"/>
               </a:rPr>
               <a:t> on the kind of code </a:t>
             </a:r>
             <a:r>
-              <a:rPr lang="nl-NL" sz="1800" kern="0" dirty="0" err="1" smtClean="0">
+              <a:rPr lang="nl-NL" sz="1600" kern="0" dirty="0" err="1" smtClean="0">
                 <a:latin typeface="Courier New" panose="02070309020205020404" pitchFamily="49" charset="0"/>
                 <a:cs typeface="Courier New" panose="02070309020205020404" pitchFamily="49" charset="0"/>
               </a:rPr>
               <a:t>that</a:t>
             </a:r>
             <a:r>
-              <a:rPr lang="nl-NL" sz="1800" kern="0" dirty="0" smtClean="0">
+              <a:rPr lang="nl-NL" sz="1600" kern="0" dirty="0" smtClean="0">
                 <a:latin typeface="Courier New" panose="02070309020205020404" pitchFamily="49" charset="0"/>
                 <a:cs typeface="Courier New" panose="02070309020205020404" pitchFamily="49" charset="0"/>
               </a:rPr>
               <a:t> </a:t>
             </a:r>
             <a:r>
-              <a:rPr lang="nl-NL" sz="1800" kern="0" dirty="0" err="1" smtClean="0">
+              <a:rPr lang="nl-NL" sz="1600" kern="0" dirty="0" err="1" smtClean="0">
                 <a:latin typeface="Courier New" panose="02070309020205020404" pitchFamily="49" charset="0"/>
                 <a:cs typeface="Courier New" panose="02070309020205020404" pitchFamily="49" charset="0"/>
               </a:rPr>
               <a:t>you</a:t>
             </a:r>
             <a:r>
-              <a:rPr lang="nl-NL" sz="1800" kern="0" dirty="0" smtClean="0">
+              <a:rPr lang="nl-NL" sz="1600" kern="0" dirty="0" smtClean="0">
                 <a:latin typeface="Courier New" panose="02070309020205020404" pitchFamily="49" charset="0"/>
                 <a:cs typeface="Courier New" panose="02070309020205020404" pitchFamily="49" charset="0"/>
               </a:rPr>
               <a:t> </a:t>
             </a:r>
             <a:r>
-              <a:rPr lang="nl-NL" sz="1800" kern="0" dirty="0" err="1" smtClean="0">
+              <a:rPr lang="nl-NL" sz="1600" kern="0" dirty="0" err="1" smtClean="0">
+                <a:latin typeface="Courier New" panose="02070309020205020404" pitchFamily="49" charset="0"/>
+                <a:cs typeface="Courier New" panose="02070309020205020404" pitchFamily="49" charset="0"/>
+              </a:rPr>
+              <a:t>wrote</a:t>
+            </a:r>
+            <a:r>
+              <a:rPr lang="nl-NL" sz="1600" kern="0" dirty="0" smtClean="0">
+                <a:latin typeface="Courier New" panose="02070309020205020404" pitchFamily="49" charset="0"/>
+                <a:cs typeface="Courier New" panose="02070309020205020404" pitchFamily="49" charset="0"/>
+              </a:rPr>
+              <a:t> </a:t>
+            </a:r>
+            <a:r>
+              <a:rPr lang="nl-NL" sz="1600" kern="0" dirty="0" err="1" smtClean="0">
                 <a:latin typeface="Courier New" panose="02070309020205020404" pitchFamily="49" charset="0"/>
                 <a:cs typeface="Courier New" panose="02070309020205020404" pitchFamily="49" charset="0"/>
               </a:rPr>
               <a:t>before</a:t>
             </a:r>
             <a:r>
-              <a:rPr lang="nl-NL" sz="1800" kern="0" dirty="0" smtClean="0">
+              <a:rPr lang="nl-NL" sz="1600" kern="0" dirty="0" smtClean="0">
                 <a:latin typeface="Courier New" panose="02070309020205020404" pitchFamily="49" charset="0"/>
                 <a:cs typeface="Courier New" panose="02070309020205020404" pitchFamily="49" charset="0"/>
               </a:rPr>
               <a:t>. See the </a:t>
             </a:r>
             <a:r>
-              <a:rPr lang="nl-NL" sz="1800" i="1" kern="0" dirty="0" err="1" smtClean="0">
+              <a:rPr lang="nl-NL" sz="1600" i="1" kern="0" dirty="0" err="1" smtClean="0">
                 <a:latin typeface="Courier New" panose="02070309020205020404" pitchFamily="49" charset="0"/>
                 <a:cs typeface="Courier New" panose="02070309020205020404" pitchFamily="49" charset="0"/>
               </a:rPr>
               <a:t>Cookbook</a:t>
             </a:r>
             <a:r>
-              <a:rPr lang="nl-NL" sz="1800" i="1" kern="0" dirty="0" smtClean="0">
+              <a:rPr lang="nl-NL" sz="1600" i="1" kern="0" dirty="0" smtClean="0">
                 <a:latin typeface="Courier New" panose="02070309020205020404" pitchFamily="49" charset="0"/>
                 <a:cs typeface="Courier New" panose="02070309020205020404" pitchFamily="49" charset="0"/>
               </a:rPr>
               <a:t> </a:t>
             </a:r>
             <a:r>
-              <a:rPr lang="nl-NL" sz="1800" kern="0" dirty="0" err="1" smtClean="0">
+              <a:rPr lang="nl-NL" sz="1600" kern="0" dirty="0" err="1" smtClean="0">
                 <a:latin typeface="Courier New" panose="02070309020205020404" pitchFamily="49" charset="0"/>
                 <a:cs typeface="Courier New" panose="02070309020205020404" pitchFamily="49" charset="0"/>
               </a:rPr>
               <a:t>for</a:t>
             </a:r>
             <a:r>
-              <a:rPr lang="nl-NL" sz="1800" kern="0" dirty="0" smtClean="0">
+              <a:rPr lang="nl-NL" sz="1600" kern="0" dirty="0" smtClean="0">
                 <a:latin typeface="Courier New" panose="02070309020205020404" pitchFamily="49" charset="0"/>
                 <a:cs typeface="Courier New" panose="02070309020205020404" pitchFamily="49" charset="0"/>
               </a:rPr>
               <a:t> </a:t>
             </a:r>
             <a:r>
-              <a:rPr lang="nl-NL" sz="1800" kern="0" dirty="0" err="1" smtClean="0">
+              <a:rPr lang="nl-NL" sz="1600" kern="0" dirty="0" err="1" smtClean="0">
                 <a:latin typeface="Courier New" panose="02070309020205020404" pitchFamily="49" charset="0"/>
                 <a:cs typeface="Courier New" panose="02070309020205020404" pitchFamily="49" charset="0"/>
               </a:rPr>
               <a:t>reference</a:t>
             </a:r>
             <a:r>
-              <a:rPr lang="nl-NL" sz="1800" kern="0" dirty="0" smtClean="0">
+              <a:rPr lang="nl-NL" sz="1600" kern="0" dirty="0" smtClean="0">
                 <a:latin typeface="Courier New" panose="02070309020205020404" pitchFamily="49" charset="0"/>
                 <a:cs typeface="Courier New" panose="02070309020205020404" pitchFamily="49" charset="0"/>
               </a:rPr>
@@ -11827,7 +12783,7 @@
             <a:pPr marL="0" indent="0">
               <a:buNone/>
             </a:pPr>
-            <a:endParaRPr lang="nl-NL" sz="1800" kern="0" dirty="0">
+            <a:endParaRPr lang="nl-NL" sz="1600" kern="0" dirty="0">
               <a:latin typeface="Courier New" panose="02070309020205020404" pitchFamily="49" charset="0"/>
               <a:cs typeface="Courier New" panose="02070309020205020404" pitchFamily="49" charset="0"/>
             </a:endParaRPr>
@@ -11837,14 +12793,14 @@
               <a:buNone/>
             </a:pPr>
             <a:r>
-              <a:rPr lang="nl-NL" sz="1800" kern="0" dirty="0" smtClean="0">
+              <a:rPr lang="nl-NL" sz="1600" kern="0" dirty="0" smtClean="0">
                 <a:latin typeface="Courier New" panose="02070309020205020404" pitchFamily="49" charset="0"/>
                 <a:cs typeface="Courier New" panose="02070309020205020404" pitchFamily="49" charset="0"/>
               </a:rPr>
               <a:t>See the </a:t>
             </a:r>
             <a:r>
-              <a:rPr lang="nl-NL" sz="1800" kern="0" dirty="0" smtClean="0">
+              <a:rPr lang="nl-NL" sz="1600" kern="0" dirty="0" smtClean="0">
                 <a:latin typeface="Courier New" panose="02070309020205020404" pitchFamily="49" charset="0"/>
                 <a:cs typeface="Courier New" panose="02070309020205020404" pitchFamily="49" charset="0"/>
                 <a:hlinkClick r:id="rId2"/>
@@ -11852,49 +12808,49 @@
               <a:t>documentation</a:t>
             </a:r>
             <a:r>
-              <a:rPr lang="nl-NL" sz="1800" kern="0" dirty="0" smtClean="0">
+              <a:rPr lang="nl-NL" sz="1600" kern="0" dirty="0" smtClean="0">
                 <a:latin typeface="Courier New" panose="02070309020205020404" pitchFamily="49" charset="0"/>
                 <a:cs typeface="Courier New" panose="02070309020205020404" pitchFamily="49" charset="0"/>
               </a:rPr>
               <a:t> of </a:t>
             </a:r>
             <a:r>
-              <a:rPr lang="nl-NL" sz="1800" kern="0" dirty="0" err="1" smtClean="0">
+              <a:rPr lang="nl-NL" sz="1600" kern="0" dirty="0" err="1" smtClean="0">
                 <a:latin typeface="Courier New" panose="02070309020205020404" pitchFamily="49" charset="0"/>
                 <a:cs typeface="Courier New" panose="02070309020205020404" pitchFamily="49" charset="0"/>
               </a:rPr>
               <a:t>sklearn.naive_bayes_MultinomialNB</a:t>
             </a:r>
             <a:r>
-              <a:rPr lang="nl-NL" sz="1800" kern="0" dirty="0" smtClean="0">
+              <a:rPr lang="nl-NL" sz="1600" kern="0" dirty="0" smtClean="0">
                 <a:latin typeface="Courier New" panose="02070309020205020404" pitchFamily="49" charset="0"/>
                 <a:cs typeface="Courier New" panose="02070309020205020404" pitchFamily="49" charset="0"/>
               </a:rPr>
               <a:t> </a:t>
             </a:r>
             <a:r>
-              <a:rPr lang="nl-NL" sz="1800" kern="0" dirty="0" err="1" smtClean="0">
+              <a:rPr lang="nl-NL" sz="1600" kern="0" dirty="0" err="1" smtClean="0">
                 <a:latin typeface="Courier New" panose="02070309020205020404" pitchFamily="49" charset="0"/>
                 <a:cs typeface="Courier New" panose="02070309020205020404" pitchFamily="49" charset="0"/>
               </a:rPr>
               <a:t>for</a:t>
             </a:r>
             <a:r>
-              <a:rPr lang="nl-NL" sz="1800" kern="0" dirty="0" smtClean="0">
+              <a:rPr lang="nl-NL" sz="1600" kern="0" dirty="0" smtClean="0">
                 <a:latin typeface="Courier New" panose="02070309020205020404" pitchFamily="49" charset="0"/>
                 <a:cs typeface="Courier New" panose="02070309020205020404" pitchFamily="49" charset="0"/>
               </a:rPr>
               <a:t> the </a:t>
             </a:r>
             <a:r>
-              <a:rPr lang="nl-NL" sz="1800" kern="0" dirty="0" err="1" smtClean="0">
+              <a:rPr lang="nl-NL" sz="1600" kern="0" dirty="0" err="1" smtClean="0">
                 <a:latin typeface="Courier New" panose="02070309020205020404" pitchFamily="49" charset="0"/>
                 <a:cs typeface="Courier New" panose="02070309020205020404" pitchFamily="49" charset="0"/>
               </a:rPr>
               <a:t>Naive</a:t>
             </a:r>
             <a:r>
-              <a:rPr lang="nl-NL" sz="1800" kern="0" dirty="0" smtClean="0">
+              <a:rPr lang="nl-NL" sz="1600" kern="0" dirty="0" smtClean="0">
                 <a:latin typeface="Courier New" panose="02070309020205020404" pitchFamily="49" charset="0"/>
                 <a:cs typeface="Courier New" panose="02070309020205020404" pitchFamily="49" charset="0"/>
               </a:rPr>
@@ -11905,7 +12861,7 @@
             <a:pPr marL="0" indent="0">
               <a:buNone/>
             </a:pPr>
-            <a:endParaRPr lang="nl-NL" sz="1800" kern="0" dirty="0">
+            <a:endParaRPr lang="nl-NL" sz="1600" kern="0" dirty="0">
               <a:latin typeface="Courier New" panose="02070309020205020404" pitchFamily="49" charset="0"/>
               <a:cs typeface="Courier New" panose="02070309020205020404" pitchFamily="49" charset="0"/>
             </a:endParaRPr>
@@ -11915,7 +12871,7 @@
               <a:buNone/>
             </a:pPr>
             <a:r>
-              <a:rPr lang="nl-NL" sz="1800" kern="0" dirty="0" smtClean="0">
+              <a:rPr lang="nl-NL" sz="1600" kern="0" dirty="0" smtClean="0">
                 <a:latin typeface="Courier New" panose="02070309020205020404" pitchFamily="49" charset="0"/>
                 <a:cs typeface="Courier New" panose="02070309020205020404" pitchFamily="49" charset="0"/>
               </a:rPr>
@@ -11926,7 +12882,7 @@
             <a:pPr marL="0" indent="0">
               <a:buNone/>
             </a:pPr>
-            <a:endParaRPr lang="nl-NL" sz="1800" kern="0" dirty="0">
+            <a:endParaRPr lang="nl-NL" sz="1600" kern="0" dirty="0">
               <a:latin typeface="Courier New" panose="02070309020205020404" pitchFamily="49" charset="0"/>
               <a:cs typeface="Courier New" panose="02070309020205020404" pitchFamily="49" charset="0"/>
             </a:endParaRPr>
@@ -11937,48 +12893,48 @@
               <a:buAutoNum type="arabicPeriod"/>
             </a:pPr>
             <a:r>
-              <a:rPr lang="nl-NL" sz="1800" kern="0" dirty="0" smtClean="0">
+              <a:rPr lang="nl-NL" sz="1600" kern="0" dirty="0" smtClean="0">
                 <a:latin typeface="Courier New" panose="02070309020205020404" pitchFamily="49" charset="0"/>
                 <a:cs typeface="Courier New" panose="02070309020205020404" pitchFamily="49" charset="0"/>
               </a:rPr>
               <a:t>Import the relevant </a:t>
             </a:r>
             <a:r>
-              <a:rPr lang="nl-NL" sz="1800" kern="0" dirty="0" err="1" smtClean="0">
+              <a:rPr lang="nl-NL" sz="1600" kern="0" dirty="0" err="1" smtClean="0">
                 <a:latin typeface="Courier New" panose="02070309020205020404" pitchFamily="49" charset="0"/>
                 <a:cs typeface="Courier New" panose="02070309020205020404" pitchFamily="49" charset="0"/>
               </a:rPr>
               <a:t>libraries</a:t>
             </a:r>
             <a:r>
-              <a:rPr lang="nl-NL" sz="1800" kern="0" dirty="0" smtClean="0">
+              <a:rPr lang="nl-NL" sz="1600" kern="0" dirty="0" smtClean="0">
                 <a:latin typeface="Courier New" panose="02070309020205020404" pitchFamily="49" charset="0"/>
                 <a:cs typeface="Courier New" panose="02070309020205020404" pitchFamily="49" charset="0"/>
               </a:rPr>
               <a:t> </a:t>
             </a:r>
             <a:r>
-              <a:rPr lang="nl-NL" sz="1800" kern="0" dirty="0" err="1" smtClean="0">
+              <a:rPr lang="nl-NL" sz="1600" kern="0" dirty="0" err="1" smtClean="0">
                 <a:latin typeface="Courier New" panose="02070309020205020404" pitchFamily="49" charset="0"/>
                 <a:cs typeface="Courier New" panose="02070309020205020404" pitchFamily="49" charset="0"/>
               </a:rPr>
               <a:t>and</a:t>
             </a:r>
             <a:r>
-              <a:rPr lang="nl-NL" sz="1800" kern="0" dirty="0" smtClean="0">
+              <a:rPr lang="nl-NL" sz="1600" kern="0" dirty="0" smtClean="0">
                 <a:latin typeface="Courier New" panose="02070309020205020404" pitchFamily="49" charset="0"/>
                 <a:cs typeface="Courier New" panose="02070309020205020404" pitchFamily="49" charset="0"/>
               </a:rPr>
               <a:t>/or </a:t>
             </a:r>
             <a:r>
-              <a:rPr lang="nl-NL" sz="1800" kern="0" dirty="0" err="1" smtClean="0">
+              <a:rPr lang="nl-NL" sz="1600" kern="0" dirty="0" err="1" smtClean="0">
                 <a:latin typeface="Courier New" panose="02070309020205020404" pitchFamily="49" charset="0"/>
                 <a:cs typeface="Courier New" panose="02070309020205020404" pitchFamily="49" charset="0"/>
               </a:rPr>
               <a:t>objects</a:t>
             </a:r>
-            <a:endParaRPr lang="nl-NL" sz="1800" kern="0" dirty="0" smtClean="0">
+            <a:endParaRPr lang="nl-NL" sz="1600" kern="0" dirty="0" smtClean="0">
               <a:latin typeface="Courier New" panose="02070309020205020404" pitchFamily="49" charset="0"/>
               <a:cs typeface="Courier New" panose="02070309020205020404" pitchFamily="49" charset="0"/>
             </a:endParaRPr>
@@ -11989,40 +12945,100 @@
               <a:buAutoNum type="arabicPeriod"/>
             </a:pPr>
             <a:r>
-              <a:rPr lang="nl-NL" sz="1800" kern="0" dirty="0" smtClean="0">
-                <a:latin typeface="Courier New" panose="02070309020205020404" pitchFamily="49" charset="0"/>
-                <a:cs typeface="Courier New" panose="02070309020205020404" pitchFamily="49" charset="0"/>
-              </a:rPr>
-              <a:t>Split the data </a:t>
-            </a:r>
-            <a:r>
-              <a:rPr lang="nl-NL" sz="1800" kern="0" dirty="0" err="1" smtClean="0">
-                <a:latin typeface="Courier New" panose="02070309020205020404" pitchFamily="49" charset="0"/>
-                <a:cs typeface="Courier New" panose="02070309020205020404" pitchFamily="49" charset="0"/>
-              </a:rPr>
-              <a:t>into</a:t>
-            </a:r>
-            <a:r>
-              <a:rPr lang="nl-NL" sz="1800" kern="0" dirty="0" smtClean="0">
-                <a:latin typeface="Courier New" panose="02070309020205020404" pitchFamily="49" charset="0"/>
-                <a:cs typeface="Courier New" panose="02070309020205020404" pitchFamily="49" charset="0"/>
-              </a:rPr>
-              <a:t> a training </a:t>
-            </a:r>
-            <a:r>
-              <a:rPr lang="nl-NL" sz="1800" kern="0" dirty="0" err="1" smtClean="0">
+              <a:rPr lang="nl-NL" sz="1600" kern="0" dirty="0" err="1" smtClean="0">
+                <a:latin typeface="Courier New" panose="02070309020205020404" pitchFamily="49" charset="0"/>
+                <a:cs typeface="Courier New" panose="02070309020205020404" pitchFamily="49" charset="0"/>
+              </a:rPr>
+              <a:t>Creat</a:t>
+            </a:r>
+            <a:r>
+              <a:rPr lang="nl-NL" sz="1600" kern="0" dirty="0" err="1" smtClean="0">
+                <a:latin typeface="Courier New" panose="02070309020205020404" pitchFamily="49" charset="0"/>
+                <a:cs typeface="Courier New" panose="02070309020205020404" pitchFamily="49" charset="0"/>
+              </a:rPr>
+              <a:t>e</a:t>
+            </a:r>
+            <a:r>
+              <a:rPr lang="nl-NL" sz="1600" kern="0" dirty="0" smtClean="0">
+                <a:latin typeface="Courier New" panose="02070309020205020404" pitchFamily="49" charset="0"/>
+                <a:cs typeface="Courier New" panose="02070309020205020404" pitchFamily="49" charset="0"/>
+              </a:rPr>
+              <a:t> X </a:t>
+            </a:r>
+            <a:r>
+              <a:rPr lang="nl-NL" sz="1600" kern="0" dirty="0" err="1" smtClean="0">
                 <a:latin typeface="Courier New" panose="02070309020205020404" pitchFamily="49" charset="0"/>
                 <a:cs typeface="Courier New" panose="02070309020205020404" pitchFamily="49" charset="0"/>
               </a:rPr>
               <a:t>and</a:t>
             </a:r>
             <a:r>
-              <a:rPr lang="nl-NL" sz="1800" kern="0" dirty="0" smtClean="0">
-                <a:latin typeface="Courier New" panose="02070309020205020404" pitchFamily="49" charset="0"/>
-                <a:cs typeface="Courier New" panose="02070309020205020404" pitchFamily="49" charset="0"/>
-              </a:rPr>
-              <a:t> a test set</a:t>
-            </a:r>
+              <a:rPr lang="nl-NL" sz="1600" kern="0" dirty="0" smtClean="0">
+                <a:latin typeface="Courier New" panose="02070309020205020404" pitchFamily="49" charset="0"/>
+                <a:cs typeface="Courier New" panose="02070309020205020404" pitchFamily="49" charset="0"/>
+              </a:rPr>
+              <a:t> y variables – y is the </a:t>
+            </a:r>
+            <a:r>
+              <a:rPr lang="nl-NL" sz="1600" kern="0" dirty="0" err="1" smtClean="0">
+                <a:latin typeface="Courier New" panose="02070309020205020404" pitchFamily="49" charset="0"/>
+                <a:cs typeface="Courier New" panose="02070309020205020404" pitchFamily="49" charset="0"/>
+              </a:rPr>
+              <a:t>colummn</a:t>
+            </a:r>
+            <a:r>
+              <a:rPr lang="nl-NL" sz="1600" kern="0" dirty="0" smtClean="0">
+                <a:latin typeface="Courier New" panose="02070309020205020404" pitchFamily="49" charset="0"/>
+                <a:cs typeface="Courier New" panose="02070309020205020404" pitchFamily="49" charset="0"/>
+              </a:rPr>
+              <a:t> </a:t>
+            </a:r>
+            <a:r>
+              <a:rPr lang="nl-NL" sz="1600" kern="0" dirty="0" err="1" smtClean="0">
+                <a:latin typeface="Courier New" panose="02070309020205020404" pitchFamily="49" charset="0"/>
+                <a:cs typeface="Courier New" panose="02070309020205020404" pitchFamily="49" charset="0"/>
+              </a:rPr>
+              <a:t>with</a:t>
+            </a:r>
+            <a:r>
+              <a:rPr lang="nl-NL" sz="1600" kern="0" dirty="0" smtClean="0">
+                <a:latin typeface="Courier New" panose="02070309020205020404" pitchFamily="49" charset="0"/>
+                <a:cs typeface="Courier New" panose="02070309020205020404" pitchFamily="49" charset="0"/>
+              </a:rPr>
+              <a:t> the </a:t>
+            </a:r>
+            <a:r>
+              <a:rPr lang="nl-NL" sz="1600" kern="0" dirty="0" err="1" smtClean="0">
+                <a:latin typeface="Courier New" panose="02070309020205020404" pitchFamily="49" charset="0"/>
+                <a:cs typeface="Courier New" panose="02070309020205020404" pitchFamily="49" charset="0"/>
+              </a:rPr>
+              <a:t>character</a:t>
+            </a:r>
+            <a:r>
+              <a:rPr lang="nl-NL" sz="1600" kern="0" dirty="0" smtClean="0">
+                <a:latin typeface="Courier New" panose="02070309020205020404" pitchFamily="49" charset="0"/>
+                <a:cs typeface="Courier New" panose="02070309020205020404" pitchFamily="49" charset="0"/>
+              </a:rPr>
+              <a:t> </a:t>
+            </a:r>
+            <a:r>
+              <a:rPr lang="nl-NL" sz="1600" kern="0" dirty="0" err="1" smtClean="0">
+                <a:latin typeface="Courier New" panose="02070309020205020404" pitchFamily="49" charset="0"/>
+                <a:cs typeface="Courier New" panose="02070309020205020404" pitchFamily="49" charset="0"/>
+              </a:rPr>
+              <a:t>names</a:t>
+            </a:r>
+            <a:r>
+              <a:rPr lang="nl-NL" sz="1600" kern="0" dirty="0" smtClean="0">
+                <a:latin typeface="Courier New" panose="02070309020205020404" pitchFamily="49" charset="0"/>
+                <a:cs typeface="Courier New" panose="02070309020205020404" pitchFamily="49" charset="0"/>
+              </a:rPr>
+              <a:t>, X is the document-feature matrix</a:t>
+            </a:r>
+            <a:endParaRPr lang="nl-NL" sz="1600" kern="0" dirty="0" smtClean="0">
+              <a:latin typeface="Courier New" panose="02070309020205020404" pitchFamily="49" charset="0"/>
+              <a:cs typeface="Courier New" panose="02070309020205020404" pitchFamily="49" charset="0"/>
+            </a:endParaRPr>
           </a:p>
           <a:p>
             <a:pPr>
@@ -12030,11 +13046,39 @@
               <a:buAutoNum type="arabicPeriod"/>
             </a:pPr>
             <a:r>
-              <a:rPr lang="nl-NL" sz="1800" kern="0" dirty="0" smtClean="0">
-                <a:latin typeface="Courier New" panose="02070309020205020404" pitchFamily="49" charset="0"/>
-                <a:cs typeface="Courier New" panose="02070309020205020404" pitchFamily="49" charset="0"/>
-              </a:rPr>
-              <a:t>Train a NB model on the training set</a:t>
+              <a:rPr lang="nl-NL" sz="1600" kern="0" dirty="0" smtClean="0">
+                <a:latin typeface="Courier New" panose="02070309020205020404" pitchFamily="49" charset="0"/>
+                <a:cs typeface="Courier New" panose="02070309020205020404" pitchFamily="49" charset="0"/>
+              </a:rPr>
+              <a:t>Split the data </a:t>
+            </a:r>
+            <a:r>
+              <a:rPr lang="nl-NL" sz="1600" kern="0" dirty="0" err="1" smtClean="0">
+                <a:latin typeface="Courier New" panose="02070309020205020404" pitchFamily="49" charset="0"/>
+                <a:cs typeface="Courier New" panose="02070309020205020404" pitchFamily="49" charset="0"/>
+              </a:rPr>
+              <a:t>into</a:t>
+            </a:r>
+            <a:r>
+              <a:rPr lang="nl-NL" sz="1600" kern="0" dirty="0" smtClean="0">
+                <a:latin typeface="Courier New" panose="02070309020205020404" pitchFamily="49" charset="0"/>
+                <a:cs typeface="Courier New" panose="02070309020205020404" pitchFamily="49" charset="0"/>
+              </a:rPr>
+              <a:t> a training </a:t>
+            </a:r>
+            <a:r>
+              <a:rPr lang="nl-NL" sz="1600" kern="0" dirty="0" err="1" smtClean="0">
+                <a:latin typeface="Courier New" panose="02070309020205020404" pitchFamily="49" charset="0"/>
+                <a:cs typeface="Courier New" panose="02070309020205020404" pitchFamily="49" charset="0"/>
+              </a:rPr>
+              <a:t>and</a:t>
+            </a:r>
+            <a:r>
+              <a:rPr lang="nl-NL" sz="1600" kern="0" dirty="0" smtClean="0">
+                <a:latin typeface="Courier New" panose="02070309020205020404" pitchFamily="49" charset="0"/>
+                <a:cs typeface="Courier New" panose="02070309020205020404" pitchFamily="49" charset="0"/>
+              </a:rPr>
+              <a:t> a test set</a:t>
             </a:r>
           </a:p>
           <a:p>
@@ -12043,25 +13087,18 @@
               <a:buAutoNum type="arabicPeriod"/>
             </a:pPr>
             <a:r>
-              <a:rPr lang="nl-NL" sz="1800" kern="0" dirty="0" err="1" smtClean="0">
-                <a:latin typeface="Courier New" panose="02070309020205020404" pitchFamily="49" charset="0"/>
-                <a:cs typeface="Courier New" panose="02070309020205020404" pitchFamily="49" charset="0"/>
-              </a:rPr>
-              <a:t>Predict</a:t>
-            </a:r>
-            <a:r>
-              <a:rPr lang="nl-NL" sz="1800" kern="0" dirty="0">
-                <a:latin typeface="Courier New" panose="02070309020205020404" pitchFamily="49" charset="0"/>
-                <a:cs typeface="Courier New" panose="02070309020205020404" pitchFamily="49" charset="0"/>
-              </a:rPr>
-              <a:t> </a:t>
-            </a:r>
-            <a:r>
-              <a:rPr lang="nl-NL" sz="1800" kern="0" dirty="0" smtClean="0">
-                <a:latin typeface="Courier New" panose="02070309020205020404" pitchFamily="49" charset="0"/>
-                <a:cs typeface="Courier New" panose="02070309020205020404" pitchFamily="49" charset="0"/>
-              </a:rPr>
-              <a:t>the class (Lisa or Bart) of the test set.</a:t>
+              <a:rPr lang="nl-NL" sz="1600" kern="0" dirty="0" smtClean="0">
+                <a:latin typeface="Courier New" panose="02070309020205020404" pitchFamily="49" charset="0"/>
+                <a:cs typeface="Courier New" panose="02070309020205020404" pitchFamily="49" charset="0"/>
+              </a:rPr>
+              <a:t>Fit a </a:t>
+            </a:r>
+            <a:r>
+              <a:rPr lang="nl-NL" sz="1600" kern="0" dirty="0" smtClean="0">
+                <a:latin typeface="Courier New" panose="02070309020205020404" pitchFamily="49" charset="0"/>
+                <a:cs typeface="Courier New" panose="02070309020205020404" pitchFamily="49" charset="0"/>
+              </a:rPr>
+              <a:t>NB model on the training set</a:t>
             </a:r>
           </a:p>
           <a:p>
@@ -12070,57 +13107,83 @@
               <a:buAutoNum type="arabicPeriod"/>
             </a:pPr>
             <a:r>
-              <a:rPr lang="nl-NL" sz="1800" kern="0" dirty="0" err="1" smtClean="0">
-                <a:latin typeface="Courier New" panose="02070309020205020404" pitchFamily="49" charset="0"/>
-                <a:cs typeface="Courier New" panose="02070309020205020404" pitchFamily="49" charset="0"/>
-              </a:rPr>
-              <a:t>What</a:t>
-            </a:r>
-            <a:r>
-              <a:rPr lang="nl-NL" sz="1800" kern="0" dirty="0" smtClean="0">
-                <a:latin typeface="Courier New" panose="02070309020205020404" pitchFamily="49" charset="0"/>
-                <a:cs typeface="Courier New" panose="02070309020205020404" pitchFamily="49" charset="0"/>
-              </a:rPr>
-              <a:t> is the </a:t>
-            </a:r>
-            <a:r>
-              <a:rPr lang="nl-NL" sz="1800" kern="0" dirty="0" err="1" smtClean="0">
-                <a:latin typeface="Courier New" panose="02070309020205020404" pitchFamily="49" charset="0"/>
-                <a:cs typeface="Courier New" panose="02070309020205020404" pitchFamily="49" charset="0"/>
-              </a:rPr>
-              <a:t>accuracy</a:t>
-            </a:r>
-            <a:r>
-              <a:rPr lang="nl-NL" sz="1800" kern="0" dirty="0" smtClean="0">
-                <a:latin typeface="Courier New" panose="02070309020205020404" pitchFamily="49" charset="0"/>
-                <a:cs typeface="Courier New" panose="02070309020205020404" pitchFamily="49" charset="0"/>
-              </a:rPr>
-              <a:t> of </a:t>
-            </a:r>
-            <a:r>
-              <a:rPr lang="nl-NL" sz="1800" kern="0" dirty="0" err="1" smtClean="0">
-                <a:latin typeface="Courier New" panose="02070309020205020404" pitchFamily="49" charset="0"/>
-                <a:cs typeface="Courier New" panose="02070309020205020404" pitchFamily="49" charset="0"/>
-              </a:rPr>
-              <a:t>your</a:t>
-            </a:r>
-            <a:r>
-              <a:rPr lang="nl-NL" sz="1800" kern="0" dirty="0" smtClean="0">
-                <a:latin typeface="Courier New" panose="02070309020205020404" pitchFamily="49" charset="0"/>
-                <a:cs typeface="Courier New" panose="02070309020205020404" pitchFamily="49" charset="0"/>
-              </a:rPr>
-              <a:t> model?</a:t>
-            </a:r>
-            <a:endParaRPr lang="nl-NL" sz="1800" kern="0" dirty="0">
-              <a:latin typeface="Courier New" panose="02070309020205020404" pitchFamily="49" charset="0"/>
-              <a:cs typeface="Courier New" panose="02070309020205020404" pitchFamily="49" charset="0"/>
-            </a:endParaRPr>
-          </a:p>
-          <a:p>
-            <a:pPr marL="0" indent="0">
-              <a:buNone/>
-            </a:pPr>
-            <a:endParaRPr lang="nl-NL" sz="1400" kern="0" dirty="0" smtClean="0">
+              <a:rPr lang="nl-NL" sz="1600" kern="0" dirty="0" err="1" smtClean="0">
+                <a:latin typeface="Courier New" panose="02070309020205020404" pitchFamily="49" charset="0"/>
+                <a:cs typeface="Courier New" panose="02070309020205020404" pitchFamily="49" charset="0"/>
+              </a:rPr>
+              <a:t>Predict</a:t>
+            </a:r>
+            <a:r>
+              <a:rPr lang="nl-NL" sz="1600" kern="0" dirty="0">
+                <a:latin typeface="Courier New" panose="02070309020205020404" pitchFamily="49" charset="0"/>
+                <a:cs typeface="Courier New" panose="02070309020205020404" pitchFamily="49" charset="0"/>
+              </a:rPr>
+              <a:t> </a:t>
+            </a:r>
+            <a:r>
+              <a:rPr lang="nl-NL" sz="1600" kern="0" dirty="0" smtClean="0">
+                <a:latin typeface="Courier New" panose="02070309020205020404" pitchFamily="49" charset="0"/>
+                <a:cs typeface="Courier New" panose="02070309020205020404" pitchFamily="49" charset="0"/>
+              </a:rPr>
+              <a:t>the </a:t>
+            </a:r>
+            <a:r>
+              <a:rPr lang="nl-NL" sz="1600" kern="0" dirty="0" smtClean="0">
+                <a:latin typeface="Courier New" panose="02070309020205020404" pitchFamily="49" charset="0"/>
+                <a:cs typeface="Courier New" panose="02070309020205020404" pitchFamily="49" charset="0"/>
+              </a:rPr>
+              <a:t>classes </a:t>
+            </a:r>
+            <a:r>
+              <a:rPr lang="nl-NL" sz="1600" kern="0" dirty="0" smtClean="0">
+                <a:latin typeface="Courier New" panose="02070309020205020404" pitchFamily="49" charset="0"/>
+                <a:cs typeface="Courier New" panose="02070309020205020404" pitchFamily="49" charset="0"/>
+              </a:rPr>
+              <a:t>(Lisa or Bart) of the test </a:t>
+            </a:r>
+            <a:r>
+              <a:rPr lang="nl-NL" sz="1600" kern="0" dirty="0" smtClean="0">
+                <a:latin typeface="Courier New" panose="02070309020205020404" pitchFamily="49" charset="0"/>
+                <a:cs typeface="Courier New" panose="02070309020205020404" pitchFamily="49" charset="0"/>
+              </a:rPr>
+              <a:t>set </a:t>
+            </a:r>
+            <a:r>
+              <a:rPr lang="nl-NL" sz="1600" kern="0" dirty="0" err="1" smtClean="0">
+                <a:latin typeface="Courier New" panose="02070309020205020404" pitchFamily="49" charset="0"/>
+                <a:cs typeface="Courier New" panose="02070309020205020404" pitchFamily="49" charset="0"/>
+              </a:rPr>
+              <a:t>and</a:t>
+            </a:r>
+            <a:r>
+              <a:rPr lang="nl-NL" sz="1600" kern="0" dirty="0" smtClean="0">
+                <a:latin typeface="Courier New" panose="02070309020205020404" pitchFamily="49" charset="0"/>
+                <a:cs typeface="Courier New" panose="02070309020205020404" pitchFamily="49" charset="0"/>
+              </a:rPr>
+              <a:t> store the </a:t>
+            </a:r>
+            <a:r>
+              <a:rPr lang="nl-NL" sz="1600" kern="0" dirty="0" err="1" smtClean="0">
+                <a:latin typeface="Courier New" panose="02070309020205020404" pitchFamily="49" charset="0"/>
+                <a:cs typeface="Courier New" panose="02070309020205020404" pitchFamily="49" charset="0"/>
+              </a:rPr>
+              <a:t>result</a:t>
+            </a:r>
+            <a:r>
+              <a:rPr lang="nl-NL" sz="1600" kern="0" dirty="0" smtClean="0">
+                <a:latin typeface="Courier New" panose="02070309020205020404" pitchFamily="49" charset="0"/>
+                <a:cs typeface="Courier New" panose="02070309020205020404" pitchFamily="49" charset="0"/>
+              </a:rPr>
+              <a:t> in a </a:t>
+            </a:r>
+            <a:r>
+              <a:rPr lang="nl-NL" sz="1600" kern="0" dirty="0" err="1" smtClean="0">
+                <a:latin typeface="Courier New" panose="02070309020205020404" pitchFamily="49" charset="0"/>
+                <a:cs typeface="Courier New" panose="02070309020205020404" pitchFamily="49" charset="0"/>
+              </a:rPr>
+              <a:t>variable</a:t>
+            </a:r>
+            <a:endParaRPr lang="nl-NL" sz="1600" kern="0" dirty="0" smtClean="0">
               <a:latin typeface="Courier New" panose="02070309020205020404" pitchFamily="49" charset="0"/>
               <a:cs typeface="Courier New" panose="02070309020205020404" pitchFamily="49" charset="0"/>
             </a:endParaRPr>
@@ -12130,7 +13193,128 @@
               <a:buFont typeface="+mj-lt"/>
               <a:buAutoNum type="arabicPeriod"/>
             </a:pPr>
-            <a:endParaRPr lang="nl-NL" sz="1400" kern="0" dirty="0">
+            <a:r>
+              <a:rPr lang="nl-NL" sz="1600" kern="0" dirty="0" err="1" smtClean="0">
+                <a:latin typeface="Courier New" panose="02070309020205020404" pitchFamily="49" charset="0"/>
+                <a:cs typeface="Courier New" panose="02070309020205020404" pitchFamily="49" charset="0"/>
+              </a:rPr>
+              <a:t>Calculate</a:t>
+            </a:r>
+            <a:r>
+              <a:rPr lang="nl-NL" sz="1600" kern="0" dirty="0" smtClean="0">
+                <a:latin typeface="Courier New" panose="02070309020205020404" pitchFamily="49" charset="0"/>
+                <a:cs typeface="Courier New" panose="02070309020205020404" pitchFamily="49" charset="0"/>
+              </a:rPr>
+              <a:t> the </a:t>
+            </a:r>
+            <a:r>
+              <a:rPr lang="nl-NL" sz="1600" kern="0" dirty="0" err="1" smtClean="0">
+                <a:latin typeface="Courier New" panose="02070309020205020404" pitchFamily="49" charset="0"/>
+                <a:cs typeface="Courier New" panose="02070309020205020404" pitchFamily="49" charset="0"/>
+              </a:rPr>
+              <a:t>accuracy</a:t>
+            </a:r>
+            <a:r>
+              <a:rPr lang="nl-NL" sz="1600" kern="0" dirty="0" smtClean="0">
+                <a:latin typeface="Courier New" panose="02070309020205020404" pitchFamily="49" charset="0"/>
+                <a:cs typeface="Courier New" panose="02070309020205020404" pitchFamily="49" charset="0"/>
+              </a:rPr>
+              <a:t> </a:t>
+            </a:r>
+            <a:r>
+              <a:rPr lang="nl-NL" sz="1600" kern="0" dirty="0" smtClean="0">
+                <a:latin typeface="Courier New" panose="02070309020205020404" pitchFamily="49" charset="0"/>
+                <a:cs typeface="Courier New" panose="02070309020205020404" pitchFamily="49" charset="0"/>
+              </a:rPr>
+              <a:t>of </a:t>
+            </a:r>
+            <a:r>
+              <a:rPr lang="nl-NL" sz="1600" kern="0" dirty="0" err="1" smtClean="0">
+                <a:latin typeface="Courier New" panose="02070309020205020404" pitchFamily="49" charset="0"/>
+                <a:cs typeface="Courier New" panose="02070309020205020404" pitchFamily="49" charset="0"/>
+              </a:rPr>
+              <a:t>your</a:t>
+            </a:r>
+            <a:r>
+              <a:rPr lang="nl-NL" sz="1600" kern="0" dirty="0" smtClean="0">
+                <a:latin typeface="Courier New" panose="02070309020205020404" pitchFamily="49" charset="0"/>
+                <a:cs typeface="Courier New" panose="02070309020205020404" pitchFamily="49" charset="0"/>
+              </a:rPr>
+              <a:t> </a:t>
+            </a:r>
+            <a:r>
+              <a:rPr lang="nl-NL" sz="1600" kern="0" dirty="0" smtClean="0">
+                <a:latin typeface="Courier New" panose="02070309020205020404" pitchFamily="49" charset="0"/>
+                <a:cs typeface="Courier New" panose="02070309020205020404" pitchFamily="49" charset="0"/>
+              </a:rPr>
+              <a:t>model</a:t>
+            </a:r>
+            <a:r>
+              <a:rPr lang="nl-NL" sz="1600" kern="0" dirty="0">
+                <a:latin typeface="Courier New" panose="02070309020205020404" pitchFamily="49" charset="0"/>
+                <a:cs typeface="Courier New" panose="02070309020205020404" pitchFamily="49" charset="0"/>
+              </a:rPr>
+              <a:t> </a:t>
+            </a:r>
+            <a:r>
+              <a:rPr lang="nl-NL" sz="1600" kern="0" dirty="0" smtClean="0">
+                <a:latin typeface="Courier New" panose="02070309020205020404" pitchFamily="49" charset="0"/>
+                <a:cs typeface="Courier New" panose="02070309020205020404" pitchFamily="49" charset="0"/>
+              </a:rPr>
+              <a:t>(</a:t>
+            </a:r>
+            <a:r>
+              <a:rPr lang="nl-NL" sz="1600" kern="0" dirty="0" err="1" smtClean="0">
+                <a:latin typeface="Courier New" panose="02070309020205020404" pitchFamily="49" charset="0"/>
+                <a:cs typeface="Courier New" panose="02070309020205020404" pitchFamily="49" charset="0"/>
+              </a:rPr>
+              <a:t>there</a:t>
+            </a:r>
+            <a:r>
+              <a:rPr lang="nl-NL" sz="1600" kern="0" dirty="0" smtClean="0">
+                <a:latin typeface="Courier New" panose="02070309020205020404" pitchFamily="49" charset="0"/>
+                <a:cs typeface="Courier New" panose="02070309020205020404" pitchFamily="49" charset="0"/>
+              </a:rPr>
+              <a:t> is a </a:t>
+            </a:r>
+            <a:r>
+              <a:rPr lang="nl-NL" sz="1600" kern="0" dirty="0" err="1" smtClean="0">
+                <a:latin typeface="Courier New" panose="02070309020205020404" pitchFamily="49" charset="0"/>
+                <a:cs typeface="Courier New" panose="02070309020205020404" pitchFamily="49" charset="0"/>
+              </a:rPr>
+              <a:t>method</a:t>
+            </a:r>
+            <a:r>
+              <a:rPr lang="nl-NL" sz="1600" kern="0" dirty="0" smtClean="0">
+                <a:latin typeface="Courier New" panose="02070309020205020404" pitchFamily="49" charset="0"/>
+                <a:cs typeface="Courier New" panose="02070309020205020404" pitchFamily="49" charset="0"/>
+              </a:rPr>
+              <a:t> in </a:t>
+            </a:r>
+            <a:r>
+              <a:rPr lang="nl-NL" sz="1600" kern="0" dirty="0" err="1" smtClean="0">
+                <a:latin typeface="Courier New" panose="02070309020205020404" pitchFamily="49" charset="0"/>
+                <a:cs typeface="Courier New" panose="02070309020205020404" pitchFamily="49" charset="0"/>
+              </a:rPr>
+              <a:t>MultinomialNB</a:t>
+            </a:r>
+            <a:r>
+              <a:rPr lang="nl-NL" sz="1600" kern="0" dirty="0" smtClean="0">
+                <a:latin typeface="Courier New" panose="02070309020205020404" pitchFamily="49" charset="0"/>
+                <a:cs typeface="Courier New" panose="02070309020205020404" pitchFamily="49" charset="0"/>
+              </a:rPr>
+              <a:t> for this)</a:t>
+            </a:r>
+            <a:endParaRPr lang="nl-NL" sz="1600" kern="0" dirty="0">
+              <a:latin typeface="Courier New" panose="02070309020205020404" pitchFamily="49" charset="0"/>
+              <a:cs typeface="Courier New" panose="02070309020205020404" pitchFamily="49" charset="0"/>
+            </a:endParaRPr>
+          </a:p>
+          <a:p>
+            <a:pPr marL="0" indent="0">
+              <a:buNone/>
+            </a:pPr>
+            <a:endParaRPr lang="nl-NL" sz="1200" kern="0" dirty="0" smtClean="0">
               <a:latin typeface="Courier New" panose="02070309020205020404" pitchFamily="49" charset="0"/>
               <a:cs typeface="Courier New" panose="02070309020205020404" pitchFamily="49" charset="0"/>
             </a:endParaRPr>
@@ -12140,7 +13324,7 @@
               <a:buFont typeface="+mj-lt"/>
               <a:buAutoNum type="arabicPeriod"/>
             </a:pPr>
-            <a:endParaRPr lang="nl-NL" sz="1400" kern="0" dirty="0">
+            <a:endParaRPr lang="nl-NL" sz="1200" kern="0" dirty="0">
               <a:latin typeface="Courier New" panose="02070309020205020404" pitchFamily="49" charset="0"/>
               <a:cs typeface="Courier New" panose="02070309020205020404" pitchFamily="49" charset="0"/>
             </a:endParaRPr>
@@ -12150,7 +13334,7 @@
               <a:buFont typeface="+mj-lt"/>
               <a:buAutoNum type="arabicPeriod"/>
             </a:pPr>
-            <a:endParaRPr lang="nl-NL" sz="1400" kern="0" dirty="0">
+            <a:endParaRPr lang="nl-NL" sz="1200" kern="0" dirty="0">
               <a:latin typeface="Courier New" panose="02070309020205020404" pitchFamily="49" charset="0"/>
               <a:cs typeface="Courier New" panose="02070309020205020404" pitchFamily="49" charset="0"/>
             </a:endParaRPr>
@@ -12160,7 +13344,7 @@
               <a:buFont typeface="+mj-lt"/>
               <a:buAutoNum type="arabicPeriod"/>
             </a:pPr>
-            <a:endParaRPr lang="nl-NL" sz="1400" kern="0" dirty="0">
+            <a:endParaRPr lang="nl-NL" sz="1200" kern="0" dirty="0">
               <a:latin typeface="Courier New" panose="02070309020205020404" pitchFamily="49" charset="0"/>
               <a:cs typeface="Courier New" panose="02070309020205020404" pitchFamily="49" charset="0"/>
             </a:endParaRPr>
@@ -12170,7 +13354,17 @@
               <a:buFont typeface="+mj-lt"/>
               <a:buAutoNum type="arabicPeriod"/>
             </a:pPr>
-            <a:endParaRPr lang="nl-NL" sz="1400" kern="0" dirty="0" smtClean="0">
+            <a:endParaRPr lang="nl-NL" sz="1200" kern="0" dirty="0">
+              <a:latin typeface="Courier New" panose="02070309020205020404" pitchFamily="49" charset="0"/>
+              <a:cs typeface="Courier New" panose="02070309020205020404" pitchFamily="49" charset="0"/>
+            </a:endParaRPr>
+          </a:p>
+          <a:p>
+            <a:pPr>
+              <a:buFont typeface="+mj-lt"/>
+              <a:buAutoNum type="arabicPeriod"/>
+            </a:pPr>
+            <a:endParaRPr lang="nl-NL" sz="1200" kern="0" dirty="0" smtClean="0">
               <a:latin typeface="Courier New" panose="02070309020205020404" pitchFamily="49" charset="0"/>
               <a:cs typeface="Courier New" panose="02070309020205020404" pitchFamily="49" charset="0"/>
             </a:endParaRPr>
@@ -12180,7 +13374,7 @@
               <a:buFont typeface="Zapf Dingbats" charset="2"/>
               <a:buNone/>
             </a:pPr>
-            <a:endParaRPr lang="nl-NL" sz="1400" kern="0" dirty="0">
+            <a:endParaRPr lang="nl-NL" sz="1200" kern="0" dirty="0">
               <a:latin typeface="Courier New" panose="02070309020205020404" pitchFamily="49" charset="0"/>
               <a:cs typeface="Courier New" panose="02070309020205020404" pitchFamily="49" charset="0"/>
             </a:endParaRPr>
@@ -12190,7 +13384,7 @@
               <a:buFont typeface="Zapf Dingbats" charset="2"/>
               <a:buNone/>
             </a:pPr>
-            <a:endParaRPr lang="nl-NL" sz="1400" kern="0" dirty="0" smtClean="0">
+            <a:endParaRPr lang="nl-NL" sz="1200" kern="0" dirty="0" smtClean="0">
               <a:latin typeface="Courier New" panose="02070309020205020404" pitchFamily="49" charset="0"/>
               <a:cs typeface="Courier New" panose="02070309020205020404" pitchFamily="49" charset="0"/>
             </a:endParaRPr>
@@ -12200,7 +13394,7 @@
               <a:buFont typeface="Zapf Dingbats" charset="2"/>
               <a:buNone/>
             </a:pPr>
-            <a:endParaRPr lang="nl-NL" sz="1400" kern="0" dirty="0">
+            <a:endParaRPr lang="nl-NL" sz="1200" kern="0" dirty="0">
               <a:latin typeface="Courier New" panose="02070309020205020404" pitchFamily="49" charset="0"/>
               <a:cs typeface="Courier New" panose="02070309020205020404" pitchFamily="49" charset="0"/>
             </a:endParaRPr>
@@ -12210,7 +13404,7 @@
               <a:buFont typeface="Zapf Dingbats" charset="2"/>
               <a:buNone/>
             </a:pPr>
-            <a:endParaRPr lang="nl-NL" sz="1400" kern="0" dirty="0" smtClean="0">
+            <a:endParaRPr lang="nl-NL" sz="1200" kern="0" dirty="0" smtClean="0">
               <a:latin typeface="Courier New" panose="02070309020205020404" pitchFamily="49" charset="0"/>
               <a:cs typeface="Courier New" panose="02070309020205020404" pitchFamily="49" charset="0"/>
             </a:endParaRPr>
@@ -12221,658 +13415,6 @@
     <p:extLst>
       <p:ext uri="{BB962C8B-B14F-4D97-AF65-F5344CB8AC3E}">
         <p14:creationId xmlns:p14="http://schemas.microsoft.com/office/powerpoint/2010/main" val="3408638535"/>
-      </p:ext>
-    </p:extLst>
-  </p:cSld>
-  <p:clrMapOvr>
-    <a:masterClrMapping/>
-  </p:clrMapOvr>
-  <p:timing>
-    <p:tnLst>
-      <p:par>
-        <p:cTn id="1" dur="indefinite" restart="never" nodeType="tmRoot"/>
-      </p:par>
-    </p:tnLst>
-  </p:timing>
-</p:sld>
-</file>
-
-<file path=ppt/slides/slide18.xml><?xml version="1.0" encoding="utf-8"?>
-<p:sld xmlns:a="http://schemas.openxmlformats.org/drawingml/2006/main" xmlns:r="http://schemas.openxmlformats.org/officeDocument/2006/relationships" xmlns:p="http://schemas.openxmlformats.org/presentationml/2006/main">
-  <p:cSld>
-    <p:spTree>
-      <p:nvGrpSpPr>
-        <p:cNvPr id="1" name=""/>
-        <p:cNvGrpSpPr/>
-        <p:nvPr/>
-      </p:nvGrpSpPr>
-      <p:grpSpPr>
-        <a:xfrm>
-          <a:off x="0" y="0"/>
-          <a:ext cx="0" cy="0"/>
-          <a:chOff x="0" y="0"/>
-          <a:chExt cx="0" cy="0"/>
-        </a:xfrm>
-      </p:grpSpPr>
-      <p:sp>
-        <p:nvSpPr>
-          <p:cNvPr id="2" name="Titel 1"/>
-          <p:cNvSpPr>
-            <a:spLocks noGrp="1"/>
-          </p:cNvSpPr>
-          <p:nvPr>
-            <p:ph type="title"/>
-          </p:nvPr>
-        </p:nvSpPr>
-        <p:spPr/>
-        <p:txBody>
-          <a:bodyPr/>
-          <a:lstStyle/>
-          <a:p>
-            <a:r>
-              <a:rPr lang="nl-NL" dirty="0" smtClean="0"/>
-              <a:t>Prior </a:t>
-            </a:r>
-            <a:r>
-              <a:rPr lang="nl-NL" dirty="0" err="1" smtClean="0"/>
-              <a:t>probability</a:t>
-            </a:r>
-            <a:endParaRPr lang="nl-NL" dirty="0"/>
-          </a:p>
-        </p:txBody>
-      </p:sp>
-      <p:sp>
-        <p:nvSpPr>
-          <p:cNvPr id="3" name="Tijdelijke aanduiding voor inhoud 2"/>
-          <p:cNvSpPr>
-            <a:spLocks noGrp="1"/>
-          </p:cNvSpPr>
-          <p:nvPr>
-            <p:ph idx="1"/>
-          </p:nvPr>
-        </p:nvSpPr>
-        <p:spPr>
-          <a:xfrm>
-            <a:off x="762000" y="1762125"/>
-            <a:ext cx="7881938" cy="5484578"/>
-          </a:xfrm>
-        </p:spPr>
-        <p:txBody>
-          <a:bodyPr/>
-          <a:lstStyle/>
-          <a:p>
-            <a:r>
-              <a:rPr lang="nl-NL" sz="2400" dirty="0" err="1" smtClean="0"/>
-              <a:t>If</a:t>
-            </a:r>
-            <a:r>
-              <a:rPr lang="nl-NL" sz="2400" dirty="0"/>
-              <a:t> </a:t>
-            </a:r>
-            <a:r>
-              <a:rPr lang="nl-NL" sz="2400" dirty="0" smtClean="0"/>
-              <a:t>the </a:t>
-            </a:r>
-            <a:r>
-              <a:rPr lang="nl-NL" sz="2400" dirty="0" err="1" smtClean="0"/>
-              <a:t>distribution</a:t>
-            </a:r>
-            <a:r>
-              <a:rPr lang="nl-NL" sz="2400" dirty="0" smtClean="0"/>
-              <a:t> of </a:t>
-            </a:r>
-            <a:r>
-              <a:rPr lang="nl-NL" sz="2400" dirty="0" err="1" smtClean="0"/>
-              <a:t>your</a:t>
-            </a:r>
-            <a:r>
-              <a:rPr lang="nl-NL" sz="2400" dirty="0" smtClean="0"/>
-              <a:t> classes is </a:t>
-            </a:r>
-            <a:r>
-              <a:rPr lang="nl-NL" sz="2400" dirty="0" err="1" smtClean="0"/>
-              <a:t>uneven</a:t>
-            </a:r>
-            <a:r>
-              <a:rPr lang="nl-NL" sz="2400" dirty="0" smtClean="0"/>
-              <a:t>, the </a:t>
-            </a:r>
-            <a:r>
-              <a:rPr lang="nl-NL" sz="2400" i="1" dirty="0" smtClean="0"/>
-              <a:t>prior </a:t>
-            </a:r>
-            <a:r>
-              <a:rPr lang="nl-NL" sz="2400" dirty="0" err="1" smtClean="0"/>
-              <a:t>probability</a:t>
-            </a:r>
-            <a:r>
-              <a:rPr lang="nl-NL" sz="2400" dirty="0" smtClean="0"/>
-              <a:t> </a:t>
-            </a:r>
-            <a:r>
-              <a:rPr lang="nl-NL" sz="2400" dirty="0" err="1" smtClean="0"/>
-              <a:t>will</a:t>
-            </a:r>
-            <a:r>
-              <a:rPr lang="nl-NL" sz="2400" dirty="0" smtClean="0"/>
-              <a:t> </a:t>
-            </a:r>
-            <a:r>
-              <a:rPr lang="nl-NL" sz="2400" dirty="0" err="1" smtClean="0"/>
-              <a:t>reflect</a:t>
-            </a:r>
-            <a:r>
-              <a:rPr lang="nl-NL" sz="2400" dirty="0" smtClean="0"/>
-              <a:t> this</a:t>
-            </a:r>
-          </a:p>
-          <a:p>
-            <a:endParaRPr lang="nl-NL" sz="2400" dirty="0"/>
-          </a:p>
-          <a:p>
-            <a:r>
-              <a:rPr lang="nl-NL" sz="2400" dirty="0" smtClean="0"/>
-              <a:t>Simpsons </a:t>
-            </a:r>
-            <a:r>
-              <a:rPr lang="nl-NL" sz="2400" dirty="0" err="1" smtClean="0"/>
-              <a:t>example</a:t>
-            </a:r>
-            <a:r>
-              <a:rPr lang="nl-NL" sz="2400" dirty="0" smtClean="0"/>
-              <a:t>: </a:t>
-            </a:r>
-            <a:r>
-              <a:rPr lang="nl-NL" sz="2400" dirty="0" err="1" smtClean="0"/>
-              <a:t>given</a:t>
-            </a:r>
-            <a:r>
-              <a:rPr lang="nl-NL" sz="2400" dirty="0" smtClean="0"/>
-              <a:t> no </a:t>
-            </a:r>
-            <a:r>
-              <a:rPr lang="nl-NL" sz="2400" dirty="0" err="1" smtClean="0"/>
-              <a:t>other</a:t>
-            </a:r>
-            <a:r>
-              <a:rPr lang="nl-NL" sz="2400" dirty="0" smtClean="0"/>
-              <a:t> information, the </a:t>
-            </a:r>
-            <a:r>
-              <a:rPr lang="nl-NL" sz="2400" dirty="0" err="1" smtClean="0"/>
-              <a:t>algorithm</a:t>
-            </a:r>
-            <a:r>
-              <a:rPr lang="nl-NL" sz="2400" dirty="0" smtClean="0"/>
-              <a:t> </a:t>
-            </a:r>
-            <a:r>
-              <a:rPr lang="nl-NL" sz="2400" dirty="0" err="1" smtClean="0"/>
-              <a:t>will</a:t>
-            </a:r>
-            <a:r>
-              <a:rPr lang="nl-NL" sz="2400" dirty="0" smtClean="0"/>
-              <a:t> </a:t>
-            </a:r>
-            <a:r>
-              <a:rPr lang="nl-NL" sz="2400" dirty="0" err="1" smtClean="0"/>
-              <a:t>classify</a:t>
-            </a:r>
-            <a:r>
-              <a:rPr lang="nl-NL" sz="2400" dirty="0" smtClean="0"/>
-              <a:t> the </a:t>
-            </a:r>
-            <a:r>
-              <a:rPr lang="nl-NL" sz="2400" dirty="0" err="1" smtClean="0"/>
-              <a:t>utterance</a:t>
-            </a:r>
-            <a:r>
-              <a:rPr lang="nl-NL" sz="2400" dirty="0" smtClean="0"/>
-              <a:t> as </a:t>
-            </a:r>
-            <a:r>
-              <a:rPr lang="nl-NL" sz="2400" dirty="0" err="1" smtClean="0"/>
-              <a:t>Bart’s</a:t>
-            </a:r>
-            <a:endParaRPr lang="nl-NL" sz="2400" dirty="0" smtClean="0"/>
-          </a:p>
-          <a:p>
-            <a:endParaRPr lang="nl-NL" sz="2400" dirty="0"/>
-          </a:p>
-          <a:p>
-            <a:r>
-              <a:rPr lang="nl-NL" sz="2400" dirty="0" err="1" smtClean="0"/>
-              <a:t>Whether</a:t>
-            </a:r>
-            <a:r>
-              <a:rPr lang="nl-NL" sz="2400" dirty="0" smtClean="0"/>
-              <a:t> this is a </a:t>
-            </a:r>
-            <a:r>
-              <a:rPr lang="nl-NL" sz="2400" dirty="0" err="1" smtClean="0"/>
-              <a:t>problem</a:t>
-            </a:r>
-            <a:r>
-              <a:rPr lang="nl-NL" sz="2400" dirty="0" smtClean="0"/>
-              <a:t>, </a:t>
-            </a:r>
-            <a:r>
-              <a:rPr lang="nl-NL" sz="2400" dirty="0" err="1" smtClean="0"/>
-              <a:t>depends</a:t>
-            </a:r>
-            <a:r>
-              <a:rPr lang="nl-NL" sz="2400" dirty="0" smtClean="0"/>
-              <a:t> on </a:t>
-            </a:r>
-            <a:r>
-              <a:rPr lang="nl-NL" sz="2400" dirty="0" err="1" smtClean="0"/>
-              <a:t>your</a:t>
-            </a:r>
-            <a:r>
-              <a:rPr lang="nl-NL" sz="2400" dirty="0" smtClean="0"/>
-              <a:t> goal (</a:t>
-            </a:r>
-            <a:r>
-              <a:rPr lang="nl-NL" sz="2400" dirty="0" err="1" smtClean="0"/>
-              <a:t>preference</a:t>
-            </a:r>
-            <a:r>
-              <a:rPr lang="nl-NL" sz="2400" dirty="0" smtClean="0"/>
-              <a:t> </a:t>
-            </a:r>
-            <a:r>
-              <a:rPr lang="nl-NL" sz="2400" dirty="0" err="1" smtClean="0"/>
-              <a:t>for</a:t>
-            </a:r>
-            <a:r>
-              <a:rPr lang="nl-NL" sz="2400" dirty="0" smtClean="0"/>
-              <a:t> </a:t>
-            </a:r>
-            <a:r>
-              <a:rPr lang="nl-NL" sz="2400" dirty="0" err="1" smtClean="0"/>
-              <a:t>accuracy</a:t>
-            </a:r>
-            <a:r>
-              <a:rPr lang="nl-NL" sz="2400" dirty="0" smtClean="0"/>
-              <a:t>/</a:t>
-            </a:r>
-            <a:r>
-              <a:rPr lang="nl-NL" sz="2400" dirty="0" err="1" smtClean="0"/>
-              <a:t>precision</a:t>
-            </a:r>
-            <a:r>
-              <a:rPr lang="nl-NL" sz="2400" dirty="0"/>
-              <a:t>/</a:t>
-            </a:r>
-            <a:r>
-              <a:rPr lang="nl-NL" sz="2400" dirty="0" err="1" smtClean="0"/>
-              <a:t>recall</a:t>
-            </a:r>
-            <a:r>
-              <a:rPr lang="nl-NL" sz="2400" dirty="0" smtClean="0"/>
-              <a:t>)</a:t>
-            </a:r>
-          </a:p>
-          <a:p>
-            <a:endParaRPr lang="nl-NL" sz="2400" dirty="0"/>
-          </a:p>
-          <a:p>
-            <a:r>
-              <a:rPr lang="nl-NL" sz="2400" dirty="0" err="1" smtClean="0"/>
-              <a:t>If</a:t>
-            </a:r>
-            <a:r>
-              <a:rPr lang="nl-NL" sz="2400" dirty="0" smtClean="0"/>
-              <a:t> </a:t>
-            </a:r>
-            <a:r>
-              <a:rPr lang="nl-NL" sz="2400" dirty="0" err="1" smtClean="0"/>
-              <a:t>you</a:t>
-            </a:r>
-            <a:r>
-              <a:rPr lang="nl-NL" sz="2400" dirty="0" smtClean="0"/>
-              <a:t> want, </a:t>
-            </a:r>
-            <a:r>
-              <a:rPr lang="nl-NL" sz="2400" dirty="0" err="1" smtClean="0"/>
-              <a:t>you</a:t>
-            </a:r>
-            <a:r>
-              <a:rPr lang="nl-NL" sz="2400" dirty="0" smtClean="0"/>
-              <a:t> </a:t>
-            </a:r>
-            <a:r>
-              <a:rPr lang="nl-NL" sz="2400" dirty="0" err="1" smtClean="0"/>
-              <a:t>can</a:t>
-            </a:r>
-            <a:r>
-              <a:rPr lang="nl-NL" sz="2400" dirty="0" smtClean="0"/>
-              <a:t> sample </a:t>
-            </a:r>
-            <a:r>
-              <a:rPr lang="nl-NL" sz="2400" dirty="0" err="1" smtClean="0"/>
-              <a:t>both</a:t>
-            </a:r>
-            <a:r>
-              <a:rPr lang="nl-NL" sz="2400" dirty="0" smtClean="0"/>
-              <a:t> classes </a:t>
-            </a:r>
-            <a:r>
-              <a:rPr lang="nl-NL" sz="2400" dirty="0" err="1" smtClean="0"/>
-              <a:t>evenly</a:t>
-            </a:r>
-            <a:r>
-              <a:rPr lang="nl-NL" sz="2400" dirty="0" smtClean="0"/>
-              <a:t>, or </a:t>
-            </a:r>
-            <a:r>
-              <a:rPr lang="nl-NL" sz="2400" dirty="0" err="1" smtClean="0"/>
-              <a:t>explicitly</a:t>
-            </a:r>
-            <a:r>
-              <a:rPr lang="nl-NL" sz="2400" dirty="0" smtClean="0"/>
-              <a:t> model </a:t>
-            </a:r>
-            <a:r>
-              <a:rPr lang="nl-NL" sz="2400" dirty="0" err="1" smtClean="0"/>
-              <a:t>your</a:t>
-            </a:r>
-            <a:r>
-              <a:rPr lang="nl-NL" sz="2400" dirty="0" smtClean="0"/>
-              <a:t> prior (</a:t>
-            </a:r>
-            <a:r>
-              <a:rPr lang="nl-NL" sz="2400" dirty="0" err="1" smtClean="0"/>
-              <a:t>for</a:t>
-            </a:r>
-            <a:r>
-              <a:rPr lang="nl-NL" sz="2400" dirty="0" smtClean="0"/>
-              <a:t> </a:t>
-            </a:r>
-            <a:r>
-              <a:rPr lang="nl-NL" sz="2400" dirty="0" err="1" smtClean="0"/>
-              <a:t>some</a:t>
-            </a:r>
-            <a:r>
-              <a:rPr lang="nl-NL" sz="2400" dirty="0" smtClean="0"/>
-              <a:t> </a:t>
-            </a:r>
-            <a:r>
-              <a:rPr lang="nl-NL" sz="2400" dirty="0" err="1" smtClean="0"/>
-              <a:t>models</a:t>
-            </a:r>
-            <a:r>
-              <a:rPr lang="nl-NL" sz="2400" dirty="0" smtClean="0"/>
-              <a:t>)</a:t>
-            </a:r>
-          </a:p>
-          <a:p>
-            <a:endParaRPr lang="nl-NL" sz="2400" dirty="0"/>
-          </a:p>
-          <a:p>
-            <a:endParaRPr lang="nl-NL" sz="2400" dirty="0"/>
-          </a:p>
-        </p:txBody>
-      </p:sp>
-    </p:spTree>
-    <p:extLst>
-      <p:ext uri="{BB962C8B-B14F-4D97-AF65-F5344CB8AC3E}">
-        <p14:creationId xmlns:p14="http://schemas.microsoft.com/office/powerpoint/2010/main" val="4079169818"/>
-      </p:ext>
-    </p:extLst>
-  </p:cSld>
-  <p:clrMapOvr>
-    <a:masterClrMapping/>
-  </p:clrMapOvr>
-  <p:timing>
-    <p:tnLst>
-      <p:par>
-        <p:cTn id="1" dur="indefinite" restart="never" nodeType="tmRoot"/>
-      </p:par>
-    </p:tnLst>
-  </p:timing>
-</p:sld>
-</file>
-
-<file path=ppt/slides/slide19.xml><?xml version="1.0" encoding="utf-8"?>
-<p:sld xmlns:a="http://schemas.openxmlformats.org/drawingml/2006/main" xmlns:r="http://schemas.openxmlformats.org/officeDocument/2006/relationships" xmlns:p="http://schemas.openxmlformats.org/presentationml/2006/main">
-  <p:cSld>
-    <p:spTree>
-      <p:nvGrpSpPr>
-        <p:cNvPr id="1" name=""/>
-        <p:cNvGrpSpPr/>
-        <p:nvPr/>
-      </p:nvGrpSpPr>
-      <p:grpSpPr>
-        <a:xfrm>
-          <a:off x="0" y="0"/>
-          <a:ext cx="0" cy="0"/>
-          <a:chOff x="0" y="0"/>
-          <a:chExt cx="0" cy="0"/>
-        </a:xfrm>
-      </p:grpSpPr>
-      <p:sp>
-        <p:nvSpPr>
-          <p:cNvPr id="2" name="Titel 1"/>
-          <p:cNvSpPr>
-            <a:spLocks noGrp="1"/>
-          </p:cNvSpPr>
-          <p:nvPr>
-            <p:ph type="title"/>
-          </p:nvPr>
-        </p:nvSpPr>
-        <p:spPr/>
-        <p:txBody>
-          <a:bodyPr/>
-          <a:lstStyle/>
-          <a:p>
-            <a:r>
-              <a:rPr lang="nl-NL" dirty="0" err="1" smtClean="0"/>
-              <a:t>Classification</a:t>
-            </a:r>
-            <a:endParaRPr lang="nl-NL" dirty="0"/>
-          </a:p>
-        </p:txBody>
-      </p:sp>
-      <p:sp>
-        <p:nvSpPr>
-          <p:cNvPr id="3" name="Tijdelijke aanduiding voor inhoud 2"/>
-          <p:cNvSpPr>
-            <a:spLocks noGrp="1"/>
-          </p:cNvSpPr>
-          <p:nvPr>
-            <p:ph idx="1"/>
-          </p:nvPr>
-        </p:nvSpPr>
-        <p:spPr>
-          <a:xfrm>
-            <a:off x="762000" y="1762125"/>
-            <a:ext cx="7881938" cy="4302716"/>
-          </a:xfrm>
-        </p:spPr>
-        <p:txBody>
-          <a:bodyPr/>
-          <a:lstStyle/>
-          <a:p>
-            <a:r>
-              <a:rPr lang="nl-NL" sz="2400" dirty="0" smtClean="0"/>
-              <a:t>The output of the </a:t>
-            </a:r>
-            <a:r>
-              <a:rPr lang="nl-NL" sz="2400" dirty="0" err="1" smtClean="0"/>
-              <a:t>Naive</a:t>
-            </a:r>
-            <a:r>
-              <a:rPr lang="nl-NL" sz="2400" dirty="0" smtClean="0"/>
-              <a:t> Bayes </a:t>
-            </a:r>
-            <a:r>
-              <a:rPr lang="nl-NL" sz="2400" dirty="0" err="1" smtClean="0"/>
-              <a:t>algorithm</a:t>
-            </a:r>
-            <a:r>
-              <a:rPr lang="nl-NL" sz="2400" dirty="0" smtClean="0"/>
-              <a:t> is </a:t>
-            </a:r>
-            <a:r>
-              <a:rPr lang="nl-NL" sz="2400" dirty="0" err="1" smtClean="0"/>
-              <a:t>not</a:t>
-            </a:r>
-            <a:r>
-              <a:rPr lang="nl-NL" sz="2400" dirty="0" smtClean="0"/>
-              <a:t> </a:t>
-            </a:r>
-            <a:r>
-              <a:rPr lang="nl-NL" sz="2400" dirty="0" err="1" smtClean="0"/>
-              <a:t>actually</a:t>
-            </a:r>
-            <a:r>
-              <a:rPr lang="nl-NL" sz="2400" dirty="0" smtClean="0"/>
-              <a:t> a class</a:t>
-            </a:r>
-          </a:p>
-          <a:p>
-            <a:endParaRPr lang="nl-NL" sz="2400" dirty="0"/>
-          </a:p>
-          <a:p>
-            <a:r>
-              <a:rPr lang="nl-NL" sz="2400" dirty="0" err="1" smtClean="0"/>
-              <a:t>Instead</a:t>
-            </a:r>
-            <a:r>
-              <a:rPr lang="nl-NL" sz="2400" dirty="0" smtClean="0"/>
-              <a:t>, </a:t>
-            </a:r>
-            <a:r>
-              <a:rPr lang="nl-NL" sz="2400" dirty="0" err="1" smtClean="0"/>
-              <a:t>it</a:t>
-            </a:r>
-            <a:r>
-              <a:rPr lang="nl-NL" sz="2400" dirty="0" smtClean="0"/>
-              <a:t> </a:t>
-            </a:r>
-            <a:r>
-              <a:rPr lang="nl-NL" sz="2400" dirty="0" err="1" smtClean="0"/>
-              <a:t>gives</a:t>
-            </a:r>
-            <a:r>
-              <a:rPr lang="nl-NL" sz="2400" dirty="0" smtClean="0"/>
-              <a:t> </a:t>
-            </a:r>
-            <a:r>
-              <a:rPr lang="nl-NL" sz="2400" dirty="0" err="1" smtClean="0"/>
-              <a:t>probabilities</a:t>
-            </a:r>
-            <a:r>
-              <a:rPr lang="nl-NL" sz="2400" dirty="0" smtClean="0"/>
-              <a:t> </a:t>
-            </a:r>
-            <a:r>
-              <a:rPr lang="nl-NL" sz="2400" dirty="0" err="1" smtClean="0"/>
-              <a:t>for</a:t>
-            </a:r>
-            <a:r>
-              <a:rPr lang="nl-NL" sz="2400" dirty="0" smtClean="0"/>
-              <a:t> </a:t>
-            </a:r>
-            <a:r>
-              <a:rPr lang="nl-NL" sz="2400" dirty="0" err="1" smtClean="0"/>
-              <a:t>each</a:t>
-            </a:r>
-            <a:r>
-              <a:rPr lang="nl-NL" sz="2400" dirty="0" smtClean="0"/>
-              <a:t> class </a:t>
-            </a:r>
-            <a:r>
-              <a:rPr lang="nl-NL" sz="2400" dirty="0" err="1" smtClean="0"/>
-              <a:t>C</a:t>
-            </a:r>
-            <a:r>
-              <a:rPr lang="nl-NL" sz="2400" baseline="-25000" dirty="0" err="1" smtClean="0"/>
-              <a:t>i</a:t>
-            </a:r>
-            <a:r>
-              <a:rPr lang="nl-NL" sz="2400" dirty="0" smtClean="0"/>
-              <a:t>:</a:t>
-            </a:r>
-          </a:p>
-          <a:p>
-            <a:endParaRPr lang="nl-NL" sz="2400" dirty="0"/>
-          </a:p>
-          <a:p>
-            <a:pPr marL="0" indent="0">
-              <a:buNone/>
-            </a:pPr>
-            <a:r>
-              <a:rPr lang="nl-NL" sz="2400" dirty="0" smtClean="0"/>
-              <a:t>P(Y = </a:t>
-            </a:r>
-            <a:r>
-              <a:rPr lang="nl-NL" sz="2400" dirty="0" err="1" smtClean="0"/>
-              <a:t>C</a:t>
-            </a:r>
-            <a:r>
-              <a:rPr lang="nl-NL" sz="2400" baseline="-25000" dirty="0" err="1" smtClean="0"/>
-              <a:t>i</a:t>
-            </a:r>
-            <a:r>
-              <a:rPr lang="nl-NL" sz="2400" baseline="-25000" dirty="0" smtClean="0"/>
-              <a:t> </a:t>
-            </a:r>
-            <a:r>
-              <a:rPr lang="nl-NL" sz="2400" dirty="0" smtClean="0"/>
-              <a:t> | X)</a:t>
-            </a:r>
-          </a:p>
-          <a:p>
-            <a:pPr marL="0" indent="0">
-              <a:buNone/>
-            </a:pPr>
-            <a:endParaRPr lang="nl-NL" sz="2400" dirty="0" smtClean="0"/>
-          </a:p>
-          <a:p>
-            <a:r>
-              <a:rPr lang="nl-NL" sz="2400" dirty="0" err="1" smtClean="0"/>
-              <a:t>Typically</a:t>
-            </a:r>
-            <a:r>
-              <a:rPr lang="nl-NL" sz="2400" dirty="0" smtClean="0"/>
-              <a:t>, the </a:t>
-            </a:r>
-            <a:r>
-              <a:rPr lang="nl-NL" sz="2400" dirty="0" err="1" smtClean="0"/>
-              <a:t>classification</a:t>
-            </a:r>
-            <a:r>
-              <a:rPr lang="nl-NL" sz="2400" dirty="0" smtClean="0"/>
-              <a:t> takes the </a:t>
-            </a:r>
-            <a:r>
-              <a:rPr lang="nl-NL" sz="2400" dirty="0" err="1" smtClean="0"/>
-              <a:t>highest</a:t>
-            </a:r>
-            <a:r>
-              <a:rPr lang="nl-NL" sz="2400" dirty="0" smtClean="0"/>
-              <a:t> </a:t>
-            </a:r>
-            <a:r>
-              <a:rPr lang="nl-NL" sz="2400" dirty="0" err="1" smtClean="0"/>
-              <a:t>probability</a:t>
-            </a:r>
-            <a:endParaRPr lang="nl-NL" sz="2400" dirty="0"/>
-          </a:p>
-          <a:p>
-            <a:pPr marL="0" indent="0">
-              <a:buNone/>
-            </a:pPr>
-            <a:endParaRPr lang="nl-NL" sz="2400" dirty="0"/>
-          </a:p>
-        </p:txBody>
-      </p:sp>
-    </p:spTree>
-    <p:extLst>
-      <p:ext uri="{BB962C8B-B14F-4D97-AF65-F5344CB8AC3E}">
-        <p14:creationId xmlns:p14="http://schemas.microsoft.com/office/powerpoint/2010/main" val="3949396753"/>
       </p:ext>
     </p:extLst>
   </p:cSld>
@@ -12968,6 +13510,13 @@
   <p:clrMapOvr>
     <a:masterClrMapping/>
   </p:clrMapOvr>
+  <p:timing>
+    <p:tnLst>
+      <p:par>
+        <p:cTn id="1" dur="indefinite" restart="never" nodeType="tmRoot"/>
+      </p:par>
+    </p:tnLst>
+  </p:timing>
 </p:sld>
 </file>
 
@@ -13004,6 +13553,327 @@
           <a:lstStyle/>
           <a:p>
             <a:r>
+              <a:rPr lang="nl-NL" dirty="0" err="1" smtClean="0"/>
+              <a:t>Classification</a:t>
+            </a:r>
+            <a:endParaRPr lang="nl-NL" dirty="0"/>
+          </a:p>
+        </p:txBody>
+      </p:sp>
+      <p:sp>
+        <p:nvSpPr>
+          <p:cNvPr id="3" name="Tijdelijke aanduiding voor inhoud 2"/>
+          <p:cNvSpPr>
+            <a:spLocks noGrp="1"/>
+          </p:cNvSpPr>
+          <p:nvPr>
+            <p:ph idx="1"/>
+          </p:nvPr>
+        </p:nvSpPr>
+        <p:spPr>
+          <a:xfrm>
+            <a:off x="762000" y="1762125"/>
+            <a:ext cx="7881938" cy="4302716"/>
+          </a:xfrm>
+        </p:spPr>
+        <p:txBody>
+          <a:bodyPr/>
+          <a:lstStyle/>
+          <a:p>
+            <a:r>
+              <a:rPr lang="nl-NL" sz="2400" dirty="0" smtClean="0"/>
+              <a:t>Under the </a:t>
+            </a:r>
+            <a:r>
+              <a:rPr lang="nl-NL" sz="2400" dirty="0" err="1" smtClean="0"/>
+              <a:t>hood</a:t>
+            </a:r>
+            <a:r>
+              <a:rPr lang="nl-NL" sz="2400" dirty="0"/>
+              <a:t> </a:t>
+            </a:r>
+            <a:r>
+              <a:rPr lang="nl-NL" sz="2400" dirty="0" smtClean="0"/>
+              <a:t>(</a:t>
+            </a:r>
+            <a:r>
+              <a:rPr lang="nl-NL" sz="2400" dirty="0" smtClean="0"/>
+              <a:t>like Random </a:t>
+            </a:r>
+            <a:r>
+              <a:rPr lang="nl-NL" sz="2400" dirty="0" err="1" smtClean="0"/>
+              <a:t>Forest</a:t>
+            </a:r>
+            <a:r>
+              <a:rPr lang="nl-NL" sz="2400" dirty="0" smtClean="0"/>
+              <a:t>) t</a:t>
+            </a:r>
+            <a:r>
+              <a:rPr lang="nl-NL" sz="2400" dirty="0" smtClean="0"/>
+              <a:t>he </a:t>
+            </a:r>
+            <a:r>
+              <a:rPr lang="nl-NL" sz="2400" dirty="0" smtClean="0"/>
+              <a:t>output of the </a:t>
+            </a:r>
+            <a:r>
+              <a:rPr lang="nl-NL" sz="2400" dirty="0" err="1" smtClean="0"/>
+              <a:t>Naive</a:t>
+            </a:r>
+            <a:r>
+              <a:rPr lang="nl-NL" sz="2400" dirty="0" smtClean="0"/>
+              <a:t> Bayes </a:t>
+            </a:r>
+            <a:r>
+              <a:rPr lang="nl-NL" sz="2400" dirty="0" err="1" smtClean="0"/>
+              <a:t>algorithm</a:t>
+            </a:r>
+            <a:r>
+              <a:rPr lang="nl-NL" sz="2400" dirty="0" smtClean="0"/>
+              <a:t> is </a:t>
+            </a:r>
+            <a:r>
+              <a:rPr lang="nl-NL" sz="2400" dirty="0" err="1" smtClean="0"/>
+              <a:t>not</a:t>
+            </a:r>
+            <a:r>
+              <a:rPr lang="nl-NL" sz="2400" dirty="0" smtClean="0"/>
+              <a:t> </a:t>
+            </a:r>
+            <a:r>
+              <a:rPr lang="nl-NL" sz="2400" dirty="0" err="1" smtClean="0"/>
+              <a:t>actually</a:t>
+            </a:r>
+            <a:r>
+              <a:rPr lang="nl-NL" sz="2400" dirty="0" smtClean="0"/>
+              <a:t> a class</a:t>
+            </a:r>
+          </a:p>
+          <a:p>
+            <a:endParaRPr lang="nl-NL" sz="2400" dirty="0"/>
+          </a:p>
+          <a:p>
+            <a:r>
+              <a:rPr lang="nl-NL" sz="2400" dirty="0" err="1" smtClean="0"/>
+              <a:t>Instead</a:t>
+            </a:r>
+            <a:r>
+              <a:rPr lang="nl-NL" sz="2400" dirty="0" smtClean="0"/>
+              <a:t>, </a:t>
+            </a:r>
+            <a:r>
+              <a:rPr lang="nl-NL" sz="2400" dirty="0" err="1" smtClean="0"/>
+              <a:t>it</a:t>
+            </a:r>
+            <a:r>
+              <a:rPr lang="nl-NL" sz="2400" dirty="0" smtClean="0"/>
+              <a:t> </a:t>
+            </a:r>
+            <a:r>
+              <a:rPr lang="nl-NL" sz="2400" dirty="0" err="1" smtClean="0"/>
+              <a:t>gives</a:t>
+            </a:r>
+            <a:r>
+              <a:rPr lang="nl-NL" sz="2400" dirty="0" smtClean="0"/>
+              <a:t> </a:t>
+            </a:r>
+            <a:r>
+              <a:rPr lang="nl-NL" sz="2400" dirty="0" err="1" smtClean="0"/>
+              <a:t>probabilities</a:t>
+            </a:r>
+            <a:r>
+              <a:rPr lang="nl-NL" sz="2400" dirty="0" smtClean="0"/>
+              <a:t> </a:t>
+            </a:r>
+            <a:r>
+              <a:rPr lang="nl-NL" sz="2400" dirty="0" err="1" smtClean="0"/>
+              <a:t>for</a:t>
+            </a:r>
+            <a:r>
+              <a:rPr lang="nl-NL" sz="2400" dirty="0" smtClean="0"/>
+              <a:t> </a:t>
+            </a:r>
+            <a:r>
+              <a:rPr lang="nl-NL" sz="2400" dirty="0" err="1" smtClean="0"/>
+              <a:t>each</a:t>
+            </a:r>
+            <a:r>
+              <a:rPr lang="nl-NL" sz="2400" dirty="0" smtClean="0"/>
+              <a:t> class </a:t>
+            </a:r>
+            <a:r>
+              <a:rPr lang="nl-NL" sz="2400" dirty="0" err="1" smtClean="0"/>
+              <a:t>C</a:t>
+            </a:r>
+            <a:r>
+              <a:rPr lang="nl-NL" sz="2400" baseline="-25000" dirty="0" err="1" smtClean="0"/>
+              <a:t>i</a:t>
+            </a:r>
+            <a:r>
+              <a:rPr lang="nl-NL" sz="2400" dirty="0" smtClean="0"/>
+              <a:t>:</a:t>
+            </a:r>
+          </a:p>
+          <a:p>
+            <a:endParaRPr lang="nl-NL" sz="2400" dirty="0"/>
+          </a:p>
+          <a:p>
+            <a:pPr marL="0" indent="0">
+              <a:buNone/>
+            </a:pPr>
+            <a:r>
+              <a:rPr lang="nl-NL" sz="2400" dirty="0" smtClean="0"/>
+              <a:t>P(Y = </a:t>
+            </a:r>
+            <a:r>
+              <a:rPr lang="nl-NL" sz="2400" dirty="0" err="1" smtClean="0"/>
+              <a:t>C</a:t>
+            </a:r>
+            <a:r>
+              <a:rPr lang="nl-NL" sz="2400" baseline="-25000" dirty="0" err="1" smtClean="0"/>
+              <a:t>i</a:t>
+            </a:r>
+            <a:r>
+              <a:rPr lang="nl-NL" sz="2400" baseline="-25000" dirty="0" smtClean="0"/>
+              <a:t> </a:t>
+            </a:r>
+            <a:r>
+              <a:rPr lang="nl-NL" sz="2400" dirty="0" smtClean="0"/>
+              <a:t> | X</a:t>
+            </a:r>
+            <a:r>
+              <a:rPr lang="nl-NL" sz="2400" dirty="0" smtClean="0"/>
+              <a:t>): the </a:t>
+            </a:r>
+            <a:r>
+              <a:rPr lang="nl-NL" sz="2400" dirty="0" err="1" smtClean="0"/>
+              <a:t>probability</a:t>
+            </a:r>
+            <a:r>
+              <a:rPr lang="nl-NL" sz="2400" dirty="0" smtClean="0"/>
+              <a:t> of class C</a:t>
+            </a:r>
+            <a:endParaRPr lang="nl-NL" sz="2400" dirty="0" smtClean="0"/>
+          </a:p>
+          <a:p>
+            <a:pPr marL="0" indent="0">
+              <a:buNone/>
+            </a:pPr>
+            <a:endParaRPr lang="nl-NL" sz="2400" dirty="0" smtClean="0"/>
+          </a:p>
+          <a:p>
+            <a:r>
+              <a:rPr lang="nl-NL" sz="2400" dirty="0" smtClean="0"/>
+              <a:t>The </a:t>
+            </a:r>
+            <a:r>
+              <a:rPr lang="nl-NL" sz="2400" dirty="0" err="1" smtClean="0"/>
+              <a:t>classification</a:t>
+            </a:r>
+            <a:r>
+              <a:rPr lang="nl-NL" sz="2400" dirty="0" smtClean="0"/>
+              <a:t> </a:t>
+            </a:r>
+            <a:r>
+              <a:rPr lang="nl-NL" sz="2400" dirty="0" smtClean="0"/>
+              <a:t>is </a:t>
+            </a:r>
+            <a:r>
+              <a:rPr lang="nl-NL" sz="2400" dirty="0" err="1" smtClean="0"/>
+              <a:t>based</a:t>
+            </a:r>
+            <a:r>
+              <a:rPr lang="nl-NL" sz="2400" dirty="0" smtClean="0"/>
+              <a:t> on the class </a:t>
+            </a:r>
+            <a:r>
+              <a:rPr lang="nl-NL" sz="2400" dirty="0" err="1" smtClean="0"/>
+              <a:t>with</a:t>
+            </a:r>
+            <a:r>
+              <a:rPr lang="nl-NL" sz="2400" dirty="0" smtClean="0"/>
+              <a:t> the </a:t>
+            </a:r>
+            <a:r>
+              <a:rPr lang="nl-NL" sz="2400" dirty="0" err="1" smtClean="0"/>
+              <a:t>highest</a:t>
+            </a:r>
+            <a:r>
+              <a:rPr lang="nl-NL" sz="2400" dirty="0" smtClean="0"/>
+              <a:t> </a:t>
+            </a:r>
+            <a:r>
+              <a:rPr lang="nl-NL" sz="2400" dirty="0" err="1" smtClean="0"/>
+              <a:t>probability</a:t>
+            </a:r>
+            <a:endParaRPr lang="nl-NL" sz="2400" dirty="0"/>
+          </a:p>
+          <a:p>
+            <a:pPr marL="0" indent="0">
+              <a:buNone/>
+            </a:pPr>
+            <a:endParaRPr lang="nl-NL" sz="2400" dirty="0"/>
+          </a:p>
+        </p:txBody>
+      </p:sp>
+    </p:spTree>
+    <p:extLst>
+      <p:ext uri="{BB962C8B-B14F-4D97-AF65-F5344CB8AC3E}">
+        <p14:creationId xmlns:p14="http://schemas.microsoft.com/office/powerpoint/2010/main" val="3949396753"/>
+      </p:ext>
+    </p:extLst>
+  </p:cSld>
+  <p:clrMapOvr>
+    <a:masterClrMapping/>
+  </p:clrMapOvr>
+  <p:timing>
+    <p:tnLst>
+      <p:par>
+        <p:cTn id="1" dur="indefinite" restart="never" nodeType="tmRoot"/>
+      </p:par>
+    </p:tnLst>
+  </p:timing>
+</p:sld>
+</file>
+
+<file path=ppt/slides/slide21.xml><?xml version="1.0" encoding="utf-8"?>
+<p:sld xmlns:a="http://schemas.openxmlformats.org/drawingml/2006/main" xmlns:r="http://schemas.openxmlformats.org/officeDocument/2006/relationships" xmlns:p="http://schemas.openxmlformats.org/presentationml/2006/main">
+  <p:cSld>
+    <p:spTree>
+      <p:nvGrpSpPr>
+        <p:cNvPr id="1" name=""/>
+        <p:cNvGrpSpPr/>
+        <p:nvPr/>
+      </p:nvGrpSpPr>
+      <p:grpSpPr>
+        <a:xfrm>
+          <a:off x="0" y="0"/>
+          <a:ext cx="0" cy="0"/>
+          <a:chOff x="0" y="0"/>
+          <a:chExt cx="0" cy="0"/>
+        </a:xfrm>
+      </p:grpSpPr>
+      <p:sp>
+        <p:nvSpPr>
+          <p:cNvPr id="2" name="Titel 1"/>
+          <p:cNvSpPr>
+            <a:spLocks noGrp="1"/>
+          </p:cNvSpPr>
+          <p:nvPr>
+            <p:ph type="title"/>
+          </p:nvPr>
+        </p:nvSpPr>
+        <p:spPr>
+          <a:xfrm>
+            <a:off x="765820" y="270833"/>
+            <a:ext cx="6172200" cy="579438"/>
+          </a:xfrm>
+        </p:spPr>
+        <p:txBody>
+          <a:bodyPr/>
+          <a:lstStyle/>
+          <a:p>
+            <a:r>
               <a:rPr lang="nl-NL" dirty="0" smtClean="0"/>
               <a:t>Evaluation of </a:t>
             </a:r>
@@ -13019,14 +13889,14 @@
         <mc:Choice Requires="a14">
           <p:sp>
             <p:nvSpPr>
-              <p:cNvPr id="4" name="Tekstvak 3"/>
+              <p:cNvPr id="6" name="Tekstvak 5"/>
               <p:cNvSpPr txBox="1"/>
               <p:nvPr/>
             </p:nvSpPr>
             <p:spPr>
               <a:xfrm>
-                <a:off x="3851920" y="3740638"/>
-                <a:ext cx="4691156" cy="530594"/>
+                <a:off x="2065067" y="3489094"/>
+                <a:ext cx="6678944" cy="530530"/>
               </a:xfrm>
               <a:prstGeom prst="rect">
                 <a:avLst/>
@@ -13056,6 +13926,67 @@
                         <a:rPr lang="nl-NL" sz="1800" b="0" i="1" smtClean="0">
                           <a:latin typeface="Cambria Math" panose="02040503050406030204" pitchFamily="18" charset="0"/>
                         </a:rPr>
+                        <m:t>=</m:t>
+                      </m:r>
+                      <m:f>
+                        <m:fPr>
+                          <m:ctrlPr>
+                            <a:rPr lang="nl-NL" sz="1800" i="1" smtClean="0">
+                              <a:latin typeface="Cambria Math" panose="02040503050406030204" pitchFamily="18" charset="0"/>
+                            </a:rPr>
+                          </m:ctrlPr>
+                        </m:fPr>
+                        <m:num>
+                          <m:r>
+                            <a:rPr lang="nl-NL" sz="1800" b="0" i="1" smtClean="0">
+                              <a:latin typeface="Cambria Math" panose="02040503050406030204" pitchFamily="18" charset="0"/>
+                            </a:rPr>
+                            <m:t>𝑐𝑜𝑟𝑟𝑒𝑐𝑡𝑙𝑦</m:t>
+                          </m:r>
+                          <m:r>
+                            <a:rPr lang="nl-NL" sz="1800" b="0" i="1" smtClean="0">
+                              <a:latin typeface="Cambria Math" panose="02040503050406030204" pitchFamily="18" charset="0"/>
+                            </a:rPr>
+                            <m:t> </m:t>
+                          </m:r>
+                          <m:r>
+                            <a:rPr lang="nl-NL" sz="1800" b="0" i="1" smtClean="0">
+                              <a:latin typeface="Cambria Math" panose="02040503050406030204" pitchFamily="18" charset="0"/>
+                            </a:rPr>
+                            <m:t>𝑝𝑟𝑒𝑑</m:t>
+                          </m:r>
+                          <m:r>
+                            <a:rPr lang="nl-NL" sz="1800" b="0" i="1" smtClean="0">
+                              <a:latin typeface="Cambria Math" panose="02040503050406030204" pitchFamily="18" charset="0"/>
+                            </a:rPr>
+                            <m:t>.</m:t>
+                          </m:r>
+                        </m:num>
+                        <m:den>
+                          <m:r>
+                            <a:rPr lang="nl-NL" sz="1800" b="0" i="1" smtClean="0">
+                              <a:latin typeface="Cambria Math" panose="02040503050406030204" pitchFamily="18" charset="0"/>
+                            </a:rPr>
+                            <m:t>𝑡𝑜𝑡𝑎𝑙</m:t>
+                          </m:r>
+                          <m:r>
+                            <a:rPr lang="nl-NL" sz="1800" b="0" i="1" smtClean="0">
+                              <a:latin typeface="Cambria Math" panose="02040503050406030204" pitchFamily="18" charset="0"/>
+                            </a:rPr>
+                            <m:t> </m:t>
+                          </m:r>
+                          <m:r>
+                            <a:rPr lang="nl-NL" sz="1800" b="0" i="1" smtClean="0">
+                              <a:latin typeface="Cambria Math" panose="02040503050406030204" pitchFamily="18" charset="0"/>
+                            </a:rPr>
+                            <m:t>𝑐𝑎𝑠𝑒𝑠</m:t>
+                          </m:r>
+                        </m:den>
+                      </m:f>
+                      <m:r>
+                        <a:rPr lang="nl-NL" sz="1800" b="0" i="1" smtClean="0">
+                          <a:latin typeface="Cambria Math" panose="02040503050406030204" pitchFamily="18" charset="0"/>
+                        </a:rPr>
                         <m:t>= </m:t>
                       </m:r>
                       <m:f>
@@ -13071,7 +14002,7 @@
                             <a:rPr lang="nl-NL" sz="1800" b="0" i="1" smtClean="0">
                               <a:latin typeface="Cambria Math" panose="02040503050406030204" pitchFamily="18" charset="0"/>
                             </a:rPr>
-                            <m:t>20+50</m:t>
+                            <m:t>20+60</m:t>
                           </m:r>
                         </m:num>
                         <m:den>
@@ -13079,7 +14010,7 @@
                             <a:rPr lang="nl-NL" sz="1800" b="0" i="1" smtClean="0">
                               <a:latin typeface="Cambria Math" panose="02040503050406030204" pitchFamily="18" charset="0"/>
                             </a:rPr>
-                            <m:t>20+30+10+50</m:t>
+                            <m:t>20+40+10+60</m:t>
                           </m:r>
                         </m:den>
                       </m:f>
@@ -13102,7 +14033,7 @@
                             <a:rPr lang="nl-NL" sz="1800" b="0" i="1" smtClean="0">
                               <a:latin typeface="Cambria Math" panose="02040503050406030204" pitchFamily="18" charset="0"/>
                             </a:rPr>
-                            <m:t>70</m:t>
+                            <m:t>80</m:t>
                           </m:r>
                         </m:num>
                         <m:den>
@@ -13110,7 +14041,7 @@
                             <a:rPr lang="nl-NL" sz="1800" b="0" i="1" smtClean="0">
                               <a:latin typeface="Cambria Math" panose="02040503050406030204" pitchFamily="18" charset="0"/>
                             </a:rPr>
-                            <m:t>110</m:t>
+                            <m:t>130</m:t>
                           </m:r>
                         </m:den>
                       </m:f>
@@ -13118,7 +14049,7 @@
                         <a:rPr lang="nl-NL" sz="1800" b="0" i="1" smtClean="0">
                           <a:latin typeface="Cambria Math" panose="02040503050406030204" pitchFamily="18" charset="0"/>
                         </a:rPr>
-                        <m:t>=0.63 </m:t>
+                        <m:t>=0.62 </m:t>
                       </m:r>
                     </m:oMath>
                   </m:oMathPara>
@@ -13131,7 +14062,7 @@
         <mc:Fallback xmlns="">
           <p:sp>
             <p:nvSpPr>
-              <p:cNvPr id="4" name="Tekstvak 3"/>
+              <p:cNvPr id="6" name="Tekstvak 5"/>
               <p:cNvSpPr txBox="1">
                 <a:spLocks noRot="1" noChangeAspect="1" noMove="1" noResize="1" noEditPoints="1" noAdjustHandles="1" noChangeArrowheads="1" noChangeShapeType="1" noTextEdit="1"/>
               </p:cNvSpPr>
@@ -13139,8 +14070,8 @@
             </p:nvSpPr>
             <p:spPr>
               <a:xfrm>
-                <a:off x="3851920" y="3740638"/>
-                <a:ext cx="4691156" cy="530594"/>
+                <a:off x="2065067" y="3489094"/>
+                <a:ext cx="6678944" cy="530530"/>
               </a:xfrm>
               <a:prstGeom prst="rect">
                 <a:avLst/>
@@ -13171,14 +14102,14 @@
         <mc:Choice Requires="a14">
           <p:sp>
             <p:nvSpPr>
-              <p:cNvPr id="5" name="Tekstvak 4"/>
+              <p:cNvPr id="7" name="Tekstvak 6"/>
               <p:cNvSpPr txBox="1"/>
               <p:nvPr/>
             </p:nvSpPr>
             <p:spPr>
               <a:xfrm>
-                <a:off x="3851920" y="4705073"/>
-                <a:ext cx="3572260" cy="530594"/>
+                <a:off x="1885066" y="4635392"/>
+                <a:ext cx="7158113" cy="576761"/>
               </a:xfrm>
               <a:prstGeom prst="rect">
                 <a:avLst/>
@@ -13208,7 +14139,110 @@
                         <a:rPr lang="nl-NL" sz="1800" b="0" i="1" smtClean="0">
                           <a:latin typeface="Cambria Math" panose="02040503050406030204" pitchFamily="18" charset="0"/>
                         </a:rPr>
-                        <m:t>= </m:t>
+                        <m:t> (</m:t>
+                      </m:r>
+                      <m:r>
+                        <a:rPr lang="nl-NL" sz="1800" b="0" i="1" smtClean="0">
+                          <a:latin typeface="Cambria Math" panose="02040503050406030204" pitchFamily="18" charset="0"/>
+                        </a:rPr>
+                        <m:t>𝑠𝑝𝑎𝑚</m:t>
+                      </m:r>
+                      <m:r>
+                        <a:rPr lang="nl-NL" sz="1800" b="0" i="1" smtClean="0">
+                          <a:latin typeface="Cambria Math" panose="02040503050406030204" pitchFamily="18" charset="0"/>
+                        </a:rPr>
+                        <m:t>)=</m:t>
+                      </m:r>
+                      <m:f>
+                        <m:fPr>
+                          <m:ctrlPr>
+                            <a:rPr lang="nl-NL" sz="1800" i="1">
+                              <a:latin typeface="Cambria Math" panose="02040503050406030204" pitchFamily="18" charset="0"/>
+                            </a:rPr>
+                          </m:ctrlPr>
+                        </m:fPr>
+                        <m:num>
+                          <m:r>
+                            <a:rPr lang="nl-NL" sz="1800" i="1">
+                              <a:latin typeface="Cambria Math" panose="02040503050406030204" pitchFamily="18" charset="0"/>
+                            </a:rPr>
+                            <m:t>𝑐𝑜𝑟𝑟𝑒𝑐𝑡𝑙𝑦</m:t>
+                          </m:r>
+                          <m:r>
+                            <a:rPr lang="nl-NL" sz="1800" i="1">
+                              <a:latin typeface="Cambria Math" panose="02040503050406030204" pitchFamily="18" charset="0"/>
+                            </a:rPr>
+                            <m:t> </m:t>
+                          </m:r>
+                          <m:r>
+                            <a:rPr lang="nl-NL" sz="1800" i="1">
+                              <a:latin typeface="Cambria Math" panose="02040503050406030204" pitchFamily="18" charset="0"/>
+                            </a:rPr>
+                            <m:t>𝑝𝑟𝑒𝑑</m:t>
+                          </m:r>
+                          <m:r>
+                            <a:rPr lang="nl-NL" sz="1800" b="0" i="1" smtClean="0">
+                              <a:latin typeface="Cambria Math" panose="02040503050406030204" pitchFamily="18" charset="0"/>
+                            </a:rPr>
+                            <m:t>. (</m:t>
+                          </m:r>
+                          <m:r>
+                            <a:rPr lang="nl-NL" sz="1800" b="0" i="1" smtClean="0">
+                              <a:latin typeface="Cambria Math" panose="02040503050406030204" pitchFamily="18" charset="0"/>
+                            </a:rPr>
+                            <m:t>𝑠𝑝𝑎𝑚</m:t>
+                          </m:r>
+                          <m:r>
+                            <a:rPr lang="nl-NL" sz="1800" b="0" i="1" smtClean="0">
+                              <a:latin typeface="Cambria Math" panose="02040503050406030204" pitchFamily="18" charset="0"/>
+                            </a:rPr>
+                            <m:t>)</m:t>
+                          </m:r>
+                        </m:num>
+                        <m:den>
+                          <m:r>
+                            <a:rPr lang="nl-NL" sz="1800" b="0" i="1" smtClean="0">
+                              <a:latin typeface="Cambria Math" panose="02040503050406030204" pitchFamily="18" charset="0"/>
+                            </a:rPr>
+                            <m:t>𝑡𝑜𝑡𝑎𝑙</m:t>
+                          </m:r>
+                          <m:r>
+                            <a:rPr lang="nl-NL" sz="1800" b="0" i="1" smtClean="0">
+                              <a:latin typeface="Cambria Math" panose="02040503050406030204" pitchFamily="18" charset="0"/>
+                            </a:rPr>
+                            <m:t> </m:t>
+                          </m:r>
+                          <m:r>
+                            <a:rPr lang="nl-NL" sz="1800" b="0" i="1" smtClean="0">
+                              <a:latin typeface="Cambria Math" panose="02040503050406030204" pitchFamily="18" charset="0"/>
+                            </a:rPr>
+                            <m:t>𝑝𝑟𝑒𝑑</m:t>
+                          </m:r>
+                          <m:r>
+                            <a:rPr lang="nl-NL" sz="1800" b="0" i="1" smtClean="0">
+                              <a:latin typeface="Cambria Math" panose="02040503050406030204" pitchFamily="18" charset="0"/>
+                            </a:rPr>
+                            <m:t>. (</m:t>
+                          </m:r>
+                          <m:r>
+                            <a:rPr lang="nl-NL" sz="1800" b="0" i="1" smtClean="0">
+                              <a:latin typeface="Cambria Math" panose="02040503050406030204" pitchFamily="18" charset="0"/>
+                            </a:rPr>
+                            <m:t>𝑠𝑝𝑎𝑚</m:t>
+                          </m:r>
+                          <m:r>
+                            <a:rPr lang="nl-NL" sz="1800" b="0" i="1" smtClean="0">
+                              <a:latin typeface="Cambria Math" panose="02040503050406030204" pitchFamily="18" charset="0"/>
+                            </a:rPr>
+                            <m:t>)</m:t>
+                          </m:r>
+                        </m:den>
+                      </m:f>
+                      <m:r>
+                        <a:rPr lang="nl-NL" sz="1800" i="1">
+                          <a:latin typeface="Cambria Math" panose="02040503050406030204" pitchFamily="18" charset="0"/>
+                        </a:rPr>
+                        <m:t>=</m:t>
                       </m:r>
                       <m:f>
                         <m:fPr>
@@ -13223,7 +14257,7 @@
                             <a:rPr lang="nl-NL" sz="1800" b="0" i="1" smtClean="0">
                               <a:latin typeface="Cambria Math" panose="02040503050406030204" pitchFamily="18" charset="0"/>
                             </a:rPr>
-                            <m:t>50</m:t>
+                            <m:t>60</m:t>
                           </m:r>
                         </m:num>
                         <m:den>
@@ -13231,7 +14265,7 @@
                             <a:rPr lang="nl-NL" sz="1800" b="0" i="1" smtClean="0">
                               <a:latin typeface="Cambria Math" panose="02040503050406030204" pitchFamily="18" charset="0"/>
                             </a:rPr>
-                            <m:t>50+10</m:t>
+                            <m:t>60+10</m:t>
                           </m:r>
                         </m:den>
                       </m:f>
@@ -13254,7 +14288,7 @@
                             <a:rPr lang="nl-NL" sz="1800" b="0" i="1" smtClean="0">
                               <a:latin typeface="Cambria Math" panose="02040503050406030204" pitchFamily="18" charset="0"/>
                             </a:rPr>
-                            <m:t>50</m:t>
+                            <m:t>60</m:t>
                           </m:r>
                         </m:num>
                         <m:den>
@@ -13262,7 +14296,7 @@
                             <a:rPr lang="nl-NL" sz="1800" b="0" i="1" smtClean="0">
                               <a:latin typeface="Cambria Math" panose="02040503050406030204" pitchFamily="18" charset="0"/>
                             </a:rPr>
-                            <m:t>60</m:t>
+                            <m:t>70</m:t>
                           </m:r>
                         </m:den>
                       </m:f>
@@ -13270,7 +14304,7 @@
                         <a:rPr lang="nl-NL" sz="1800" b="0" i="1" smtClean="0">
                           <a:latin typeface="Cambria Math" panose="02040503050406030204" pitchFamily="18" charset="0"/>
                         </a:rPr>
-                        <m:t>= 0.83 </m:t>
+                        <m:t>= 0.86 </m:t>
                       </m:r>
                     </m:oMath>
                   </m:oMathPara>
@@ -13283,7 +14317,7 @@
         <mc:Fallback xmlns="">
           <p:sp>
             <p:nvSpPr>
-              <p:cNvPr id="5" name="Tekstvak 4"/>
+              <p:cNvPr id="7" name="Tekstvak 6"/>
               <p:cNvSpPr txBox="1">
                 <a:spLocks noRot="1" noChangeAspect="1" noMove="1" noResize="1" noEditPoints="1" noAdjustHandles="1" noChangeArrowheads="1" noChangeShapeType="1" noTextEdit="1"/>
               </p:cNvSpPr>
@@ -13291,8 +14325,8 @@
             </p:nvSpPr>
             <p:spPr>
               <a:xfrm>
-                <a:off x="3851920" y="4705073"/>
-                <a:ext cx="3572260" cy="530594"/>
+                <a:off x="1885066" y="4635392"/>
+                <a:ext cx="7158113" cy="576761"/>
               </a:xfrm>
               <a:prstGeom prst="rect">
                 <a:avLst/>
@@ -13323,14 +14357,14 @@
         <mc:Choice Requires="a14">
           <p:sp>
             <p:nvSpPr>
-              <p:cNvPr id="6" name="Tekstvak 5"/>
+              <p:cNvPr id="8" name="Tekstvak 7"/>
               <p:cNvSpPr txBox="1"/>
               <p:nvPr/>
             </p:nvSpPr>
             <p:spPr>
               <a:xfrm>
-                <a:off x="3851920" y="5656179"/>
-                <a:ext cx="3157211" cy="530594"/>
+                <a:off x="2065067" y="5622553"/>
+                <a:ext cx="6832896" cy="576761"/>
               </a:xfrm>
               <a:prstGeom prst="rect">
                 <a:avLst/>
@@ -13360,7 +14394,110 @@
                         <a:rPr lang="nl-NL" sz="1800" b="0" i="1" smtClean="0">
                           <a:latin typeface="Cambria Math" panose="02040503050406030204" pitchFamily="18" charset="0"/>
                         </a:rPr>
-                        <m:t>= </m:t>
+                        <m:t> (</m:t>
+                      </m:r>
+                      <m:r>
+                        <a:rPr lang="nl-NL" sz="1800" b="0" i="1" smtClean="0">
+                          <a:latin typeface="Cambria Math" panose="02040503050406030204" pitchFamily="18" charset="0"/>
+                        </a:rPr>
+                        <m:t>𝑠𝑝𝑎𝑚</m:t>
+                      </m:r>
+                      <m:r>
+                        <a:rPr lang="nl-NL" sz="1800" b="0" i="1" smtClean="0">
+                          <a:latin typeface="Cambria Math" panose="02040503050406030204" pitchFamily="18" charset="0"/>
+                        </a:rPr>
+                        <m:t>)=</m:t>
+                      </m:r>
+                      <m:f>
+                        <m:fPr>
+                          <m:ctrlPr>
+                            <a:rPr lang="nl-NL" sz="1800" i="1">
+                              <a:latin typeface="Cambria Math" panose="02040503050406030204" pitchFamily="18" charset="0"/>
+                            </a:rPr>
+                          </m:ctrlPr>
+                        </m:fPr>
+                        <m:num>
+                          <m:r>
+                            <a:rPr lang="nl-NL" sz="1800" i="1">
+                              <a:latin typeface="Cambria Math" panose="02040503050406030204" pitchFamily="18" charset="0"/>
+                            </a:rPr>
+                            <m:t>𝑐𝑜𝑟𝑟𝑒𝑐𝑡𝑙𝑦</m:t>
+                          </m:r>
+                          <m:r>
+                            <a:rPr lang="nl-NL" sz="1800" i="1">
+                              <a:latin typeface="Cambria Math" panose="02040503050406030204" pitchFamily="18" charset="0"/>
+                            </a:rPr>
+                            <m:t> </m:t>
+                          </m:r>
+                          <m:r>
+                            <a:rPr lang="nl-NL" sz="1800" i="1">
+                              <a:latin typeface="Cambria Math" panose="02040503050406030204" pitchFamily="18" charset="0"/>
+                            </a:rPr>
+                            <m:t>𝑝𝑟𝑒𝑑</m:t>
+                          </m:r>
+                          <m:r>
+                            <a:rPr lang="nl-NL" sz="1800" b="0" i="1" smtClean="0">
+                              <a:latin typeface="Cambria Math" panose="02040503050406030204" pitchFamily="18" charset="0"/>
+                            </a:rPr>
+                            <m:t>. (</m:t>
+                          </m:r>
+                          <m:r>
+                            <a:rPr lang="nl-NL" sz="1800" b="0" i="1" smtClean="0">
+                              <a:latin typeface="Cambria Math" panose="02040503050406030204" pitchFamily="18" charset="0"/>
+                            </a:rPr>
+                            <m:t>𝑠𝑝𝑎𝑚</m:t>
+                          </m:r>
+                          <m:r>
+                            <a:rPr lang="nl-NL" sz="1800" b="0" i="1" smtClean="0">
+                              <a:latin typeface="Cambria Math" panose="02040503050406030204" pitchFamily="18" charset="0"/>
+                            </a:rPr>
+                            <m:t>)</m:t>
+                          </m:r>
+                        </m:num>
+                        <m:den>
+                          <m:r>
+                            <a:rPr lang="nl-NL" sz="1800" i="1">
+                              <a:latin typeface="Cambria Math" panose="02040503050406030204" pitchFamily="18" charset="0"/>
+                            </a:rPr>
+                            <m:t>𝑡𝑜𝑡𝑎𝑙</m:t>
+                          </m:r>
+                          <m:r>
+                            <a:rPr lang="nl-NL" sz="1800" b="0" i="1" smtClean="0">
+                              <a:latin typeface="Cambria Math" panose="02040503050406030204" pitchFamily="18" charset="0"/>
+                            </a:rPr>
+                            <m:t> </m:t>
+                          </m:r>
+                          <m:r>
+                            <a:rPr lang="nl-NL" sz="1800" b="0" i="1" smtClean="0">
+                              <a:latin typeface="Cambria Math" panose="02040503050406030204" pitchFamily="18" charset="0"/>
+                            </a:rPr>
+                            <m:t>𝑎𝑐𝑡𝑢𝑎𝑙</m:t>
+                          </m:r>
+                          <m:r>
+                            <a:rPr lang="nl-NL" sz="1800" b="0" i="1" smtClean="0">
+                              <a:latin typeface="Cambria Math" panose="02040503050406030204" pitchFamily="18" charset="0"/>
+                            </a:rPr>
+                            <m:t> (</m:t>
+                          </m:r>
+                          <m:r>
+                            <a:rPr lang="nl-NL" sz="1800" b="0" i="1" smtClean="0">
+                              <a:latin typeface="Cambria Math" panose="02040503050406030204" pitchFamily="18" charset="0"/>
+                            </a:rPr>
+                            <m:t>𝑠𝑝𝑎𝑚</m:t>
+                          </m:r>
+                          <m:r>
+                            <a:rPr lang="nl-NL" sz="1800" b="0" i="1" smtClean="0">
+                              <a:latin typeface="Cambria Math" panose="02040503050406030204" pitchFamily="18" charset="0"/>
+                            </a:rPr>
+                            <m:t>)</m:t>
+                          </m:r>
+                        </m:den>
+                      </m:f>
+                      <m:r>
+                        <a:rPr lang="nl-NL" sz="1800" i="1">
+                          <a:latin typeface="Cambria Math" panose="02040503050406030204" pitchFamily="18" charset="0"/>
+                        </a:rPr>
+                        <m:t>=</m:t>
                       </m:r>
                       <m:f>
                         <m:fPr>
@@ -13375,7 +14512,7 @@
                             <a:rPr lang="nl-NL" sz="1800" b="0" i="1" smtClean="0">
                               <a:latin typeface="Cambria Math" panose="02040503050406030204" pitchFamily="18" charset="0"/>
                             </a:rPr>
-                            <m:t>50</m:t>
+                            <m:t>60</m:t>
                           </m:r>
                         </m:num>
                         <m:den>
@@ -13383,7 +14520,7 @@
                             <a:rPr lang="nl-NL" sz="1800" b="0" i="1" smtClean="0">
                               <a:latin typeface="Cambria Math" panose="02040503050406030204" pitchFamily="18" charset="0"/>
                             </a:rPr>
-                            <m:t>30+50</m:t>
+                            <m:t>40+60</m:t>
                           </m:r>
                         </m:den>
                       </m:f>
@@ -13406,7 +14543,7 @@
                             <a:rPr lang="nl-NL" sz="1800" b="0" i="1" smtClean="0">
                               <a:latin typeface="Cambria Math" panose="02040503050406030204" pitchFamily="18" charset="0"/>
                             </a:rPr>
-                            <m:t>50</m:t>
+                            <m:t>60</m:t>
                           </m:r>
                         </m:num>
                         <m:den>
@@ -13414,7 +14551,7 @@
                             <a:rPr lang="nl-NL" sz="1800" b="0" i="1" smtClean="0">
                               <a:latin typeface="Cambria Math" panose="02040503050406030204" pitchFamily="18" charset="0"/>
                             </a:rPr>
-                            <m:t>80</m:t>
+                            <m:t>100</m:t>
                           </m:r>
                         </m:den>
                       </m:f>
@@ -13422,7 +14559,7 @@
                         <a:rPr lang="nl-NL" sz="1800" b="0" i="1" smtClean="0">
                           <a:latin typeface="Cambria Math" panose="02040503050406030204" pitchFamily="18" charset="0"/>
                         </a:rPr>
-                        <m:t>=0.63 </m:t>
+                        <m:t>=0.60 </m:t>
                       </m:r>
                     </m:oMath>
                   </m:oMathPara>
@@ -13435,7 +14572,7 @@
         <mc:Fallback xmlns="">
           <p:sp>
             <p:nvSpPr>
-              <p:cNvPr id="6" name="Tekstvak 5"/>
+              <p:cNvPr id="8" name="Tekstvak 7"/>
               <p:cNvSpPr txBox="1">
                 <a:spLocks noRot="1" noChangeAspect="1" noMove="1" noResize="1" noEditPoints="1" noAdjustHandles="1" noChangeArrowheads="1" noChangeShapeType="1" noTextEdit="1"/>
               </p:cNvSpPr>
@@ -13443,8 +14580,8 @@
             </p:nvSpPr>
             <p:spPr>
               <a:xfrm>
-                <a:off x="3851920" y="5656179"/>
-                <a:ext cx="3157211" cy="530594"/>
+                <a:off x="2065067" y="5622553"/>
+                <a:ext cx="6832896" cy="576761"/>
               </a:xfrm>
               <a:prstGeom prst="rect">
                 <a:avLst/>
@@ -13473,73 +14610,14 @@
       </mc:AlternateContent>
       <p:sp>
         <p:nvSpPr>
-          <p:cNvPr id="7" name="Tekstvak 6"/>
+          <p:cNvPr id="9" name="Tekstvak 8"/>
           <p:cNvSpPr txBox="1"/>
           <p:nvPr/>
         </p:nvSpPr>
         <p:spPr>
           <a:xfrm>
-            <a:off x="454048" y="2883999"/>
-            <a:ext cx="2683748" cy="830997"/>
-          </a:xfrm>
-          <a:prstGeom prst="rect">
-            <a:avLst/>
-          </a:prstGeom>
-          <a:noFill/>
-        </p:spPr>
-        <p:txBody>
-          <a:bodyPr wrap="none" rtlCol="0">
-            <a:spAutoFit/>
-          </a:bodyPr>
-          <a:lstStyle/>
-          <a:p>
-            <a:r>
-              <a:rPr lang="nl-NL" sz="1600" dirty="0" err="1" smtClean="0"/>
-              <a:t>What</a:t>
-            </a:r>
-            <a:r>
-              <a:rPr lang="nl-NL" sz="1600" dirty="0" smtClean="0"/>
-              <a:t> </a:t>
-            </a:r>
-            <a:r>
-              <a:rPr lang="nl-NL" sz="1600" dirty="0" err="1" smtClean="0"/>
-              <a:t>proportion</a:t>
-            </a:r>
-            <a:r>
-              <a:rPr lang="nl-NL" sz="1600" dirty="0" smtClean="0"/>
-              <a:t> is </a:t>
-            </a:r>
-            <a:r>
-              <a:rPr lang="nl-NL" sz="1600" dirty="0" err="1" smtClean="0"/>
-              <a:t>correctly</a:t>
-            </a:r>
-            <a:endParaRPr lang="nl-NL" sz="1600" dirty="0" smtClean="0"/>
-          </a:p>
-          <a:p>
-            <a:r>
-              <a:rPr lang="nl-NL" sz="1600" dirty="0" err="1" smtClean="0"/>
-              <a:t>predicted</a:t>
-            </a:r>
-            <a:r>
-              <a:rPr lang="nl-NL" sz="1600" dirty="0" smtClean="0"/>
-              <a:t>?</a:t>
-            </a:r>
-          </a:p>
-          <a:p>
-            <a:endParaRPr lang="nl-NL" sz="1600" dirty="0"/>
-          </a:p>
-        </p:txBody>
-      </p:sp>
-      <p:sp>
-        <p:nvSpPr>
-          <p:cNvPr id="8" name="Tekstvak 7"/>
-          <p:cNvSpPr txBox="1"/>
-          <p:nvPr/>
-        </p:nvSpPr>
-        <p:spPr>
-          <a:xfrm>
-            <a:off x="395536" y="4740753"/>
-            <a:ext cx="3020317" cy="584775"/>
+            <a:off x="372899" y="3435064"/>
+            <a:ext cx="1665628" cy="1077218"/>
           </a:xfrm>
           <a:prstGeom prst="rect">
             <a:avLst/>
@@ -13553,47 +14631,52 @@
           <a:lstStyle/>
           <a:p>
             <a:r>
+              <a:rPr lang="nl-NL" sz="1600" dirty="0" err="1" smtClean="0"/>
+              <a:t>What</a:t>
+            </a:r>
+            <a:r>
               <a:rPr lang="nl-NL" sz="1600" dirty="0" smtClean="0"/>
-              <a:t>How </a:t>
+              <a:t> </a:t>
             </a:r>
             <a:r>
               <a:rPr lang="nl-NL" sz="1600" dirty="0" err="1" smtClean="0"/>
-              <a:t>much</a:t>
+              <a:t>proportion</a:t>
             </a:r>
             <a:r>
               <a:rPr lang="nl-NL" sz="1600" dirty="0" smtClean="0"/>
-              <a:t> of the </a:t>
-            </a:r>
+              <a:t> is </a:t>
+            </a:r>
+            <a:r>
+              <a:rPr lang="nl-NL" sz="1600" dirty="0" err="1" smtClean="0"/>
+              <a:t>correctly</a:t>
+            </a:r>
+            <a:endParaRPr lang="nl-NL" sz="1600" dirty="0" smtClean="0"/>
+          </a:p>
+          <a:p>
             <a:r>
               <a:rPr lang="nl-NL" sz="1600" dirty="0" err="1" smtClean="0"/>
               <a:t>predicted</a:t>
             </a:r>
             <a:r>
               <a:rPr lang="nl-NL" sz="1600" dirty="0" smtClean="0"/>
-              <a:t> ‘spam’ is </a:t>
-            </a:r>
-            <a:r>
-              <a:rPr lang="nl-NL" sz="1600" dirty="0" err="1" smtClean="0"/>
-              <a:t>actually</a:t>
-            </a:r>
-            <a:r>
-              <a:rPr lang="nl-NL" sz="1600" dirty="0" smtClean="0"/>
-              <a:t> spam? </a:t>
-            </a:r>
+              <a:t>?</a:t>
+            </a:r>
+          </a:p>
+          <a:p>
             <a:endParaRPr lang="nl-NL" sz="1600" dirty="0"/>
           </a:p>
         </p:txBody>
       </p:sp>
       <p:sp>
         <p:nvSpPr>
-          <p:cNvPr id="9" name="Tekstvak 8"/>
+          <p:cNvPr id="10" name="Tekstvak 9"/>
           <p:cNvSpPr txBox="1"/>
           <p:nvPr/>
         </p:nvSpPr>
         <p:spPr>
           <a:xfrm>
-            <a:off x="395536" y="5656179"/>
-            <a:ext cx="3020317" cy="584775"/>
+            <a:off x="372899" y="4389171"/>
+            <a:ext cx="1692168" cy="1077218"/>
           </a:xfrm>
           <a:prstGeom prst="rect">
             <a:avLst/>
@@ -13616,7 +14699,7 @@
             </a:r>
             <a:r>
               <a:rPr lang="nl-NL" sz="1600" dirty="0" smtClean="0"/>
-              <a:t> of the real spam is </a:t>
+              <a:t> of the </a:t>
             </a:r>
             <a:r>
               <a:rPr lang="nl-NL" sz="1600" dirty="0" err="1" smtClean="0"/>
@@ -13624,7 +14707,15 @@
             </a:r>
             <a:r>
               <a:rPr lang="nl-NL" sz="1600" dirty="0" smtClean="0"/>
-              <a:t> as spam?</a:t>
+              <a:t> ‘spam’ is </a:t>
+            </a:r>
+            <a:r>
+              <a:rPr lang="nl-NL" sz="1600" dirty="0" err="1" smtClean="0"/>
+              <a:t>actually</a:t>
+            </a:r>
+            <a:r>
+              <a:rPr lang="nl-NL" sz="1600" dirty="0" smtClean="0"/>
+              <a:t> spam? </a:t>
             </a:r>
             <a:endParaRPr lang="nl-NL" sz="1600" dirty="0"/>
           </a:p>
@@ -13632,14 +14723,14 @@
       </p:sp>
       <p:sp>
         <p:nvSpPr>
-          <p:cNvPr id="10" name="Tekstvak 9"/>
+          <p:cNvPr id="11" name="Tekstvak 10"/>
           <p:cNvSpPr txBox="1"/>
           <p:nvPr/>
         </p:nvSpPr>
         <p:spPr>
           <a:xfrm>
-            <a:off x="505344" y="1710954"/>
-            <a:ext cx="2581156" cy="461665"/>
+            <a:off x="395537" y="5656179"/>
+            <a:ext cx="1669530" cy="1077218"/>
           </a:xfrm>
           <a:prstGeom prst="rect">
             <a:avLst/>
@@ -13647,7 +14738,53 @@
           <a:noFill/>
         </p:spPr>
         <p:txBody>
-          <a:bodyPr wrap="none" rtlCol="0">
+          <a:bodyPr wrap="square" rtlCol="0">
+            <a:spAutoFit/>
+          </a:bodyPr>
+          <a:lstStyle/>
+          <a:p>
+            <a:r>
+              <a:rPr lang="nl-NL" sz="1600" dirty="0" smtClean="0"/>
+              <a:t>How </a:t>
+            </a:r>
+            <a:r>
+              <a:rPr lang="nl-NL" sz="1600" dirty="0" err="1" smtClean="0"/>
+              <a:t>much</a:t>
+            </a:r>
+            <a:r>
+              <a:rPr lang="nl-NL" sz="1600" dirty="0" smtClean="0"/>
+              <a:t> of the real spam is </a:t>
+            </a:r>
+            <a:r>
+              <a:rPr lang="nl-NL" sz="1600" dirty="0" err="1" smtClean="0"/>
+              <a:t>predicted</a:t>
+            </a:r>
+            <a:r>
+              <a:rPr lang="nl-NL" sz="1600" dirty="0" smtClean="0"/>
+              <a:t> as spam?</a:t>
+            </a:r>
+            <a:endParaRPr lang="nl-NL" sz="1600" dirty="0"/>
+          </a:p>
+        </p:txBody>
+      </p:sp>
+      <p:sp>
+        <p:nvSpPr>
+          <p:cNvPr id="12" name="Tekstvak 11"/>
+          <p:cNvSpPr txBox="1"/>
+          <p:nvPr/>
+        </p:nvSpPr>
+        <p:spPr>
+          <a:xfrm>
+            <a:off x="505344" y="1710954"/>
+            <a:ext cx="1906416" cy="830997"/>
+          </a:xfrm>
+          <a:prstGeom prst="rect">
+            <a:avLst/>
+          </a:prstGeom>
+          <a:noFill/>
+        </p:spPr>
+        <p:txBody>
+          <a:bodyPr wrap="square" rtlCol="0">
             <a:spAutoFit/>
           </a:bodyPr>
           <a:lstStyle/>
@@ -13666,7 +14803,7 @@
       </p:sp>
       <p:graphicFrame>
         <p:nvGraphicFramePr>
-          <p:cNvPr id="11" name="Tabel 10"/>
+          <p:cNvPr id="13" name="Tabel 12"/>
           <p:cNvGraphicFramePr>
             <a:graphicFrameLocks noGrp="1"/>
           </p:cNvGraphicFramePr>
@@ -13675,8 +14812,8 @@
           </p:nvPr>
         </p:nvGraphicFramePr>
         <p:xfrm>
-          <a:off x="3605210" y="1441408"/>
-          <a:ext cx="5184576" cy="1981200"/>
+          <a:off x="2339752" y="1167426"/>
+          <a:ext cx="5904655" cy="2072640"/>
         </p:xfrm>
         <a:graphic>
           <a:graphicData uri="http://schemas.openxmlformats.org/drawingml/2006/table">
@@ -13685,29 +14822,36 @@
                 <a:tableStyleId>{5C22544A-7EE6-4342-B048-85BDC9FD1C3A}</a:tableStyleId>
               </a:tblPr>
               <a:tblGrid>
-                <a:gridCol w="1577915">
+                <a:gridCol w="1305238">
                   <a:extLst>
                     <a:ext uri="{9D8B030D-6E8A-4147-A177-3AD203B41FA5}">
                       <a16:colId xmlns:a16="http://schemas.microsoft.com/office/drawing/2014/main" val="26041744"/>
                     </a:ext>
                   </a:extLst>
                 </a:gridCol>
-                <a:gridCol w="1653053">
+                <a:gridCol w="1367393">
                   <a:extLst>
                     <a:ext uri="{9D8B030D-6E8A-4147-A177-3AD203B41FA5}">
                       <a16:colId xmlns:a16="http://schemas.microsoft.com/office/drawing/2014/main" val="2902479022"/>
                     </a:ext>
                   </a:extLst>
                 </a:gridCol>
-                <a:gridCol w="1953608">
+                <a:gridCol w="1616012">
                   <a:extLst>
                     <a:ext uri="{9D8B030D-6E8A-4147-A177-3AD203B41FA5}">
                       <a16:colId xmlns:a16="http://schemas.microsoft.com/office/drawing/2014/main" val="1314794491"/>
                     </a:ext>
                   </a:extLst>
                 </a:gridCol>
+                <a:gridCol w="1616012">
+                  <a:extLst>
+                    <a:ext uri="{9D8B030D-6E8A-4147-A177-3AD203B41FA5}">
+                      <a16:colId xmlns:a16="http://schemas.microsoft.com/office/drawing/2014/main" val="4931238"/>
+                    </a:ext>
+                  </a:extLst>
+                </a:gridCol>
               </a:tblGrid>
-              <a:tr h="426936">
+              <a:tr h="374630">
                 <a:tc>
                   <a:txBody>
                     <a:bodyPr/>
@@ -13779,13 +14923,28 @@
                   </a:txBody>
                   <a:tcPr/>
                 </a:tc>
+                <a:tc>
+                  <a:txBody>
+                    <a:bodyPr/>
+                    <a:lstStyle/>
+                    <a:p>
+                      <a:pPr algn="l"/>
+                      <a:r>
+                        <a:rPr lang="nl-NL" sz="1600" dirty="0" smtClean="0"/>
+                        <a:t>Total</a:t>
+                      </a:r>
+                      <a:endParaRPr lang="nl-NL" sz="1600" dirty="0"/>
+                    </a:p>
+                  </a:txBody>
+                  <a:tcPr/>
+                </a:tc>
                 <a:extLst>
                   <a:ext uri="{0D108BD9-81ED-4DB2-BD59-A6C34878D82A}">
                     <a16:rowId xmlns:a16="http://schemas.microsoft.com/office/drawing/2014/main" val="3305753543"/>
                   </a:ext>
                 </a:extLst>
               </a:tr>
-              <a:tr h="426936">
+              <a:tr h="538053">
                 <a:tc>
                   <a:txBody>
                     <a:bodyPr/>
@@ -13845,13 +15004,28 @@
                   </a:txBody>
                   <a:tcPr/>
                 </a:tc>
+                <a:tc>
+                  <a:txBody>
+                    <a:bodyPr/>
+                    <a:lstStyle/>
+                    <a:p>
+                      <a:pPr algn="r"/>
+                      <a:r>
+                        <a:rPr lang="nl-NL" sz="1600" b="1" dirty="0" smtClean="0"/>
+                        <a:t>30</a:t>
+                      </a:r>
+                      <a:endParaRPr lang="nl-NL" sz="1600" b="1" dirty="0"/>
+                    </a:p>
+                  </a:txBody>
+                  <a:tcPr/>
+                </a:tc>
                 <a:extLst>
                   <a:ext uri="{0D108BD9-81ED-4DB2-BD59-A6C34878D82A}">
-                    <a16:rowId xmlns:a16="http://schemas.microsoft.com/office/drawing/2014/main" val="2835981045"/>
+                    <a16:rowId xmlns:a16="http://schemas.microsoft.com/office/drawing/2014/main" val="3882500086"/>
                   </a:ext>
                 </a:extLst>
               </a:tr>
-              <a:tr h="514278">
+              <a:tr h="469130">
                 <a:tc>
                   <a:txBody>
                     <a:bodyPr/>
@@ -13874,10 +15048,6 @@
                         <a:t>Spam</a:t>
                       </a:r>
                     </a:p>
-                    <a:p>
-                      <a:pPr algn="l"/>
-                      <a:endParaRPr lang="nl-NL" sz="1600" dirty="0"/>
-                    </a:p>
                   </a:txBody>
                   <a:tcPr/>
                 </a:tc>
@@ -13889,7 +15059,7 @@
                       <a:pPr algn="r"/>
                       <a:r>
                         <a:rPr lang="nl-NL" sz="1600" dirty="0" smtClean="0"/>
-                        <a:t>30</a:t>
+                        <a:t>40</a:t>
                       </a:r>
                       <a:endParaRPr lang="nl-NL" sz="1600" dirty="0"/>
                     </a:p>
@@ -13904,16 +15074,97 @@
                       <a:pPr algn="r"/>
                       <a:r>
                         <a:rPr lang="nl-NL" sz="1600" dirty="0" smtClean="0"/>
-                        <a:t>50</a:t>
+                        <a:t>60</a:t>
                       </a:r>
                       <a:endParaRPr lang="nl-NL" sz="1600" dirty="0"/>
                     </a:p>
                   </a:txBody>
                   <a:tcPr/>
                 </a:tc>
+                <a:tc>
+                  <a:txBody>
+                    <a:bodyPr/>
+                    <a:lstStyle/>
+                    <a:p>
+                      <a:pPr algn="r"/>
+                      <a:r>
+                        <a:rPr lang="nl-NL" sz="1600" b="1" dirty="0" smtClean="0"/>
+                        <a:t>100</a:t>
+                      </a:r>
+                      <a:endParaRPr lang="nl-NL" sz="1600" b="1" dirty="0"/>
+                    </a:p>
+                  </a:txBody>
+                  <a:tcPr/>
+                </a:tc>
                 <a:extLst>
                   <a:ext uri="{0D108BD9-81ED-4DB2-BD59-A6C34878D82A}">
-                    <a16:rowId xmlns:a16="http://schemas.microsoft.com/office/drawing/2014/main" val="1156060425"/>
+                    <a16:rowId xmlns:a16="http://schemas.microsoft.com/office/drawing/2014/main" val="1898667613"/>
+                  </a:ext>
+                </a:extLst>
+              </a:tr>
+              <a:tr h="275959">
+                <a:tc>
+                  <a:txBody>
+                    <a:bodyPr/>
+                    <a:lstStyle/>
+                    <a:p>
+                      <a:pPr algn="l"/>
+                      <a:r>
+                        <a:rPr lang="nl-NL" sz="1600" dirty="0" smtClean="0"/>
+                        <a:t>Total</a:t>
+                      </a:r>
+                    </a:p>
+                  </a:txBody>
+                  <a:tcPr/>
+                </a:tc>
+                <a:tc>
+                  <a:txBody>
+                    <a:bodyPr/>
+                    <a:lstStyle/>
+                    <a:p>
+                      <a:pPr algn="r"/>
+                      <a:r>
+                        <a:rPr lang="nl-NL" sz="1600" b="1" dirty="0" smtClean="0"/>
+                        <a:t>60</a:t>
+                      </a:r>
+                      <a:endParaRPr lang="nl-NL" sz="1600" b="1" dirty="0"/>
+                    </a:p>
+                  </a:txBody>
+                  <a:tcPr/>
+                </a:tc>
+                <a:tc>
+                  <a:txBody>
+                    <a:bodyPr/>
+                    <a:lstStyle/>
+                    <a:p>
+                      <a:pPr algn="r"/>
+                      <a:r>
+                        <a:rPr lang="nl-NL" sz="1600" b="1" dirty="0" smtClean="0"/>
+                        <a:t>70</a:t>
+                      </a:r>
+                      <a:endParaRPr lang="nl-NL" sz="1600" b="1" dirty="0"/>
+                    </a:p>
+                  </a:txBody>
+                  <a:tcPr/>
+                </a:tc>
+                <a:tc>
+                  <a:txBody>
+                    <a:bodyPr/>
+                    <a:lstStyle/>
+                    <a:p>
+                      <a:pPr algn="r"/>
+                      <a:r>
+                        <a:rPr lang="nl-NL" sz="1600" b="1" dirty="0" smtClean="0"/>
+                        <a:t>130</a:t>
+                      </a:r>
+                      <a:endParaRPr lang="nl-NL" sz="1600" b="1" dirty="0"/>
+                    </a:p>
+                  </a:txBody>
+                  <a:tcPr/>
+                </a:tc>
+                <a:extLst>
+                  <a:ext uri="{0D108BD9-81ED-4DB2-BD59-A6C34878D82A}">
+                    <a16:rowId xmlns:a16="http://schemas.microsoft.com/office/drawing/2014/main" val="2397169907"/>
                   </a:ext>
                 </a:extLst>
               </a:tr>
@@ -13924,7 +15175,7 @@
     </p:spTree>
     <p:extLst>
       <p:ext uri="{BB962C8B-B14F-4D97-AF65-F5344CB8AC3E}">
-        <p14:creationId xmlns:p14="http://schemas.microsoft.com/office/powerpoint/2010/main" val="1311226367"/>
+        <p14:creationId xmlns:p14="http://schemas.microsoft.com/office/powerpoint/2010/main" val="1863541932"/>
       </p:ext>
     </p:extLst>
   </p:cSld>
@@ -13941,7 +15192,7 @@
 </p:sld>
 </file>
 
-<file path=ppt/slides/slide21.xml><?xml version="1.0" encoding="utf-8"?>
+<file path=ppt/slides/slide22.xml><?xml version="1.0" encoding="utf-8"?>
 <p:sld xmlns:a="http://schemas.openxmlformats.org/drawingml/2006/main" xmlns:r="http://schemas.openxmlformats.org/officeDocument/2006/relationships" xmlns:p="http://schemas.openxmlformats.org/presentationml/2006/main">
   <p:cSld>
     <p:spTree>
@@ -15327,7 +16578,7 @@
 </p:sld>
 </file>
 
-<file path=ppt/slides/slide22.xml><?xml version="1.0" encoding="utf-8"?>
+<file path=ppt/slides/slide23.xml><?xml version="1.0" encoding="utf-8"?>
 <p:sld xmlns:a="http://schemas.openxmlformats.org/drawingml/2006/main" xmlns:r="http://schemas.openxmlformats.org/officeDocument/2006/relationships" xmlns:p="http://schemas.openxmlformats.org/presentationml/2006/main">
   <p:cSld>
     <p:spTree>
@@ -15380,7 +16631,7 @@
         <p:spPr>
           <a:xfrm>
             <a:off x="762000" y="1762125"/>
-            <a:ext cx="7881938" cy="3120854"/>
+            <a:ext cx="7881938" cy="3564053"/>
           </a:xfrm>
         </p:spPr>
         <p:txBody>
@@ -15491,8 +16742,47 @@
             </a:r>
             <a:r>
               <a:rPr lang="nl-NL" sz="2400" dirty="0" smtClean="0"/>
-              <a:t> wixin_56: public domain</a:t>
-            </a:r>
+              <a:t> wixin_56: public </a:t>
+            </a:r>
+            <a:r>
+              <a:rPr lang="nl-NL" sz="2400" dirty="0" smtClean="0"/>
+              <a:t>domain</a:t>
+            </a:r>
+          </a:p>
+          <a:p>
+            <a:r>
+              <a:rPr lang="nl-NL" sz="2400" dirty="0" err="1" smtClean="0"/>
+              <a:t>Languages</a:t>
+            </a:r>
+            <a:r>
+              <a:rPr lang="nl-NL" sz="2400" dirty="0" smtClean="0"/>
+              <a:t> of the </a:t>
+            </a:r>
+            <a:r>
+              <a:rPr lang="nl-NL" sz="2400" dirty="0" err="1" smtClean="0"/>
+              <a:t>world</a:t>
+            </a:r>
+            <a:r>
+              <a:rPr lang="nl-NL" sz="2400" dirty="0" smtClean="0"/>
+              <a:t> </a:t>
+            </a:r>
+            <a:r>
+              <a:rPr lang="nl-NL" sz="2400" dirty="0" err="1" smtClean="0"/>
+              <a:t>by</a:t>
+            </a:r>
+            <a:r>
+              <a:rPr lang="nl-NL" sz="2400" dirty="0" smtClean="0"/>
+              <a:t> </a:t>
+            </a:r>
+            <a:r>
+              <a:rPr lang="nl-NL" sz="2400" dirty="0" err="1" smtClean="0"/>
+              <a:t>Alumnum</a:t>
+            </a:r>
+            <a:r>
+              <a:rPr lang="nl-NL" sz="2400" dirty="0" smtClean="0"/>
+              <a:t>: CC-ASA 4.0</a:t>
+            </a:r>
+            <a:endParaRPr lang="nl-NL" sz="2400" dirty="0" smtClean="0"/>
           </a:p>
           <a:p>
             <a:endParaRPr lang="nl-NL" sz="2400" dirty="0" smtClean="0"/>
@@ -15591,13 +16881,34 @@
           </a:p>
           <a:p>
             <a:r>
-              <a:rPr lang="nl-NL" sz="2400" dirty="0" err="1" smtClean="0"/>
+              <a:rPr lang="nl-NL" sz="2400" dirty="0" err="1"/>
               <a:t>Modeling</a:t>
             </a:r>
             <a:r>
-              <a:rPr lang="nl-NL" sz="2400" dirty="0" smtClean="0"/>
-              <a:t> text</a:t>
-            </a:r>
+              <a:rPr lang="nl-NL" sz="2400" dirty="0"/>
+              <a:t> text in English </a:t>
+            </a:r>
+            <a:r>
+              <a:rPr lang="nl-NL" sz="2400" dirty="0" err="1"/>
+              <a:t>and</a:t>
+            </a:r>
+            <a:r>
+              <a:rPr lang="nl-NL" sz="2400" dirty="0"/>
+              <a:t> </a:t>
+            </a:r>
+            <a:r>
+              <a:rPr lang="nl-NL" sz="2400" dirty="0" err="1"/>
+              <a:t>similar</a:t>
+            </a:r>
+            <a:r>
+              <a:rPr lang="nl-NL" sz="2400" dirty="0"/>
+              <a:t> </a:t>
+            </a:r>
+            <a:r>
+              <a:rPr lang="nl-NL" sz="2400" dirty="0" err="1"/>
+              <a:t>languages</a:t>
+            </a:r>
+            <a:endParaRPr lang="nl-NL" sz="2400" dirty="0"/>
           </a:p>
           <a:p>
             <a:pPr marL="0" indent="0">
@@ -15644,6 +16955,13 @@
   <p:clrMapOvr>
     <a:masterClrMapping/>
   </p:clrMapOvr>
+  <p:timing>
+    <p:tnLst>
+      <p:par>
+        <p:cTn id="1" dur="indefinite" restart="never" nodeType="tmRoot"/>
+      </p:par>
+    </p:tnLst>
+  </p:timing>
 </p:sld>
 </file>
 
@@ -15798,7 +17116,11 @@
             </a:r>
             <a:r>
               <a:rPr lang="nl-NL" sz="1800" dirty="0" smtClean="0"/>
-              <a:t> text</a:t>
+              <a:t> </a:t>
+            </a:r>
+            <a:r>
+              <a:rPr lang="nl-NL" sz="1800" dirty="0" smtClean="0"/>
+              <a:t>text</a:t>
             </a:r>
             <a:endParaRPr lang="nl-NL" sz="1800" dirty="0"/>
           </a:p>
@@ -15845,6 +17167,13 @@
   <p:clrMapOvr>
     <a:masterClrMapping/>
   </p:clrMapOvr>
+  <p:timing>
+    <p:tnLst>
+      <p:par>
+        <p:cTn id="1" dur="indefinite" restart="never" nodeType="tmRoot"/>
+      </p:par>
+    </p:tnLst>
+  </p:timing>
 </p:sld>
 </file>
 
@@ -15901,7 +17230,7 @@
         <p:spPr>
           <a:xfrm>
             <a:off x="762000" y="1762125"/>
-            <a:ext cx="7881938" cy="4745915"/>
+            <a:ext cx="7881938" cy="4007251"/>
           </a:xfrm>
         </p:spPr>
         <p:txBody>
@@ -15947,7 +17276,11 @@
           <a:p>
             <a:r>
               <a:rPr lang="nl-NL" sz="2400" dirty="0" err="1" smtClean="0"/>
-              <a:t>And</a:t>
+              <a:t>S</a:t>
+            </a:r>
+            <a:r>
+              <a:rPr lang="nl-NL" sz="2400" dirty="0" err="1" smtClean="0"/>
+              <a:t>pecialized</a:t>
             </a:r>
             <a:r>
               <a:rPr lang="nl-NL" sz="2400" dirty="0" smtClean="0"/>
@@ -15955,7 +17288,7 @@
             </a:r>
             <a:r>
               <a:rPr lang="nl-NL" sz="2400" dirty="0" err="1" smtClean="0"/>
-              <a:t>specialized</a:t>
+              <a:t>algorithms</a:t>
             </a:r>
             <a:r>
               <a:rPr lang="nl-NL" sz="2400" dirty="0" smtClean="0"/>
@@ -15963,7 +17296,7 @@
             </a:r>
             <a:r>
               <a:rPr lang="nl-NL" sz="2400" dirty="0" err="1" smtClean="0"/>
-              <a:t>algorithms</a:t>
+              <a:t>and</a:t>
             </a:r>
             <a:r>
               <a:rPr lang="nl-NL" sz="2400" dirty="0" smtClean="0"/>
@@ -15971,14 +17304,6 @@
             </a:r>
             <a:r>
               <a:rPr lang="nl-NL" sz="2400" dirty="0" err="1" smtClean="0"/>
-              <a:t>and</a:t>
-            </a:r>
-            <a:r>
-              <a:rPr lang="nl-NL" sz="2400" dirty="0" smtClean="0"/>
-              <a:t> </a:t>
-            </a:r>
-            <a:r>
-              <a:rPr lang="nl-NL" sz="2400" dirty="0" err="1" smtClean="0"/>
               <a:t>linguistic</a:t>
             </a:r>
             <a:r>
@@ -16005,136 +17330,20 @@
           </a:p>
           <a:p>
             <a:r>
+              <a:rPr lang="nl-NL" sz="2400" dirty="0" err="1" smtClean="0"/>
+              <a:t>Diversity</a:t>
+            </a:r>
+            <a:r>
+              <a:rPr lang="nl-NL" sz="2400" dirty="0"/>
+              <a:t> </a:t>
+            </a:r>
+            <a:r>
               <a:rPr lang="nl-NL" sz="2400" dirty="0" smtClean="0"/>
-              <a:t>Big </a:t>
-            </a:r>
-            <a:r>
-              <a:rPr lang="nl-NL" sz="2400" dirty="0" err="1" smtClean="0"/>
-              <a:t>differences</a:t>
-            </a:r>
-            <a:r>
-              <a:rPr lang="nl-NL" sz="2400" dirty="0" smtClean="0"/>
-              <a:t> </a:t>
-            </a:r>
-            <a:r>
-              <a:rPr lang="nl-NL" sz="2400" dirty="0" err="1" smtClean="0"/>
-              <a:t>between</a:t>
-            </a:r>
-            <a:r>
-              <a:rPr lang="nl-NL" sz="2400" dirty="0" smtClean="0"/>
-              <a:t> </a:t>
+              <a:t>of </a:t>
             </a:r>
             <a:r>
               <a:rPr lang="nl-NL" sz="2400" dirty="0" err="1" smtClean="0"/>
               <a:t>languages</a:t>
-            </a:r>
-            <a:r>
-              <a:rPr lang="nl-NL" sz="2400" dirty="0" smtClean="0"/>
-              <a:t>: </a:t>
-            </a:r>
-            <a:r>
-              <a:rPr lang="nl-NL" sz="2400" dirty="0" err="1" smtClean="0"/>
-              <a:t>relatively</a:t>
-            </a:r>
-            <a:r>
-              <a:rPr lang="nl-NL" sz="2400" dirty="0" smtClean="0"/>
-              <a:t> </a:t>
-            </a:r>
-            <a:r>
-              <a:rPr lang="nl-NL" sz="2400" dirty="0"/>
-              <a:t>well </a:t>
-            </a:r>
-            <a:r>
-              <a:rPr lang="nl-NL" sz="2400" dirty="0" err="1"/>
-              <a:t>developed</a:t>
-            </a:r>
-            <a:r>
-              <a:rPr lang="nl-NL" sz="2400" dirty="0"/>
-              <a:t> </a:t>
-            </a:r>
-            <a:r>
-              <a:rPr lang="nl-NL" sz="2400" dirty="0" err="1"/>
-              <a:t>for</a:t>
-            </a:r>
-            <a:r>
-              <a:rPr lang="nl-NL" sz="2400" dirty="0"/>
-              <a:t> English </a:t>
-            </a:r>
-            <a:r>
-              <a:rPr lang="nl-NL" sz="2400" dirty="0" err="1"/>
-              <a:t>and</a:t>
-            </a:r>
-            <a:r>
-              <a:rPr lang="nl-NL" sz="2400" dirty="0"/>
-              <a:t> </a:t>
-            </a:r>
-            <a:r>
-              <a:rPr lang="nl-NL" sz="2400" dirty="0" err="1"/>
-              <a:t>some</a:t>
-            </a:r>
-            <a:r>
-              <a:rPr lang="nl-NL" sz="2400" dirty="0"/>
-              <a:t> </a:t>
-            </a:r>
-            <a:r>
-              <a:rPr lang="nl-NL" sz="2400" dirty="0" err="1"/>
-              <a:t>other</a:t>
-            </a:r>
-            <a:r>
-              <a:rPr lang="nl-NL" sz="2400" dirty="0"/>
-              <a:t> big </a:t>
-            </a:r>
-            <a:r>
-              <a:rPr lang="nl-NL" sz="2400" dirty="0" err="1"/>
-              <a:t>and</a:t>
-            </a:r>
-            <a:r>
-              <a:rPr lang="nl-NL" sz="2400" dirty="0"/>
-              <a:t>/or (Indo-)European </a:t>
-            </a:r>
-            <a:r>
-              <a:rPr lang="nl-NL" sz="2400" dirty="0" err="1"/>
-              <a:t>languages</a:t>
-            </a:r>
-            <a:r>
-              <a:rPr lang="nl-NL" sz="2400" dirty="0"/>
-              <a:t>, </a:t>
-            </a:r>
-            <a:r>
-              <a:rPr lang="nl-NL" sz="2400" dirty="0" err="1"/>
-              <a:t>not</a:t>
-            </a:r>
-            <a:r>
-              <a:rPr lang="nl-NL" sz="2400" dirty="0"/>
-              <a:t> </a:t>
-            </a:r>
-            <a:r>
-              <a:rPr lang="nl-NL" sz="2400" dirty="0" err="1"/>
-              <a:t>so</a:t>
-            </a:r>
-            <a:r>
-              <a:rPr lang="nl-NL" sz="2400" dirty="0"/>
-              <a:t> </a:t>
-            </a:r>
-            <a:r>
-              <a:rPr lang="nl-NL" sz="2400" dirty="0" err="1"/>
-              <a:t>much</a:t>
-            </a:r>
-            <a:r>
-              <a:rPr lang="nl-NL" sz="2400" dirty="0"/>
-              <a:t> </a:t>
-            </a:r>
-            <a:r>
-              <a:rPr lang="nl-NL" sz="2400" dirty="0" err="1"/>
-              <a:t>for</a:t>
-            </a:r>
-            <a:r>
-              <a:rPr lang="nl-NL" sz="2400" dirty="0"/>
-              <a:t> </a:t>
-            </a:r>
-            <a:r>
-              <a:rPr lang="nl-NL" sz="2400" dirty="0" err="1"/>
-              <a:t>others</a:t>
             </a:r>
             <a:endParaRPr lang="nl-NL" sz="2400" dirty="0"/>
           </a:p>
@@ -16156,6 +17365,13 @@
   <p:clrMapOvr>
     <a:masterClrMapping/>
   </p:clrMapOvr>
+  <p:timing>
+    <p:tnLst>
+      <p:par>
+        <p:cTn id="1" dur="indefinite" restart="never" nodeType="tmRoot"/>
+      </p:par>
+    </p:tnLst>
+  </p:timing>
 </p:sld>
 </file>
 
@@ -16208,7 +17424,7 @@
         <p:spPr>
           <a:xfrm>
             <a:off x="525856" y="1772816"/>
-            <a:ext cx="4176464" cy="4985980"/>
+            <a:ext cx="5210712" cy="4708981"/>
           </a:xfrm>
           <a:prstGeom prst="rect">
             <a:avLst/>
@@ -16254,103 +17470,195 @@
             <a:endParaRPr lang="nl-NL" sz="1800" dirty="0"/>
           </a:p>
           <a:p>
-            <a:r>
-              <a:rPr lang="nl-NL" sz="1800" dirty="0" smtClean="0"/>
-              <a:t>We have:</a:t>
-            </a:r>
-          </a:p>
-          <a:p>
             <a:pPr marL="457200" indent="-457200">
               <a:buFont typeface="Arial" panose="020B0604020202020204" pitchFamily="34" charset="0"/>
               <a:buChar char="•"/>
             </a:pPr>
             <a:r>
               <a:rPr lang="nl-NL" sz="1800" dirty="0" err="1" smtClean="0"/>
-              <a:t>Semantics</a:t>
-            </a:r>
-            <a:r>
-              <a:rPr lang="nl-NL" sz="1800" dirty="0" smtClean="0"/>
-              <a:t> (</a:t>
-            </a:r>
-            <a:r>
-              <a:rPr lang="nl-NL" sz="1800" dirty="0" err="1" smtClean="0"/>
-              <a:t>what</a:t>
+              <a:t>Morphology</a:t>
             </a:r>
             <a:r>
               <a:rPr lang="nl-NL" sz="1800" dirty="0" smtClean="0"/>
               <a:t> </a:t>
             </a:r>
             <a:r>
+              <a:rPr lang="nl-NL" sz="1800" dirty="0" smtClean="0"/>
+              <a:t>(</a:t>
+            </a:r>
+            <a:r>
+              <a:rPr lang="nl-NL" sz="1800" dirty="0" err="1" smtClean="0"/>
+              <a:t>how</a:t>
+            </a:r>
+            <a:r>
+              <a:rPr lang="nl-NL" sz="1800" dirty="0" smtClean="0"/>
+              <a:t> </a:t>
+            </a:r>
+            <a:r>
               <a:rPr lang="nl-NL" sz="1800" dirty="0" err="1" smtClean="0"/>
               <a:t>words</a:t>
             </a:r>
             <a:r>
               <a:rPr lang="nl-NL" sz="1800" dirty="0" smtClean="0"/>
-              <a:t> mean)</a:t>
-            </a:r>
+              <a:t> are </a:t>
+            </a:r>
+            <a:r>
+              <a:rPr lang="nl-NL" sz="1800" dirty="0" err="1" smtClean="0"/>
+              <a:t>formed</a:t>
+            </a:r>
+            <a:r>
+              <a:rPr lang="nl-NL" sz="1800" dirty="0" smtClean="0"/>
+              <a:t>) </a:t>
+            </a:r>
+            <a:endParaRPr lang="nl-NL" sz="1800" dirty="0" smtClean="0"/>
+          </a:p>
+          <a:p>
+            <a:r>
+              <a:rPr lang="nl-NL" sz="1800" dirty="0" smtClean="0"/>
+              <a:t>	→ </a:t>
+            </a:r>
+            <a:r>
+              <a:rPr lang="nl-NL" sz="1800" dirty="0"/>
+              <a:t>‘do-</a:t>
+            </a:r>
+            <a:r>
+              <a:rPr lang="nl-NL" sz="1800" dirty="0" err="1"/>
+              <a:t>ing</a:t>
+            </a:r>
+            <a:r>
+              <a:rPr lang="nl-NL" sz="1800" dirty="0"/>
+              <a:t>’, ‘are</a:t>
+            </a:r>
+            <a:r>
+              <a:rPr lang="nl-NL" sz="1800" dirty="0" smtClean="0"/>
+              <a:t>’</a:t>
+            </a:r>
+          </a:p>
+          <a:p>
+            <a:pPr marL="285750" indent="-285750">
+              <a:buFont typeface="Arial" panose="020B0604020202020204" pitchFamily="34" charset="0"/>
+              <a:buChar char="•"/>
+            </a:pPr>
+            <a:endParaRPr lang="nl-NL" sz="1800" dirty="0" smtClean="0"/>
           </a:p>
           <a:p>
             <a:pPr marL="457200" indent="-457200">
               <a:buFont typeface="Arial" panose="020B0604020202020204" pitchFamily="34" charset="0"/>
               <a:buChar char="•"/>
             </a:pPr>
-            <a:endParaRPr lang="nl-NL" sz="1800" dirty="0" smtClean="0"/>
+            <a:r>
+              <a:rPr lang="nl-NL" sz="1800" dirty="0" smtClean="0"/>
+              <a:t>Syntax (</a:t>
+            </a:r>
+            <a:r>
+              <a:rPr lang="nl-NL" sz="1800" dirty="0" err="1" smtClean="0"/>
+              <a:t>sentence</a:t>
+            </a:r>
+            <a:r>
+              <a:rPr lang="nl-NL" sz="1800" dirty="0" smtClean="0"/>
+              <a:t> </a:t>
+            </a:r>
+            <a:r>
+              <a:rPr lang="nl-NL" sz="1800" dirty="0" err="1" smtClean="0"/>
+              <a:t>construction</a:t>
+            </a:r>
+            <a:r>
+              <a:rPr lang="nl-NL" sz="1800" dirty="0" smtClean="0"/>
+              <a:t>, word order</a:t>
+            </a:r>
+            <a:r>
+              <a:rPr lang="nl-NL" sz="1800" dirty="0" smtClean="0"/>
+              <a:t>)</a:t>
+            </a:r>
+          </a:p>
+          <a:p>
+            <a:r>
+              <a:rPr lang="nl-NL" sz="1800" dirty="0" smtClean="0"/>
+              <a:t>	→ </a:t>
+            </a:r>
+            <a:r>
+              <a:rPr lang="nl-NL" sz="1800" dirty="0" err="1" smtClean="0"/>
+              <a:t>what</a:t>
+            </a:r>
+            <a:r>
+              <a:rPr lang="nl-NL" sz="1800" dirty="0" smtClean="0"/>
+              <a:t> are </a:t>
+            </a:r>
+            <a:r>
+              <a:rPr lang="nl-NL" sz="1800" dirty="0" err="1" smtClean="0"/>
+              <a:t>you</a:t>
+            </a:r>
+            <a:r>
+              <a:rPr lang="nl-NL" sz="1800" dirty="0" smtClean="0"/>
+              <a:t> </a:t>
+            </a:r>
+            <a:r>
+              <a:rPr lang="nl-NL" sz="1800" dirty="0" smtClean="0"/>
+              <a:t>…</a:t>
+            </a:r>
           </a:p>
           <a:p>
             <a:pPr marL="457200" indent="-457200">
               <a:buFont typeface="Arial" panose="020B0604020202020204" pitchFamily="34" charset="0"/>
               <a:buChar char="•"/>
             </a:pPr>
-            <a:r>
-              <a:rPr lang="nl-NL" sz="1800" dirty="0" err="1" smtClean="0"/>
-              <a:t>Morphology</a:t>
-            </a:r>
-            <a:r>
-              <a:rPr lang="nl-NL" sz="1800" dirty="0" smtClean="0"/>
-              <a:t> (</a:t>
-            </a:r>
-            <a:r>
-              <a:rPr lang="nl-NL" sz="1800" dirty="0" err="1" smtClean="0"/>
-              <a:t>how</a:t>
-            </a:r>
-            <a:r>
-              <a:rPr lang="nl-NL" sz="1800" dirty="0" smtClean="0"/>
-              <a:t> </a:t>
-            </a:r>
-            <a:r>
-              <a:rPr lang="nl-NL" sz="1800" dirty="0" err="1" smtClean="0"/>
-              <a:t>words</a:t>
-            </a:r>
-            <a:r>
-              <a:rPr lang="nl-NL" sz="1800" dirty="0" smtClean="0"/>
-              <a:t> are </a:t>
-            </a:r>
-            <a:r>
-              <a:rPr lang="nl-NL" sz="1800" dirty="0" err="1" smtClean="0"/>
-              <a:t>formed</a:t>
-            </a:r>
-            <a:r>
-              <a:rPr lang="nl-NL" sz="1800" dirty="0" smtClean="0"/>
-              <a:t>) </a:t>
-            </a:r>
-            <a:r>
-              <a:rPr lang="nl-NL" sz="1800" dirty="0"/>
-              <a:t>→ ‘do-</a:t>
-            </a:r>
-            <a:r>
-              <a:rPr lang="nl-NL" sz="1800" dirty="0" err="1"/>
-              <a:t>ing</a:t>
-            </a:r>
-            <a:r>
-              <a:rPr lang="nl-NL" sz="1800" dirty="0"/>
-              <a:t>’, ‘are’, word order</a:t>
-            </a:r>
+            <a:endParaRPr lang="nl-NL" sz="1800" dirty="0"/>
           </a:p>
           <a:p>
             <a:pPr marL="457200" indent="-457200">
               <a:buFont typeface="Arial" panose="020B0604020202020204" pitchFamily="34" charset="0"/>
               <a:buChar char="•"/>
             </a:pPr>
+            <a:r>
+              <a:rPr lang="nl-NL" sz="1800" dirty="0" err="1" smtClean="0"/>
+              <a:t>Semantics</a:t>
+            </a:r>
+            <a:r>
+              <a:rPr lang="nl-NL" sz="1800" dirty="0" smtClean="0"/>
+              <a:t> </a:t>
+            </a:r>
+            <a:r>
+              <a:rPr lang="nl-NL" sz="1800" dirty="0"/>
+              <a:t>(</a:t>
+            </a:r>
+            <a:r>
+              <a:rPr lang="nl-NL" sz="1800" dirty="0" err="1"/>
+              <a:t>what</a:t>
+            </a:r>
+            <a:r>
+              <a:rPr lang="nl-NL" sz="1800" dirty="0"/>
+              <a:t> </a:t>
+            </a:r>
+            <a:r>
+              <a:rPr lang="nl-NL" sz="1800" dirty="0" err="1"/>
+              <a:t>words</a:t>
+            </a:r>
+            <a:r>
+              <a:rPr lang="nl-NL" sz="1800" dirty="0"/>
+              <a:t> mean</a:t>
+            </a:r>
+            <a:r>
+              <a:rPr lang="nl-NL" sz="1800" dirty="0" smtClean="0"/>
+              <a:t>) </a:t>
+            </a:r>
+          </a:p>
+          <a:p>
+            <a:pPr lvl="1"/>
+            <a:r>
+              <a:rPr lang="nl-NL" sz="1800" dirty="0"/>
+              <a:t>	</a:t>
+            </a:r>
+            <a:r>
+              <a:rPr lang="nl-NL" sz="1800" dirty="0" smtClean="0"/>
+              <a:t>→ 'classroom': room in a school </a:t>
+            </a:r>
+            <a:endParaRPr lang="nl-NL" sz="1800" dirty="0"/>
+          </a:p>
+          <a:p>
+            <a:pPr marL="285750" indent="-285750">
+              <a:buFont typeface="Arial" panose="020B0604020202020204" pitchFamily="34" charset="0"/>
+              <a:buChar char="•"/>
+            </a:pPr>
             <a:endParaRPr lang="nl-NL" sz="1800" dirty="0" smtClean="0"/>
           </a:p>
           <a:p>
@@ -16359,51 +17667,6 @@
               <a:buChar char="•"/>
             </a:pPr>
             <a:r>
-              <a:rPr lang="nl-NL" sz="1800" dirty="0" smtClean="0"/>
-              <a:t>Syntax (</a:t>
-            </a:r>
-            <a:r>
-              <a:rPr lang="nl-NL" sz="1800" dirty="0" err="1" smtClean="0"/>
-              <a:t>sentence</a:t>
-            </a:r>
-            <a:r>
-              <a:rPr lang="nl-NL" sz="1800" dirty="0" smtClean="0"/>
-              <a:t> </a:t>
-            </a:r>
-            <a:r>
-              <a:rPr lang="nl-NL" sz="1800" dirty="0" err="1" smtClean="0"/>
-              <a:t>construction</a:t>
-            </a:r>
-            <a:r>
-              <a:rPr lang="nl-NL" sz="1800" dirty="0" smtClean="0"/>
-              <a:t>, word order) → </a:t>
-            </a:r>
-            <a:r>
-              <a:rPr lang="nl-NL" sz="1800" dirty="0" err="1" smtClean="0"/>
-              <a:t>what</a:t>
-            </a:r>
-            <a:r>
-              <a:rPr lang="nl-NL" sz="1800" dirty="0" smtClean="0"/>
-              <a:t> are </a:t>
-            </a:r>
-            <a:r>
-              <a:rPr lang="nl-NL" sz="1800" dirty="0" err="1" smtClean="0"/>
-              <a:t>you</a:t>
-            </a:r>
-            <a:r>
-              <a:rPr lang="nl-NL" sz="1800" dirty="0" smtClean="0"/>
-              <a:t> …</a:t>
-            </a:r>
-          </a:p>
-          <a:p>
-            <a:endParaRPr lang="nl-NL" sz="1800" dirty="0" smtClean="0"/>
-          </a:p>
-          <a:p>
-            <a:pPr marL="457200" indent="-457200">
-              <a:buFont typeface="Arial" panose="020B0604020202020204" pitchFamily="34" charset="0"/>
-              <a:buChar char="•"/>
-            </a:pPr>
-            <a:r>
               <a:rPr lang="nl-NL" sz="1800" dirty="0" err="1" smtClean="0"/>
               <a:t>Pragmatics</a:t>
             </a:r>
@@ -16417,7 +17680,23 @@
             </a:r>
             <a:r>
               <a:rPr lang="nl-NL" sz="1800" dirty="0" smtClean="0"/>
-              <a:t> in context) → ‘get out!’</a:t>
+              <a:t> in context) </a:t>
+            </a:r>
+            <a:endParaRPr lang="nl-NL" sz="1800" dirty="0" smtClean="0"/>
+          </a:p>
+          <a:p>
+            <a:pPr lvl="1"/>
+            <a:r>
+              <a:rPr lang="nl-NL" sz="1800" dirty="0"/>
+              <a:t>	</a:t>
+            </a:r>
+            <a:r>
+              <a:rPr lang="nl-NL" sz="1800" dirty="0" smtClean="0"/>
+              <a:t>→ </a:t>
+            </a:r>
+            <a:r>
+              <a:rPr lang="nl-NL" sz="1800" dirty="0" smtClean="0"/>
+              <a:t>‘get out!’</a:t>
             </a:r>
           </a:p>
           <a:p>
@@ -16450,8 +17729,8 @@
         </p:blipFill>
         <p:spPr>
           <a:xfrm>
-            <a:off x="5148064" y="1916832"/>
-            <a:ext cx="3540832" cy="3540832"/>
+            <a:off x="5736568" y="1916832"/>
+            <a:ext cx="2952328" cy="2952328"/>
           </a:xfrm>
           <a:prstGeom prst="rect">
             <a:avLst/>
@@ -16511,96 +17790,77 @@
           <a:lstStyle/>
           <a:p>
             <a:r>
+              <a:rPr lang="nl-NL" dirty="0" err="1" smtClean="0"/>
+              <a:t>Languages</a:t>
+            </a:r>
+            <a:r>
               <a:rPr lang="nl-NL" dirty="0" smtClean="0"/>
-              <a:t>Topics</a:t>
+              <a:t> of the </a:t>
+            </a:r>
+            <a:r>
+              <a:rPr lang="nl-NL" dirty="0" err="1" smtClean="0"/>
+              <a:t>world</a:t>
             </a:r>
             <a:endParaRPr lang="nl-NL" dirty="0"/>
           </a:p>
         </p:txBody>
       </p:sp>
-      <p:sp>
-        <p:nvSpPr>
-          <p:cNvPr id="3" name="Tijdelijke aanduiding voor inhoud 2"/>
-          <p:cNvSpPr>
-            <a:spLocks noGrp="1"/>
-          </p:cNvSpPr>
-          <p:nvPr>
-            <p:ph idx="1"/>
-          </p:nvPr>
-        </p:nvSpPr>
-        <p:spPr>
+      <p:pic>
+        <p:nvPicPr>
+          <p:cNvPr id="1026" name="Picture 2" descr="https://upload.wikimedia.org/wikipedia/commons/b/b7/Primary_Human_Languages_Improved_Version.png"/>
+          <p:cNvPicPr>
+            <a:picLocks noChangeAspect="1" noChangeArrowheads="1"/>
+          </p:cNvPicPr>
+          <p:nvPr/>
+        </p:nvPicPr>
+        <p:blipFill rotWithShape="1">
+          <a:blip r:embed="rId2">
+            <a:extLst>
+              <a:ext uri="{28A0092B-C50C-407E-A947-70E740481C1C}">
+                <a14:useLocalDpi xmlns:a14="http://schemas.microsoft.com/office/drawing/2010/main" val="0"/>
+              </a:ext>
+            </a:extLst>
+          </a:blip>
+          <a:srcRect r="10325"/>
+          <a:stretch/>
+        </p:blipFill>
+        <p:spPr bwMode="auto">
           <a:xfrm>
-            <a:off x="762000" y="1762125"/>
-            <a:ext cx="7881938" cy="2234458"/>
+            <a:off x="323528" y="1988840"/>
+            <a:ext cx="8694679" cy="3816424"/>
           </a:xfrm>
+          <a:prstGeom prst="rect">
+            <a:avLst/>
+          </a:prstGeom>
+          <a:noFill/>
+          <a:extLst>
+            <a:ext uri="{909E8E84-426E-40DD-AFC4-6F175D3DCCD1}">
+              <a14:hiddenFill xmlns:a14="http://schemas.microsoft.com/office/drawing/2010/main">
+                <a:solidFill>
+                  <a:srgbClr val="FFFFFF"/>
+                </a:solidFill>
+              </a14:hiddenFill>
+            </a:ext>
+          </a:extLst>
         </p:spPr>
-        <p:txBody>
-          <a:bodyPr/>
-          <a:lstStyle/>
-          <a:p>
-            <a:r>
-              <a:rPr lang="nl-NL" sz="2400" dirty="0"/>
-              <a:t>Natural Language Processing (NLP)</a:t>
-            </a:r>
-          </a:p>
-          <a:p>
-            <a:endParaRPr lang="nl-NL" sz="2400" dirty="0"/>
-          </a:p>
-          <a:p>
-            <a:r>
-              <a:rPr lang="nl-NL" sz="2400" dirty="0" err="1" smtClean="0"/>
-              <a:t>Modeling</a:t>
-            </a:r>
-            <a:r>
-              <a:rPr lang="nl-NL" sz="2400" dirty="0" smtClean="0"/>
-              <a:t> text</a:t>
-            </a:r>
-          </a:p>
-          <a:p>
-            <a:pPr marL="0" indent="0">
-              <a:buNone/>
-            </a:pPr>
-            <a:endParaRPr lang="nl-NL" sz="2400" dirty="0"/>
-          </a:p>
-          <a:p>
-            <a:r>
-              <a:rPr lang="nl-NL" sz="2400" dirty="0" err="1" smtClean="0"/>
-              <a:t>Classification</a:t>
-            </a:r>
-            <a:r>
-              <a:rPr lang="nl-NL" sz="2400" dirty="0" smtClean="0"/>
-              <a:t> </a:t>
-            </a:r>
-            <a:r>
-              <a:rPr lang="nl-NL" sz="2400" dirty="0" err="1" smtClean="0"/>
-              <a:t>with</a:t>
-            </a:r>
-            <a:r>
-              <a:rPr lang="nl-NL" sz="2400" dirty="0" smtClean="0"/>
-              <a:t> </a:t>
-            </a:r>
-            <a:r>
-              <a:rPr lang="nl-NL" sz="2400" dirty="0" err="1" smtClean="0"/>
-              <a:t>Naïve</a:t>
-            </a:r>
-            <a:r>
-              <a:rPr lang="nl-NL" sz="2400" dirty="0" smtClean="0"/>
-              <a:t> Bayes</a:t>
-            </a:r>
-            <a:endParaRPr lang="nl-NL" sz="2400" dirty="0"/>
-          </a:p>
-        </p:txBody>
-      </p:sp>
+      </p:pic>
     </p:spTree>
     <p:extLst>
       <p:ext uri="{BB962C8B-B14F-4D97-AF65-F5344CB8AC3E}">
-        <p14:creationId xmlns:p14="http://schemas.microsoft.com/office/powerpoint/2010/main" val="184613006"/>
+        <p14:creationId xmlns:p14="http://schemas.microsoft.com/office/powerpoint/2010/main" val="894830252"/>
       </p:ext>
     </p:extLst>
   </p:cSld>
   <p:clrMapOvr>
     <a:masterClrMapping/>
   </p:clrMapOvr>
+  <p:timing>
+    <p:tnLst>
+      <p:par>
+        <p:cTn id="1" dur="indefinite" restart="never" nodeType="tmRoot"/>
+      </p:par>
+    </p:tnLst>
+  </p:timing>
 </p:sld>
 </file>
 
@@ -16637,12 +17897,20 @@
           <a:lstStyle/>
           <a:p>
             <a:r>
+              <a:rPr lang="nl-NL" dirty="0" err="1" smtClean="0"/>
+              <a:t>Diversity</a:t>
+            </a:r>
+            <a:r>
               <a:rPr lang="nl-NL" dirty="0" smtClean="0"/>
-              <a:t>Bag of </a:t>
+              <a:t> </a:t>
             </a:r>
             <a:r>
               <a:rPr lang="nl-NL" dirty="0" err="1" smtClean="0"/>
-              <a:t>words</a:t>
+              <a:t>challenges</a:t>
+            </a:r>
+            <a:r>
+              <a:rPr lang="nl-NL" dirty="0" smtClean="0"/>
+              <a:t> for NLP</a:t>
             </a:r>
             <a:endParaRPr lang="nl-NL" dirty="0"/>
           </a:p>
@@ -16660,8 +17928,8 @@
         </p:nvSpPr>
         <p:spPr>
           <a:xfrm>
-            <a:off x="762000" y="1762125"/>
-            <a:ext cx="4530080" cy="4450449"/>
+            <a:off x="755576" y="1627736"/>
+            <a:ext cx="7881938" cy="5238357"/>
           </a:xfrm>
         </p:spPr>
         <p:txBody>
@@ -16669,456 +17937,291 @@
           <a:lstStyle/>
           <a:p>
             <a:r>
-              <a:rPr lang="nl-NL" sz="2400" dirty="0" smtClean="0"/>
-              <a:t>The ‘bag of </a:t>
-            </a:r>
-            <a:r>
-              <a:rPr lang="nl-NL" sz="2400" dirty="0" err="1" smtClean="0"/>
-              <a:t>words</a:t>
-            </a:r>
-            <a:r>
-              <a:rPr lang="nl-NL" sz="2400" dirty="0" smtClean="0"/>
-              <a:t>’ model </a:t>
-            </a:r>
-            <a:r>
-              <a:rPr lang="nl-NL" sz="2400" dirty="0" err="1" smtClean="0"/>
-              <a:t>treats</a:t>
-            </a:r>
-            <a:r>
-              <a:rPr lang="nl-NL" sz="2400" dirty="0" smtClean="0"/>
-              <a:t> a document as a </a:t>
-            </a:r>
-            <a:r>
-              <a:rPr lang="nl-NL" sz="2400" dirty="0" err="1" smtClean="0"/>
-              <a:t>collection</a:t>
-            </a:r>
-            <a:r>
-              <a:rPr lang="nl-NL" sz="2400" dirty="0" smtClean="0"/>
-              <a:t> of </a:t>
-            </a:r>
-            <a:r>
-              <a:rPr lang="nl-NL" sz="2400" dirty="0" err="1" smtClean="0"/>
-              <a:t>words</a:t>
-            </a:r>
-            <a:r>
-              <a:rPr lang="nl-NL" sz="2400" dirty="0" smtClean="0"/>
+              <a:rPr lang="nl-NL" sz="2000" dirty="0" smtClean="0"/>
+              <a:t>Most </a:t>
+            </a:r>
+            <a:r>
+              <a:rPr lang="nl-NL" sz="2000" dirty="0" err="1" smtClean="0"/>
+              <a:t>work</a:t>
+            </a:r>
+            <a:r>
+              <a:rPr lang="nl-NL" sz="2000" dirty="0" smtClean="0"/>
+              <a:t> </a:t>
+            </a:r>
+            <a:r>
+              <a:rPr lang="nl-NL" sz="2000" dirty="0" err="1" smtClean="0"/>
+              <a:t>done</a:t>
+            </a:r>
+            <a:r>
+              <a:rPr lang="nl-NL" sz="2000" dirty="0" smtClean="0"/>
+              <a:t> on English</a:t>
+            </a:r>
+          </a:p>
+          <a:p>
+            <a:pPr lvl="1"/>
+            <a:r>
+              <a:rPr lang="nl-NL" sz="2000" dirty="0" err="1" smtClean="0"/>
+              <a:t>Also</a:t>
+            </a:r>
+            <a:r>
+              <a:rPr lang="nl-NL" sz="2000" dirty="0" smtClean="0"/>
+              <a:t> </a:t>
+            </a:r>
+            <a:r>
+              <a:rPr lang="nl-NL" sz="2000" dirty="0" err="1" smtClean="0"/>
+              <a:t>some</a:t>
+            </a:r>
+            <a:r>
+              <a:rPr lang="nl-NL" sz="2000" dirty="0" smtClean="0"/>
+              <a:t> on </a:t>
+            </a:r>
+            <a:r>
+              <a:rPr lang="nl-NL" sz="2000" dirty="0" err="1" smtClean="0"/>
+              <a:t>Mandarin</a:t>
+            </a:r>
+            <a:r>
+              <a:rPr lang="nl-NL" sz="2000" dirty="0" smtClean="0"/>
+              <a:t> Chinese, </a:t>
+            </a:r>
+            <a:r>
+              <a:rPr lang="nl-NL" sz="2000" dirty="0" err="1" smtClean="0"/>
+              <a:t>Arabic</a:t>
+            </a:r>
+            <a:r>
+              <a:rPr lang="nl-NL" sz="2000" dirty="0" smtClean="0"/>
+              <a:t>, French, </a:t>
+            </a:r>
+            <a:r>
+              <a:rPr lang="nl-NL" sz="2000" dirty="0" err="1" smtClean="0"/>
+              <a:t>others</a:t>
+            </a:r>
+            <a:endParaRPr lang="nl-NL" sz="2000" dirty="0" smtClean="0"/>
+          </a:p>
+          <a:p>
+            <a:endParaRPr lang="nl-NL" sz="2000" dirty="0" smtClean="0"/>
+          </a:p>
+          <a:p>
+            <a:r>
+              <a:rPr lang="nl-NL" sz="2000" dirty="0" smtClean="0"/>
+              <a:t>Availability of corpora, text </a:t>
+            </a:r>
+            <a:r>
+              <a:rPr lang="nl-NL" sz="2000" dirty="0" err="1" smtClean="0"/>
+              <a:t>mining</a:t>
+            </a:r>
+            <a:r>
+              <a:rPr lang="nl-NL" sz="2000" dirty="0" smtClean="0"/>
+              <a:t> </a:t>
+            </a:r>
+            <a:r>
+              <a:rPr lang="nl-NL" sz="2000" dirty="0" err="1" smtClean="0"/>
+              <a:t>libraries</a:t>
+            </a:r>
+            <a:r>
+              <a:rPr lang="nl-NL" sz="2000" dirty="0" smtClean="0"/>
               <a:t>, </a:t>
             </a:r>
             <a:r>
-              <a:rPr lang="nl-NL" sz="2400" dirty="0" err="1" smtClean="0"/>
-              <a:t>and</a:t>
-            </a:r>
-            <a:r>
-              <a:rPr lang="nl-NL" sz="2400" dirty="0" smtClean="0"/>
-              <a:t> a </a:t>
-            </a:r>
-            <a:r>
-              <a:rPr lang="nl-NL" sz="2400" dirty="0" err="1" smtClean="0"/>
-              <a:t>count</a:t>
-            </a:r>
-            <a:r>
-              <a:rPr lang="nl-NL" sz="2400" dirty="0" smtClean="0"/>
+              <a:rPr lang="nl-NL" sz="2000" dirty="0" err="1" smtClean="0"/>
+              <a:t>tagging</a:t>
+            </a:r>
+            <a:r>
+              <a:rPr lang="nl-NL" sz="2000" dirty="0" smtClean="0"/>
               <a:t> </a:t>
             </a:r>
             <a:r>
-              <a:rPr lang="nl-NL" sz="2400" dirty="0" err="1" smtClean="0"/>
-              <a:t>for</a:t>
-            </a:r>
-            <a:r>
-              <a:rPr lang="nl-NL" sz="2400" dirty="0" smtClean="0"/>
+              <a:rPr lang="nl-NL" sz="2000" dirty="0" err="1" smtClean="0"/>
+              <a:t>algorithms</a:t>
+            </a:r>
+            <a:r>
+              <a:rPr lang="nl-NL" sz="2000" dirty="0" smtClean="0"/>
+              <a:t>…</a:t>
+            </a:r>
+          </a:p>
+          <a:p>
+            <a:endParaRPr lang="nl-NL" sz="2000" dirty="0"/>
+          </a:p>
+          <a:p>
+            <a:r>
+              <a:rPr lang="nl-NL" sz="2000" dirty="0"/>
+              <a:t>Different scripts</a:t>
+            </a:r>
+          </a:p>
+          <a:p>
+            <a:endParaRPr lang="nl-NL" sz="2000" dirty="0"/>
+          </a:p>
+          <a:p>
+            <a:r>
+              <a:rPr lang="nl-NL" sz="2000" dirty="0" err="1" smtClean="0"/>
+              <a:t>Characteristics</a:t>
+            </a:r>
+            <a:r>
+              <a:rPr lang="nl-NL" sz="2000" dirty="0" smtClean="0"/>
+              <a:t> of English </a:t>
+            </a:r>
+            <a:r>
+              <a:rPr lang="nl-NL" sz="2000" dirty="0" err="1" smtClean="0"/>
+              <a:t>that</a:t>
+            </a:r>
+            <a:r>
+              <a:rPr lang="nl-NL" sz="2000" dirty="0" smtClean="0"/>
               <a:t> </a:t>
             </a:r>
             <a:r>
-              <a:rPr lang="nl-NL" sz="2400" dirty="0" err="1" smtClean="0"/>
-              <a:t>each</a:t>
-            </a:r>
-            <a:endParaRPr lang="nl-NL" sz="2400" dirty="0" smtClean="0"/>
-          </a:p>
-          <a:p>
-            <a:endParaRPr lang="nl-NL" sz="2400" dirty="0"/>
-          </a:p>
-          <a:p>
-            <a:r>
-              <a:rPr lang="nl-NL" sz="2400" dirty="0" smtClean="0"/>
-              <a:t>It </a:t>
-            </a:r>
-            <a:r>
-              <a:rPr lang="nl-NL" sz="2400" dirty="0" err="1" smtClean="0"/>
-              <a:t>ignores</a:t>
-            </a:r>
-            <a:r>
-              <a:rPr lang="nl-NL" sz="2400" dirty="0" smtClean="0"/>
+              <a:rPr lang="nl-NL" sz="2000" dirty="0" err="1" smtClean="0"/>
+              <a:t>many</a:t>
+            </a:r>
+            <a:r>
+              <a:rPr lang="nl-NL" sz="2000" dirty="0" smtClean="0"/>
               <a:t> </a:t>
             </a:r>
             <a:r>
-              <a:rPr lang="nl-NL" sz="2400" dirty="0" err="1" smtClean="0"/>
-              <a:t>semantics</a:t>
-            </a:r>
-            <a:r>
-              <a:rPr lang="nl-NL" sz="2400" dirty="0" smtClean="0"/>
-              <a:t>, syntax (word order), </a:t>
-            </a:r>
-            <a:r>
-              <a:rPr lang="nl-NL" sz="2400" dirty="0" err="1" smtClean="0"/>
+              <a:rPr lang="nl-NL" sz="2000" dirty="0" err="1" smtClean="0"/>
+              <a:t>languages</a:t>
+            </a:r>
+            <a:r>
+              <a:rPr lang="nl-NL" sz="2000" dirty="0" smtClean="0"/>
+              <a:t> </a:t>
+            </a:r>
+            <a:r>
+              <a:rPr lang="nl-NL" sz="2000" dirty="0" err="1" smtClean="0"/>
+              <a:t>don't</a:t>
+            </a:r>
+            <a:r>
+              <a:rPr lang="nl-NL" sz="2000" smtClean="0"/>
+              <a:t> share</a:t>
+            </a:r>
+            <a:endParaRPr lang="nl-NL" sz="2000" dirty="0" smtClean="0"/>
+          </a:p>
+          <a:p>
+            <a:pPr lvl="1"/>
+            <a:r>
+              <a:rPr lang="nl-NL" sz="2000" dirty="0" smtClean="0"/>
+              <a:t>Easy </a:t>
+            </a:r>
+            <a:r>
+              <a:rPr lang="nl-NL" sz="2000" dirty="0" err="1" smtClean="0"/>
+              <a:t>phone-based</a:t>
+            </a:r>
+            <a:r>
+              <a:rPr lang="nl-NL" sz="2000" dirty="0" smtClean="0"/>
+              <a:t> </a:t>
+            </a:r>
+            <a:r>
+              <a:rPr lang="nl-NL" sz="2000" dirty="0" err="1" smtClean="0"/>
+              <a:t>writing</a:t>
+            </a:r>
+            <a:r>
+              <a:rPr lang="nl-NL" sz="2000" dirty="0" smtClean="0"/>
+              <a:t> system</a:t>
+            </a:r>
+          </a:p>
+          <a:p>
+            <a:pPr lvl="1"/>
+            <a:r>
+              <a:rPr lang="nl-NL" sz="2000" dirty="0" err="1" smtClean="0"/>
+              <a:t>Clear</a:t>
+            </a:r>
+            <a:r>
+              <a:rPr lang="nl-NL" sz="2000" dirty="0" smtClean="0"/>
+              <a:t> </a:t>
+            </a:r>
+            <a:r>
+              <a:rPr lang="nl-NL" sz="2000" dirty="0" err="1" smtClean="0"/>
+              <a:t>what</a:t>
+            </a:r>
+            <a:r>
+              <a:rPr lang="nl-NL" sz="2000" dirty="0" smtClean="0"/>
+              <a:t> is a word from text (</a:t>
+            </a:r>
+            <a:r>
+              <a:rPr lang="nl-NL" sz="2000" dirty="0" err="1" smtClean="0"/>
+              <a:t>spaces</a:t>
+            </a:r>
+            <a:r>
+              <a:rPr lang="nl-NL" sz="2000" dirty="0" smtClean="0"/>
+              <a:t>)</a:t>
+            </a:r>
+          </a:p>
+          <a:p>
+            <a:pPr lvl="1"/>
+            <a:r>
+              <a:rPr lang="nl-NL" sz="2000" dirty="0" smtClean="0"/>
+              <a:t>Simple </a:t>
+            </a:r>
+            <a:r>
+              <a:rPr lang="nl-NL" sz="2000" dirty="0" err="1" smtClean="0"/>
               <a:t>morphology</a:t>
             </a:r>
             <a:r>
-              <a:rPr lang="nl-NL" sz="2400" dirty="0" smtClean="0"/>
+              <a:rPr lang="nl-NL" sz="2000" dirty="0" smtClean="0"/>
+              <a:t> (word form)</a:t>
+            </a:r>
+          </a:p>
+          <a:p>
+            <a:pPr lvl="1"/>
+            <a:endParaRPr lang="nl-NL" sz="2000" dirty="0"/>
+          </a:p>
+          <a:p>
+            <a:r>
+              <a:rPr lang="nl-NL" sz="2200" dirty="0" smtClean="0">
+                <a:hlinkClick r:id="rId2"/>
+              </a:rPr>
+              <a:t>Bender </a:t>
+            </a:r>
+            <a:r>
+              <a:rPr lang="nl-NL" sz="2200" dirty="0" err="1" smtClean="0">
+                <a:hlinkClick r:id="rId2"/>
+              </a:rPr>
+              <a:t>rule</a:t>
+            </a:r>
+            <a:r>
+              <a:rPr lang="nl-NL" sz="2200" dirty="0" smtClean="0"/>
+              <a:t>: state </a:t>
+            </a:r>
+            <a:r>
+              <a:rPr lang="nl-NL" sz="2200" dirty="0" err="1" smtClean="0"/>
+              <a:t>which</a:t>
+            </a:r>
+            <a:r>
+              <a:rPr lang="nl-NL" sz="2200" dirty="0" smtClean="0"/>
               <a:t> </a:t>
             </a:r>
             <a:r>
-              <a:rPr lang="nl-NL" sz="2400" dirty="0" err="1" smtClean="0"/>
-              <a:t>and</a:t>
-            </a:r>
-            <a:r>
-              <a:rPr lang="nl-NL" sz="2400" dirty="0" smtClean="0"/>
+              <a:rPr lang="nl-NL" sz="2200" dirty="0" err="1" smtClean="0"/>
+              <a:t>language</a:t>
+            </a:r>
+            <a:r>
+              <a:rPr lang="nl-NL" sz="2200" dirty="0" smtClean="0"/>
               <a:t> </a:t>
             </a:r>
             <a:r>
-              <a:rPr lang="nl-NL" sz="2400" dirty="0" err="1" smtClean="0"/>
-              <a:t>pragmatics</a:t>
-            </a:r>
-            <a:r>
-              <a:rPr lang="nl-NL" sz="2400" dirty="0"/>
+              <a:rPr lang="nl-NL" sz="2200" dirty="0" err="1" smtClean="0"/>
+              <a:t>you're</a:t>
+            </a:r>
+            <a:r>
+              <a:rPr lang="nl-NL" sz="2200" dirty="0" smtClean="0"/>
               <a:t> </a:t>
             </a:r>
             <a:r>
-              <a:rPr lang="nl-NL" sz="2400" dirty="0" smtClean="0"/>
-              <a:t>(e.g., </a:t>
-            </a:r>
-            <a:r>
-              <a:rPr lang="nl-NL" sz="2400" dirty="0" err="1" smtClean="0"/>
-              <a:t>irony</a:t>
-            </a:r>
-            <a:r>
-              <a:rPr lang="nl-NL" sz="2400" dirty="0" smtClean="0"/>
-              <a:t>)</a:t>
-            </a:r>
-          </a:p>
-          <a:p>
-            <a:endParaRPr lang="nl-NL" sz="2400" dirty="0"/>
-          </a:p>
-          <a:p>
-            <a:r>
-              <a:rPr lang="nl-NL" sz="2400" dirty="0" err="1" smtClean="0"/>
-              <a:t>Very</a:t>
-            </a:r>
-            <a:r>
-              <a:rPr lang="nl-NL" sz="2400" dirty="0" smtClean="0"/>
-              <a:t> </a:t>
-            </a:r>
-            <a:r>
-              <a:rPr lang="nl-NL" sz="2400" dirty="0" err="1" smtClean="0"/>
-              <a:t>simple</a:t>
-            </a:r>
-            <a:r>
-              <a:rPr lang="nl-NL" sz="2400" dirty="0" smtClean="0"/>
-              <a:t> but </a:t>
-            </a:r>
-            <a:r>
-              <a:rPr lang="nl-NL" sz="2400" dirty="0" err="1" smtClean="0"/>
-              <a:t>often</a:t>
-            </a:r>
-            <a:r>
-              <a:rPr lang="nl-NL" sz="2400" dirty="0" smtClean="0"/>
-              <a:t> </a:t>
-            </a:r>
-            <a:r>
-              <a:rPr lang="nl-NL" sz="2400" dirty="0" err="1" smtClean="0"/>
-              <a:t>effective</a:t>
-            </a:r>
-            <a:endParaRPr lang="nl-NL" sz="2400" dirty="0" smtClean="0"/>
+              <a:rPr lang="nl-NL" sz="2200" dirty="0" err="1" smtClean="0"/>
+              <a:t>working</a:t>
+            </a:r>
+            <a:r>
+              <a:rPr lang="nl-NL" sz="2200" dirty="0" smtClean="0"/>
+              <a:t> in</a:t>
+            </a:r>
+            <a:endParaRPr lang="nl-NL" sz="2200" dirty="0"/>
+          </a:p>
+          <a:p>
+            <a:endParaRPr lang="nl-NL" sz="2000" dirty="0" smtClean="0"/>
           </a:p>
         </p:txBody>
       </p:sp>
-      <p:graphicFrame>
-        <p:nvGraphicFramePr>
-          <p:cNvPr id="4" name="Tabel 3"/>
-          <p:cNvGraphicFramePr>
-            <a:graphicFrameLocks noGrp="1"/>
-          </p:cNvGraphicFramePr>
-          <p:nvPr>
-            <p:extLst>
-              <p:ext uri="{D42A27DB-BD31-4B8C-83A1-F6EECF244321}">
-                <p14:modId xmlns:p14="http://schemas.microsoft.com/office/powerpoint/2010/main" val="711043460"/>
-              </p:ext>
-            </p:extLst>
-          </p:nvPr>
-        </p:nvGraphicFramePr>
-        <p:xfrm>
-          <a:off x="5580112" y="3645024"/>
-          <a:ext cx="2543944" cy="2464050"/>
-        </p:xfrm>
-        <a:graphic>
-          <a:graphicData uri="http://schemas.openxmlformats.org/drawingml/2006/table">
-            <a:tbl>
-              <a:tblPr firstRow="1" bandRow="1">
-                <a:tableStyleId>{5C22544A-7EE6-4342-B048-85BDC9FD1C3A}</a:tableStyleId>
-              </a:tblPr>
-              <a:tblGrid>
-                <a:gridCol w="1271972">
-                  <a:extLst>
-                    <a:ext uri="{9D8B030D-6E8A-4147-A177-3AD203B41FA5}">
-                      <a16:colId xmlns:a16="http://schemas.microsoft.com/office/drawing/2014/main" val="2772722430"/>
-                    </a:ext>
-                  </a:extLst>
-                </a:gridCol>
-                <a:gridCol w="1271972">
-                  <a:extLst>
-                    <a:ext uri="{9D8B030D-6E8A-4147-A177-3AD203B41FA5}">
-                      <a16:colId xmlns:a16="http://schemas.microsoft.com/office/drawing/2014/main" val="3705205455"/>
-                    </a:ext>
-                  </a:extLst>
-                </a:gridCol>
-              </a:tblGrid>
-              <a:tr h="410675">
-                <a:tc>
-                  <a:txBody>
-                    <a:bodyPr/>
-                    <a:lstStyle/>
-                    <a:p>
-                      <a:r>
-                        <a:rPr lang="nl-NL" dirty="0" smtClean="0"/>
-                        <a:t>Word</a:t>
-                      </a:r>
-                      <a:endParaRPr lang="nl-NL" dirty="0"/>
-                    </a:p>
-                  </a:txBody>
-                  <a:tcPr/>
-                </a:tc>
-                <a:tc>
-                  <a:txBody>
-                    <a:bodyPr/>
-                    <a:lstStyle/>
-                    <a:p>
-                      <a:r>
-                        <a:rPr lang="nl-NL" dirty="0" err="1" smtClean="0"/>
-                        <a:t>Count</a:t>
-                      </a:r>
-                      <a:endParaRPr lang="nl-NL" dirty="0"/>
-                    </a:p>
-                  </a:txBody>
-                  <a:tcPr/>
-                </a:tc>
-                <a:extLst>
-                  <a:ext uri="{0D108BD9-81ED-4DB2-BD59-A6C34878D82A}">
-                    <a16:rowId xmlns:a16="http://schemas.microsoft.com/office/drawing/2014/main" val="4293008583"/>
-                  </a:ext>
-                </a:extLst>
-              </a:tr>
-              <a:tr h="410675">
-                <a:tc>
-                  <a:txBody>
-                    <a:bodyPr/>
-                    <a:lstStyle/>
-                    <a:p>
-                      <a:r>
-                        <a:rPr lang="nl-NL" dirty="0" err="1" smtClean="0"/>
-                        <a:t>You</a:t>
-                      </a:r>
-                      <a:endParaRPr lang="nl-NL" dirty="0"/>
-                    </a:p>
-                  </a:txBody>
-                  <a:tcPr/>
-                </a:tc>
-                <a:tc>
-                  <a:txBody>
-                    <a:bodyPr/>
-                    <a:lstStyle/>
-                    <a:p>
-                      <a:r>
-                        <a:rPr lang="nl-NL" dirty="0" smtClean="0"/>
-                        <a:t>8</a:t>
-                      </a:r>
-                      <a:endParaRPr lang="nl-NL" dirty="0"/>
-                    </a:p>
-                  </a:txBody>
-                  <a:tcPr/>
-                </a:tc>
-                <a:extLst>
-                  <a:ext uri="{0D108BD9-81ED-4DB2-BD59-A6C34878D82A}">
-                    <a16:rowId xmlns:a16="http://schemas.microsoft.com/office/drawing/2014/main" val="1738222635"/>
-                  </a:ext>
-                </a:extLst>
-              </a:tr>
-              <a:tr h="410675">
-                <a:tc>
-                  <a:txBody>
-                    <a:bodyPr/>
-                    <a:lstStyle/>
-                    <a:p>
-                      <a:r>
-                        <a:rPr lang="nl-NL" dirty="0" smtClean="0"/>
-                        <a:t>I</a:t>
-                      </a:r>
-                      <a:endParaRPr lang="nl-NL" dirty="0"/>
-                    </a:p>
-                  </a:txBody>
-                  <a:tcPr/>
-                </a:tc>
-                <a:tc>
-                  <a:txBody>
-                    <a:bodyPr/>
-                    <a:lstStyle/>
-                    <a:p>
-                      <a:r>
-                        <a:rPr lang="nl-NL" dirty="0" smtClean="0"/>
-                        <a:t>6</a:t>
-                      </a:r>
-                      <a:endParaRPr lang="nl-NL" dirty="0"/>
-                    </a:p>
-                  </a:txBody>
-                  <a:tcPr/>
-                </a:tc>
-                <a:extLst>
-                  <a:ext uri="{0D108BD9-81ED-4DB2-BD59-A6C34878D82A}">
-                    <a16:rowId xmlns:a16="http://schemas.microsoft.com/office/drawing/2014/main" val="274242068"/>
-                  </a:ext>
-                </a:extLst>
-              </a:tr>
-              <a:tr h="410675">
-                <a:tc>
-                  <a:txBody>
-                    <a:bodyPr/>
-                    <a:lstStyle/>
-                    <a:p>
-                      <a:r>
-                        <a:rPr lang="nl-NL" dirty="0" err="1" smtClean="0"/>
-                        <a:t>And</a:t>
-                      </a:r>
-                      <a:endParaRPr lang="nl-NL" dirty="0"/>
-                    </a:p>
-                  </a:txBody>
-                  <a:tcPr/>
-                </a:tc>
-                <a:tc>
-                  <a:txBody>
-                    <a:bodyPr/>
-                    <a:lstStyle/>
-                    <a:p>
-                      <a:r>
-                        <a:rPr lang="nl-NL" dirty="0" smtClean="0"/>
-                        <a:t>5</a:t>
-                      </a:r>
-                      <a:endParaRPr lang="nl-NL" dirty="0"/>
-                    </a:p>
-                  </a:txBody>
-                  <a:tcPr/>
-                </a:tc>
-                <a:extLst>
-                  <a:ext uri="{0D108BD9-81ED-4DB2-BD59-A6C34878D82A}">
-                    <a16:rowId xmlns:a16="http://schemas.microsoft.com/office/drawing/2014/main" val="1843385924"/>
-                  </a:ext>
-                </a:extLst>
-              </a:tr>
-              <a:tr h="410675">
-                <a:tc>
-                  <a:txBody>
-                    <a:bodyPr/>
-                    <a:lstStyle/>
-                    <a:p>
-                      <a:r>
-                        <a:rPr lang="nl-NL" dirty="0" smtClean="0"/>
-                        <a:t>Will</a:t>
-                      </a:r>
-                      <a:endParaRPr lang="nl-NL" dirty="0"/>
-                    </a:p>
-                  </a:txBody>
-                  <a:tcPr/>
-                </a:tc>
-                <a:tc>
-                  <a:txBody>
-                    <a:bodyPr/>
-                    <a:lstStyle/>
-                    <a:p>
-                      <a:r>
-                        <a:rPr lang="nl-NL" dirty="0" smtClean="0"/>
-                        <a:t>5</a:t>
-                      </a:r>
-                      <a:endParaRPr lang="nl-NL" dirty="0"/>
-                    </a:p>
-                  </a:txBody>
-                  <a:tcPr/>
-                </a:tc>
-                <a:extLst>
-                  <a:ext uri="{0D108BD9-81ED-4DB2-BD59-A6C34878D82A}">
-                    <a16:rowId xmlns:a16="http://schemas.microsoft.com/office/drawing/2014/main" val="3547913285"/>
-                  </a:ext>
-                </a:extLst>
-              </a:tr>
-              <a:tr h="410675">
-                <a:tc>
-                  <a:txBody>
-                    <a:bodyPr/>
-                    <a:lstStyle/>
-                    <a:p>
-                      <a:r>
-                        <a:rPr lang="nl-NL" dirty="0" smtClean="0"/>
-                        <a:t>Be</a:t>
-                      </a:r>
-                      <a:endParaRPr lang="nl-NL" dirty="0"/>
-                    </a:p>
-                  </a:txBody>
-                  <a:tcPr/>
-                </a:tc>
-                <a:tc>
-                  <a:txBody>
-                    <a:bodyPr/>
-                    <a:lstStyle/>
-                    <a:p>
-                      <a:r>
-                        <a:rPr lang="nl-NL" dirty="0" smtClean="0"/>
-                        <a:t>4</a:t>
-                      </a:r>
-                      <a:endParaRPr lang="nl-NL" dirty="0"/>
-                    </a:p>
-                  </a:txBody>
-                  <a:tcPr/>
-                </a:tc>
-                <a:extLst>
-                  <a:ext uri="{0D108BD9-81ED-4DB2-BD59-A6C34878D82A}">
-                    <a16:rowId xmlns:a16="http://schemas.microsoft.com/office/drawing/2014/main" val="183468617"/>
-                  </a:ext>
-                </a:extLst>
-              </a:tr>
-            </a:tbl>
-          </a:graphicData>
-        </a:graphic>
-      </p:graphicFrame>
-      <p:pic>
-        <p:nvPicPr>
-          <p:cNvPr id="5" name="Afbeelding 4"/>
-          <p:cNvPicPr>
-            <a:picLocks noChangeAspect="1"/>
-          </p:cNvPicPr>
-          <p:nvPr/>
-        </p:nvPicPr>
-        <p:blipFill>
-          <a:blip r:embed="rId2" cstate="print">
-            <a:extLst>
-              <a:ext uri="{28A0092B-C50C-407E-A947-70E740481C1C}">
-                <a14:useLocalDpi xmlns:a14="http://schemas.microsoft.com/office/drawing/2010/main" val="0"/>
-              </a:ext>
-            </a:extLst>
-          </a:blip>
-          <a:stretch>
-            <a:fillRect/>
-          </a:stretch>
-        </p:blipFill>
-        <p:spPr>
-          <a:xfrm>
-            <a:off x="5652120" y="1189038"/>
-            <a:ext cx="2132856" cy="2132856"/>
-          </a:xfrm>
-          <a:prstGeom prst="rect">
-            <a:avLst/>
-          </a:prstGeom>
-        </p:spPr>
-      </p:pic>
     </p:spTree>
     <p:extLst>
       <p:ext uri="{BB962C8B-B14F-4D97-AF65-F5344CB8AC3E}">
-        <p14:creationId xmlns:p14="http://schemas.microsoft.com/office/powerpoint/2010/main" val="861781693"/>
+        <p14:creationId xmlns:p14="http://schemas.microsoft.com/office/powerpoint/2010/main" val="2641933060"/>
       </p:ext>
     </p:extLst>
   </p:cSld>
@@ -17168,8 +18271,8 @@
           <a:lstStyle/>
           <a:p>
             <a:r>
-              <a:rPr lang="nl-NL" dirty="0" err="1" smtClean="0"/>
-              <a:t>Tokenizing</a:t>
+              <a:rPr lang="nl-NL" dirty="0" smtClean="0"/>
+              <a:t>Topics</a:t>
             </a:r>
             <a:endParaRPr lang="nl-NL" dirty="0"/>
           </a:p>
@@ -17188,7 +18291,7 @@
         <p:spPr>
           <a:xfrm>
             <a:off x="762000" y="1762125"/>
-            <a:ext cx="7881938" cy="3416320"/>
+            <a:ext cx="7881938" cy="2234458"/>
           </a:xfrm>
         </p:spPr>
         <p:txBody>
@@ -17196,70 +18299,58 @@
           <a:lstStyle/>
           <a:p>
             <a:r>
+              <a:rPr lang="nl-NL" sz="2400" dirty="0"/>
+              <a:t>Natural Language Processing (NLP)</a:t>
+            </a:r>
+          </a:p>
+          <a:p>
+            <a:endParaRPr lang="nl-NL" sz="2400" dirty="0"/>
+          </a:p>
+          <a:p>
+            <a:r>
               <a:rPr lang="nl-NL" sz="2400" dirty="0" err="1" smtClean="0"/>
-              <a:t>Tokenizing</a:t>
-            </a:r>
-            <a:r>
-              <a:rPr lang="nl-NL" sz="2400" dirty="0" smtClean="0"/>
-              <a:t> is </a:t>
-            </a:r>
-            <a:r>
-              <a:rPr lang="nl-NL" sz="2400" dirty="0" err="1" smtClean="0"/>
-              <a:t>about</a:t>
+              <a:t>Modeling</a:t>
             </a:r>
             <a:r>
               <a:rPr lang="nl-NL" sz="2400" dirty="0" smtClean="0"/>
               <a:t> </a:t>
             </a:r>
             <a:r>
+              <a:rPr lang="nl-NL" sz="2400" dirty="0" smtClean="0"/>
+              <a:t>text in English </a:t>
+            </a:r>
+            <a:r>
               <a:rPr lang="nl-NL" sz="2400" dirty="0" err="1" smtClean="0"/>
-              <a:t>breaking</a:t>
+              <a:t>and</a:t>
             </a:r>
             <a:r>
               <a:rPr lang="nl-NL" sz="2400" dirty="0" smtClean="0"/>
-              <a:t> text up </a:t>
+              <a:t> </a:t>
             </a:r>
             <a:r>
               <a:rPr lang="nl-NL" sz="2400" dirty="0" err="1" smtClean="0"/>
-              <a:t>into</a:t>
+              <a:t>similar</a:t>
             </a:r>
             <a:r>
               <a:rPr lang="nl-NL" sz="2400" dirty="0" smtClean="0"/>
-              <a:t> units (‘</a:t>
+              <a:t> </a:t>
             </a:r>
             <a:r>
               <a:rPr lang="nl-NL" sz="2400" dirty="0" err="1" smtClean="0"/>
-              <a:t>words</a:t>
-            </a:r>
-            <a:r>
-              <a:rPr lang="nl-NL" sz="2400" dirty="0" smtClean="0"/>
-              <a:t>’)</a:t>
-            </a:r>
-          </a:p>
-          <a:p>
-            <a:endParaRPr lang="nl-NL" sz="2400" dirty="0"/>
-          </a:p>
-          <a:p>
-            <a:r>
-              <a:rPr lang="nl-NL" sz="2400" dirty="0" err="1" smtClean="0"/>
-              <a:t>Relatively</a:t>
-            </a:r>
-            <a:r>
-              <a:rPr lang="nl-NL" sz="2400" dirty="0" smtClean="0"/>
-              <a:t> easy in English…</a:t>
-            </a:r>
-          </a:p>
-          <a:p>
-            <a:pPr marL="533400" lvl="1" indent="0">
+              <a:t>languages</a:t>
+            </a:r>
+            <a:endParaRPr lang="nl-NL" sz="2400" dirty="0" smtClean="0"/>
+          </a:p>
+          <a:p>
+            <a:pPr marL="0" indent="0">
               <a:buNone/>
             </a:pPr>
-            <a:r>
-              <a:rPr lang="nl-NL" sz="2400" dirty="0" smtClean="0"/>
-              <a:t>(But </a:t>
-            </a:r>
+            <a:endParaRPr lang="nl-NL" sz="2400" dirty="0"/>
+          </a:p>
+          <a:p>
             <a:r>
               <a:rPr lang="nl-NL" sz="2400" dirty="0" err="1" smtClean="0"/>
-              <a:t>what</a:t>
+              <a:t>Classification</a:t>
             </a:r>
             <a:r>
               <a:rPr lang="nl-NL" sz="2400" dirty="0" smtClean="0"/>
@@ -17267,64 +18358,41 @@
             </a:r>
             <a:r>
               <a:rPr lang="nl-NL" sz="2400" dirty="0" err="1" smtClean="0"/>
-              <a:t>about</a:t>
+              <a:t>with</a:t>
             </a:r>
             <a:r>
               <a:rPr lang="nl-NL" sz="2400" dirty="0" smtClean="0"/>
-              <a:t> ‘New York’, ‘ice cream’)</a:t>
-            </a:r>
-          </a:p>
-          <a:p>
-            <a:pPr lvl="1"/>
-            <a:endParaRPr lang="nl-NL" sz="2400" dirty="0" smtClean="0"/>
-          </a:p>
-          <a:p>
+              <a:t> </a:t>
+            </a:r>
+            <a:r>
+              <a:rPr lang="nl-NL" sz="2400" dirty="0" err="1" smtClean="0"/>
+              <a:t>Naïve</a:t>
+            </a:r>
             <a:r>
               <a:rPr lang="nl-NL" sz="2400" dirty="0" smtClean="0"/>
-              <a:t>A lot harder in ‘</a:t>
-            </a:r>
-            <a:r>
-              <a:rPr lang="nl-NL" sz="2400" dirty="0" err="1" smtClean="0"/>
-              <a:t>agglutinative</a:t>
-            </a:r>
-            <a:r>
-              <a:rPr lang="nl-NL" sz="2400" dirty="0" smtClean="0"/>
-              <a:t>’ </a:t>
-            </a:r>
-            <a:r>
-              <a:rPr lang="nl-NL" sz="2400" dirty="0" err="1" smtClean="0"/>
-              <a:t>languages</a:t>
-            </a:r>
-            <a:r>
-              <a:rPr lang="nl-NL" sz="2400" dirty="0" smtClean="0"/>
-              <a:t> like </a:t>
-            </a:r>
-            <a:r>
-              <a:rPr lang="nl-NL" sz="2400" dirty="0" err="1" smtClean="0"/>
-              <a:t>Turkish</a:t>
-            </a:r>
-            <a:r>
-              <a:rPr lang="nl-NL" sz="2400" dirty="0" smtClean="0"/>
-              <a:t> or </a:t>
-            </a:r>
-            <a:r>
-              <a:rPr lang="nl-NL" sz="2400" dirty="0" err="1" smtClean="0"/>
-              <a:t>Finnish</a:t>
-            </a:r>
-            <a:endParaRPr lang="nl-NL" sz="2400" dirty="0" smtClean="0"/>
+              <a:t> Bayes</a:t>
+            </a:r>
+            <a:endParaRPr lang="nl-NL" sz="2400" dirty="0"/>
           </a:p>
         </p:txBody>
       </p:sp>
     </p:spTree>
     <p:extLst>
       <p:ext uri="{BB962C8B-B14F-4D97-AF65-F5344CB8AC3E}">
-        <p14:creationId xmlns:p14="http://schemas.microsoft.com/office/powerpoint/2010/main" val="3012499521"/>
+        <p14:creationId xmlns:p14="http://schemas.microsoft.com/office/powerpoint/2010/main" val="184613006"/>
       </p:ext>
     </p:extLst>
   </p:cSld>
   <p:clrMapOvr>
     <a:masterClrMapping/>
   </p:clrMapOvr>
+  <p:timing>
+    <p:tnLst>
+      <p:par>
+        <p:cTn id="1" dur="indefinite" restart="never" nodeType="tmRoot"/>
+      </p:par>
+    </p:tnLst>
+  </p:timing>
 </p:sld>
 </file>
 

--- a/slides/Week 6 - text mining.pptx
+++ b/slides/Week 6 - text mining.pptx
@@ -7798,7 +7798,7 @@
         <p:spPr bwMode="auto">
           <a:xfrm>
             <a:off x="826207" y="1340768"/>
-            <a:ext cx="7881938" cy="7337393"/>
+            <a:ext cx="7881938" cy="5958554"/>
           </a:xfrm>
           <a:prstGeom prst="rect">
             <a:avLst/>
@@ -8350,10 +8350,6 @@
               </a:rPr>
               <a:t> Notebook</a:t>
             </a:r>
-            <a:endParaRPr lang="nl-NL" sz="1400" kern="0" dirty="0" smtClean="0">
-              <a:latin typeface="Courier New" panose="02070309020205020404" pitchFamily="49" charset="0"/>
-              <a:cs typeface="Courier New" panose="02070309020205020404" pitchFamily="49" charset="0"/>
-            </a:endParaRPr>
           </a:p>
           <a:p>
             <a:pPr marL="0" indent="0">
@@ -8803,75 +8799,64 @@
                 <a:latin typeface="Courier New" panose="02070309020205020404" pitchFamily="49" charset="0"/>
                 <a:cs typeface="Courier New" panose="02070309020205020404" pitchFamily="49" charset="0"/>
               </a:rPr>
-              <a:t>in Pandas</a:t>
+              <a:t>in Pandas. </a:t>
+            </a:r>
+            <a:r>
+              <a:rPr lang="nl-NL" sz="1400" kern="0" dirty="0" err="1" smtClean="0">
+                <a:latin typeface="Courier New" panose="02070309020205020404" pitchFamily="49" charset="0"/>
+                <a:cs typeface="Courier New" panose="02070309020205020404" pitchFamily="49" charset="0"/>
+              </a:rPr>
+              <a:t>If</a:t>
             </a:r>
             <a:r>
               <a:rPr lang="nl-NL" sz="1400" kern="0" dirty="0" smtClean="0">
                 <a:latin typeface="Courier New" panose="02070309020205020404" pitchFamily="49" charset="0"/>
                 <a:cs typeface="Courier New" panose="02070309020205020404" pitchFamily="49" charset="0"/>
               </a:rPr>
-              <a:t>. </a:t>
+              <a:t> </a:t>
             </a:r>
             <a:r>
               <a:rPr lang="nl-NL" sz="1400" kern="0" dirty="0" err="1" smtClean="0">
                 <a:latin typeface="Courier New" panose="02070309020205020404" pitchFamily="49" charset="0"/>
                 <a:cs typeface="Courier New" panose="02070309020205020404" pitchFamily="49" charset="0"/>
               </a:rPr>
-              <a:t>If</a:t>
+              <a:t>you</a:t>
             </a:r>
             <a:r>
               <a:rPr lang="nl-NL" sz="1400" kern="0" dirty="0" smtClean="0">
                 <a:latin typeface="Courier New" panose="02070309020205020404" pitchFamily="49" charset="0"/>
                 <a:cs typeface="Courier New" panose="02070309020205020404" pitchFamily="49" charset="0"/>
               </a:rPr>
-              <a:t> </a:t>
+              <a:t> are </a:t>
             </a:r>
             <a:r>
               <a:rPr lang="nl-NL" sz="1400" kern="0" dirty="0" err="1" smtClean="0">
                 <a:latin typeface="Courier New" panose="02070309020205020404" pitchFamily="49" charset="0"/>
                 <a:cs typeface="Courier New" panose="02070309020205020404" pitchFamily="49" charset="0"/>
               </a:rPr>
-              <a:t>you</a:t>
+              <a:t>stuck</a:t>
             </a:r>
             <a:r>
               <a:rPr lang="nl-NL" sz="1400" kern="0" dirty="0" smtClean="0">
                 <a:latin typeface="Courier New" panose="02070309020205020404" pitchFamily="49" charset="0"/>
                 <a:cs typeface="Courier New" panose="02070309020205020404" pitchFamily="49" charset="0"/>
               </a:rPr>
-              <a:t> are </a:t>
+              <a:t>, </a:t>
             </a:r>
             <a:r>
               <a:rPr lang="nl-NL" sz="1400" kern="0" dirty="0" err="1" smtClean="0">
                 <a:latin typeface="Courier New" panose="02070309020205020404" pitchFamily="49" charset="0"/>
                 <a:cs typeface="Courier New" panose="02070309020205020404" pitchFamily="49" charset="0"/>
               </a:rPr>
-              <a:t>stuck</a:t>
+              <a:t>ask</a:t>
             </a:r>
             <a:r>
               <a:rPr lang="nl-NL" sz="1400" kern="0" dirty="0" smtClean="0">
                 <a:latin typeface="Courier New" panose="02070309020205020404" pitchFamily="49" charset="0"/>
                 <a:cs typeface="Courier New" panose="02070309020205020404" pitchFamily="49" charset="0"/>
               </a:rPr>
-              <a:t>, </a:t>
-            </a:r>
-            <a:r>
-              <a:rPr lang="nl-NL" sz="1400" kern="0" dirty="0" err="1" smtClean="0">
-                <a:latin typeface="Courier New" panose="02070309020205020404" pitchFamily="49" charset="0"/>
-                <a:cs typeface="Courier New" panose="02070309020205020404" pitchFamily="49" charset="0"/>
-              </a:rPr>
-              <a:t>ask</a:t>
-            </a:r>
-            <a:r>
-              <a:rPr lang="nl-NL" sz="1400" kern="0" dirty="0" smtClean="0">
-                <a:latin typeface="Courier New" panose="02070309020205020404" pitchFamily="49" charset="0"/>
-                <a:cs typeface="Courier New" panose="02070309020205020404" pitchFamily="49" charset="0"/>
-              </a:rPr>
               <a:t>!</a:t>
             </a:r>
-            <a:endParaRPr lang="nl-NL" sz="1400" kern="0" dirty="0" smtClean="0">
-              <a:latin typeface="Courier New" panose="02070309020205020404" pitchFamily="49" charset="0"/>
-              <a:cs typeface="Courier New" panose="02070309020205020404" pitchFamily="49" charset="0"/>
-            </a:endParaRPr>
           </a:p>
           <a:p>
             <a:pPr>
@@ -8947,304 +8932,12 @@
               <a:t>words</a:t>
             </a:r>
             <a:r>
-              <a:rPr lang="nl-NL" sz="1400" kern="0" dirty="0" smtClean="0">
+              <a:rPr lang="nl-NL" sz="1400" kern="0" smtClean="0">
                 <a:latin typeface="Courier New" panose="02070309020205020404" pitchFamily="49" charset="0"/>
                 <a:cs typeface="Courier New" panose="02070309020205020404" pitchFamily="49" charset="0"/>
               </a:rPr>
               <a:t>.</a:t>
             </a:r>
-          </a:p>
-          <a:p>
-            <a:pPr>
-              <a:buFont typeface="+mj-lt"/>
-              <a:buAutoNum type="arabicPeriod"/>
-            </a:pPr>
-            <a:endParaRPr lang="nl-NL" sz="1400" kern="0" dirty="0">
-              <a:latin typeface="Courier New" panose="02070309020205020404" pitchFamily="49" charset="0"/>
-              <a:cs typeface="Courier New" panose="02070309020205020404" pitchFamily="49" charset="0"/>
-            </a:endParaRPr>
-          </a:p>
-          <a:p>
-            <a:pPr>
-              <a:buFont typeface="+mj-lt"/>
-              <a:buAutoNum type="arabicPeriod"/>
-            </a:pPr>
-            <a:r>
-              <a:rPr lang="nl-NL" sz="1400" kern="0" dirty="0" smtClean="0">
-                <a:latin typeface="Courier New" panose="02070309020205020404" pitchFamily="49" charset="0"/>
-                <a:cs typeface="Courier New" panose="02070309020205020404" pitchFamily="49" charset="0"/>
-              </a:rPr>
-              <a:t>The next step </a:t>
-            </a:r>
-            <a:r>
-              <a:rPr lang="nl-NL" sz="1400" kern="0" dirty="0" err="1" smtClean="0">
-                <a:latin typeface="Courier New" panose="02070309020205020404" pitchFamily="49" charset="0"/>
-                <a:cs typeface="Courier New" panose="02070309020205020404" pitchFamily="49" charset="0"/>
-              </a:rPr>
-              <a:t>should</a:t>
-            </a:r>
-            <a:r>
-              <a:rPr lang="nl-NL" sz="1400" kern="0" dirty="0" smtClean="0">
-                <a:latin typeface="Courier New" panose="02070309020205020404" pitchFamily="49" charset="0"/>
-                <a:cs typeface="Courier New" panose="02070309020205020404" pitchFamily="49" charset="0"/>
-              </a:rPr>
-              <a:t> </a:t>
-            </a:r>
-            <a:r>
-              <a:rPr lang="nl-NL" sz="1400" kern="0" dirty="0" err="1" smtClean="0">
-                <a:latin typeface="Courier New" panose="02070309020205020404" pitchFamily="49" charset="0"/>
-                <a:cs typeface="Courier New" panose="02070309020205020404" pitchFamily="49" charset="0"/>
-              </a:rPr>
-              <a:t>not</a:t>
-            </a:r>
-            <a:r>
-              <a:rPr lang="nl-NL" sz="1400" kern="0" dirty="0" smtClean="0">
-                <a:latin typeface="Courier New" panose="02070309020205020404" pitchFamily="49" charset="0"/>
-                <a:cs typeface="Courier New" panose="02070309020205020404" pitchFamily="49" charset="0"/>
-              </a:rPr>
-              <a:t> </a:t>
-            </a:r>
-            <a:r>
-              <a:rPr lang="nl-NL" sz="1400" kern="0" dirty="0" err="1" smtClean="0">
-                <a:latin typeface="Courier New" panose="02070309020205020404" pitchFamily="49" charset="0"/>
-                <a:cs typeface="Courier New" panose="02070309020205020404" pitchFamily="49" charset="0"/>
-              </a:rPr>
-              <a:t>freeze</a:t>
-            </a:r>
-            <a:r>
-              <a:rPr lang="nl-NL" sz="1400" kern="0" dirty="0" smtClean="0">
-                <a:latin typeface="Courier New" panose="02070309020205020404" pitchFamily="49" charset="0"/>
-                <a:cs typeface="Courier New" panose="02070309020205020404" pitchFamily="49" charset="0"/>
-              </a:rPr>
-              <a:t> </a:t>
-            </a:r>
-            <a:r>
-              <a:rPr lang="nl-NL" sz="1400" kern="0" dirty="0" err="1" smtClean="0">
-                <a:latin typeface="Courier New" panose="02070309020205020404" pitchFamily="49" charset="0"/>
-                <a:cs typeface="Courier New" panose="02070309020205020404" pitchFamily="49" charset="0"/>
-              </a:rPr>
-              <a:t>your</a:t>
-            </a:r>
-            <a:r>
-              <a:rPr lang="nl-NL" sz="1400" kern="0" dirty="0" smtClean="0">
-                <a:latin typeface="Courier New" panose="02070309020205020404" pitchFamily="49" charset="0"/>
-                <a:cs typeface="Courier New" panose="02070309020205020404" pitchFamily="49" charset="0"/>
-              </a:rPr>
-              <a:t> </a:t>
-            </a:r>
-            <a:r>
-              <a:rPr lang="nl-NL" sz="1400" kern="0" dirty="0" smtClean="0">
-                <a:latin typeface="Courier New" panose="02070309020205020404" pitchFamily="49" charset="0"/>
-                <a:cs typeface="Courier New" panose="02070309020205020404" pitchFamily="49" charset="0"/>
-              </a:rPr>
-              <a:t>computer, </a:t>
-            </a:r>
-            <a:r>
-              <a:rPr lang="nl-NL" sz="1400" kern="0" dirty="0" smtClean="0">
-                <a:latin typeface="Courier New" panose="02070309020205020404" pitchFamily="49" charset="0"/>
-                <a:cs typeface="Courier New" panose="02070309020205020404" pitchFamily="49" charset="0"/>
-              </a:rPr>
-              <a:t>but </a:t>
-            </a:r>
-            <a:r>
-              <a:rPr lang="nl-NL" sz="1400" kern="0" dirty="0" err="1" smtClean="0">
-                <a:latin typeface="Courier New" panose="02070309020205020404" pitchFamily="49" charset="0"/>
-                <a:cs typeface="Courier New" panose="02070309020205020404" pitchFamily="49" charset="0"/>
-              </a:rPr>
-              <a:t>just</a:t>
-            </a:r>
-            <a:r>
-              <a:rPr lang="nl-NL" sz="1400" kern="0" dirty="0" smtClean="0">
-                <a:latin typeface="Courier New" panose="02070309020205020404" pitchFamily="49" charset="0"/>
-                <a:cs typeface="Courier New" panose="02070309020205020404" pitchFamily="49" charset="0"/>
-              </a:rPr>
-              <a:t> in case: save </a:t>
-            </a:r>
-            <a:r>
-              <a:rPr lang="nl-NL" sz="1400" kern="0" dirty="0" err="1" smtClean="0">
-                <a:latin typeface="Courier New" panose="02070309020205020404" pitchFamily="49" charset="0"/>
-                <a:cs typeface="Courier New" panose="02070309020205020404" pitchFamily="49" charset="0"/>
-              </a:rPr>
-              <a:t>your</a:t>
-            </a:r>
-            <a:r>
-              <a:rPr lang="nl-NL" sz="1400" kern="0" dirty="0" smtClean="0">
-                <a:latin typeface="Courier New" panose="02070309020205020404" pitchFamily="49" charset="0"/>
-                <a:cs typeface="Courier New" panose="02070309020205020404" pitchFamily="49" charset="0"/>
-              </a:rPr>
-              <a:t> files. </a:t>
-            </a:r>
-            <a:r>
-              <a:rPr lang="nl-NL" sz="1400" kern="0" dirty="0" err="1" smtClean="0">
-                <a:latin typeface="Courier New" panose="02070309020205020404" pitchFamily="49" charset="0"/>
-                <a:cs typeface="Courier New" panose="02070309020205020404" pitchFamily="49" charset="0"/>
-              </a:rPr>
-              <a:t>Try</a:t>
-            </a:r>
-            <a:r>
-              <a:rPr lang="nl-NL" sz="1400" kern="0" dirty="0" smtClean="0">
-                <a:latin typeface="Courier New" panose="02070309020205020404" pitchFamily="49" charset="0"/>
-                <a:cs typeface="Courier New" panose="02070309020205020404" pitchFamily="49" charset="0"/>
-              </a:rPr>
-              <a:t> </a:t>
-            </a:r>
-            <a:r>
-              <a:rPr lang="nl-NL" sz="1400" kern="0" dirty="0" err="1" smtClean="0">
-                <a:latin typeface="Courier New" panose="02070309020205020404" pitchFamily="49" charset="0"/>
-                <a:cs typeface="Courier New" panose="02070309020205020404" pitchFamily="49" charset="0"/>
-              </a:rPr>
-              <a:t>and</a:t>
-            </a:r>
-            <a:r>
-              <a:rPr lang="nl-NL" sz="1400" kern="0" dirty="0" smtClean="0">
-                <a:latin typeface="Courier New" panose="02070309020205020404" pitchFamily="49" charset="0"/>
-                <a:cs typeface="Courier New" panose="02070309020205020404" pitchFamily="49" charset="0"/>
-              </a:rPr>
-              <a:t> make a regular matrix out of the </a:t>
-            </a:r>
-            <a:r>
-              <a:rPr lang="nl-NL" sz="1400" kern="0" dirty="0" err="1" smtClean="0">
-                <a:latin typeface="Courier New" panose="02070309020205020404" pitchFamily="49" charset="0"/>
-                <a:cs typeface="Courier New" panose="02070309020205020404" pitchFamily="49" charset="0"/>
-              </a:rPr>
-              <a:t>sparse</a:t>
-            </a:r>
-            <a:r>
-              <a:rPr lang="nl-NL" sz="1400" kern="0" dirty="0" smtClean="0">
-                <a:latin typeface="Courier New" panose="02070309020205020404" pitchFamily="49" charset="0"/>
-                <a:cs typeface="Courier New" panose="02070309020205020404" pitchFamily="49" charset="0"/>
-              </a:rPr>
-              <a:t> matrix </a:t>
-            </a:r>
-            <a:r>
-              <a:rPr lang="nl-NL" sz="1400" kern="0" dirty="0" err="1" smtClean="0">
-                <a:latin typeface="Courier New" panose="02070309020205020404" pitchFamily="49" charset="0"/>
-                <a:cs typeface="Courier New" panose="02070309020205020404" pitchFamily="49" charset="0"/>
-              </a:rPr>
-              <a:t>and</a:t>
-            </a:r>
-            <a:r>
-              <a:rPr lang="nl-NL" sz="1400" kern="0" dirty="0" smtClean="0">
-                <a:latin typeface="Courier New" panose="02070309020205020404" pitchFamily="49" charset="0"/>
-                <a:cs typeface="Courier New" panose="02070309020205020404" pitchFamily="49" charset="0"/>
-              </a:rPr>
-              <a:t> </a:t>
-            </a:r>
-            <a:r>
-              <a:rPr lang="nl-NL" sz="1400" kern="0" dirty="0" err="1" smtClean="0">
-                <a:latin typeface="Courier New" panose="02070309020205020404" pitchFamily="49" charset="0"/>
-                <a:cs typeface="Courier New" panose="02070309020205020404" pitchFamily="49" charset="0"/>
-              </a:rPr>
-              <a:t>add</a:t>
-            </a:r>
-            <a:r>
-              <a:rPr lang="nl-NL" sz="1400" kern="0" dirty="0" smtClean="0">
-                <a:latin typeface="Courier New" panose="02070309020205020404" pitchFamily="49" charset="0"/>
-                <a:cs typeface="Courier New" panose="02070309020205020404" pitchFamily="49" charset="0"/>
-              </a:rPr>
-              <a:t> </a:t>
-            </a:r>
-            <a:r>
-              <a:rPr lang="nl-NL" sz="1400" kern="0" dirty="0" err="1" smtClean="0">
-                <a:latin typeface="Courier New" panose="02070309020205020404" pitchFamily="49" charset="0"/>
-                <a:cs typeface="Courier New" panose="02070309020205020404" pitchFamily="49" charset="0"/>
-              </a:rPr>
-              <a:t>it</a:t>
-            </a:r>
-            <a:r>
-              <a:rPr lang="nl-NL" sz="1400" kern="0" dirty="0" smtClean="0">
-                <a:latin typeface="Courier New" panose="02070309020205020404" pitchFamily="49" charset="0"/>
-                <a:cs typeface="Courier New" panose="02070309020205020404" pitchFamily="49" charset="0"/>
-              </a:rPr>
-              <a:t> </a:t>
-            </a:r>
-            <a:r>
-              <a:rPr lang="nl-NL" sz="1400" kern="0" dirty="0" err="1" smtClean="0">
-                <a:latin typeface="Courier New" panose="02070309020205020404" pitchFamily="49" charset="0"/>
-                <a:cs typeface="Courier New" panose="02070309020205020404" pitchFamily="49" charset="0"/>
-              </a:rPr>
-              <a:t>to</a:t>
-            </a:r>
-            <a:r>
-              <a:rPr lang="nl-NL" sz="1400" kern="0" dirty="0" smtClean="0">
-                <a:latin typeface="Courier New" panose="02070309020205020404" pitchFamily="49" charset="0"/>
-                <a:cs typeface="Courier New" panose="02070309020205020404" pitchFamily="49" charset="0"/>
-              </a:rPr>
-              <a:t> the data frame. </a:t>
-            </a:r>
-            <a:r>
-              <a:rPr lang="nl-NL" sz="1400" kern="0" dirty="0" smtClean="0">
-                <a:latin typeface="Courier New" panose="02070309020205020404" pitchFamily="49" charset="0"/>
-                <a:cs typeface="Courier New" panose="02070309020205020404" pitchFamily="49" charset="0"/>
-              </a:rPr>
-              <a:t>How </a:t>
-            </a:r>
-            <a:r>
-              <a:rPr lang="nl-NL" sz="1400" kern="0" dirty="0" err="1" smtClean="0">
-                <a:latin typeface="Courier New" panose="02070309020205020404" pitchFamily="49" charset="0"/>
-                <a:cs typeface="Courier New" panose="02070309020205020404" pitchFamily="49" charset="0"/>
-              </a:rPr>
-              <a:t>much</a:t>
-            </a:r>
-            <a:r>
-              <a:rPr lang="nl-NL" sz="1400" kern="0" dirty="0" smtClean="0">
-                <a:latin typeface="Courier New" panose="02070309020205020404" pitchFamily="49" charset="0"/>
-                <a:cs typeface="Courier New" panose="02070309020205020404" pitchFamily="49" charset="0"/>
-              </a:rPr>
-              <a:t> memory does Python </a:t>
-            </a:r>
-            <a:r>
-              <a:rPr lang="nl-NL" sz="1400" kern="0" dirty="0" err="1" smtClean="0">
-                <a:latin typeface="Courier New" panose="02070309020205020404" pitchFamily="49" charset="0"/>
-                <a:cs typeface="Courier New" panose="02070309020205020404" pitchFamily="49" charset="0"/>
-              </a:rPr>
-              <a:t>use</a:t>
-            </a:r>
-            <a:r>
-              <a:rPr lang="nl-NL" sz="1400" kern="0" dirty="0" smtClean="0">
-                <a:latin typeface="Courier New" panose="02070309020205020404" pitchFamily="49" charset="0"/>
-                <a:cs typeface="Courier New" panose="02070309020205020404" pitchFamily="49" charset="0"/>
-              </a:rPr>
-              <a:t> </a:t>
-            </a:r>
-            <a:r>
-              <a:rPr lang="nl-NL" sz="1400" kern="0" dirty="0" err="1" smtClean="0">
-                <a:latin typeface="Courier New" panose="02070309020205020404" pitchFamily="49" charset="0"/>
-                <a:cs typeface="Courier New" panose="02070309020205020404" pitchFamily="49" charset="0"/>
-              </a:rPr>
-              <a:t>now</a:t>
-            </a:r>
-            <a:r>
-              <a:rPr lang="nl-NL" sz="1400" kern="0" dirty="0" smtClean="0">
-                <a:latin typeface="Courier New" panose="02070309020205020404" pitchFamily="49" charset="0"/>
-                <a:cs typeface="Courier New" panose="02070309020205020404" pitchFamily="49" charset="0"/>
-              </a:rPr>
-              <a:t>? (Windows: </a:t>
-            </a:r>
-            <a:r>
-              <a:rPr lang="nl-NL" sz="1400" kern="0" dirty="0" err="1" smtClean="0">
-                <a:latin typeface="Courier New" panose="02070309020205020404" pitchFamily="49" charset="0"/>
-                <a:cs typeface="Courier New" panose="02070309020205020404" pitchFamily="49" charset="0"/>
-              </a:rPr>
-              <a:t>Task</a:t>
-            </a:r>
-            <a:r>
-              <a:rPr lang="nl-NL" sz="1400" kern="0" dirty="0" smtClean="0">
-                <a:latin typeface="Courier New" panose="02070309020205020404" pitchFamily="49" charset="0"/>
-                <a:cs typeface="Courier New" panose="02070309020205020404" pitchFamily="49" charset="0"/>
-              </a:rPr>
-              <a:t> manager / Taakbeheer. Apple: Activity Monitor)</a:t>
-            </a:r>
-            <a:endParaRPr lang="nl-NL" sz="1200" kern="0" dirty="0">
-              <a:latin typeface="Courier New" panose="02070309020205020404" pitchFamily="49" charset="0"/>
-              <a:cs typeface="Courier New" panose="02070309020205020404" pitchFamily="49" charset="0"/>
-            </a:endParaRPr>
-          </a:p>
-          <a:p>
-            <a:pPr>
-              <a:buFont typeface="+mj-lt"/>
-              <a:buAutoNum type="arabicPeriod"/>
-            </a:pPr>
             <a:endParaRPr lang="nl-NL" sz="1200" kern="0" dirty="0">
               <a:latin typeface="Courier New" panose="02070309020205020404" pitchFamily="49" charset="0"/>
               <a:cs typeface="Courier New" panose="02070309020205020404" pitchFamily="49" charset="0"/>
@@ -10685,16 +10378,11 @@
               <a:rPr lang="nl-NL" dirty="0" smtClean="0"/>
               <a:t>P(“offer” &amp; mail) = </a:t>
             </a:r>
-            <a:endParaRPr lang="nl-NL" dirty="0" smtClean="0"/>
           </a:p>
           <a:p>
             <a:r>
               <a:rPr lang="nl-NL" dirty="0" smtClean="0"/>
-              <a:t>70% x 10% = 7</a:t>
-            </a:r>
-            <a:r>
-              <a:rPr lang="nl-NL" dirty="0" smtClean="0"/>
-              <a:t>%</a:t>
+              <a:t>70% x 10% = 7%</a:t>
             </a:r>
             <a:endParaRPr lang="nl-NL" dirty="0"/>
           </a:p>
@@ -10956,11 +10644,7 @@
           <a:p>
             <a:r>
               <a:rPr lang="nl-NL" dirty="0" smtClean="0"/>
-              <a:t>7</a:t>
-            </a:r>
-            <a:r>
-              <a:rPr lang="nl-NL" dirty="0" smtClean="0"/>
-              <a:t> </a:t>
+              <a:t>7 </a:t>
             </a:r>
             <a:r>
               <a:rPr lang="nl-NL" dirty="0" err="1" smtClean="0"/>
@@ -11528,11 +11212,7 @@
             </a:r>
             <a:r>
               <a:rPr lang="nl-NL" sz="2400" dirty="0" smtClean="0"/>
-              <a:t> </a:t>
-            </a:r>
-            <a:r>
-              <a:rPr lang="nl-NL" sz="2400" dirty="0" smtClean="0"/>
-              <a:t>of </a:t>
+              <a:t> of </a:t>
             </a:r>
             <a:r>
               <a:rPr lang="nl-NL" sz="2400" dirty="0" err="1" smtClean="0"/>
@@ -12949,27 +12629,117 @@
                 <a:latin typeface="Courier New" panose="02070309020205020404" pitchFamily="49" charset="0"/>
                 <a:cs typeface="Courier New" panose="02070309020205020404" pitchFamily="49" charset="0"/>
               </a:rPr>
-              <a:t>Creat</a:t>
+              <a:t>Create</a:t>
+            </a:r>
+            <a:r>
+              <a:rPr lang="nl-NL" sz="1600" kern="0" dirty="0" smtClean="0">
+                <a:latin typeface="Courier New" panose="02070309020205020404" pitchFamily="49" charset="0"/>
+                <a:cs typeface="Courier New" panose="02070309020205020404" pitchFamily="49" charset="0"/>
+              </a:rPr>
+              <a:t> X </a:t>
             </a:r>
             <a:r>
               <a:rPr lang="nl-NL" sz="1600" kern="0" dirty="0" err="1" smtClean="0">
                 <a:latin typeface="Courier New" panose="02070309020205020404" pitchFamily="49" charset="0"/>
                 <a:cs typeface="Courier New" panose="02070309020205020404" pitchFamily="49" charset="0"/>
               </a:rPr>
-              <a:t>e</a:t>
+              <a:t>and</a:t>
             </a:r>
             <a:r>
               <a:rPr lang="nl-NL" sz="1600" kern="0" dirty="0" smtClean="0">
                 <a:latin typeface="Courier New" panose="02070309020205020404" pitchFamily="49" charset="0"/>
                 <a:cs typeface="Courier New" panose="02070309020205020404" pitchFamily="49" charset="0"/>
               </a:rPr>
-              <a:t> X </a:t>
+              <a:t> y variables – y is the </a:t>
             </a:r>
             <a:r>
               <a:rPr lang="nl-NL" sz="1600" kern="0" dirty="0" err="1" smtClean="0">
                 <a:latin typeface="Courier New" panose="02070309020205020404" pitchFamily="49" charset="0"/>
                 <a:cs typeface="Courier New" panose="02070309020205020404" pitchFamily="49" charset="0"/>
               </a:rPr>
+              <a:t>colummn</a:t>
+            </a:r>
+            <a:r>
+              <a:rPr lang="nl-NL" sz="1600" kern="0" dirty="0" smtClean="0">
+                <a:latin typeface="Courier New" panose="02070309020205020404" pitchFamily="49" charset="0"/>
+                <a:cs typeface="Courier New" panose="02070309020205020404" pitchFamily="49" charset="0"/>
+              </a:rPr>
+              <a:t> </a:t>
+            </a:r>
+            <a:r>
+              <a:rPr lang="nl-NL" sz="1600" kern="0" dirty="0" err="1" smtClean="0">
+                <a:latin typeface="Courier New" panose="02070309020205020404" pitchFamily="49" charset="0"/>
+                <a:cs typeface="Courier New" panose="02070309020205020404" pitchFamily="49" charset="0"/>
+              </a:rPr>
+              <a:t>with</a:t>
+            </a:r>
+            <a:r>
+              <a:rPr lang="nl-NL" sz="1600" kern="0" dirty="0" smtClean="0">
+                <a:latin typeface="Courier New" panose="02070309020205020404" pitchFamily="49" charset="0"/>
+                <a:cs typeface="Courier New" panose="02070309020205020404" pitchFamily="49" charset="0"/>
+              </a:rPr>
+              <a:t> the </a:t>
+            </a:r>
+            <a:r>
+              <a:rPr lang="nl-NL" sz="1600" kern="0" dirty="0" err="1" smtClean="0">
+                <a:latin typeface="Courier New" panose="02070309020205020404" pitchFamily="49" charset="0"/>
+                <a:cs typeface="Courier New" panose="02070309020205020404" pitchFamily="49" charset="0"/>
+              </a:rPr>
+              <a:t>character</a:t>
+            </a:r>
+            <a:r>
+              <a:rPr lang="nl-NL" sz="1600" kern="0" dirty="0" smtClean="0">
+                <a:latin typeface="Courier New" panose="02070309020205020404" pitchFamily="49" charset="0"/>
+                <a:cs typeface="Courier New" panose="02070309020205020404" pitchFamily="49" charset="0"/>
+              </a:rPr>
+              <a:t> </a:t>
+            </a:r>
+            <a:r>
+              <a:rPr lang="nl-NL" sz="1600" kern="0" dirty="0" err="1" smtClean="0">
+                <a:latin typeface="Courier New" panose="02070309020205020404" pitchFamily="49" charset="0"/>
+                <a:cs typeface="Courier New" panose="02070309020205020404" pitchFamily="49" charset="0"/>
+              </a:rPr>
+              <a:t>names</a:t>
+            </a:r>
+            <a:r>
+              <a:rPr lang="nl-NL" sz="1600" kern="0" dirty="0" smtClean="0">
+                <a:latin typeface="Courier New" panose="02070309020205020404" pitchFamily="49" charset="0"/>
+                <a:cs typeface="Courier New" panose="02070309020205020404" pitchFamily="49" charset="0"/>
+              </a:rPr>
+              <a:t>, X is the document-feature matrix</a:t>
+            </a:r>
+          </a:p>
+          <a:p>
+            <a:pPr>
+              <a:buFont typeface="+mj-lt"/>
+              <a:buAutoNum type="arabicPeriod"/>
+            </a:pPr>
+            <a:r>
+              <a:rPr lang="nl-NL" sz="1600" kern="0" dirty="0" smtClean="0">
+                <a:latin typeface="Courier New" panose="02070309020205020404" pitchFamily="49" charset="0"/>
+                <a:cs typeface="Courier New" panose="02070309020205020404" pitchFamily="49" charset="0"/>
+              </a:rPr>
+              <a:t>Split the data </a:t>
+            </a:r>
+            <a:r>
+              <a:rPr lang="nl-NL" sz="1600" kern="0" dirty="0" err="1" smtClean="0">
+                <a:latin typeface="Courier New" panose="02070309020205020404" pitchFamily="49" charset="0"/>
+                <a:cs typeface="Courier New" panose="02070309020205020404" pitchFamily="49" charset="0"/>
+              </a:rPr>
+              <a:t>into</a:t>
+            </a:r>
+            <a:r>
+              <a:rPr lang="nl-NL" sz="1600" kern="0" dirty="0" smtClean="0">
+                <a:latin typeface="Courier New" panose="02070309020205020404" pitchFamily="49" charset="0"/>
+                <a:cs typeface="Courier New" panose="02070309020205020404" pitchFamily="49" charset="0"/>
+              </a:rPr>
+              <a:t> a training </a:t>
+            </a:r>
+            <a:r>
+              <a:rPr lang="nl-NL" sz="1600" kern="0" dirty="0" err="1" smtClean="0">
+                <a:latin typeface="Courier New" panose="02070309020205020404" pitchFamily="49" charset="0"/>
+                <a:cs typeface="Courier New" panose="02070309020205020404" pitchFamily="49" charset="0"/>
+              </a:rPr>
               <a:t>and</a:t>
             </a:r>
             <a:r>
@@ -12977,63 +12747,82 @@
                 <a:latin typeface="Courier New" panose="02070309020205020404" pitchFamily="49" charset="0"/>
                 <a:cs typeface="Courier New" panose="02070309020205020404" pitchFamily="49" charset="0"/>
               </a:rPr>
-              <a:t> y variables – y is the </a:t>
-            </a:r>
+              <a:t> a test set</a:t>
+            </a:r>
+          </a:p>
+          <a:p>
+            <a:pPr>
+              <a:buFont typeface="+mj-lt"/>
+              <a:buAutoNum type="arabicPeriod"/>
+            </a:pPr>
+            <a:r>
+              <a:rPr lang="nl-NL" sz="1600" kern="0" dirty="0" smtClean="0">
+                <a:latin typeface="Courier New" panose="02070309020205020404" pitchFamily="49" charset="0"/>
+                <a:cs typeface="Courier New" panose="02070309020205020404" pitchFamily="49" charset="0"/>
+              </a:rPr>
+              <a:t>Fit a NB model on the training set</a:t>
+            </a:r>
+          </a:p>
+          <a:p>
+            <a:pPr>
+              <a:buFont typeface="+mj-lt"/>
+              <a:buAutoNum type="arabicPeriod"/>
+            </a:pPr>
             <a:r>
               <a:rPr lang="nl-NL" sz="1600" kern="0" dirty="0" err="1" smtClean="0">
                 <a:latin typeface="Courier New" panose="02070309020205020404" pitchFamily="49" charset="0"/>
                 <a:cs typeface="Courier New" panose="02070309020205020404" pitchFamily="49" charset="0"/>
               </a:rPr>
-              <a:t>colummn</a:t>
+              <a:t>Predict</a:t>
+            </a:r>
+            <a:r>
+              <a:rPr lang="nl-NL" sz="1600" kern="0" dirty="0">
+                <a:latin typeface="Courier New" panose="02070309020205020404" pitchFamily="49" charset="0"/>
+                <a:cs typeface="Courier New" panose="02070309020205020404" pitchFamily="49" charset="0"/>
+              </a:rPr>
+              <a:t> </a:t>
             </a:r>
             <a:r>
               <a:rPr lang="nl-NL" sz="1600" kern="0" dirty="0" smtClean="0">
                 <a:latin typeface="Courier New" panose="02070309020205020404" pitchFamily="49" charset="0"/>
                 <a:cs typeface="Courier New" panose="02070309020205020404" pitchFamily="49" charset="0"/>
               </a:rPr>
-              <a:t> </a:t>
+              <a:t>the classes (Lisa or Bart) of the test set </a:t>
             </a:r>
             <a:r>
               <a:rPr lang="nl-NL" sz="1600" kern="0" dirty="0" err="1" smtClean="0">
                 <a:latin typeface="Courier New" panose="02070309020205020404" pitchFamily="49" charset="0"/>
                 <a:cs typeface="Courier New" panose="02070309020205020404" pitchFamily="49" charset="0"/>
               </a:rPr>
-              <a:t>with</a:t>
+              <a:t>and</a:t>
             </a:r>
             <a:r>
               <a:rPr lang="nl-NL" sz="1600" kern="0" dirty="0" smtClean="0">
                 <a:latin typeface="Courier New" panose="02070309020205020404" pitchFamily="49" charset="0"/>
                 <a:cs typeface="Courier New" panose="02070309020205020404" pitchFamily="49" charset="0"/>
               </a:rPr>
-              <a:t> the </a:t>
+              <a:t> store the </a:t>
             </a:r>
             <a:r>
               <a:rPr lang="nl-NL" sz="1600" kern="0" dirty="0" err="1" smtClean="0">
                 <a:latin typeface="Courier New" panose="02070309020205020404" pitchFamily="49" charset="0"/>
                 <a:cs typeface="Courier New" panose="02070309020205020404" pitchFamily="49" charset="0"/>
               </a:rPr>
-              <a:t>character</a:t>
+              <a:t>result</a:t>
             </a:r>
             <a:r>
               <a:rPr lang="nl-NL" sz="1600" kern="0" dirty="0" smtClean="0">
                 <a:latin typeface="Courier New" panose="02070309020205020404" pitchFamily="49" charset="0"/>
                 <a:cs typeface="Courier New" panose="02070309020205020404" pitchFamily="49" charset="0"/>
               </a:rPr>
-              <a:t> </a:t>
+              <a:t> in a </a:t>
             </a:r>
             <a:r>
               <a:rPr lang="nl-NL" sz="1600" kern="0" dirty="0" err="1" smtClean="0">
                 <a:latin typeface="Courier New" panose="02070309020205020404" pitchFamily="49" charset="0"/>
                 <a:cs typeface="Courier New" panose="02070309020205020404" pitchFamily="49" charset="0"/>
               </a:rPr>
-              <a:t>names</a:t>
-            </a:r>
-            <a:r>
-              <a:rPr lang="nl-NL" sz="1600" kern="0" dirty="0" smtClean="0">
-                <a:latin typeface="Courier New" panose="02070309020205020404" pitchFamily="49" charset="0"/>
-                <a:cs typeface="Courier New" panose="02070309020205020404" pitchFamily="49" charset="0"/>
-              </a:rPr>
-              <a:t>, X is the document-feature matrix</a:t>
+              <a:t>variable</a:t>
             </a:r>
             <a:endParaRPr lang="nl-NL" sz="1600" kern="0" dirty="0" smtClean="0">
               <a:latin typeface="Courier New" panose="02070309020205020404" pitchFamily="49" charset="0"/>
@@ -13046,208 +12835,46 @@
               <a:buAutoNum type="arabicPeriod"/>
             </a:pPr>
             <a:r>
+              <a:rPr lang="nl-NL" sz="1600" kern="0" dirty="0" err="1" smtClean="0">
+                <a:latin typeface="Courier New" panose="02070309020205020404" pitchFamily="49" charset="0"/>
+                <a:cs typeface="Courier New" panose="02070309020205020404" pitchFamily="49" charset="0"/>
+              </a:rPr>
+              <a:t>Calculate</a:t>
+            </a:r>
+            <a:r>
               <a:rPr lang="nl-NL" sz="1600" kern="0" dirty="0" smtClean="0">
                 <a:latin typeface="Courier New" panose="02070309020205020404" pitchFamily="49" charset="0"/>
                 <a:cs typeface="Courier New" panose="02070309020205020404" pitchFamily="49" charset="0"/>
               </a:rPr>
-              <a:t>Split the data </a:t>
+              <a:t> the </a:t>
             </a:r>
             <a:r>
               <a:rPr lang="nl-NL" sz="1600" kern="0" dirty="0" err="1" smtClean="0">
                 <a:latin typeface="Courier New" panose="02070309020205020404" pitchFamily="49" charset="0"/>
                 <a:cs typeface="Courier New" panose="02070309020205020404" pitchFamily="49" charset="0"/>
               </a:rPr>
-              <a:t>into</a:t>
+              <a:t>accuracy</a:t>
             </a:r>
             <a:r>
               <a:rPr lang="nl-NL" sz="1600" kern="0" dirty="0" smtClean="0">
                 <a:latin typeface="Courier New" panose="02070309020205020404" pitchFamily="49" charset="0"/>
                 <a:cs typeface="Courier New" panose="02070309020205020404" pitchFamily="49" charset="0"/>
               </a:rPr>
-              <a:t> a training </a:t>
+              <a:t> of </a:t>
             </a:r>
             <a:r>
               <a:rPr lang="nl-NL" sz="1600" kern="0" dirty="0" err="1" smtClean="0">
                 <a:latin typeface="Courier New" panose="02070309020205020404" pitchFamily="49" charset="0"/>
                 <a:cs typeface="Courier New" panose="02070309020205020404" pitchFamily="49" charset="0"/>
               </a:rPr>
-              <a:t>and</a:t>
+              <a:t>your</a:t>
             </a:r>
             <a:r>
               <a:rPr lang="nl-NL" sz="1600" kern="0" dirty="0" smtClean="0">
                 <a:latin typeface="Courier New" panose="02070309020205020404" pitchFamily="49" charset="0"/>
                 <a:cs typeface="Courier New" panose="02070309020205020404" pitchFamily="49" charset="0"/>
               </a:rPr>
-              <a:t> a test set</a:t>
-            </a:r>
-          </a:p>
-          <a:p>
-            <a:pPr>
-              <a:buFont typeface="+mj-lt"/>
-              <a:buAutoNum type="arabicPeriod"/>
-            </a:pPr>
-            <a:r>
-              <a:rPr lang="nl-NL" sz="1600" kern="0" dirty="0" smtClean="0">
-                <a:latin typeface="Courier New" panose="02070309020205020404" pitchFamily="49" charset="0"/>
-                <a:cs typeface="Courier New" panose="02070309020205020404" pitchFamily="49" charset="0"/>
-              </a:rPr>
-              <a:t>Fit a </a:t>
-            </a:r>
-            <a:r>
-              <a:rPr lang="nl-NL" sz="1600" kern="0" dirty="0" smtClean="0">
-                <a:latin typeface="Courier New" panose="02070309020205020404" pitchFamily="49" charset="0"/>
-                <a:cs typeface="Courier New" panose="02070309020205020404" pitchFamily="49" charset="0"/>
-              </a:rPr>
-              <a:t>NB model on the training set</a:t>
-            </a:r>
-          </a:p>
-          <a:p>
-            <a:pPr>
-              <a:buFont typeface="+mj-lt"/>
-              <a:buAutoNum type="arabicPeriod"/>
-            </a:pPr>
-            <a:r>
-              <a:rPr lang="nl-NL" sz="1600" kern="0" dirty="0" err="1" smtClean="0">
-                <a:latin typeface="Courier New" panose="02070309020205020404" pitchFamily="49" charset="0"/>
-                <a:cs typeface="Courier New" panose="02070309020205020404" pitchFamily="49" charset="0"/>
-              </a:rPr>
-              <a:t>Predict</a:t>
-            </a:r>
-            <a:r>
-              <a:rPr lang="nl-NL" sz="1600" kern="0" dirty="0">
-                <a:latin typeface="Courier New" panose="02070309020205020404" pitchFamily="49" charset="0"/>
-                <a:cs typeface="Courier New" panose="02070309020205020404" pitchFamily="49" charset="0"/>
-              </a:rPr>
-              <a:t> </a:t>
-            </a:r>
-            <a:r>
-              <a:rPr lang="nl-NL" sz="1600" kern="0" dirty="0" smtClean="0">
-                <a:latin typeface="Courier New" panose="02070309020205020404" pitchFamily="49" charset="0"/>
-                <a:cs typeface="Courier New" panose="02070309020205020404" pitchFamily="49" charset="0"/>
-              </a:rPr>
-              <a:t>the </a:t>
-            </a:r>
-            <a:r>
-              <a:rPr lang="nl-NL" sz="1600" kern="0" dirty="0" smtClean="0">
-                <a:latin typeface="Courier New" panose="02070309020205020404" pitchFamily="49" charset="0"/>
-                <a:cs typeface="Courier New" panose="02070309020205020404" pitchFamily="49" charset="0"/>
-              </a:rPr>
-              <a:t>classes </a:t>
-            </a:r>
-            <a:r>
-              <a:rPr lang="nl-NL" sz="1600" kern="0" dirty="0" smtClean="0">
-                <a:latin typeface="Courier New" panose="02070309020205020404" pitchFamily="49" charset="0"/>
-                <a:cs typeface="Courier New" panose="02070309020205020404" pitchFamily="49" charset="0"/>
-              </a:rPr>
-              <a:t>(Lisa or Bart) of the test </a:t>
-            </a:r>
-            <a:r>
-              <a:rPr lang="nl-NL" sz="1600" kern="0" dirty="0" smtClean="0">
-                <a:latin typeface="Courier New" panose="02070309020205020404" pitchFamily="49" charset="0"/>
-                <a:cs typeface="Courier New" panose="02070309020205020404" pitchFamily="49" charset="0"/>
-              </a:rPr>
-              <a:t>set </a:t>
-            </a:r>
-            <a:r>
-              <a:rPr lang="nl-NL" sz="1600" kern="0" dirty="0" err="1" smtClean="0">
-                <a:latin typeface="Courier New" panose="02070309020205020404" pitchFamily="49" charset="0"/>
-                <a:cs typeface="Courier New" panose="02070309020205020404" pitchFamily="49" charset="0"/>
-              </a:rPr>
-              <a:t>and</a:t>
-            </a:r>
-            <a:r>
-              <a:rPr lang="nl-NL" sz="1600" kern="0" dirty="0" smtClean="0">
-                <a:latin typeface="Courier New" panose="02070309020205020404" pitchFamily="49" charset="0"/>
-                <a:cs typeface="Courier New" panose="02070309020205020404" pitchFamily="49" charset="0"/>
-              </a:rPr>
-              <a:t> store the </a:t>
-            </a:r>
-            <a:r>
-              <a:rPr lang="nl-NL" sz="1600" kern="0" dirty="0" err="1" smtClean="0">
-                <a:latin typeface="Courier New" panose="02070309020205020404" pitchFamily="49" charset="0"/>
-                <a:cs typeface="Courier New" panose="02070309020205020404" pitchFamily="49" charset="0"/>
-              </a:rPr>
-              <a:t>result</a:t>
-            </a:r>
-            <a:r>
-              <a:rPr lang="nl-NL" sz="1600" kern="0" dirty="0" smtClean="0">
-                <a:latin typeface="Courier New" panose="02070309020205020404" pitchFamily="49" charset="0"/>
-                <a:cs typeface="Courier New" panose="02070309020205020404" pitchFamily="49" charset="0"/>
-              </a:rPr>
-              <a:t> in a </a:t>
-            </a:r>
-            <a:r>
-              <a:rPr lang="nl-NL" sz="1600" kern="0" dirty="0" err="1" smtClean="0">
-                <a:latin typeface="Courier New" panose="02070309020205020404" pitchFamily="49" charset="0"/>
-                <a:cs typeface="Courier New" panose="02070309020205020404" pitchFamily="49" charset="0"/>
-              </a:rPr>
-              <a:t>variable</a:t>
-            </a:r>
-            <a:endParaRPr lang="nl-NL" sz="1600" kern="0" dirty="0" smtClean="0">
-              <a:latin typeface="Courier New" panose="02070309020205020404" pitchFamily="49" charset="0"/>
-              <a:cs typeface="Courier New" panose="02070309020205020404" pitchFamily="49" charset="0"/>
-            </a:endParaRPr>
-          </a:p>
-          <a:p>
-            <a:pPr>
-              <a:buFont typeface="+mj-lt"/>
-              <a:buAutoNum type="arabicPeriod"/>
-            </a:pPr>
-            <a:r>
-              <a:rPr lang="nl-NL" sz="1600" kern="0" dirty="0" err="1" smtClean="0">
-                <a:latin typeface="Courier New" panose="02070309020205020404" pitchFamily="49" charset="0"/>
-                <a:cs typeface="Courier New" panose="02070309020205020404" pitchFamily="49" charset="0"/>
-              </a:rPr>
-              <a:t>Calculate</a:t>
-            </a:r>
-            <a:r>
-              <a:rPr lang="nl-NL" sz="1600" kern="0" dirty="0" smtClean="0">
-                <a:latin typeface="Courier New" panose="02070309020205020404" pitchFamily="49" charset="0"/>
-                <a:cs typeface="Courier New" panose="02070309020205020404" pitchFamily="49" charset="0"/>
-              </a:rPr>
-              <a:t> the </a:t>
-            </a:r>
-            <a:r>
-              <a:rPr lang="nl-NL" sz="1600" kern="0" dirty="0" err="1" smtClean="0">
-                <a:latin typeface="Courier New" panose="02070309020205020404" pitchFamily="49" charset="0"/>
-                <a:cs typeface="Courier New" panose="02070309020205020404" pitchFamily="49" charset="0"/>
-              </a:rPr>
-              <a:t>accuracy</a:t>
-            </a:r>
-            <a:r>
-              <a:rPr lang="nl-NL" sz="1600" kern="0" dirty="0" smtClean="0">
-                <a:latin typeface="Courier New" panose="02070309020205020404" pitchFamily="49" charset="0"/>
-                <a:cs typeface="Courier New" panose="02070309020205020404" pitchFamily="49" charset="0"/>
-              </a:rPr>
-              <a:t> </a:t>
-            </a:r>
-            <a:r>
-              <a:rPr lang="nl-NL" sz="1600" kern="0" dirty="0" smtClean="0">
-                <a:latin typeface="Courier New" panose="02070309020205020404" pitchFamily="49" charset="0"/>
-                <a:cs typeface="Courier New" panose="02070309020205020404" pitchFamily="49" charset="0"/>
-              </a:rPr>
-              <a:t>of </a:t>
-            </a:r>
-            <a:r>
-              <a:rPr lang="nl-NL" sz="1600" kern="0" dirty="0" err="1" smtClean="0">
-                <a:latin typeface="Courier New" panose="02070309020205020404" pitchFamily="49" charset="0"/>
-                <a:cs typeface="Courier New" panose="02070309020205020404" pitchFamily="49" charset="0"/>
-              </a:rPr>
-              <a:t>your</a:t>
-            </a:r>
-            <a:r>
-              <a:rPr lang="nl-NL" sz="1600" kern="0" dirty="0" smtClean="0">
-                <a:latin typeface="Courier New" panose="02070309020205020404" pitchFamily="49" charset="0"/>
-                <a:cs typeface="Courier New" panose="02070309020205020404" pitchFamily="49" charset="0"/>
-              </a:rPr>
-              <a:t> </a:t>
-            </a:r>
-            <a:r>
-              <a:rPr lang="nl-NL" sz="1600" kern="0" dirty="0" smtClean="0">
-                <a:latin typeface="Courier New" panose="02070309020205020404" pitchFamily="49" charset="0"/>
-                <a:cs typeface="Courier New" panose="02070309020205020404" pitchFamily="49" charset="0"/>
-              </a:rPr>
-              <a:t>model</a:t>
+              <a:t> model</a:t>
             </a:r>
             <a:r>
               <a:rPr lang="nl-NL" sz="1600" kern="0" dirty="0">
@@ -13594,11 +13221,7 @@
             </a:r>
             <a:r>
               <a:rPr lang="nl-NL" sz="2400" dirty="0" smtClean="0"/>
-              <a:t>(</a:t>
-            </a:r>
-            <a:r>
-              <a:rPr lang="nl-NL" sz="2400" dirty="0" smtClean="0"/>
-              <a:t>like Random </a:t>
+              <a:t>(like Random </a:t>
             </a:r>
             <a:r>
               <a:rPr lang="nl-NL" sz="2400" dirty="0" err="1" smtClean="0"/>
@@ -13606,15 +13229,7 @@
             </a:r>
             <a:r>
               <a:rPr lang="nl-NL" sz="2400" dirty="0" smtClean="0"/>
-              <a:t>) t</a:t>
-            </a:r>
-            <a:r>
-              <a:rPr lang="nl-NL" sz="2400" dirty="0" smtClean="0"/>
-              <a:t>he </a:t>
-            </a:r>
-            <a:r>
-              <a:rPr lang="nl-NL" sz="2400" dirty="0" smtClean="0"/>
-              <a:t>output of the </a:t>
+              <a:t>) the output of the </a:t>
             </a:r>
             <a:r>
               <a:rPr lang="nl-NL" sz="2400" dirty="0" err="1" smtClean="0"/>
@@ -13739,11 +13354,7 @@
             </a:r>
             <a:r>
               <a:rPr lang="nl-NL" sz="2400" dirty="0" smtClean="0"/>
-              <a:t> | X</a:t>
-            </a:r>
-            <a:r>
-              <a:rPr lang="nl-NL" sz="2400" dirty="0" smtClean="0"/>
-              <a:t>): the </a:t>
+              <a:t> | X): the </a:t>
             </a:r>
             <a:r>
               <a:rPr lang="nl-NL" sz="2400" dirty="0" err="1" smtClean="0"/>
@@ -13753,7 +13364,6 @@
               <a:rPr lang="nl-NL" sz="2400" dirty="0" smtClean="0"/>
               <a:t> of class C</a:t>
             </a:r>
-            <a:endParaRPr lang="nl-NL" sz="2400" dirty="0" smtClean="0"/>
           </a:p>
           <a:p>
             <a:pPr marL="0" indent="0">
@@ -13772,11 +13382,7 @@
             </a:r>
             <a:r>
               <a:rPr lang="nl-NL" sz="2400" dirty="0" smtClean="0"/>
-              <a:t> </a:t>
-            </a:r>
-            <a:r>
-              <a:rPr lang="nl-NL" sz="2400" dirty="0" smtClean="0"/>
-              <a:t>is </a:t>
+              <a:t> is </a:t>
             </a:r>
             <a:r>
               <a:rPr lang="nl-NL" sz="2400" dirty="0" err="1" smtClean="0"/>
@@ -16742,11 +16348,7 @@
             </a:r>
             <a:r>
               <a:rPr lang="nl-NL" sz="2400" dirty="0" smtClean="0"/>
-              <a:t> wixin_56: public </a:t>
-            </a:r>
-            <a:r>
-              <a:rPr lang="nl-NL" sz="2400" dirty="0" smtClean="0"/>
-              <a:t>domain</a:t>
+              <a:t> wixin_56: public domain</a:t>
             </a:r>
           </a:p>
           <a:p>
@@ -16782,7 +16384,6 @@
               <a:rPr lang="nl-NL" sz="2400" dirty="0" smtClean="0"/>
               <a:t>: CC-ASA 4.0</a:t>
             </a:r>
-            <a:endParaRPr lang="nl-NL" sz="2400" dirty="0" smtClean="0"/>
           </a:p>
           <a:p>
             <a:endParaRPr lang="nl-NL" sz="2400" dirty="0" smtClean="0"/>
@@ -17116,11 +16717,7 @@
             </a:r>
             <a:r>
               <a:rPr lang="nl-NL" sz="1800" dirty="0" smtClean="0"/>
-              <a:t> </a:t>
-            </a:r>
-            <a:r>
-              <a:rPr lang="nl-NL" sz="1800" dirty="0" smtClean="0"/>
-              <a:t>text</a:t>
+              <a:t> text</a:t>
             </a:r>
             <a:endParaRPr lang="nl-NL" sz="1800" dirty="0"/>
           </a:p>
@@ -17276,11 +16873,7 @@
           <a:p>
             <a:r>
               <a:rPr lang="nl-NL" sz="2400" dirty="0" err="1" smtClean="0"/>
-              <a:t>S</a:t>
-            </a:r>
-            <a:r>
-              <a:rPr lang="nl-NL" sz="2400" dirty="0" err="1" smtClean="0"/>
-              <a:t>pecialized</a:t>
+              <a:t>Specialized</a:t>
             </a:r>
             <a:r>
               <a:rPr lang="nl-NL" sz="2400" dirty="0" smtClean="0"/>
@@ -17480,11 +17073,7 @@
             </a:r>
             <a:r>
               <a:rPr lang="nl-NL" sz="1800" dirty="0" smtClean="0"/>
-              <a:t> </a:t>
-            </a:r>
-            <a:r>
-              <a:rPr lang="nl-NL" sz="1800" dirty="0" smtClean="0"/>
-              <a:t>(</a:t>
+              <a:t> (</a:t>
             </a:r>
             <a:r>
               <a:rPr lang="nl-NL" sz="1800" dirty="0" err="1" smtClean="0"/>
@@ -17510,7 +17099,6 @@
               <a:rPr lang="nl-NL" sz="1800" dirty="0" smtClean="0"/>
               <a:t>) </a:t>
             </a:r>
-            <a:endParaRPr lang="nl-NL" sz="1800" dirty="0" smtClean="0"/>
           </a:p>
           <a:p>
             <a:r>
@@ -17564,11 +17152,7 @@
             </a:r>
             <a:r>
               <a:rPr lang="nl-NL" sz="1800" dirty="0" smtClean="0"/>
-              <a:t>, word order</a:t>
-            </a:r>
-            <a:r>
-              <a:rPr lang="nl-NL" sz="1800" dirty="0" smtClean="0"/>
-              <a:t>)</a:t>
+              <a:t>, word order)</a:t>
             </a:r>
           </a:p>
           <a:p>
@@ -17590,11 +17174,7 @@
             </a:r>
             <a:r>
               <a:rPr lang="nl-NL" sz="1800" dirty="0" smtClean="0"/>
-              <a:t> </a:t>
-            </a:r>
-            <a:r>
-              <a:rPr lang="nl-NL" sz="1800" dirty="0" smtClean="0"/>
-              <a:t>…</a:t>
+              <a:t> …</a:t>
             </a:r>
           </a:p>
           <a:p>
@@ -17682,7 +17262,6 @@
               <a:rPr lang="nl-NL" sz="1800" dirty="0" smtClean="0"/>
               <a:t> in context) </a:t>
             </a:r>
-            <a:endParaRPr lang="nl-NL" sz="1800" dirty="0" smtClean="0"/>
           </a:p>
           <a:p>
             <a:pPr lvl="1"/>
@@ -17692,11 +17271,7 @@
             </a:r>
             <a:r>
               <a:rPr lang="nl-NL" sz="1800" dirty="0" smtClean="0"/>
-              <a:t>→ </a:t>
-            </a:r>
-            <a:r>
-              <a:rPr lang="nl-NL" sz="1800" dirty="0" smtClean="0"/>
-              <a:t>‘get out!’</a:t>
+              <a:t>→ ‘get out!’</a:t>
             </a:r>
           </a:p>
           <a:p>
@@ -18313,11 +17888,7 @@
             </a:r>
             <a:r>
               <a:rPr lang="nl-NL" sz="2400" dirty="0" smtClean="0"/>
-              <a:t> </a:t>
-            </a:r>
-            <a:r>
-              <a:rPr lang="nl-NL" sz="2400" dirty="0" smtClean="0"/>
-              <a:t>text in English </a:t>
+              <a:t> text in English </a:t>
             </a:r>
             <a:r>
               <a:rPr lang="nl-NL" sz="2400" dirty="0" err="1" smtClean="0"/>
